--- a/hivprogression/peer-seminar.pptx
+++ b/hivprogression/peer-seminar.pptx
@@ -7,12 +7,14 @@
   <p:sldIdLst>
     <p:sldId id="256" r:id="rId2"/>
     <p:sldId id="257" r:id="rId3"/>
-    <p:sldId id="262" r:id="rId4"/>
-    <p:sldId id="263" r:id="rId5"/>
-    <p:sldId id="259" r:id="rId6"/>
-    <p:sldId id="258" r:id="rId7"/>
-    <p:sldId id="261" r:id="rId8"/>
-    <p:sldId id="260" r:id="rId9"/>
+    <p:sldId id="264" r:id="rId4"/>
+    <p:sldId id="262" r:id="rId5"/>
+    <p:sldId id="263" r:id="rId6"/>
+    <p:sldId id="265" r:id="rId7"/>
+    <p:sldId id="259" r:id="rId8"/>
+    <p:sldId id="258" r:id="rId9"/>
+    <p:sldId id="261" r:id="rId10"/>
+    <p:sldId id="260" r:id="rId11"/>
   </p:sldIdLst>
   <p:sldSz cx="12192000" cy="6858000"/>
   <p:notesSz cx="6858000" cy="9144000"/>
@@ -111,6 +113,11 @@
       </a:defRPr>
     </a:lvl9pPr>
   </p:defaultTextStyle>
+  <p:extLst>
+    <p:ext uri="{EFAFB233-063F-42B5-8137-9DF3F51BA10A}">
+      <p15:sldGuideLst xmlns:p15="http://schemas.microsoft.com/office/powerpoint/2012/main"/>
+    </p:ext>
+  </p:extLst>
 </p:presentation>
 </file>
 
@@ -3386,6 +3393,36 @@
 </p:sld>
 </file>
 
+<file path=ppt/slides/slide10.xml><?xml version="1.0" encoding="utf-8"?>
+<p:sld xmlns:a="http://schemas.openxmlformats.org/drawingml/2006/main" xmlns:r="http://schemas.openxmlformats.org/officeDocument/2006/relationships" xmlns:p="http://schemas.openxmlformats.org/presentationml/2006/main">
+  <p:cSld>
+    <p:spTree>
+      <p:nvGrpSpPr>
+        <p:cNvPr id="1" name=""/>
+        <p:cNvGrpSpPr/>
+        <p:nvPr/>
+      </p:nvGrpSpPr>
+      <p:grpSpPr>
+        <a:xfrm>
+          <a:off x="0" y="0"/>
+          <a:ext cx="0" cy="0"/>
+          <a:chOff x="0" y="0"/>
+          <a:chExt cx="0" cy="0"/>
+        </a:xfrm>
+      </p:grpSpPr>
+    </p:spTree>
+    <p:extLst>
+      <p:ext uri="{BB962C8B-B14F-4D97-AF65-F5344CB8AC3E}">
+        <p14:creationId xmlns:p14="http://schemas.microsoft.com/office/powerpoint/2010/main" val="3982113407"/>
+      </p:ext>
+    </p:extLst>
+  </p:cSld>
+  <p:clrMapOvr>
+    <a:masterClrMapping/>
+  </p:clrMapOvr>
+</p:sld>
+</file>
+
 <file path=ppt/slides/slide2.xml><?xml version="1.0" encoding="utf-8"?>
 <p:sld xmlns:a="http://schemas.openxmlformats.org/drawingml/2006/main" xmlns:r="http://schemas.openxmlformats.org/officeDocument/2006/relationships" xmlns:p="http://schemas.openxmlformats.org/presentationml/2006/main">
   <p:cSld>
@@ -3546,7 +3583,7 @@
           <p:cNvPr id="2" name="Title 1">
             <a:extLst>
               <a:ext uri="{FF2B5EF4-FFF2-40B4-BE49-F238E27FC236}">
-                <a16:creationId xmlns:a16="http://schemas.microsoft.com/office/drawing/2014/main" id="{06AD4AC1-017E-4725-809F-17F31685F073}"/>
+                <a16:creationId xmlns:a16="http://schemas.microsoft.com/office/drawing/2014/main" id="{08EFFF19-1DCF-43AD-9E83-41CB3947562A}"/>
               </a:ext>
             </a:extLst>
           </p:cNvPr>
@@ -3564,7 +3601,7 @@
           <a:p>
             <a:r>
               <a:rPr lang="en-US" dirty="0"/>
-              <a:t>Method 1</a:t>
+              <a:t>Common Preprocessing</a:t>
             </a:r>
           </a:p>
         </p:txBody>
@@ -3574,7 +3611,7 @@
           <p:cNvPr id="3" name="Content Placeholder 2">
             <a:extLst>
               <a:ext uri="{FF2B5EF4-FFF2-40B4-BE49-F238E27FC236}">
-                <a16:creationId xmlns:a16="http://schemas.microsoft.com/office/drawing/2014/main" id="{D88B5992-6DA9-4B8D-8597-A134EC4A0C44}"/>
+                <a16:creationId xmlns:a16="http://schemas.microsoft.com/office/drawing/2014/main" id="{84311FE2-AF0B-408D-A819-D82CB413D70F}"/>
               </a:ext>
             </a:extLst>
           </p:cNvPr>
@@ -3590,14 +3627,14 @@
           <a:bodyPr/>
           <a:lstStyle/>
           <a:p>
-            <a:endParaRPr lang="en-US"/>
+            <a:endParaRPr lang="en-US" dirty="0"/>
           </a:p>
         </p:txBody>
       </p:sp>
     </p:spTree>
     <p:extLst>
       <p:ext uri="{BB962C8B-B14F-4D97-AF65-F5344CB8AC3E}">
-        <p14:creationId xmlns:p14="http://schemas.microsoft.com/office/powerpoint/2010/main" val="2342131783"/>
+        <p14:creationId xmlns:p14="http://schemas.microsoft.com/office/powerpoint/2010/main" val="3564196095"/>
       </p:ext>
     </p:extLst>
   </p:cSld>
@@ -3629,6 +3666,89 @@
           <p:cNvPr id="2" name="Title 1">
             <a:extLst>
               <a:ext uri="{FF2B5EF4-FFF2-40B4-BE49-F238E27FC236}">
+                <a16:creationId xmlns:a16="http://schemas.microsoft.com/office/drawing/2014/main" id="{06AD4AC1-017E-4725-809F-17F31685F073}"/>
+              </a:ext>
+            </a:extLst>
+          </p:cNvPr>
+          <p:cNvSpPr>
+            <a:spLocks noGrp="1"/>
+          </p:cNvSpPr>
+          <p:nvPr>
+            <p:ph type="title"/>
+          </p:nvPr>
+        </p:nvSpPr>
+        <p:spPr/>
+        <p:txBody>
+          <a:bodyPr/>
+          <a:lstStyle/>
+          <a:p>
+            <a:r>
+              <a:rPr lang="en-US" dirty="0"/>
+              <a:t>Method 1</a:t>
+            </a:r>
+          </a:p>
+        </p:txBody>
+      </p:sp>
+      <p:sp>
+        <p:nvSpPr>
+          <p:cNvPr id="3" name="Content Placeholder 2">
+            <a:extLst>
+              <a:ext uri="{FF2B5EF4-FFF2-40B4-BE49-F238E27FC236}">
+                <a16:creationId xmlns:a16="http://schemas.microsoft.com/office/drawing/2014/main" id="{D88B5992-6DA9-4B8D-8597-A134EC4A0C44}"/>
+              </a:ext>
+            </a:extLst>
+          </p:cNvPr>
+          <p:cNvSpPr>
+            <a:spLocks noGrp="1"/>
+          </p:cNvSpPr>
+          <p:nvPr>
+            <p:ph idx="1"/>
+          </p:nvPr>
+        </p:nvSpPr>
+        <p:spPr/>
+        <p:txBody>
+          <a:bodyPr/>
+          <a:lstStyle/>
+          <a:p>
+            <a:endParaRPr lang="en-US"/>
+          </a:p>
+        </p:txBody>
+      </p:sp>
+    </p:spTree>
+    <p:extLst>
+      <p:ext uri="{BB962C8B-B14F-4D97-AF65-F5344CB8AC3E}">
+        <p14:creationId xmlns:p14="http://schemas.microsoft.com/office/powerpoint/2010/main" val="2342131783"/>
+      </p:ext>
+    </p:extLst>
+  </p:cSld>
+  <p:clrMapOvr>
+    <a:masterClrMapping/>
+  </p:clrMapOvr>
+</p:sld>
+</file>
+
+<file path=ppt/slides/slide5.xml><?xml version="1.0" encoding="utf-8"?>
+<p:sld xmlns:a="http://schemas.openxmlformats.org/drawingml/2006/main" xmlns:r="http://schemas.openxmlformats.org/officeDocument/2006/relationships" xmlns:p="http://schemas.openxmlformats.org/presentationml/2006/main">
+  <p:cSld>
+    <p:spTree>
+      <p:nvGrpSpPr>
+        <p:cNvPr id="1" name=""/>
+        <p:cNvGrpSpPr/>
+        <p:nvPr/>
+      </p:nvGrpSpPr>
+      <p:grpSpPr>
+        <a:xfrm>
+          <a:off x="0" y="0"/>
+          <a:ext cx="0" cy="0"/>
+          <a:chOff x="0" y="0"/>
+          <a:chExt cx="0" cy="0"/>
+        </a:xfrm>
+      </p:grpSpPr>
+      <p:sp>
+        <p:nvSpPr>
+          <p:cNvPr id="2" name="Title 1">
+            <a:extLst>
+              <a:ext uri="{FF2B5EF4-FFF2-40B4-BE49-F238E27FC236}">
                 <a16:creationId xmlns:a16="http://schemas.microsoft.com/office/drawing/2014/main" id="{FB4CD6DC-A00E-4398-8029-395F4C7AF53D}"/>
               </a:ext>
             </a:extLst>
@@ -3690,7 +3810,90 @@
 </p:sld>
 </file>
 
-<file path=ppt/slides/slide5.xml><?xml version="1.0" encoding="utf-8"?>
+<file path=ppt/slides/slide6.xml><?xml version="1.0" encoding="utf-8"?>
+<p:sld xmlns:a="http://schemas.openxmlformats.org/drawingml/2006/main" xmlns:r="http://schemas.openxmlformats.org/officeDocument/2006/relationships" xmlns:p="http://schemas.openxmlformats.org/presentationml/2006/main">
+  <p:cSld>
+    <p:spTree>
+      <p:nvGrpSpPr>
+        <p:cNvPr id="1" name=""/>
+        <p:cNvGrpSpPr/>
+        <p:nvPr/>
+      </p:nvGrpSpPr>
+      <p:grpSpPr>
+        <a:xfrm>
+          <a:off x="0" y="0"/>
+          <a:ext cx="0" cy="0"/>
+          <a:chOff x="0" y="0"/>
+          <a:chExt cx="0" cy="0"/>
+        </a:xfrm>
+      </p:grpSpPr>
+      <p:sp>
+        <p:nvSpPr>
+          <p:cNvPr id="2" name="Title 1">
+            <a:extLst>
+              <a:ext uri="{FF2B5EF4-FFF2-40B4-BE49-F238E27FC236}">
+                <a16:creationId xmlns:a16="http://schemas.microsoft.com/office/drawing/2014/main" id="{1857B63B-EF03-49E3-86DD-015CC3CAB9BD}"/>
+              </a:ext>
+            </a:extLst>
+          </p:cNvPr>
+          <p:cNvSpPr>
+            <a:spLocks noGrp="1"/>
+          </p:cNvSpPr>
+          <p:nvPr>
+            <p:ph type="title"/>
+          </p:nvPr>
+        </p:nvSpPr>
+        <p:spPr/>
+        <p:txBody>
+          <a:bodyPr/>
+          <a:lstStyle/>
+          <a:p>
+            <a:r>
+              <a:rPr lang="en-US" dirty="0"/>
+              <a:t>Learning</a:t>
+            </a:r>
+          </a:p>
+        </p:txBody>
+      </p:sp>
+      <p:sp>
+        <p:nvSpPr>
+          <p:cNvPr id="3" name="Content Placeholder 2">
+            <a:extLst>
+              <a:ext uri="{FF2B5EF4-FFF2-40B4-BE49-F238E27FC236}">
+                <a16:creationId xmlns:a16="http://schemas.microsoft.com/office/drawing/2014/main" id="{677B73F2-AF05-44E3-9661-5D3E40E81355}"/>
+              </a:ext>
+            </a:extLst>
+          </p:cNvPr>
+          <p:cNvSpPr>
+            <a:spLocks noGrp="1"/>
+          </p:cNvSpPr>
+          <p:nvPr>
+            <p:ph idx="1"/>
+          </p:nvPr>
+        </p:nvSpPr>
+        <p:spPr/>
+        <p:txBody>
+          <a:bodyPr/>
+          <a:lstStyle/>
+          <a:p>
+            <a:endParaRPr lang="en-US"/>
+          </a:p>
+        </p:txBody>
+      </p:sp>
+    </p:spTree>
+    <p:extLst>
+      <p:ext uri="{BB962C8B-B14F-4D97-AF65-F5344CB8AC3E}">
+        <p14:creationId xmlns:p14="http://schemas.microsoft.com/office/powerpoint/2010/main" val="1560717873"/>
+      </p:ext>
+    </p:extLst>
+  </p:cSld>
+  <p:clrMapOvr>
+    <a:masterClrMapping/>
+  </p:clrMapOvr>
+</p:sld>
+</file>
+
+<file path=ppt/slides/slide7.xml><?xml version="1.0" encoding="utf-8"?>
 <p:sld xmlns:a="http://schemas.openxmlformats.org/drawingml/2006/main" xmlns:r="http://schemas.openxmlformats.org/officeDocument/2006/relationships" xmlns:p="http://schemas.openxmlformats.org/presentationml/2006/main">
   <p:cSld>
     <p:spTree>
@@ -3720,276 +3923,6 @@
 </p:sld>
 </file>
 
-<file path=ppt/slides/slide6.xml><?xml version="1.0" encoding="utf-8"?>
-<p:sld xmlns:a="http://schemas.openxmlformats.org/drawingml/2006/main" xmlns:r="http://schemas.openxmlformats.org/officeDocument/2006/relationships" xmlns:p="http://schemas.openxmlformats.org/presentationml/2006/main">
-  <p:cSld>
-    <p:spTree>
-      <p:nvGrpSpPr>
-        <p:cNvPr id="1" name=""/>
-        <p:cNvGrpSpPr/>
-        <p:nvPr/>
-      </p:nvGrpSpPr>
-      <p:grpSpPr>
-        <a:xfrm>
-          <a:off x="0" y="0"/>
-          <a:ext cx="0" cy="0"/>
-          <a:chOff x="0" y="0"/>
-          <a:chExt cx="0" cy="0"/>
-        </a:xfrm>
-      </p:grpSpPr>
-      <p:sp>
-        <p:nvSpPr>
-          <p:cNvPr id="2" name="Title 1">
-            <a:extLst>
-              <a:ext uri="{FF2B5EF4-FFF2-40B4-BE49-F238E27FC236}">
-                <a16:creationId xmlns:a16="http://schemas.microsoft.com/office/drawing/2014/main" id="{BAFEF5C8-00CB-4AB5-8B37-71AED74B1A2B}"/>
-              </a:ext>
-            </a:extLst>
-          </p:cNvPr>
-          <p:cNvSpPr>
-            <a:spLocks noGrp="1"/>
-          </p:cNvSpPr>
-          <p:nvPr>
-            <p:ph type="title"/>
-          </p:nvPr>
-        </p:nvSpPr>
-        <p:spPr/>
-        <p:txBody>
-          <a:bodyPr/>
-          <a:lstStyle/>
-          <a:p>
-            <a:r>
-              <a:rPr lang="en-US" dirty="0"/>
-              <a:t>Background</a:t>
-            </a:r>
-          </a:p>
-        </p:txBody>
-      </p:sp>
-      <p:sp>
-        <p:nvSpPr>
-          <p:cNvPr id="3" name="Content Placeholder 2">
-            <a:extLst>
-              <a:ext uri="{FF2B5EF4-FFF2-40B4-BE49-F238E27FC236}">
-                <a16:creationId xmlns:a16="http://schemas.microsoft.com/office/drawing/2014/main" id="{E754ED51-BDEA-44FB-8949-CFBE130D2B0B}"/>
-              </a:ext>
-            </a:extLst>
-          </p:cNvPr>
-          <p:cNvSpPr>
-            <a:spLocks noGrp="1"/>
-          </p:cNvSpPr>
-          <p:nvPr>
-            <p:ph idx="1"/>
-          </p:nvPr>
-        </p:nvSpPr>
-        <p:spPr/>
-        <p:txBody>
-          <a:bodyPr>
-            <a:normAutofit fontScale="77500" lnSpcReduction="20000"/>
-          </a:bodyPr>
-          <a:lstStyle/>
-          <a:p>
-            <a:pPr fontAlgn="base"/>
-            <a:r>
-              <a:rPr lang="en-US" dirty="0"/>
-              <a:t>This contest focuses on using the nucleotide sequence of the Reverse Transcriptase (RT) and Protease (PR) to predict the patient's short-term progression. For the non-Biologist: the nucleotide sequence is the blueprint of the protein, which is the workhorse of the cell.  The RT enzyme is responsible for copying the HIV-1 genome within the cell. As the HIV-1 genome is translated it is in one long string of amino acids; the PR protein cuts this string into the numerous functional units - required by the HIV life-cycle. These are the proteins that are targeted by most HIV-1 drugs since they are mostly unique to the HIV-1 life-cycle.  </a:t>
-            </a:r>
-            <a:br>
-              <a:rPr lang="en-US" dirty="0"/>
-            </a:br>
-            <a:endParaRPr lang="en-US" dirty="0"/>
-          </a:p>
-          <a:p>
-            <a:pPr fontAlgn="base"/>
-            <a:r>
-              <a:rPr lang="en-US" dirty="0"/>
-              <a:t>Along with the HIV-1 viral sequences I have provided the two common clinical indicators used to determine the "general health" of an HIV-1 infected individual: Viral Load and CD4+ cell counts.  The CD4+ cell count is an estimate of the number of white-blood-cells in 1 mL of blood while the viral load is the number of viral particles in that same </a:t>
-            </a:r>
-            <a:r>
-              <a:rPr lang="en-US" dirty="0" err="1"/>
-              <a:t>mL.</a:t>
-            </a:r>
-            <a:r>
-              <a:rPr lang="en-US" dirty="0"/>
-              <a:t>  In this dataset the viral load is represented in a log-10 scale.  The higher the number the more "active" the immune system. Paradoxically higher CD4 counts imply both a healthier individual but also a higher amount of viral reproduction (the virus primarily replicates in CD4 cells).</a:t>
-            </a:r>
-          </a:p>
-        </p:txBody>
-      </p:sp>
-    </p:spTree>
-    <p:extLst>
-      <p:ext uri="{BB962C8B-B14F-4D97-AF65-F5344CB8AC3E}">
-        <p14:creationId xmlns:p14="http://schemas.microsoft.com/office/powerpoint/2010/main" val="2510242828"/>
-      </p:ext>
-    </p:extLst>
-  </p:cSld>
-  <p:clrMapOvr>
-    <a:masterClrMapping/>
-  </p:clrMapOvr>
-</p:sld>
-</file>
-
-<file path=ppt/slides/slide7.xml><?xml version="1.0" encoding="utf-8"?>
-<p:sld xmlns:a="http://schemas.openxmlformats.org/drawingml/2006/main" xmlns:r="http://schemas.openxmlformats.org/officeDocument/2006/relationships" xmlns:p="http://schemas.openxmlformats.org/presentationml/2006/main">
-  <p:cSld>
-    <p:spTree>
-      <p:nvGrpSpPr>
-        <p:cNvPr id="1" name=""/>
-        <p:cNvGrpSpPr/>
-        <p:nvPr/>
-      </p:nvGrpSpPr>
-      <p:grpSpPr>
-        <a:xfrm>
-          <a:off x="0" y="0"/>
-          <a:ext cx="0" cy="0"/>
-          <a:chOff x="0" y="0"/>
-          <a:chExt cx="0" cy="0"/>
-        </a:xfrm>
-      </p:grpSpPr>
-      <p:sp>
-        <p:nvSpPr>
-          <p:cNvPr id="2" name="Title 1">
-            <a:extLst>
-              <a:ext uri="{FF2B5EF4-FFF2-40B4-BE49-F238E27FC236}">
-                <a16:creationId xmlns:a16="http://schemas.microsoft.com/office/drawing/2014/main" id="{99CBFEA3-E585-4305-8EB9-043117AA1F7C}"/>
-              </a:ext>
-            </a:extLst>
-          </p:cNvPr>
-          <p:cNvSpPr>
-            <a:spLocks noGrp="1"/>
-          </p:cNvSpPr>
-          <p:nvPr>
-            <p:ph type="title"/>
-          </p:nvPr>
-        </p:nvSpPr>
-        <p:spPr/>
-        <p:txBody>
-          <a:bodyPr/>
-          <a:lstStyle/>
-          <a:p>
-            <a:r>
-              <a:rPr lang="en-US" dirty="0"/>
-              <a:t>Dataset Description</a:t>
-            </a:r>
-          </a:p>
-        </p:txBody>
-      </p:sp>
-      <p:sp>
-        <p:nvSpPr>
-          <p:cNvPr id="3" name="Content Placeholder 2">
-            <a:extLst>
-              <a:ext uri="{FF2B5EF4-FFF2-40B4-BE49-F238E27FC236}">
-                <a16:creationId xmlns:a16="http://schemas.microsoft.com/office/drawing/2014/main" id="{4D87C7EB-1683-47AF-90FE-C2F9BFE8BFE1}"/>
-              </a:ext>
-            </a:extLst>
-          </p:cNvPr>
-          <p:cNvSpPr>
-            <a:spLocks noGrp="1"/>
-          </p:cNvSpPr>
-          <p:nvPr>
-            <p:ph idx="1"/>
-          </p:nvPr>
-        </p:nvSpPr>
-        <p:spPr/>
-        <p:txBody>
-          <a:bodyPr>
-            <a:normAutofit fontScale="85000" lnSpcReduction="20000"/>
-          </a:bodyPr>
-          <a:lstStyle/>
-          <a:p>
-            <a:pPr marL="0" indent="0" fontAlgn="base">
-              <a:buNone/>
-            </a:pPr>
-            <a:r>
-              <a:rPr lang="en-US" dirty="0"/>
-              <a:t>These sequences are from patients who had only recently contracted HIV-1 and had not been treated before. The Dataset is organized as follows:</a:t>
-            </a:r>
-          </a:p>
-          <a:p>
-            <a:pPr marL="0" indent="0" fontAlgn="base">
-              <a:buNone/>
-            </a:pPr>
-            <a:endParaRPr lang="en-US" dirty="0"/>
-          </a:p>
-          <a:p>
-            <a:pPr fontAlgn="base"/>
-            <a:r>
-              <a:rPr lang="en-US" dirty="0"/>
-              <a:t>Col-1: patient ID</a:t>
-            </a:r>
-          </a:p>
-          <a:p>
-            <a:pPr fontAlgn="base"/>
-            <a:r>
-              <a:rPr lang="en-US" dirty="0"/>
-              <a:t>Col-2: responder status ("1" for patients who improved and "0" otherwise)</a:t>
-            </a:r>
-          </a:p>
-          <a:p>
-            <a:pPr fontAlgn="base"/>
-            <a:r>
-              <a:rPr lang="en-US" dirty="0"/>
-              <a:t>Col-3: Protease nucleotide sequence (if available)</a:t>
-            </a:r>
-          </a:p>
-          <a:p>
-            <a:pPr fontAlgn="base"/>
-            <a:r>
-              <a:rPr lang="en-US" dirty="0"/>
-              <a:t>Col-4: Reverse </a:t>
-            </a:r>
-            <a:r>
-              <a:rPr lang="en-US" dirty="0" err="1"/>
-              <a:t>Transciptase</a:t>
-            </a:r>
-            <a:r>
-              <a:rPr lang="en-US" dirty="0"/>
-              <a:t> nucleotide sequence (if available)</a:t>
-            </a:r>
-          </a:p>
-          <a:p>
-            <a:pPr fontAlgn="base"/>
-            <a:r>
-              <a:rPr lang="en-US" dirty="0"/>
-              <a:t>Col-5: viral load at the beginning of therapy (log-10 units)</a:t>
-            </a:r>
-          </a:p>
-          <a:p>
-            <a:pPr fontAlgn="base"/>
-            <a:r>
-              <a:rPr lang="en-US" dirty="0"/>
-              <a:t>Col-6: CD4 count at the beginning of therapy</a:t>
-            </a:r>
-          </a:p>
-          <a:p>
-            <a:pPr marL="0" indent="0" fontAlgn="base">
-              <a:buNone/>
-            </a:pPr>
-            <a:endParaRPr lang="en-US" dirty="0"/>
-          </a:p>
-          <a:p>
-            <a:pPr marL="0" indent="0" fontAlgn="base">
-              <a:buNone/>
-            </a:pPr>
-            <a:r>
-              <a:rPr lang="en-US" dirty="0"/>
-              <a:t>The Responder status indicates whether the patient improved after 16 weeks of therapy.  Improvement is defined as a 100-fold decrease in the HIV-1 viral load.</a:t>
-            </a:r>
-          </a:p>
-        </p:txBody>
-      </p:sp>
-    </p:spTree>
-    <p:extLst>
-      <p:ext uri="{BB962C8B-B14F-4D97-AF65-F5344CB8AC3E}">
-        <p14:creationId xmlns:p14="http://schemas.microsoft.com/office/powerpoint/2010/main" val="960333177"/>
-      </p:ext>
-    </p:extLst>
-  </p:cSld>
-  <p:clrMapOvr>
-    <a:masterClrMapping/>
-  </p:clrMapOvr>
-</p:sld>
-</file>
-
 <file path=ppt/slides/slide8.xml><?xml version="1.0" encoding="utf-8"?>
 <p:sld xmlns:a="http://schemas.openxmlformats.org/drawingml/2006/main" xmlns:r="http://schemas.openxmlformats.org/officeDocument/2006/relationships" xmlns:p="http://schemas.openxmlformats.org/presentationml/2006/main">
   <p:cSld>
@@ -4007,10 +3940,250 @@
           <a:chExt cx="0" cy="0"/>
         </a:xfrm>
       </p:grpSpPr>
+      <p:sp>
+        <p:nvSpPr>
+          <p:cNvPr id="2" name="Title 1">
+            <a:extLst>
+              <a:ext uri="{FF2B5EF4-FFF2-40B4-BE49-F238E27FC236}">
+                <a16:creationId xmlns:a16="http://schemas.microsoft.com/office/drawing/2014/main" id="{BAFEF5C8-00CB-4AB5-8B37-71AED74B1A2B}"/>
+              </a:ext>
+            </a:extLst>
+          </p:cNvPr>
+          <p:cNvSpPr>
+            <a:spLocks noGrp="1"/>
+          </p:cNvSpPr>
+          <p:nvPr>
+            <p:ph type="title"/>
+          </p:nvPr>
+        </p:nvSpPr>
+        <p:spPr/>
+        <p:txBody>
+          <a:bodyPr/>
+          <a:lstStyle/>
+          <a:p>
+            <a:r>
+              <a:rPr lang="en-US" dirty="0"/>
+              <a:t>Background</a:t>
+            </a:r>
+          </a:p>
+        </p:txBody>
+      </p:sp>
+      <p:sp>
+        <p:nvSpPr>
+          <p:cNvPr id="3" name="Content Placeholder 2">
+            <a:extLst>
+              <a:ext uri="{FF2B5EF4-FFF2-40B4-BE49-F238E27FC236}">
+                <a16:creationId xmlns:a16="http://schemas.microsoft.com/office/drawing/2014/main" id="{E754ED51-BDEA-44FB-8949-CFBE130D2B0B}"/>
+              </a:ext>
+            </a:extLst>
+          </p:cNvPr>
+          <p:cNvSpPr>
+            <a:spLocks noGrp="1"/>
+          </p:cNvSpPr>
+          <p:nvPr>
+            <p:ph idx="1"/>
+          </p:nvPr>
+        </p:nvSpPr>
+        <p:spPr/>
+        <p:txBody>
+          <a:bodyPr>
+            <a:normAutofit fontScale="77500" lnSpcReduction="20000"/>
+          </a:bodyPr>
+          <a:lstStyle/>
+          <a:p>
+            <a:pPr fontAlgn="base"/>
+            <a:r>
+              <a:rPr lang="en-US" dirty="0"/>
+              <a:t>This contest focuses on using the nucleotide sequence of the Reverse Transcriptase (RT) and Protease (PR) to predict the patient's short-term progression. For the non-Biologist: the nucleotide sequence is the blueprint of the protein, which is the workhorse of the cell.  The RT enzyme is responsible for copying the HIV-1 genome within the cell. As the HIV-1 genome is translated it is in one long string of amino acids; the PR protein cuts this string into the numerous functional units - required by the HIV life-cycle. These are the proteins that are targeted by most HIV-1 drugs since they are mostly unique to the HIV-1 life-cycle.  </a:t>
+            </a:r>
+            <a:br>
+              <a:rPr lang="en-US" dirty="0"/>
+            </a:br>
+            <a:endParaRPr lang="en-US" dirty="0"/>
+          </a:p>
+          <a:p>
+            <a:pPr fontAlgn="base"/>
+            <a:r>
+              <a:rPr lang="en-US" dirty="0"/>
+              <a:t>Along with the HIV-1 viral sequences I have provided the two common clinical indicators used to determine the "general health" of an HIV-1 infected individual: Viral Load and CD4+ cell counts.  The CD4+ cell count is an estimate of the number of white-blood-cells in 1 mL of blood while the viral load is the number of viral particles in that same </a:t>
+            </a:r>
+            <a:r>
+              <a:rPr lang="en-US" dirty="0" err="1"/>
+              <a:t>mL.</a:t>
+            </a:r>
+            <a:r>
+              <a:rPr lang="en-US" dirty="0"/>
+              <a:t>  In this dataset the viral load is represented in a log-10 scale.  The higher the number the more "active" the immune system. Paradoxically higher CD4 counts imply both a healthier individual but also a higher amount of viral reproduction (the virus primarily replicates in CD4 cells).</a:t>
+            </a:r>
+          </a:p>
+        </p:txBody>
+      </p:sp>
     </p:spTree>
     <p:extLst>
       <p:ext uri="{BB962C8B-B14F-4D97-AF65-F5344CB8AC3E}">
-        <p14:creationId xmlns:p14="http://schemas.microsoft.com/office/powerpoint/2010/main" val="3982113407"/>
+        <p14:creationId xmlns:p14="http://schemas.microsoft.com/office/powerpoint/2010/main" val="2510242828"/>
+      </p:ext>
+    </p:extLst>
+  </p:cSld>
+  <p:clrMapOvr>
+    <a:masterClrMapping/>
+  </p:clrMapOvr>
+</p:sld>
+</file>
+
+<file path=ppt/slides/slide9.xml><?xml version="1.0" encoding="utf-8"?>
+<p:sld xmlns:a="http://schemas.openxmlformats.org/drawingml/2006/main" xmlns:r="http://schemas.openxmlformats.org/officeDocument/2006/relationships" xmlns:p="http://schemas.openxmlformats.org/presentationml/2006/main">
+  <p:cSld>
+    <p:spTree>
+      <p:nvGrpSpPr>
+        <p:cNvPr id="1" name=""/>
+        <p:cNvGrpSpPr/>
+        <p:nvPr/>
+      </p:nvGrpSpPr>
+      <p:grpSpPr>
+        <a:xfrm>
+          <a:off x="0" y="0"/>
+          <a:ext cx="0" cy="0"/>
+          <a:chOff x="0" y="0"/>
+          <a:chExt cx="0" cy="0"/>
+        </a:xfrm>
+      </p:grpSpPr>
+      <p:sp>
+        <p:nvSpPr>
+          <p:cNvPr id="2" name="Title 1">
+            <a:extLst>
+              <a:ext uri="{FF2B5EF4-FFF2-40B4-BE49-F238E27FC236}">
+                <a16:creationId xmlns:a16="http://schemas.microsoft.com/office/drawing/2014/main" id="{99CBFEA3-E585-4305-8EB9-043117AA1F7C}"/>
+              </a:ext>
+            </a:extLst>
+          </p:cNvPr>
+          <p:cNvSpPr>
+            <a:spLocks noGrp="1"/>
+          </p:cNvSpPr>
+          <p:nvPr>
+            <p:ph type="title"/>
+          </p:nvPr>
+        </p:nvSpPr>
+        <p:spPr/>
+        <p:txBody>
+          <a:bodyPr/>
+          <a:lstStyle/>
+          <a:p>
+            <a:r>
+              <a:rPr lang="en-US" dirty="0"/>
+              <a:t>Dataset Description</a:t>
+            </a:r>
+          </a:p>
+        </p:txBody>
+      </p:sp>
+      <p:sp>
+        <p:nvSpPr>
+          <p:cNvPr id="3" name="Content Placeholder 2">
+            <a:extLst>
+              <a:ext uri="{FF2B5EF4-FFF2-40B4-BE49-F238E27FC236}">
+                <a16:creationId xmlns:a16="http://schemas.microsoft.com/office/drawing/2014/main" id="{4D87C7EB-1683-47AF-90FE-C2F9BFE8BFE1}"/>
+              </a:ext>
+            </a:extLst>
+          </p:cNvPr>
+          <p:cNvSpPr>
+            <a:spLocks noGrp="1"/>
+          </p:cNvSpPr>
+          <p:nvPr>
+            <p:ph idx="1"/>
+          </p:nvPr>
+        </p:nvSpPr>
+        <p:spPr/>
+        <p:txBody>
+          <a:bodyPr>
+            <a:normAutofit fontScale="85000" lnSpcReduction="20000"/>
+          </a:bodyPr>
+          <a:lstStyle/>
+          <a:p>
+            <a:pPr marL="0" indent="0" fontAlgn="base">
+              <a:buNone/>
+            </a:pPr>
+            <a:r>
+              <a:rPr lang="en-US" dirty="0"/>
+              <a:t>These sequences are from patients who had only recently contracted HIV-1 and had not been treated before. The Dataset is organized as follows:</a:t>
+            </a:r>
+          </a:p>
+          <a:p>
+            <a:pPr marL="0" indent="0" fontAlgn="base">
+              <a:buNone/>
+            </a:pPr>
+            <a:endParaRPr lang="en-US" dirty="0"/>
+          </a:p>
+          <a:p>
+            <a:pPr fontAlgn="base"/>
+            <a:r>
+              <a:rPr lang="en-US" dirty="0"/>
+              <a:t>Col-1: patient ID</a:t>
+            </a:r>
+          </a:p>
+          <a:p>
+            <a:pPr fontAlgn="base"/>
+            <a:r>
+              <a:rPr lang="en-US" dirty="0"/>
+              <a:t>Col-2: responder status ("1" for patients who improved and "0" otherwise)</a:t>
+            </a:r>
+          </a:p>
+          <a:p>
+            <a:pPr fontAlgn="base"/>
+            <a:r>
+              <a:rPr lang="en-US" dirty="0"/>
+              <a:t>Col-3: Protease nucleotide sequence (if available)</a:t>
+            </a:r>
+          </a:p>
+          <a:p>
+            <a:pPr fontAlgn="base"/>
+            <a:r>
+              <a:rPr lang="en-US" dirty="0"/>
+              <a:t>Col-4: Reverse </a:t>
+            </a:r>
+            <a:r>
+              <a:rPr lang="en-US" dirty="0" err="1"/>
+              <a:t>Transciptase</a:t>
+            </a:r>
+            <a:r>
+              <a:rPr lang="en-US" dirty="0"/>
+              <a:t> nucleotide sequence (if available)</a:t>
+            </a:r>
+          </a:p>
+          <a:p>
+            <a:pPr fontAlgn="base"/>
+            <a:r>
+              <a:rPr lang="en-US" dirty="0"/>
+              <a:t>Col-5: viral load at the beginning of therapy (log-10 units)</a:t>
+            </a:r>
+          </a:p>
+          <a:p>
+            <a:pPr fontAlgn="base"/>
+            <a:r>
+              <a:rPr lang="en-US" dirty="0"/>
+              <a:t>Col-6: CD4 count at the beginning of therapy</a:t>
+            </a:r>
+          </a:p>
+          <a:p>
+            <a:pPr marL="0" indent="0" fontAlgn="base">
+              <a:buNone/>
+            </a:pPr>
+            <a:endParaRPr lang="en-US" dirty="0"/>
+          </a:p>
+          <a:p>
+            <a:pPr marL="0" indent="0" fontAlgn="base">
+              <a:buNone/>
+            </a:pPr>
+            <a:r>
+              <a:rPr lang="en-US" dirty="0"/>
+              <a:t>The Responder status indicates whether the patient improved after 16 weeks of therapy.  Improvement is defined as a 100-fold decrease in the HIV-1 viral load.</a:t>
+            </a:r>
+          </a:p>
+        </p:txBody>
+      </p:sp>
+    </p:spTree>
+    <p:extLst>
+      <p:ext uri="{BB962C8B-B14F-4D97-AF65-F5344CB8AC3E}">
+        <p14:creationId xmlns:p14="http://schemas.microsoft.com/office/powerpoint/2010/main" val="960333177"/>
       </p:ext>
     </p:extLst>
   </p:cSld>

--- a/hivprogression/peer-seminar.pptx
+++ b/hivprogression/peer-seminar.pptx
@@ -2,19 +2,23 @@
 <file path=ppt/presentation.xml><?xml version="1.0" encoding="utf-8"?>
 <p:presentation xmlns:a="http://schemas.openxmlformats.org/drawingml/2006/main" xmlns:r="http://schemas.openxmlformats.org/officeDocument/2006/relationships" xmlns:p="http://schemas.openxmlformats.org/presentationml/2006/main" saveSubsetFonts="1">
   <p:sldMasterIdLst>
-    <p:sldMasterId id="2147483648" r:id="rId1"/>
+    <p:sldMasterId id="2147483720" r:id="rId1"/>
   </p:sldMasterIdLst>
+  <p:notesMasterIdLst>
+    <p:notesMasterId r:id="rId13"/>
+  </p:notesMasterIdLst>
   <p:sldIdLst>
     <p:sldId id="256" r:id="rId2"/>
-    <p:sldId id="257" r:id="rId3"/>
-    <p:sldId id="264" r:id="rId4"/>
-    <p:sldId id="262" r:id="rId5"/>
-    <p:sldId id="263" r:id="rId6"/>
-    <p:sldId id="265" r:id="rId7"/>
-    <p:sldId id="259" r:id="rId8"/>
-    <p:sldId id="258" r:id="rId9"/>
-    <p:sldId id="261" r:id="rId10"/>
-    <p:sldId id="260" r:id="rId11"/>
+    <p:sldId id="266" r:id="rId3"/>
+    <p:sldId id="257" r:id="rId4"/>
+    <p:sldId id="261" r:id="rId5"/>
+    <p:sldId id="269" r:id="rId6"/>
+    <p:sldId id="264" r:id="rId7"/>
+    <p:sldId id="262" r:id="rId8"/>
+    <p:sldId id="263" r:id="rId9"/>
+    <p:sldId id="267" r:id="rId10"/>
+    <p:sldId id="268" r:id="rId11"/>
+    <p:sldId id="265" r:id="rId12"/>
   </p:sldIdLst>
   <p:sldSz cx="12192000" cy="6858000"/>
   <p:notesSz cx="6858000" cy="9144000"/>
@@ -22,7 +26,7 @@
     <a:defPPr>
       <a:defRPr lang="en-US"/>
     </a:defPPr>
-    <a:lvl1pPr marL="0" algn="l" defTabSz="914400" rtl="0" eaLnBrk="1" latinLnBrk="0" hangingPunct="1">
+    <a:lvl1pPr marL="0" algn="l" defTabSz="457200" rtl="0" eaLnBrk="1" latinLnBrk="0" hangingPunct="1">
       <a:defRPr sz="1800" kern="1200">
         <a:solidFill>
           <a:schemeClr val="tx1"/>
@@ -32,7 +36,7 @@
         <a:cs typeface="+mn-cs"/>
       </a:defRPr>
     </a:lvl1pPr>
-    <a:lvl2pPr marL="457200" algn="l" defTabSz="914400" rtl="0" eaLnBrk="1" latinLnBrk="0" hangingPunct="1">
+    <a:lvl2pPr marL="457200" algn="l" defTabSz="457200" rtl="0" eaLnBrk="1" latinLnBrk="0" hangingPunct="1">
       <a:defRPr sz="1800" kern="1200">
         <a:solidFill>
           <a:schemeClr val="tx1"/>
@@ -42,7 +46,7 @@
         <a:cs typeface="+mn-cs"/>
       </a:defRPr>
     </a:lvl2pPr>
-    <a:lvl3pPr marL="914400" algn="l" defTabSz="914400" rtl="0" eaLnBrk="1" latinLnBrk="0" hangingPunct="1">
+    <a:lvl3pPr marL="914400" algn="l" defTabSz="457200" rtl="0" eaLnBrk="1" latinLnBrk="0" hangingPunct="1">
       <a:defRPr sz="1800" kern="1200">
         <a:solidFill>
           <a:schemeClr val="tx1"/>
@@ -52,7 +56,7 @@
         <a:cs typeface="+mn-cs"/>
       </a:defRPr>
     </a:lvl3pPr>
-    <a:lvl4pPr marL="1371600" algn="l" defTabSz="914400" rtl="0" eaLnBrk="1" latinLnBrk="0" hangingPunct="1">
+    <a:lvl4pPr marL="1371600" algn="l" defTabSz="457200" rtl="0" eaLnBrk="1" latinLnBrk="0" hangingPunct="1">
       <a:defRPr sz="1800" kern="1200">
         <a:solidFill>
           <a:schemeClr val="tx1"/>
@@ -62,7 +66,7 @@
         <a:cs typeface="+mn-cs"/>
       </a:defRPr>
     </a:lvl4pPr>
-    <a:lvl5pPr marL="1828800" algn="l" defTabSz="914400" rtl="0" eaLnBrk="1" latinLnBrk="0" hangingPunct="1">
+    <a:lvl5pPr marL="1828800" algn="l" defTabSz="457200" rtl="0" eaLnBrk="1" latinLnBrk="0" hangingPunct="1">
       <a:defRPr sz="1800" kern="1200">
         <a:solidFill>
           <a:schemeClr val="tx1"/>
@@ -72,7 +76,7 @@
         <a:cs typeface="+mn-cs"/>
       </a:defRPr>
     </a:lvl5pPr>
-    <a:lvl6pPr marL="2286000" algn="l" defTabSz="914400" rtl="0" eaLnBrk="1" latinLnBrk="0" hangingPunct="1">
+    <a:lvl6pPr marL="2286000" algn="l" defTabSz="457200" rtl="0" eaLnBrk="1" latinLnBrk="0" hangingPunct="1">
       <a:defRPr sz="1800" kern="1200">
         <a:solidFill>
           <a:schemeClr val="tx1"/>
@@ -82,7 +86,7 @@
         <a:cs typeface="+mn-cs"/>
       </a:defRPr>
     </a:lvl6pPr>
-    <a:lvl7pPr marL="2743200" algn="l" defTabSz="914400" rtl="0" eaLnBrk="1" latinLnBrk="0" hangingPunct="1">
+    <a:lvl7pPr marL="2743200" algn="l" defTabSz="457200" rtl="0" eaLnBrk="1" latinLnBrk="0" hangingPunct="1">
       <a:defRPr sz="1800" kern="1200">
         <a:solidFill>
           <a:schemeClr val="tx1"/>
@@ -92,7 +96,7 @@
         <a:cs typeface="+mn-cs"/>
       </a:defRPr>
     </a:lvl7pPr>
-    <a:lvl8pPr marL="3200400" algn="l" defTabSz="914400" rtl="0" eaLnBrk="1" latinLnBrk="0" hangingPunct="1">
+    <a:lvl8pPr marL="3200400" algn="l" defTabSz="457200" rtl="0" eaLnBrk="1" latinLnBrk="0" hangingPunct="1">
       <a:defRPr sz="1800" kern="1200">
         <a:solidFill>
           <a:schemeClr val="tx1"/>
@@ -102,7 +106,7 @@
         <a:cs typeface="+mn-cs"/>
       </a:defRPr>
     </a:lvl8pPr>
-    <a:lvl9pPr marL="3657600" algn="l" defTabSz="914400" rtl="0" eaLnBrk="1" latinLnBrk="0" hangingPunct="1">
+    <a:lvl9pPr marL="3657600" algn="l" defTabSz="457200" rtl="0" eaLnBrk="1" latinLnBrk="0" hangingPunct="1">
       <a:defRPr sz="1800" kern="1200">
         <a:solidFill>
           <a:schemeClr val="tx1"/>
@@ -119,6 +123,1279 @@
     </p:ext>
   </p:extLst>
 </p:presentation>
+</file>
+
+<file path=ppt/notesMasters/notesMaster1.xml><?xml version="1.0" encoding="utf-8"?>
+<p:notesMaster xmlns:a="http://schemas.openxmlformats.org/drawingml/2006/main" xmlns:r="http://schemas.openxmlformats.org/officeDocument/2006/relationships" xmlns:p="http://schemas.openxmlformats.org/presentationml/2006/main">
+  <p:cSld>
+    <p:bg>
+      <p:bgRef idx="1001">
+        <a:schemeClr val="bg1"/>
+      </p:bgRef>
+    </p:bg>
+    <p:spTree>
+      <p:nvGrpSpPr>
+        <p:cNvPr id="1" name=""/>
+        <p:cNvGrpSpPr/>
+        <p:nvPr/>
+      </p:nvGrpSpPr>
+      <p:grpSpPr>
+        <a:xfrm>
+          <a:off x="0" y="0"/>
+          <a:ext cx="0" cy="0"/>
+          <a:chOff x="0" y="0"/>
+          <a:chExt cx="0" cy="0"/>
+        </a:xfrm>
+      </p:grpSpPr>
+      <p:sp>
+        <p:nvSpPr>
+          <p:cNvPr id="2" name="Header Placeholder 1"/>
+          <p:cNvSpPr>
+            <a:spLocks noGrp="1"/>
+          </p:cNvSpPr>
+          <p:nvPr>
+            <p:ph type="hdr" sz="quarter"/>
+          </p:nvPr>
+        </p:nvSpPr>
+        <p:spPr>
+          <a:xfrm>
+            <a:off x="0" y="0"/>
+            <a:ext cx="2971800" cy="458788"/>
+          </a:xfrm>
+          <a:prstGeom prst="rect">
+            <a:avLst/>
+          </a:prstGeom>
+        </p:spPr>
+        <p:txBody>
+          <a:bodyPr vert="horz" lIns="91440" tIns="45720" rIns="91440" bIns="45720" rtlCol="0"/>
+          <a:lstStyle>
+            <a:lvl1pPr algn="l">
+              <a:defRPr sz="1200"/>
+            </a:lvl1pPr>
+          </a:lstStyle>
+          <a:p>
+            <a:endParaRPr lang="en-US" dirty="0"/>
+          </a:p>
+        </p:txBody>
+      </p:sp>
+      <p:sp>
+        <p:nvSpPr>
+          <p:cNvPr id="3" name="Date Placeholder 2"/>
+          <p:cNvSpPr>
+            <a:spLocks noGrp="1"/>
+          </p:cNvSpPr>
+          <p:nvPr>
+            <p:ph type="dt" idx="1"/>
+          </p:nvPr>
+        </p:nvSpPr>
+        <p:spPr>
+          <a:xfrm>
+            <a:off x="3884613" y="0"/>
+            <a:ext cx="2971800" cy="458788"/>
+          </a:xfrm>
+          <a:prstGeom prst="rect">
+            <a:avLst/>
+          </a:prstGeom>
+        </p:spPr>
+        <p:txBody>
+          <a:bodyPr vert="horz" lIns="91440" tIns="45720" rIns="91440" bIns="45720" rtlCol="0"/>
+          <a:lstStyle>
+            <a:lvl1pPr algn="r">
+              <a:defRPr sz="1200"/>
+            </a:lvl1pPr>
+          </a:lstStyle>
+          <a:p>
+            <a:fld id="{FF15E092-1992-4943-935E-43102BD0667C}" type="datetimeFigureOut">
+              <a:rPr lang="en-US" smtClean="0"/>
+              <a:t>5/12/2022</a:t>
+            </a:fld>
+            <a:endParaRPr lang="en-US" dirty="0"/>
+          </a:p>
+        </p:txBody>
+      </p:sp>
+      <p:sp>
+        <p:nvSpPr>
+          <p:cNvPr id="4" name="Slide Image Placeholder 3"/>
+          <p:cNvSpPr>
+            <a:spLocks noGrp="1" noRot="1" noChangeAspect="1"/>
+          </p:cNvSpPr>
+          <p:nvPr>
+            <p:ph type="sldImg" idx="2"/>
+          </p:nvPr>
+        </p:nvSpPr>
+        <p:spPr>
+          <a:xfrm>
+            <a:off x="685800" y="1143000"/>
+            <a:ext cx="5486400" cy="3086100"/>
+          </a:xfrm>
+          <a:prstGeom prst="rect">
+            <a:avLst/>
+          </a:prstGeom>
+          <a:noFill/>
+          <a:ln w="12700">
+            <a:solidFill>
+              <a:prstClr val="black"/>
+            </a:solidFill>
+          </a:ln>
+        </p:spPr>
+        <p:txBody>
+          <a:bodyPr vert="horz" lIns="91440" tIns="45720" rIns="91440" bIns="45720" rtlCol="0" anchor="ctr"/>
+          <a:lstStyle/>
+          <a:p>
+            <a:endParaRPr lang="en-US" dirty="0"/>
+          </a:p>
+        </p:txBody>
+      </p:sp>
+      <p:sp>
+        <p:nvSpPr>
+          <p:cNvPr id="5" name="Notes Placeholder 4"/>
+          <p:cNvSpPr>
+            <a:spLocks noGrp="1"/>
+          </p:cNvSpPr>
+          <p:nvPr>
+            <p:ph type="body" sz="quarter" idx="3"/>
+          </p:nvPr>
+        </p:nvSpPr>
+        <p:spPr>
+          <a:xfrm>
+            <a:off x="685800" y="4400550"/>
+            <a:ext cx="5486400" cy="3600450"/>
+          </a:xfrm>
+          <a:prstGeom prst="rect">
+            <a:avLst/>
+          </a:prstGeom>
+        </p:spPr>
+        <p:txBody>
+          <a:bodyPr vert="horz" lIns="91440" tIns="45720" rIns="91440" bIns="45720" rtlCol="0"/>
+          <a:lstStyle/>
+          <a:p>
+            <a:pPr lvl="0"/>
+            <a:r>
+              <a:rPr lang="en-US"/>
+              <a:t>Edit Master text styles</a:t>
+            </a:r>
+          </a:p>
+          <a:p>
+            <a:pPr lvl="1"/>
+            <a:r>
+              <a:rPr lang="en-US"/>
+              <a:t>Second level</a:t>
+            </a:r>
+          </a:p>
+          <a:p>
+            <a:pPr lvl="2"/>
+            <a:r>
+              <a:rPr lang="en-US"/>
+              <a:t>Third level</a:t>
+            </a:r>
+          </a:p>
+          <a:p>
+            <a:pPr lvl="3"/>
+            <a:r>
+              <a:rPr lang="en-US"/>
+              <a:t>Fourth level</a:t>
+            </a:r>
+          </a:p>
+          <a:p>
+            <a:pPr lvl="4"/>
+            <a:r>
+              <a:rPr lang="en-US"/>
+              <a:t>Fifth level</a:t>
+            </a:r>
+          </a:p>
+        </p:txBody>
+      </p:sp>
+      <p:sp>
+        <p:nvSpPr>
+          <p:cNvPr id="6" name="Footer Placeholder 5"/>
+          <p:cNvSpPr>
+            <a:spLocks noGrp="1"/>
+          </p:cNvSpPr>
+          <p:nvPr>
+            <p:ph type="ftr" sz="quarter" idx="4"/>
+          </p:nvPr>
+        </p:nvSpPr>
+        <p:spPr>
+          <a:xfrm>
+            <a:off x="0" y="8685213"/>
+            <a:ext cx="2971800" cy="458787"/>
+          </a:xfrm>
+          <a:prstGeom prst="rect">
+            <a:avLst/>
+          </a:prstGeom>
+        </p:spPr>
+        <p:txBody>
+          <a:bodyPr vert="horz" lIns="91440" tIns="45720" rIns="91440" bIns="45720" rtlCol="0" anchor="b"/>
+          <a:lstStyle>
+            <a:lvl1pPr algn="l">
+              <a:defRPr sz="1200"/>
+            </a:lvl1pPr>
+          </a:lstStyle>
+          <a:p>
+            <a:endParaRPr lang="en-US" dirty="0"/>
+          </a:p>
+        </p:txBody>
+      </p:sp>
+      <p:sp>
+        <p:nvSpPr>
+          <p:cNvPr id="7" name="Slide Number Placeholder 6"/>
+          <p:cNvSpPr>
+            <a:spLocks noGrp="1"/>
+          </p:cNvSpPr>
+          <p:nvPr>
+            <p:ph type="sldNum" sz="quarter" idx="5"/>
+          </p:nvPr>
+        </p:nvSpPr>
+        <p:spPr>
+          <a:xfrm>
+            <a:off x="3884613" y="8685213"/>
+            <a:ext cx="2971800" cy="458787"/>
+          </a:xfrm>
+          <a:prstGeom prst="rect">
+            <a:avLst/>
+          </a:prstGeom>
+        </p:spPr>
+        <p:txBody>
+          <a:bodyPr vert="horz" lIns="91440" tIns="45720" rIns="91440" bIns="45720" rtlCol="0" anchor="b"/>
+          <a:lstStyle>
+            <a:lvl1pPr algn="r">
+              <a:defRPr sz="1200"/>
+            </a:lvl1pPr>
+          </a:lstStyle>
+          <a:p>
+            <a:fld id="{9B90837C-2A10-4AC8-889C-F94049739914}" type="slidenum">
+              <a:rPr lang="en-US" smtClean="0"/>
+              <a:t>‹#›</a:t>
+            </a:fld>
+            <a:endParaRPr lang="en-US" dirty="0"/>
+          </a:p>
+        </p:txBody>
+      </p:sp>
+    </p:spTree>
+    <p:extLst>
+      <p:ext uri="{BB962C8B-B14F-4D97-AF65-F5344CB8AC3E}">
+        <p14:creationId xmlns:p14="http://schemas.microsoft.com/office/powerpoint/2010/main" val="2272808138"/>
+      </p:ext>
+    </p:extLst>
+  </p:cSld>
+  <p:clrMap bg1="lt1" tx1="dk1" bg2="lt2" tx2="dk2" accent1="accent1" accent2="accent2" accent3="accent3" accent4="accent4" accent5="accent5" accent6="accent6" hlink="hlink" folHlink="folHlink"/>
+  <p:notesStyle>
+    <a:lvl1pPr marL="0" algn="l" defTabSz="914400" rtl="0" eaLnBrk="1" latinLnBrk="0" hangingPunct="1">
+      <a:defRPr sz="1200" kern="1200">
+        <a:solidFill>
+          <a:schemeClr val="tx1"/>
+        </a:solidFill>
+        <a:latin typeface="+mn-lt"/>
+        <a:ea typeface="+mn-ea"/>
+        <a:cs typeface="+mn-cs"/>
+      </a:defRPr>
+    </a:lvl1pPr>
+    <a:lvl2pPr marL="457200" algn="l" defTabSz="914400" rtl="0" eaLnBrk="1" latinLnBrk="0" hangingPunct="1">
+      <a:defRPr sz="1200" kern="1200">
+        <a:solidFill>
+          <a:schemeClr val="tx1"/>
+        </a:solidFill>
+        <a:latin typeface="+mn-lt"/>
+        <a:ea typeface="+mn-ea"/>
+        <a:cs typeface="+mn-cs"/>
+      </a:defRPr>
+    </a:lvl2pPr>
+    <a:lvl3pPr marL="914400" algn="l" defTabSz="914400" rtl="0" eaLnBrk="1" latinLnBrk="0" hangingPunct="1">
+      <a:defRPr sz="1200" kern="1200">
+        <a:solidFill>
+          <a:schemeClr val="tx1"/>
+        </a:solidFill>
+        <a:latin typeface="+mn-lt"/>
+        <a:ea typeface="+mn-ea"/>
+        <a:cs typeface="+mn-cs"/>
+      </a:defRPr>
+    </a:lvl3pPr>
+    <a:lvl4pPr marL="1371600" algn="l" defTabSz="914400" rtl="0" eaLnBrk="1" latinLnBrk="0" hangingPunct="1">
+      <a:defRPr sz="1200" kern="1200">
+        <a:solidFill>
+          <a:schemeClr val="tx1"/>
+        </a:solidFill>
+        <a:latin typeface="+mn-lt"/>
+        <a:ea typeface="+mn-ea"/>
+        <a:cs typeface="+mn-cs"/>
+      </a:defRPr>
+    </a:lvl4pPr>
+    <a:lvl5pPr marL="1828800" algn="l" defTabSz="914400" rtl="0" eaLnBrk="1" latinLnBrk="0" hangingPunct="1">
+      <a:defRPr sz="1200" kern="1200">
+        <a:solidFill>
+          <a:schemeClr val="tx1"/>
+        </a:solidFill>
+        <a:latin typeface="+mn-lt"/>
+        <a:ea typeface="+mn-ea"/>
+        <a:cs typeface="+mn-cs"/>
+      </a:defRPr>
+    </a:lvl5pPr>
+    <a:lvl6pPr marL="2286000" algn="l" defTabSz="914400" rtl="0" eaLnBrk="1" latinLnBrk="0" hangingPunct="1">
+      <a:defRPr sz="1200" kern="1200">
+        <a:solidFill>
+          <a:schemeClr val="tx1"/>
+        </a:solidFill>
+        <a:latin typeface="+mn-lt"/>
+        <a:ea typeface="+mn-ea"/>
+        <a:cs typeface="+mn-cs"/>
+      </a:defRPr>
+    </a:lvl6pPr>
+    <a:lvl7pPr marL="2743200" algn="l" defTabSz="914400" rtl="0" eaLnBrk="1" latinLnBrk="0" hangingPunct="1">
+      <a:defRPr sz="1200" kern="1200">
+        <a:solidFill>
+          <a:schemeClr val="tx1"/>
+        </a:solidFill>
+        <a:latin typeface="+mn-lt"/>
+        <a:ea typeface="+mn-ea"/>
+        <a:cs typeface="+mn-cs"/>
+      </a:defRPr>
+    </a:lvl7pPr>
+    <a:lvl8pPr marL="3200400" algn="l" defTabSz="914400" rtl="0" eaLnBrk="1" latinLnBrk="0" hangingPunct="1">
+      <a:defRPr sz="1200" kern="1200">
+        <a:solidFill>
+          <a:schemeClr val="tx1"/>
+        </a:solidFill>
+        <a:latin typeface="+mn-lt"/>
+        <a:ea typeface="+mn-ea"/>
+        <a:cs typeface="+mn-cs"/>
+      </a:defRPr>
+    </a:lvl8pPr>
+    <a:lvl9pPr marL="3657600" algn="l" defTabSz="914400" rtl="0" eaLnBrk="1" latinLnBrk="0" hangingPunct="1">
+      <a:defRPr sz="1200" kern="1200">
+        <a:solidFill>
+          <a:schemeClr val="tx1"/>
+        </a:solidFill>
+        <a:latin typeface="+mn-lt"/>
+        <a:ea typeface="+mn-ea"/>
+        <a:cs typeface="+mn-cs"/>
+      </a:defRPr>
+    </a:lvl9pPr>
+  </p:notesStyle>
+</p:notesMaster>
+</file>
+
+<file path=ppt/notesSlides/notesSlide1.xml><?xml version="1.0" encoding="utf-8"?>
+<p:notes xmlns:a="http://schemas.openxmlformats.org/drawingml/2006/main" xmlns:r="http://schemas.openxmlformats.org/officeDocument/2006/relationships" xmlns:p="http://schemas.openxmlformats.org/presentationml/2006/main">
+  <p:cSld>
+    <p:spTree>
+      <p:nvGrpSpPr>
+        <p:cNvPr id="1" name=""/>
+        <p:cNvGrpSpPr/>
+        <p:nvPr/>
+      </p:nvGrpSpPr>
+      <p:grpSpPr>
+        <a:xfrm>
+          <a:off x="0" y="0"/>
+          <a:ext cx="0" cy="0"/>
+          <a:chOff x="0" y="0"/>
+          <a:chExt cx="0" cy="0"/>
+        </a:xfrm>
+      </p:grpSpPr>
+      <p:sp>
+        <p:nvSpPr>
+          <p:cNvPr id="2" name="Slide Image Placeholder 1"/>
+          <p:cNvSpPr>
+            <a:spLocks noGrp="1" noRot="1" noChangeAspect="1"/>
+          </p:cNvSpPr>
+          <p:nvPr>
+            <p:ph type="sldImg"/>
+          </p:nvPr>
+        </p:nvSpPr>
+        <p:spPr/>
+      </p:sp>
+      <p:sp>
+        <p:nvSpPr>
+          <p:cNvPr id="3" name="Notes Placeholder 2"/>
+          <p:cNvSpPr>
+            <a:spLocks noGrp="1"/>
+          </p:cNvSpPr>
+          <p:nvPr>
+            <p:ph type="body" idx="1"/>
+          </p:nvPr>
+        </p:nvSpPr>
+        <p:spPr/>
+        <p:txBody>
+          <a:bodyPr/>
+          <a:lstStyle/>
+          <a:p>
+            <a:endParaRPr lang="en-US" dirty="0"/>
+          </a:p>
+        </p:txBody>
+      </p:sp>
+      <p:sp>
+        <p:nvSpPr>
+          <p:cNvPr id="4" name="Slide Number Placeholder 3"/>
+          <p:cNvSpPr>
+            <a:spLocks noGrp="1"/>
+          </p:cNvSpPr>
+          <p:nvPr>
+            <p:ph type="sldNum" sz="quarter" idx="5"/>
+          </p:nvPr>
+        </p:nvSpPr>
+        <p:spPr/>
+        <p:txBody>
+          <a:bodyPr/>
+          <a:lstStyle/>
+          <a:p>
+            <a:fld id="{9B90837C-2A10-4AC8-889C-F94049739914}" type="slidenum">
+              <a:rPr lang="en-US" smtClean="0"/>
+              <a:t>1</a:t>
+            </a:fld>
+            <a:endParaRPr lang="en-US" dirty="0"/>
+          </a:p>
+        </p:txBody>
+      </p:sp>
+    </p:spTree>
+    <p:extLst>
+      <p:ext uri="{BB962C8B-B14F-4D97-AF65-F5344CB8AC3E}">
+        <p14:creationId xmlns:p14="http://schemas.microsoft.com/office/powerpoint/2010/main" val="4076262661"/>
+      </p:ext>
+    </p:extLst>
+  </p:cSld>
+  <p:clrMapOvr>
+    <a:masterClrMapping/>
+  </p:clrMapOvr>
+</p:notes>
+</file>
+
+<file path=ppt/notesSlides/notesSlide10.xml><?xml version="1.0" encoding="utf-8"?>
+<p:notes xmlns:a="http://schemas.openxmlformats.org/drawingml/2006/main" xmlns:r="http://schemas.openxmlformats.org/officeDocument/2006/relationships" xmlns:p="http://schemas.openxmlformats.org/presentationml/2006/main">
+  <p:cSld>
+    <p:spTree>
+      <p:nvGrpSpPr>
+        <p:cNvPr id="1" name=""/>
+        <p:cNvGrpSpPr/>
+        <p:nvPr/>
+      </p:nvGrpSpPr>
+      <p:grpSpPr>
+        <a:xfrm>
+          <a:off x="0" y="0"/>
+          <a:ext cx="0" cy="0"/>
+          <a:chOff x="0" y="0"/>
+          <a:chExt cx="0" cy="0"/>
+        </a:xfrm>
+      </p:grpSpPr>
+      <p:sp>
+        <p:nvSpPr>
+          <p:cNvPr id="2" name="Slide Image Placeholder 1"/>
+          <p:cNvSpPr>
+            <a:spLocks noGrp="1" noRot="1" noChangeAspect="1"/>
+          </p:cNvSpPr>
+          <p:nvPr>
+            <p:ph type="sldImg"/>
+          </p:nvPr>
+        </p:nvSpPr>
+        <p:spPr/>
+      </p:sp>
+      <p:sp>
+        <p:nvSpPr>
+          <p:cNvPr id="3" name="Notes Placeholder 2"/>
+          <p:cNvSpPr>
+            <a:spLocks noGrp="1"/>
+          </p:cNvSpPr>
+          <p:nvPr>
+            <p:ph type="body" idx="1"/>
+          </p:nvPr>
+        </p:nvSpPr>
+        <p:spPr/>
+        <p:txBody>
+          <a:bodyPr/>
+          <a:lstStyle/>
+          <a:p>
+            <a:endParaRPr lang="en-US" dirty="0"/>
+          </a:p>
+        </p:txBody>
+      </p:sp>
+      <p:sp>
+        <p:nvSpPr>
+          <p:cNvPr id="4" name="Slide Number Placeholder 3"/>
+          <p:cNvSpPr>
+            <a:spLocks noGrp="1"/>
+          </p:cNvSpPr>
+          <p:nvPr>
+            <p:ph type="sldNum" sz="quarter" idx="5"/>
+          </p:nvPr>
+        </p:nvSpPr>
+        <p:spPr/>
+        <p:txBody>
+          <a:bodyPr/>
+          <a:lstStyle/>
+          <a:p>
+            <a:fld id="{9B90837C-2A10-4AC8-889C-F94049739914}" type="slidenum">
+              <a:rPr lang="en-US" smtClean="0"/>
+              <a:t>10</a:t>
+            </a:fld>
+            <a:endParaRPr lang="en-US" dirty="0"/>
+          </a:p>
+        </p:txBody>
+      </p:sp>
+    </p:spTree>
+    <p:extLst>
+      <p:ext uri="{BB962C8B-B14F-4D97-AF65-F5344CB8AC3E}">
+        <p14:creationId xmlns:p14="http://schemas.microsoft.com/office/powerpoint/2010/main" val="3762376376"/>
+      </p:ext>
+    </p:extLst>
+  </p:cSld>
+  <p:clrMapOvr>
+    <a:masterClrMapping/>
+  </p:clrMapOvr>
+</p:notes>
+</file>
+
+<file path=ppt/notesSlides/notesSlide11.xml><?xml version="1.0" encoding="utf-8"?>
+<p:notes xmlns:a="http://schemas.openxmlformats.org/drawingml/2006/main" xmlns:r="http://schemas.openxmlformats.org/officeDocument/2006/relationships" xmlns:p="http://schemas.openxmlformats.org/presentationml/2006/main">
+  <p:cSld>
+    <p:spTree>
+      <p:nvGrpSpPr>
+        <p:cNvPr id="1" name=""/>
+        <p:cNvGrpSpPr/>
+        <p:nvPr/>
+      </p:nvGrpSpPr>
+      <p:grpSpPr>
+        <a:xfrm>
+          <a:off x="0" y="0"/>
+          <a:ext cx="0" cy="0"/>
+          <a:chOff x="0" y="0"/>
+          <a:chExt cx="0" cy="0"/>
+        </a:xfrm>
+      </p:grpSpPr>
+      <p:sp>
+        <p:nvSpPr>
+          <p:cNvPr id="2" name="Slide Image Placeholder 1"/>
+          <p:cNvSpPr>
+            <a:spLocks noGrp="1" noRot="1" noChangeAspect="1"/>
+          </p:cNvSpPr>
+          <p:nvPr>
+            <p:ph type="sldImg"/>
+          </p:nvPr>
+        </p:nvSpPr>
+        <p:spPr/>
+      </p:sp>
+      <p:sp>
+        <p:nvSpPr>
+          <p:cNvPr id="3" name="Notes Placeholder 2"/>
+          <p:cNvSpPr>
+            <a:spLocks noGrp="1"/>
+          </p:cNvSpPr>
+          <p:nvPr>
+            <p:ph type="body" idx="1"/>
+          </p:nvPr>
+        </p:nvSpPr>
+        <p:spPr/>
+        <p:txBody>
+          <a:bodyPr/>
+          <a:lstStyle/>
+          <a:p>
+            <a:endParaRPr lang="en-US" dirty="0"/>
+          </a:p>
+        </p:txBody>
+      </p:sp>
+      <p:sp>
+        <p:nvSpPr>
+          <p:cNvPr id="4" name="Slide Number Placeholder 3"/>
+          <p:cNvSpPr>
+            <a:spLocks noGrp="1"/>
+          </p:cNvSpPr>
+          <p:nvPr>
+            <p:ph type="sldNum" sz="quarter" idx="5"/>
+          </p:nvPr>
+        </p:nvSpPr>
+        <p:spPr/>
+        <p:txBody>
+          <a:bodyPr/>
+          <a:lstStyle/>
+          <a:p>
+            <a:fld id="{9B90837C-2A10-4AC8-889C-F94049739914}" type="slidenum">
+              <a:rPr lang="en-US" smtClean="0"/>
+              <a:t>11</a:t>
+            </a:fld>
+            <a:endParaRPr lang="en-US" dirty="0"/>
+          </a:p>
+        </p:txBody>
+      </p:sp>
+    </p:spTree>
+    <p:extLst>
+      <p:ext uri="{BB962C8B-B14F-4D97-AF65-F5344CB8AC3E}">
+        <p14:creationId xmlns:p14="http://schemas.microsoft.com/office/powerpoint/2010/main" val="2501640937"/>
+      </p:ext>
+    </p:extLst>
+  </p:cSld>
+  <p:clrMapOvr>
+    <a:masterClrMapping/>
+  </p:clrMapOvr>
+</p:notes>
+</file>
+
+<file path=ppt/notesSlides/notesSlide2.xml><?xml version="1.0" encoding="utf-8"?>
+<p:notes xmlns:a="http://schemas.openxmlformats.org/drawingml/2006/main" xmlns:r="http://schemas.openxmlformats.org/officeDocument/2006/relationships" xmlns:p="http://schemas.openxmlformats.org/presentationml/2006/main">
+  <p:cSld>
+    <p:spTree>
+      <p:nvGrpSpPr>
+        <p:cNvPr id="1" name=""/>
+        <p:cNvGrpSpPr/>
+        <p:nvPr/>
+      </p:nvGrpSpPr>
+      <p:grpSpPr>
+        <a:xfrm>
+          <a:off x="0" y="0"/>
+          <a:ext cx="0" cy="0"/>
+          <a:chOff x="0" y="0"/>
+          <a:chExt cx="0" cy="0"/>
+        </a:xfrm>
+      </p:grpSpPr>
+      <p:sp>
+        <p:nvSpPr>
+          <p:cNvPr id="2" name="Slide Image Placeholder 1"/>
+          <p:cNvSpPr>
+            <a:spLocks noGrp="1" noRot="1" noChangeAspect="1"/>
+          </p:cNvSpPr>
+          <p:nvPr>
+            <p:ph type="sldImg"/>
+          </p:nvPr>
+        </p:nvSpPr>
+        <p:spPr/>
+      </p:sp>
+      <p:sp>
+        <p:nvSpPr>
+          <p:cNvPr id="3" name="Notes Placeholder 2"/>
+          <p:cNvSpPr>
+            <a:spLocks noGrp="1"/>
+          </p:cNvSpPr>
+          <p:nvPr>
+            <p:ph type="body" idx="1"/>
+          </p:nvPr>
+        </p:nvSpPr>
+        <p:spPr/>
+        <p:txBody>
+          <a:bodyPr/>
+          <a:lstStyle/>
+          <a:p>
+            <a:endParaRPr lang="en-US" dirty="0"/>
+          </a:p>
+        </p:txBody>
+      </p:sp>
+      <p:sp>
+        <p:nvSpPr>
+          <p:cNvPr id="4" name="Slide Number Placeholder 3"/>
+          <p:cNvSpPr>
+            <a:spLocks noGrp="1"/>
+          </p:cNvSpPr>
+          <p:nvPr>
+            <p:ph type="sldNum" sz="quarter" idx="5"/>
+          </p:nvPr>
+        </p:nvSpPr>
+        <p:spPr/>
+        <p:txBody>
+          <a:bodyPr/>
+          <a:lstStyle/>
+          <a:p>
+            <a:fld id="{9B90837C-2A10-4AC8-889C-F94049739914}" type="slidenum">
+              <a:rPr lang="en-US" smtClean="0"/>
+              <a:t>2</a:t>
+            </a:fld>
+            <a:endParaRPr lang="en-US" dirty="0"/>
+          </a:p>
+        </p:txBody>
+      </p:sp>
+    </p:spTree>
+    <p:extLst>
+      <p:ext uri="{BB962C8B-B14F-4D97-AF65-F5344CB8AC3E}">
+        <p14:creationId xmlns:p14="http://schemas.microsoft.com/office/powerpoint/2010/main" val="3525061227"/>
+      </p:ext>
+    </p:extLst>
+  </p:cSld>
+  <p:clrMapOvr>
+    <a:masterClrMapping/>
+  </p:clrMapOvr>
+</p:notes>
+</file>
+
+<file path=ppt/notesSlides/notesSlide3.xml><?xml version="1.0" encoding="utf-8"?>
+<p:notes xmlns:a="http://schemas.openxmlformats.org/drawingml/2006/main" xmlns:r="http://schemas.openxmlformats.org/officeDocument/2006/relationships" xmlns:p="http://schemas.openxmlformats.org/presentationml/2006/main">
+  <p:cSld>
+    <p:spTree>
+      <p:nvGrpSpPr>
+        <p:cNvPr id="1" name=""/>
+        <p:cNvGrpSpPr/>
+        <p:nvPr/>
+      </p:nvGrpSpPr>
+      <p:grpSpPr>
+        <a:xfrm>
+          <a:off x="0" y="0"/>
+          <a:ext cx="0" cy="0"/>
+          <a:chOff x="0" y="0"/>
+          <a:chExt cx="0" cy="0"/>
+        </a:xfrm>
+      </p:grpSpPr>
+      <p:sp>
+        <p:nvSpPr>
+          <p:cNvPr id="2" name="Slide Image Placeholder 1"/>
+          <p:cNvSpPr>
+            <a:spLocks noGrp="1" noRot="1" noChangeAspect="1"/>
+          </p:cNvSpPr>
+          <p:nvPr>
+            <p:ph type="sldImg"/>
+          </p:nvPr>
+        </p:nvSpPr>
+        <p:spPr/>
+      </p:sp>
+      <p:sp>
+        <p:nvSpPr>
+          <p:cNvPr id="3" name="Notes Placeholder 2"/>
+          <p:cNvSpPr>
+            <a:spLocks noGrp="1"/>
+          </p:cNvSpPr>
+          <p:nvPr>
+            <p:ph type="body" idx="1"/>
+          </p:nvPr>
+        </p:nvSpPr>
+        <p:spPr/>
+        <p:txBody>
+          <a:bodyPr/>
+          <a:lstStyle/>
+          <a:p>
+            <a:endParaRPr lang="en-US" dirty="0"/>
+          </a:p>
+        </p:txBody>
+      </p:sp>
+      <p:sp>
+        <p:nvSpPr>
+          <p:cNvPr id="4" name="Slide Number Placeholder 3"/>
+          <p:cNvSpPr>
+            <a:spLocks noGrp="1"/>
+          </p:cNvSpPr>
+          <p:nvPr>
+            <p:ph type="sldNum" sz="quarter" idx="5"/>
+          </p:nvPr>
+        </p:nvSpPr>
+        <p:spPr/>
+        <p:txBody>
+          <a:bodyPr/>
+          <a:lstStyle/>
+          <a:p>
+            <a:fld id="{9B90837C-2A10-4AC8-889C-F94049739914}" type="slidenum">
+              <a:rPr lang="en-US" smtClean="0"/>
+              <a:t>3</a:t>
+            </a:fld>
+            <a:endParaRPr lang="en-US" dirty="0"/>
+          </a:p>
+        </p:txBody>
+      </p:sp>
+    </p:spTree>
+    <p:extLst>
+      <p:ext uri="{BB962C8B-B14F-4D97-AF65-F5344CB8AC3E}">
+        <p14:creationId xmlns:p14="http://schemas.microsoft.com/office/powerpoint/2010/main" val="3694397292"/>
+      </p:ext>
+    </p:extLst>
+  </p:cSld>
+  <p:clrMapOvr>
+    <a:masterClrMapping/>
+  </p:clrMapOvr>
+</p:notes>
+</file>
+
+<file path=ppt/notesSlides/notesSlide4.xml><?xml version="1.0" encoding="utf-8"?>
+<p:notes xmlns:a="http://schemas.openxmlformats.org/drawingml/2006/main" xmlns:r="http://schemas.openxmlformats.org/officeDocument/2006/relationships" xmlns:p="http://schemas.openxmlformats.org/presentationml/2006/main">
+  <p:cSld>
+    <p:spTree>
+      <p:nvGrpSpPr>
+        <p:cNvPr id="1" name=""/>
+        <p:cNvGrpSpPr/>
+        <p:nvPr/>
+      </p:nvGrpSpPr>
+      <p:grpSpPr>
+        <a:xfrm>
+          <a:off x="0" y="0"/>
+          <a:ext cx="0" cy="0"/>
+          <a:chOff x="0" y="0"/>
+          <a:chExt cx="0" cy="0"/>
+        </a:xfrm>
+      </p:grpSpPr>
+      <p:sp>
+        <p:nvSpPr>
+          <p:cNvPr id="2" name="Slide Image Placeholder 1"/>
+          <p:cNvSpPr>
+            <a:spLocks noGrp="1" noRot="1" noChangeAspect="1"/>
+          </p:cNvSpPr>
+          <p:nvPr>
+            <p:ph type="sldImg"/>
+          </p:nvPr>
+        </p:nvSpPr>
+        <p:spPr/>
+      </p:sp>
+      <p:sp>
+        <p:nvSpPr>
+          <p:cNvPr id="3" name="Notes Placeholder 2"/>
+          <p:cNvSpPr>
+            <a:spLocks noGrp="1"/>
+          </p:cNvSpPr>
+          <p:nvPr>
+            <p:ph type="body" idx="1"/>
+          </p:nvPr>
+        </p:nvSpPr>
+        <p:spPr/>
+        <p:txBody>
+          <a:bodyPr/>
+          <a:lstStyle/>
+          <a:p>
+            <a:endParaRPr lang="en-US" dirty="0"/>
+          </a:p>
+        </p:txBody>
+      </p:sp>
+      <p:sp>
+        <p:nvSpPr>
+          <p:cNvPr id="4" name="Slide Number Placeholder 3"/>
+          <p:cNvSpPr>
+            <a:spLocks noGrp="1"/>
+          </p:cNvSpPr>
+          <p:nvPr>
+            <p:ph type="sldNum" sz="quarter" idx="5"/>
+          </p:nvPr>
+        </p:nvSpPr>
+        <p:spPr/>
+        <p:txBody>
+          <a:bodyPr/>
+          <a:lstStyle/>
+          <a:p>
+            <a:fld id="{9B90837C-2A10-4AC8-889C-F94049739914}" type="slidenum">
+              <a:rPr lang="en-US" smtClean="0"/>
+              <a:t>4</a:t>
+            </a:fld>
+            <a:endParaRPr lang="en-US" dirty="0"/>
+          </a:p>
+        </p:txBody>
+      </p:sp>
+    </p:spTree>
+    <p:extLst>
+      <p:ext uri="{BB962C8B-B14F-4D97-AF65-F5344CB8AC3E}">
+        <p14:creationId xmlns:p14="http://schemas.microsoft.com/office/powerpoint/2010/main" val="2240544336"/>
+      </p:ext>
+    </p:extLst>
+  </p:cSld>
+  <p:clrMapOvr>
+    <a:masterClrMapping/>
+  </p:clrMapOvr>
+</p:notes>
+</file>
+
+<file path=ppt/notesSlides/notesSlide5.xml><?xml version="1.0" encoding="utf-8"?>
+<p:notes xmlns:a="http://schemas.openxmlformats.org/drawingml/2006/main" xmlns:r="http://schemas.openxmlformats.org/officeDocument/2006/relationships" xmlns:p="http://schemas.openxmlformats.org/presentationml/2006/main">
+  <p:cSld>
+    <p:spTree>
+      <p:nvGrpSpPr>
+        <p:cNvPr id="1" name=""/>
+        <p:cNvGrpSpPr/>
+        <p:nvPr/>
+      </p:nvGrpSpPr>
+      <p:grpSpPr>
+        <a:xfrm>
+          <a:off x="0" y="0"/>
+          <a:ext cx="0" cy="0"/>
+          <a:chOff x="0" y="0"/>
+          <a:chExt cx="0" cy="0"/>
+        </a:xfrm>
+      </p:grpSpPr>
+      <p:sp>
+        <p:nvSpPr>
+          <p:cNvPr id="2" name="Slide Image Placeholder 1"/>
+          <p:cNvSpPr>
+            <a:spLocks noGrp="1" noRot="1" noChangeAspect="1"/>
+          </p:cNvSpPr>
+          <p:nvPr>
+            <p:ph type="sldImg"/>
+          </p:nvPr>
+        </p:nvSpPr>
+        <p:spPr/>
+      </p:sp>
+      <p:sp>
+        <p:nvSpPr>
+          <p:cNvPr id="3" name="Notes Placeholder 2"/>
+          <p:cNvSpPr>
+            <a:spLocks noGrp="1"/>
+          </p:cNvSpPr>
+          <p:nvPr>
+            <p:ph type="body" idx="1"/>
+          </p:nvPr>
+        </p:nvSpPr>
+        <p:spPr/>
+        <p:txBody>
+          <a:bodyPr/>
+          <a:lstStyle/>
+          <a:p>
+            <a:endParaRPr lang="en-US" dirty="0"/>
+          </a:p>
+        </p:txBody>
+      </p:sp>
+      <p:sp>
+        <p:nvSpPr>
+          <p:cNvPr id="4" name="Slide Number Placeholder 3"/>
+          <p:cNvSpPr>
+            <a:spLocks noGrp="1"/>
+          </p:cNvSpPr>
+          <p:nvPr>
+            <p:ph type="sldNum" sz="quarter" idx="5"/>
+          </p:nvPr>
+        </p:nvSpPr>
+        <p:spPr/>
+        <p:txBody>
+          <a:bodyPr/>
+          <a:lstStyle/>
+          <a:p>
+            <a:fld id="{9B90837C-2A10-4AC8-889C-F94049739914}" type="slidenum">
+              <a:rPr lang="en-US" smtClean="0"/>
+              <a:t>5</a:t>
+            </a:fld>
+            <a:endParaRPr lang="en-US" dirty="0"/>
+          </a:p>
+        </p:txBody>
+      </p:sp>
+    </p:spTree>
+    <p:extLst>
+      <p:ext uri="{BB962C8B-B14F-4D97-AF65-F5344CB8AC3E}">
+        <p14:creationId xmlns:p14="http://schemas.microsoft.com/office/powerpoint/2010/main" val="1481711006"/>
+      </p:ext>
+    </p:extLst>
+  </p:cSld>
+  <p:clrMapOvr>
+    <a:masterClrMapping/>
+  </p:clrMapOvr>
+</p:notes>
+</file>
+
+<file path=ppt/notesSlides/notesSlide6.xml><?xml version="1.0" encoding="utf-8"?>
+<p:notes xmlns:a="http://schemas.openxmlformats.org/drawingml/2006/main" xmlns:r="http://schemas.openxmlformats.org/officeDocument/2006/relationships" xmlns:p="http://schemas.openxmlformats.org/presentationml/2006/main">
+  <p:cSld>
+    <p:spTree>
+      <p:nvGrpSpPr>
+        <p:cNvPr id="1" name=""/>
+        <p:cNvGrpSpPr/>
+        <p:nvPr/>
+      </p:nvGrpSpPr>
+      <p:grpSpPr>
+        <a:xfrm>
+          <a:off x="0" y="0"/>
+          <a:ext cx="0" cy="0"/>
+          <a:chOff x="0" y="0"/>
+          <a:chExt cx="0" cy="0"/>
+        </a:xfrm>
+      </p:grpSpPr>
+      <p:sp>
+        <p:nvSpPr>
+          <p:cNvPr id="2" name="Slide Image Placeholder 1"/>
+          <p:cNvSpPr>
+            <a:spLocks noGrp="1" noRot="1" noChangeAspect="1"/>
+          </p:cNvSpPr>
+          <p:nvPr>
+            <p:ph type="sldImg"/>
+          </p:nvPr>
+        </p:nvSpPr>
+        <p:spPr/>
+      </p:sp>
+      <p:sp>
+        <p:nvSpPr>
+          <p:cNvPr id="3" name="Notes Placeholder 2"/>
+          <p:cNvSpPr>
+            <a:spLocks noGrp="1"/>
+          </p:cNvSpPr>
+          <p:nvPr>
+            <p:ph type="body" idx="1"/>
+          </p:nvPr>
+        </p:nvSpPr>
+        <p:spPr/>
+        <p:txBody>
+          <a:bodyPr/>
+          <a:lstStyle/>
+          <a:p>
+            <a:endParaRPr lang="en-US" dirty="0"/>
+          </a:p>
+        </p:txBody>
+      </p:sp>
+      <p:sp>
+        <p:nvSpPr>
+          <p:cNvPr id="4" name="Slide Number Placeholder 3"/>
+          <p:cNvSpPr>
+            <a:spLocks noGrp="1"/>
+          </p:cNvSpPr>
+          <p:nvPr>
+            <p:ph type="sldNum" sz="quarter" idx="5"/>
+          </p:nvPr>
+        </p:nvSpPr>
+        <p:spPr/>
+        <p:txBody>
+          <a:bodyPr/>
+          <a:lstStyle/>
+          <a:p>
+            <a:fld id="{9B90837C-2A10-4AC8-889C-F94049739914}" type="slidenum">
+              <a:rPr lang="en-US" smtClean="0"/>
+              <a:t>6</a:t>
+            </a:fld>
+            <a:endParaRPr lang="en-US" dirty="0"/>
+          </a:p>
+        </p:txBody>
+      </p:sp>
+    </p:spTree>
+    <p:extLst>
+      <p:ext uri="{BB962C8B-B14F-4D97-AF65-F5344CB8AC3E}">
+        <p14:creationId xmlns:p14="http://schemas.microsoft.com/office/powerpoint/2010/main" val="3769218776"/>
+      </p:ext>
+    </p:extLst>
+  </p:cSld>
+  <p:clrMapOvr>
+    <a:masterClrMapping/>
+  </p:clrMapOvr>
+</p:notes>
+</file>
+
+<file path=ppt/notesSlides/notesSlide7.xml><?xml version="1.0" encoding="utf-8"?>
+<p:notes xmlns:a="http://schemas.openxmlformats.org/drawingml/2006/main" xmlns:r="http://schemas.openxmlformats.org/officeDocument/2006/relationships" xmlns:p="http://schemas.openxmlformats.org/presentationml/2006/main">
+  <p:cSld>
+    <p:spTree>
+      <p:nvGrpSpPr>
+        <p:cNvPr id="1" name=""/>
+        <p:cNvGrpSpPr/>
+        <p:nvPr/>
+      </p:nvGrpSpPr>
+      <p:grpSpPr>
+        <a:xfrm>
+          <a:off x="0" y="0"/>
+          <a:ext cx="0" cy="0"/>
+          <a:chOff x="0" y="0"/>
+          <a:chExt cx="0" cy="0"/>
+        </a:xfrm>
+      </p:grpSpPr>
+      <p:sp>
+        <p:nvSpPr>
+          <p:cNvPr id="2" name="Slide Image Placeholder 1"/>
+          <p:cNvSpPr>
+            <a:spLocks noGrp="1" noRot="1" noChangeAspect="1"/>
+          </p:cNvSpPr>
+          <p:nvPr>
+            <p:ph type="sldImg"/>
+          </p:nvPr>
+        </p:nvSpPr>
+        <p:spPr/>
+      </p:sp>
+      <p:sp>
+        <p:nvSpPr>
+          <p:cNvPr id="3" name="Notes Placeholder 2"/>
+          <p:cNvSpPr>
+            <a:spLocks noGrp="1"/>
+          </p:cNvSpPr>
+          <p:nvPr>
+            <p:ph type="body" idx="1"/>
+          </p:nvPr>
+        </p:nvSpPr>
+        <p:spPr/>
+        <p:txBody>
+          <a:bodyPr/>
+          <a:lstStyle/>
+          <a:p>
+            <a:endParaRPr lang="en-US" dirty="0"/>
+          </a:p>
+        </p:txBody>
+      </p:sp>
+      <p:sp>
+        <p:nvSpPr>
+          <p:cNvPr id="4" name="Slide Number Placeholder 3"/>
+          <p:cNvSpPr>
+            <a:spLocks noGrp="1"/>
+          </p:cNvSpPr>
+          <p:nvPr>
+            <p:ph type="sldNum" sz="quarter" idx="5"/>
+          </p:nvPr>
+        </p:nvSpPr>
+        <p:spPr/>
+        <p:txBody>
+          <a:bodyPr/>
+          <a:lstStyle/>
+          <a:p>
+            <a:fld id="{9B90837C-2A10-4AC8-889C-F94049739914}" type="slidenum">
+              <a:rPr lang="en-US" smtClean="0"/>
+              <a:t>7</a:t>
+            </a:fld>
+            <a:endParaRPr lang="en-US" dirty="0"/>
+          </a:p>
+        </p:txBody>
+      </p:sp>
+    </p:spTree>
+    <p:extLst>
+      <p:ext uri="{BB962C8B-B14F-4D97-AF65-F5344CB8AC3E}">
+        <p14:creationId xmlns:p14="http://schemas.microsoft.com/office/powerpoint/2010/main" val="1162200528"/>
+      </p:ext>
+    </p:extLst>
+  </p:cSld>
+  <p:clrMapOvr>
+    <a:masterClrMapping/>
+  </p:clrMapOvr>
+</p:notes>
+</file>
+
+<file path=ppt/notesSlides/notesSlide8.xml><?xml version="1.0" encoding="utf-8"?>
+<p:notes xmlns:a="http://schemas.openxmlformats.org/drawingml/2006/main" xmlns:r="http://schemas.openxmlformats.org/officeDocument/2006/relationships" xmlns:p="http://schemas.openxmlformats.org/presentationml/2006/main">
+  <p:cSld>
+    <p:spTree>
+      <p:nvGrpSpPr>
+        <p:cNvPr id="1" name=""/>
+        <p:cNvGrpSpPr/>
+        <p:nvPr/>
+      </p:nvGrpSpPr>
+      <p:grpSpPr>
+        <a:xfrm>
+          <a:off x="0" y="0"/>
+          <a:ext cx="0" cy="0"/>
+          <a:chOff x="0" y="0"/>
+          <a:chExt cx="0" cy="0"/>
+        </a:xfrm>
+      </p:grpSpPr>
+      <p:sp>
+        <p:nvSpPr>
+          <p:cNvPr id="2" name="Slide Image Placeholder 1"/>
+          <p:cNvSpPr>
+            <a:spLocks noGrp="1" noRot="1" noChangeAspect="1"/>
+          </p:cNvSpPr>
+          <p:nvPr>
+            <p:ph type="sldImg"/>
+          </p:nvPr>
+        </p:nvSpPr>
+        <p:spPr/>
+      </p:sp>
+      <p:sp>
+        <p:nvSpPr>
+          <p:cNvPr id="3" name="Notes Placeholder 2"/>
+          <p:cNvSpPr>
+            <a:spLocks noGrp="1"/>
+          </p:cNvSpPr>
+          <p:nvPr>
+            <p:ph type="body" idx="1"/>
+          </p:nvPr>
+        </p:nvSpPr>
+        <p:spPr/>
+        <p:txBody>
+          <a:bodyPr/>
+          <a:lstStyle/>
+          <a:p>
+            <a:endParaRPr lang="en-US" dirty="0"/>
+          </a:p>
+        </p:txBody>
+      </p:sp>
+      <p:sp>
+        <p:nvSpPr>
+          <p:cNvPr id="4" name="Slide Number Placeholder 3"/>
+          <p:cNvSpPr>
+            <a:spLocks noGrp="1"/>
+          </p:cNvSpPr>
+          <p:nvPr>
+            <p:ph type="sldNum" sz="quarter" idx="5"/>
+          </p:nvPr>
+        </p:nvSpPr>
+        <p:spPr/>
+        <p:txBody>
+          <a:bodyPr/>
+          <a:lstStyle/>
+          <a:p>
+            <a:fld id="{9B90837C-2A10-4AC8-889C-F94049739914}" type="slidenum">
+              <a:rPr lang="en-US" smtClean="0"/>
+              <a:t>8</a:t>
+            </a:fld>
+            <a:endParaRPr lang="en-US" dirty="0"/>
+          </a:p>
+        </p:txBody>
+      </p:sp>
+    </p:spTree>
+    <p:extLst>
+      <p:ext uri="{BB962C8B-B14F-4D97-AF65-F5344CB8AC3E}">
+        <p14:creationId xmlns:p14="http://schemas.microsoft.com/office/powerpoint/2010/main" val="2538301220"/>
+      </p:ext>
+    </p:extLst>
+  </p:cSld>
+  <p:clrMapOvr>
+    <a:masterClrMapping/>
+  </p:clrMapOvr>
+</p:notes>
+</file>
+
+<file path=ppt/notesSlides/notesSlide9.xml><?xml version="1.0" encoding="utf-8"?>
+<p:notes xmlns:a="http://schemas.openxmlformats.org/drawingml/2006/main" xmlns:r="http://schemas.openxmlformats.org/officeDocument/2006/relationships" xmlns:p="http://schemas.openxmlformats.org/presentationml/2006/main">
+  <p:cSld>
+    <p:spTree>
+      <p:nvGrpSpPr>
+        <p:cNvPr id="1" name=""/>
+        <p:cNvGrpSpPr/>
+        <p:nvPr/>
+      </p:nvGrpSpPr>
+      <p:grpSpPr>
+        <a:xfrm>
+          <a:off x="0" y="0"/>
+          <a:ext cx="0" cy="0"/>
+          <a:chOff x="0" y="0"/>
+          <a:chExt cx="0" cy="0"/>
+        </a:xfrm>
+      </p:grpSpPr>
+      <p:sp>
+        <p:nvSpPr>
+          <p:cNvPr id="2" name="Slide Image Placeholder 1"/>
+          <p:cNvSpPr>
+            <a:spLocks noGrp="1" noRot="1" noChangeAspect="1"/>
+          </p:cNvSpPr>
+          <p:nvPr>
+            <p:ph type="sldImg"/>
+          </p:nvPr>
+        </p:nvSpPr>
+        <p:spPr/>
+      </p:sp>
+      <p:sp>
+        <p:nvSpPr>
+          <p:cNvPr id="3" name="Notes Placeholder 2"/>
+          <p:cNvSpPr>
+            <a:spLocks noGrp="1"/>
+          </p:cNvSpPr>
+          <p:nvPr>
+            <p:ph type="body" idx="1"/>
+          </p:nvPr>
+        </p:nvSpPr>
+        <p:spPr/>
+        <p:txBody>
+          <a:bodyPr/>
+          <a:lstStyle/>
+          <a:p>
+            <a:endParaRPr lang="en-US" dirty="0"/>
+          </a:p>
+        </p:txBody>
+      </p:sp>
+      <p:sp>
+        <p:nvSpPr>
+          <p:cNvPr id="4" name="Slide Number Placeholder 3"/>
+          <p:cNvSpPr>
+            <a:spLocks noGrp="1"/>
+          </p:cNvSpPr>
+          <p:nvPr>
+            <p:ph type="sldNum" sz="quarter" idx="5"/>
+          </p:nvPr>
+        </p:nvSpPr>
+        <p:spPr/>
+        <p:txBody>
+          <a:bodyPr/>
+          <a:lstStyle/>
+          <a:p>
+            <a:fld id="{9B90837C-2A10-4AC8-889C-F94049739914}" type="slidenum">
+              <a:rPr lang="en-US" smtClean="0"/>
+              <a:t>9</a:t>
+            </a:fld>
+            <a:endParaRPr lang="en-US" dirty="0"/>
+          </a:p>
+        </p:txBody>
+      </p:sp>
+    </p:spTree>
+    <p:extLst>
+      <p:ext uri="{BB962C8B-B14F-4D97-AF65-F5344CB8AC3E}">
+        <p14:creationId xmlns:p14="http://schemas.microsoft.com/office/powerpoint/2010/main" val="3480385646"/>
+      </p:ext>
+    </p:extLst>
+  </p:cSld>
+  <p:clrMapOvr>
+    <a:masterClrMapping/>
+  </p:clrMapOvr>
+</p:notes>
 </file>
 
 <file path=ppt/slideLayouts/slideLayout1.xml><?xml version="1.0" encoding="utf-8"?>
@@ -140,31 +1417,83 @@
       </p:grpSpPr>
       <p:sp>
         <p:nvSpPr>
-          <p:cNvPr id="2" name="Title 1">
-            <a:extLst>
-              <a:ext uri="{FF2B5EF4-FFF2-40B4-BE49-F238E27FC236}">
-                <a16:creationId xmlns:a16="http://schemas.microsoft.com/office/drawing/2014/main" id="{4C2B748D-CA60-4040-93EB-4B5D4DABD7E5}"/>
-              </a:ext>
-            </a:extLst>
-          </p:cNvPr>
-          <p:cNvSpPr>
-            <a:spLocks noGrp="1"/>
-          </p:cNvSpPr>
-          <p:nvPr>
-            <p:ph type="ctrTitle"/>
-          </p:nvPr>
+          <p:cNvPr id="7" name="Rectangle 6"/>
+          <p:cNvSpPr>
+            <a:spLocks noChangeAspect="1"/>
+          </p:cNvSpPr>
+          <p:nvPr/>
         </p:nvSpPr>
         <p:spPr>
           <a:xfrm>
-            <a:off x="1524000" y="1122363"/>
-            <a:ext cx="9144000" cy="2387600"/>
+            <a:off x="231140" y="243840"/>
+            <a:ext cx="11724640" cy="6377939"/>
+          </a:xfrm>
+          <a:prstGeom prst="rect">
+            <a:avLst/>
+          </a:prstGeom>
+          <a:solidFill>
+            <a:schemeClr val="bg1"/>
+          </a:solidFill>
+          <a:ln w="12700">
+            <a:solidFill>
+              <a:schemeClr val="tx1"/>
+            </a:solidFill>
+          </a:ln>
+        </p:spPr>
+        <p:style>
+          <a:lnRef idx="2">
+            <a:schemeClr val="accent1">
+              <a:shade val="50000"/>
+            </a:schemeClr>
+          </a:lnRef>
+          <a:fillRef idx="1">
+            <a:schemeClr val="accent1"/>
+          </a:fillRef>
+          <a:effectRef idx="0">
+            <a:schemeClr val="accent1"/>
+          </a:effectRef>
+          <a:fontRef idx="minor">
+            <a:schemeClr val="lt1"/>
+          </a:fontRef>
+        </p:style>
+        <p:txBody>
+          <a:bodyPr/>
+          <a:lstStyle/>
+          <a:p>
+            <a:endParaRPr lang="en-US" dirty="0"/>
+          </a:p>
+        </p:txBody>
+      </p:sp>
+      <p:sp>
+        <p:nvSpPr>
+          <p:cNvPr id="2" name="Title 1"/>
+          <p:cNvSpPr>
+            <a:spLocks noGrp="1"/>
+          </p:cNvSpPr>
+          <p:nvPr>
+            <p:ph type="ctrTitle"/>
+          </p:nvPr>
+        </p:nvSpPr>
+        <p:spPr>
+          <a:xfrm>
+            <a:off x="1109980" y="882376"/>
+            <a:ext cx="9966960" cy="2926080"/>
           </a:xfrm>
         </p:spPr>
         <p:txBody>
-          <a:bodyPr anchor="b"/>
+          <a:bodyPr anchor="b">
+            <a:normAutofit/>
+          </a:bodyPr>
           <a:lstStyle>
             <a:lvl1pPr algn="ctr">
-              <a:defRPr sz="6000"/>
+              <a:lnSpc>
+                <a:spcPct val="85000"/>
+              </a:lnSpc>
+              <a:defRPr sz="7200" b="1" cap="all" baseline="0">
+                <a:solidFill>
+                  <a:schemeClr val="tx1"/>
+                </a:solidFill>
+              </a:defRPr>
             </a:lvl1pPr>
           </a:lstStyle>
           <a:p>
@@ -172,18 +1501,13 @@
               <a:rPr lang="en-US"/>
               <a:t>Click to edit Master title style</a:t>
             </a:r>
-          </a:p>
-        </p:txBody>
-      </p:sp>
-      <p:sp>
-        <p:nvSpPr>
-          <p:cNvPr id="3" name="Subtitle 2">
-            <a:extLst>
-              <a:ext uri="{FF2B5EF4-FFF2-40B4-BE49-F238E27FC236}">
-                <a16:creationId xmlns:a16="http://schemas.microsoft.com/office/drawing/2014/main" id="{D8442D9D-4F74-4D2F-9241-08A762EBDC51}"/>
-              </a:ext>
-            </a:extLst>
-          </p:cNvPr>
+            <a:endParaRPr lang="en-US" dirty="0"/>
+          </a:p>
+        </p:txBody>
+      </p:sp>
+      <p:sp>
+        <p:nvSpPr>
+          <p:cNvPr id="3" name="Subtitle 2"/>
           <p:cNvSpPr>
             <a:spLocks noGrp="1"/>
           </p:cNvSpPr>
@@ -193,48 +1517,54 @@
         </p:nvSpPr>
         <p:spPr>
           <a:xfrm>
-            <a:off x="1524000" y="3602038"/>
-            <a:ext cx="9144000" cy="1655762"/>
+            <a:off x="1709530" y="3869634"/>
+            <a:ext cx="8767860" cy="1388165"/>
           </a:xfrm>
         </p:spPr>
         <p:txBody>
-          <a:bodyPr/>
+          <a:bodyPr>
+            <a:normAutofit/>
+          </a:bodyPr>
           <a:lstStyle>
             <a:lvl1pPr marL="0" indent="0" algn="ctr">
               <a:buNone/>
-              <a:defRPr sz="2400"/>
+              <a:defRPr sz="2200">
+                <a:solidFill>
+                  <a:schemeClr val="tx1"/>
+                </a:solidFill>
+              </a:defRPr>
             </a:lvl1pPr>
             <a:lvl2pPr marL="457200" indent="0" algn="ctr">
               <a:buNone/>
-              <a:defRPr sz="2000"/>
+              <a:defRPr sz="2200"/>
             </a:lvl2pPr>
             <a:lvl3pPr marL="914400" indent="0" algn="ctr">
               <a:buNone/>
-              <a:defRPr sz="1800"/>
+              <a:defRPr sz="2200"/>
             </a:lvl3pPr>
             <a:lvl4pPr marL="1371600" indent="0" algn="ctr">
               <a:buNone/>
-              <a:defRPr sz="1600"/>
+              <a:defRPr sz="2000"/>
             </a:lvl4pPr>
             <a:lvl5pPr marL="1828800" indent="0" algn="ctr">
               <a:buNone/>
-              <a:defRPr sz="1600"/>
+              <a:defRPr sz="2000"/>
             </a:lvl5pPr>
             <a:lvl6pPr marL="2286000" indent="0" algn="ctr">
               <a:buNone/>
-              <a:defRPr sz="1600"/>
+              <a:defRPr sz="2000"/>
             </a:lvl6pPr>
             <a:lvl7pPr marL="2743200" indent="0" algn="ctr">
               <a:buNone/>
-              <a:defRPr sz="1600"/>
+              <a:defRPr sz="2000"/>
             </a:lvl7pPr>
             <a:lvl8pPr marL="3200400" indent="0" algn="ctr">
               <a:buNone/>
-              <a:defRPr sz="1600"/>
+              <a:defRPr sz="2000"/>
             </a:lvl8pPr>
             <a:lvl9pPr marL="3657600" indent="0" algn="ctr">
               <a:buNone/>
-              <a:defRPr sz="1600"/>
+              <a:defRPr sz="2000"/>
             </a:lvl9pPr>
           </a:lstStyle>
           <a:p>
@@ -242,18 +1572,13 @@
               <a:rPr lang="en-US"/>
               <a:t>Click to edit Master subtitle style</a:t>
             </a:r>
-          </a:p>
-        </p:txBody>
-      </p:sp>
-      <p:sp>
-        <p:nvSpPr>
-          <p:cNvPr id="4" name="Date Placeholder 3" hidden="1">
-            <a:extLst>
-              <a:ext uri="{FF2B5EF4-FFF2-40B4-BE49-F238E27FC236}">
-                <a16:creationId xmlns:a16="http://schemas.microsoft.com/office/drawing/2014/main" id="{3B1D1571-22F2-4A2C-B9A7-BC4132F1AF51}"/>
-              </a:ext>
-            </a:extLst>
-          </p:cNvPr>
+            <a:endParaRPr lang="en-US" dirty="0"/>
+          </a:p>
+        </p:txBody>
+      </p:sp>
+      <p:sp>
+        <p:nvSpPr>
+          <p:cNvPr id="4" name="Date Placeholder 3" hidden="1"/>
           <p:cNvSpPr>
             <a:spLocks noGrp="1"/>
           </p:cNvSpPr>
@@ -264,24 +1589,27 @@
         <p:spPr/>
         <p:txBody>
           <a:bodyPr/>
-          <a:lstStyle/>
+          <a:lstStyle>
+            <a:lvl1pPr>
+              <a:defRPr>
+                <a:solidFill>
+                  <a:schemeClr val="tx1"/>
+                </a:solidFill>
+              </a:defRPr>
+            </a:lvl1pPr>
+          </a:lstStyle>
           <a:p>
             <a:r>
               <a:rPr lang="en-US"/>
               <a:t> </a:t>
             </a:r>
-          </a:p>
-        </p:txBody>
-      </p:sp>
-      <p:sp>
-        <p:nvSpPr>
-          <p:cNvPr id="5" name="Footer Placeholder 4">
-            <a:extLst>
-              <a:ext uri="{FF2B5EF4-FFF2-40B4-BE49-F238E27FC236}">
-                <a16:creationId xmlns:a16="http://schemas.microsoft.com/office/drawing/2014/main" id="{2451C5D7-29FF-405E-8051-DF812F33C0F4}"/>
-              </a:ext>
-            </a:extLst>
-          </p:cNvPr>
+            <a:endParaRPr lang="en-US" dirty="0"/>
+          </a:p>
+        </p:txBody>
+      </p:sp>
+      <p:sp>
+        <p:nvSpPr>
+          <p:cNvPr id="5" name="Footer Placeholder 4"/>
           <p:cNvSpPr>
             <a:spLocks noGrp="1"/>
           </p:cNvSpPr>
@@ -292,21 +1620,23 @@
         <p:spPr/>
         <p:txBody>
           <a:bodyPr/>
-          <a:lstStyle/>
-          <a:p>
-            <a:endParaRPr lang="en-US"/>
-          </a:p>
-        </p:txBody>
-      </p:sp>
-      <p:sp>
-        <p:nvSpPr>
-          <p:cNvPr id="6" name="Slide Number Placeholder 5" hidden="1">
-            <a:extLst>
-              <a:ext uri="{FF2B5EF4-FFF2-40B4-BE49-F238E27FC236}">
-                <a16:creationId xmlns:a16="http://schemas.microsoft.com/office/drawing/2014/main" id="{072D89B4-5AE9-42A1-A427-B6BF055B8D43}"/>
-              </a:ext>
-            </a:extLst>
-          </p:cNvPr>
+          <a:lstStyle>
+            <a:lvl1pPr>
+              <a:defRPr>
+                <a:solidFill>
+                  <a:schemeClr val="tx1"/>
+                </a:solidFill>
+              </a:defRPr>
+            </a:lvl1pPr>
+          </a:lstStyle>
+          <a:p>
+            <a:endParaRPr lang="en-US" dirty="0"/>
+          </a:p>
+        </p:txBody>
+      </p:sp>
+      <p:sp>
+        <p:nvSpPr>
+          <p:cNvPr id="6" name="Slide Number Placeholder 5" hidden="1"/>
           <p:cNvSpPr>
             <a:spLocks noGrp="1"/>
           </p:cNvSpPr>
@@ -317,19 +1647,63 @@
         <p:spPr/>
         <p:txBody>
           <a:bodyPr/>
-          <a:lstStyle/>
+          <a:lstStyle>
+            <a:lvl1pPr>
+              <a:defRPr>
+                <a:solidFill>
+                  <a:schemeClr val="tx1"/>
+                </a:solidFill>
+              </a:defRPr>
+            </a:lvl1pPr>
+          </a:lstStyle>
           <a:p>
             <a:r>
               <a:rPr lang="en-US"/>
               <a:t> </a:t>
             </a:r>
-          </a:p>
-        </p:txBody>
-      </p:sp>
+            <a:endParaRPr lang="en-US" dirty="0"/>
+          </a:p>
+        </p:txBody>
+      </p:sp>
+      <p:cxnSp>
+        <p:nvCxnSpPr>
+          <p:cNvPr id="8" name="Straight Connector 7"/>
+          <p:cNvCxnSpPr/>
+          <p:nvPr/>
+        </p:nvCxnSpPr>
+        <p:spPr>
+          <a:xfrm>
+            <a:off x="1978660" y="3733800"/>
+            <a:ext cx="8229601" cy="0"/>
+          </a:xfrm>
+          <a:prstGeom prst="line">
+            <a:avLst/>
+          </a:prstGeom>
+          <a:ln>
+            <a:solidFill>
+              <a:schemeClr val="tx1"/>
+            </a:solidFill>
+          </a:ln>
+        </p:spPr>
+        <p:style>
+          <a:lnRef idx="1">
+            <a:schemeClr val="accent1"/>
+          </a:lnRef>
+          <a:fillRef idx="0">
+            <a:schemeClr val="accent1"/>
+          </a:fillRef>
+          <a:effectRef idx="0">
+            <a:schemeClr val="accent1"/>
+          </a:effectRef>
+          <a:fontRef idx="minor">
+            <a:schemeClr val="tx1"/>
+          </a:fontRef>
+        </p:style>
+      </p:cxnSp>
     </p:spTree>
     <p:extLst>
       <p:ext uri="{BB962C8B-B14F-4D97-AF65-F5344CB8AC3E}">
-        <p14:creationId xmlns:p14="http://schemas.microsoft.com/office/powerpoint/2010/main" val="2565769817"/>
+        <p14:creationId xmlns:p14="http://schemas.microsoft.com/office/powerpoint/2010/main" val="652220854"/>
       </p:ext>
     </p:extLst>
   </p:cSld>
@@ -358,13 +1732,7 @@
       </p:grpSpPr>
       <p:sp>
         <p:nvSpPr>
-          <p:cNvPr id="2" name="Title 1">
-            <a:extLst>
-              <a:ext uri="{FF2B5EF4-FFF2-40B4-BE49-F238E27FC236}">
-                <a16:creationId xmlns:a16="http://schemas.microsoft.com/office/drawing/2014/main" id="{333A0A1C-DB01-40AF-B8A1-93A84876142B}"/>
-              </a:ext>
-            </a:extLst>
-          </p:cNvPr>
+          <p:cNvPr id="2" name="Title 1"/>
           <p:cNvSpPr>
             <a:spLocks noGrp="1"/>
           </p:cNvSpPr>
@@ -381,18 +1749,13 @@
               <a:rPr lang="en-US"/>
               <a:t>Click to edit Master title style</a:t>
             </a:r>
-          </a:p>
-        </p:txBody>
-      </p:sp>
-      <p:sp>
-        <p:nvSpPr>
-          <p:cNvPr id="3" name="Vertical Text Placeholder 2">
-            <a:extLst>
-              <a:ext uri="{FF2B5EF4-FFF2-40B4-BE49-F238E27FC236}">
-                <a16:creationId xmlns:a16="http://schemas.microsoft.com/office/drawing/2014/main" id="{24F5B5AC-0884-4022-B258-BB6F1760F617}"/>
-              </a:ext>
-            </a:extLst>
-          </p:cNvPr>
+            <a:endParaRPr lang="en-US" dirty="0"/>
+          </a:p>
+        </p:txBody>
+      </p:sp>
+      <p:sp>
+        <p:nvSpPr>
+          <p:cNvPr id="3" name="Vertical Text Placeholder 2"/>
           <p:cNvSpPr>
             <a:spLocks noGrp="1"/>
           </p:cNvSpPr>
@@ -438,18 +1801,13 @@
               <a:rPr lang="en-US"/>
               <a:t>Fifth level</a:t>
             </a:r>
-          </a:p>
-        </p:txBody>
-      </p:sp>
-      <p:sp>
-        <p:nvSpPr>
-          <p:cNvPr id="4" name="Date Placeholder 3" hidden="1">
-            <a:extLst>
-              <a:ext uri="{FF2B5EF4-FFF2-40B4-BE49-F238E27FC236}">
-                <a16:creationId xmlns:a16="http://schemas.microsoft.com/office/drawing/2014/main" id="{9FF27545-4F29-4C76-A09C-9CB0414FAF92}"/>
-              </a:ext>
-            </a:extLst>
-          </p:cNvPr>
+            <a:endParaRPr lang="en-US" dirty="0"/>
+          </a:p>
+        </p:txBody>
+      </p:sp>
+      <p:sp>
+        <p:nvSpPr>
+          <p:cNvPr id="4" name="Date Placeholder 3" hidden="1"/>
           <p:cNvSpPr>
             <a:spLocks noGrp="1"/>
           </p:cNvSpPr>
@@ -466,18 +1824,13 @@
               <a:rPr lang="en-US"/>
               <a:t> </a:t>
             </a:r>
-          </a:p>
-        </p:txBody>
-      </p:sp>
-      <p:sp>
-        <p:nvSpPr>
-          <p:cNvPr id="5" name="Footer Placeholder 4">
-            <a:extLst>
-              <a:ext uri="{FF2B5EF4-FFF2-40B4-BE49-F238E27FC236}">
-                <a16:creationId xmlns:a16="http://schemas.microsoft.com/office/drawing/2014/main" id="{0BE05FB5-CBBA-4490-8066-E4C82BE9A73A}"/>
-              </a:ext>
-            </a:extLst>
-          </p:cNvPr>
+            <a:endParaRPr lang="en-US" dirty="0"/>
+          </a:p>
+        </p:txBody>
+      </p:sp>
+      <p:sp>
+        <p:nvSpPr>
+          <p:cNvPr id="5" name="Footer Placeholder 4"/>
           <p:cNvSpPr>
             <a:spLocks noGrp="1"/>
           </p:cNvSpPr>
@@ -490,19 +1843,13 @@
           <a:bodyPr/>
           <a:lstStyle/>
           <a:p>
-            <a:endParaRPr lang="en-US"/>
-          </a:p>
-        </p:txBody>
-      </p:sp>
-      <p:sp>
-        <p:nvSpPr>
-          <p:cNvPr id="6" name="Slide Number Placeholder 5" hidden="1">
-            <a:extLst>
-              <a:ext uri="{FF2B5EF4-FFF2-40B4-BE49-F238E27FC236}">
-                <a16:creationId xmlns:a16="http://schemas.microsoft.com/office/drawing/2014/main" id="{115D01FE-3306-4284-AF18-2B349174EEFC}"/>
-              </a:ext>
-            </a:extLst>
-          </p:cNvPr>
+            <a:endParaRPr lang="en-US" dirty="0"/>
+          </a:p>
+        </p:txBody>
+      </p:sp>
+      <p:sp>
+        <p:nvSpPr>
+          <p:cNvPr id="6" name="Slide Number Placeholder 5" hidden="1"/>
           <p:cNvSpPr>
             <a:spLocks noGrp="1"/>
           </p:cNvSpPr>
@@ -519,13 +1866,14 @@
               <a:rPr lang="en-US"/>
               <a:t> </a:t>
             </a:r>
+            <a:endParaRPr lang="en-US" dirty="0"/>
           </a:p>
         </p:txBody>
       </p:sp>
     </p:spTree>
     <p:extLst>
       <p:ext uri="{BB962C8B-B14F-4D97-AF65-F5344CB8AC3E}">
-        <p14:creationId xmlns:p14="http://schemas.microsoft.com/office/powerpoint/2010/main" val="3110235902"/>
+        <p14:creationId xmlns:p14="http://schemas.microsoft.com/office/powerpoint/2010/main" val="3134630179"/>
       </p:ext>
     </p:extLst>
   </p:cSld>
@@ -554,13 +1902,7 @@
       </p:grpSpPr>
       <p:sp>
         <p:nvSpPr>
-          <p:cNvPr id="2" name="Vertical Title 1">
-            <a:extLst>
-              <a:ext uri="{FF2B5EF4-FFF2-40B4-BE49-F238E27FC236}">
-                <a16:creationId xmlns:a16="http://schemas.microsoft.com/office/drawing/2014/main" id="{9A7ECEB4-B6A7-4F6F-B28D-D11B2CE034E0}"/>
-              </a:ext>
-            </a:extLst>
-          </p:cNvPr>
+          <p:cNvPr id="2" name="Vertical Title 1"/>
           <p:cNvSpPr>
             <a:spLocks noGrp="1"/>
           </p:cNvSpPr>
@@ -570,8 +1912,8 @@
         </p:nvSpPr>
         <p:spPr>
           <a:xfrm>
-            <a:off x="8724900" y="365125"/>
-            <a:ext cx="2628900" cy="5811838"/>
+            <a:off x="8724900" y="762000"/>
+            <a:ext cx="2324100" cy="5410200"/>
           </a:xfrm>
         </p:spPr>
         <p:txBody>
@@ -582,18 +1924,13 @@
               <a:rPr lang="en-US"/>
               <a:t>Click to edit Master title style</a:t>
             </a:r>
-          </a:p>
-        </p:txBody>
-      </p:sp>
-      <p:sp>
-        <p:nvSpPr>
-          <p:cNvPr id="3" name="Vertical Text Placeholder 2">
-            <a:extLst>
-              <a:ext uri="{FF2B5EF4-FFF2-40B4-BE49-F238E27FC236}">
-                <a16:creationId xmlns:a16="http://schemas.microsoft.com/office/drawing/2014/main" id="{9CB8A7BE-07CC-406B-80EA-827DECFAA539}"/>
-              </a:ext>
-            </a:extLst>
-          </p:cNvPr>
+            <a:endParaRPr lang="en-US" dirty="0"/>
+          </a:p>
+        </p:txBody>
+      </p:sp>
+      <p:sp>
+        <p:nvSpPr>
+          <p:cNvPr id="3" name="Vertical Text Placeholder 2"/>
           <p:cNvSpPr>
             <a:spLocks noGrp="1"/>
           </p:cNvSpPr>
@@ -603,8 +1940,8 @@
         </p:nvSpPr>
         <p:spPr>
           <a:xfrm>
-            <a:off x="838200" y="365125"/>
-            <a:ext cx="7734300" cy="5811838"/>
+            <a:off x="1143000" y="762000"/>
+            <a:ext cx="7429500" cy="5410200"/>
           </a:xfrm>
         </p:spPr>
         <p:txBody>
@@ -644,18 +1981,13 @@
               <a:rPr lang="en-US"/>
               <a:t>Fifth level</a:t>
             </a:r>
-          </a:p>
-        </p:txBody>
-      </p:sp>
-      <p:sp>
-        <p:nvSpPr>
-          <p:cNvPr id="4" name="Date Placeholder 3" hidden="1">
-            <a:extLst>
-              <a:ext uri="{FF2B5EF4-FFF2-40B4-BE49-F238E27FC236}">
-                <a16:creationId xmlns:a16="http://schemas.microsoft.com/office/drawing/2014/main" id="{D44AD7FC-F9ED-4ACA-9B8F-B30076CA0D9C}"/>
-              </a:ext>
-            </a:extLst>
-          </p:cNvPr>
+            <a:endParaRPr lang="en-US" dirty="0"/>
+          </a:p>
+        </p:txBody>
+      </p:sp>
+      <p:sp>
+        <p:nvSpPr>
+          <p:cNvPr id="4" name="Date Placeholder 3" hidden="1"/>
           <p:cNvSpPr>
             <a:spLocks noGrp="1"/>
           </p:cNvSpPr>
@@ -672,18 +2004,13 @@
               <a:rPr lang="en-US"/>
               <a:t> </a:t>
             </a:r>
-          </a:p>
-        </p:txBody>
-      </p:sp>
-      <p:sp>
-        <p:nvSpPr>
-          <p:cNvPr id="5" name="Footer Placeholder 4">
-            <a:extLst>
-              <a:ext uri="{FF2B5EF4-FFF2-40B4-BE49-F238E27FC236}">
-                <a16:creationId xmlns:a16="http://schemas.microsoft.com/office/drawing/2014/main" id="{19786324-58A1-45D0-90AE-BF22CF11D4E1}"/>
-              </a:ext>
-            </a:extLst>
-          </p:cNvPr>
+            <a:endParaRPr lang="en-US" dirty="0"/>
+          </a:p>
+        </p:txBody>
+      </p:sp>
+      <p:sp>
+        <p:nvSpPr>
+          <p:cNvPr id="5" name="Footer Placeholder 4"/>
           <p:cNvSpPr>
             <a:spLocks noGrp="1"/>
           </p:cNvSpPr>
@@ -696,19 +2023,13 @@
           <a:bodyPr/>
           <a:lstStyle/>
           <a:p>
-            <a:endParaRPr lang="en-US"/>
-          </a:p>
-        </p:txBody>
-      </p:sp>
-      <p:sp>
-        <p:nvSpPr>
-          <p:cNvPr id="6" name="Slide Number Placeholder 5" hidden="1">
-            <a:extLst>
-              <a:ext uri="{FF2B5EF4-FFF2-40B4-BE49-F238E27FC236}">
-                <a16:creationId xmlns:a16="http://schemas.microsoft.com/office/drawing/2014/main" id="{D322DD7D-03D2-43BC-AA33-DDABA5FF8F4D}"/>
-              </a:ext>
-            </a:extLst>
-          </p:cNvPr>
+            <a:endParaRPr lang="en-US" dirty="0"/>
+          </a:p>
+        </p:txBody>
+      </p:sp>
+      <p:sp>
+        <p:nvSpPr>
+          <p:cNvPr id="6" name="Slide Number Placeholder 5" hidden="1"/>
           <p:cNvSpPr>
             <a:spLocks noGrp="1"/>
           </p:cNvSpPr>
@@ -725,13 +2046,14 @@
               <a:rPr lang="en-US"/>
               <a:t> </a:t>
             </a:r>
+            <a:endParaRPr lang="en-US" dirty="0"/>
           </a:p>
         </p:txBody>
       </p:sp>
     </p:spTree>
     <p:extLst>
       <p:ext uri="{BB962C8B-B14F-4D97-AF65-F5344CB8AC3E}">
-        <p14:creationId xmlns:p14="http://schemas.microsoft.com/office/powerpoint/2010/main" val="569422155"/>
+        <p14:creationId xmlns:p14="http://schemas.microsoft.com/office/powerpoint/2010/main" val="2807608157"/>
       </p:ext>
     </p:extLst>
   </p:cSld>
@@ -760,13 +2082,7 @@
       </p:grpSpPr>
       <p:sp>
         <p:nvSpPr>
-          <p:cNvPr id="2" name="Title 1">
-            <a:extLst>
-              <a:ext uri="{FF2B5EF4-FFF2-40B4-BE49-F238E27FC236}">
-                <a16:creationId xmlns:a16="http://schemas.microsoft.com/office/drawing/2014/main" id="{D1D09741-102E-4040-9565-E40850CF3833}"/>
-              </a:ext>
-            </a:extLst>
-          </p:cNvPr>
+          <p:cNvPr id="2" name="Title 1"/>
           <p:cNvSpPr>
             <a:spLocks noGrp="1"/>
           </p:cNvSpPr>
@@ -783,18 +2099,13 @@
               <a:rPr lang="en-US"/>
               <a:t>Click to edit Master title style</a:t>
             </a:r>
-          </a:p>
-        </p:txBody>
-      </p:sp>
-      <p:sp>
-        <p:nvSpPr>
-          <p:cNvPr id="3" name="Content Placeholder 2">
-            <a:extLst>
-              <a:ext uri="{FF2B5EF4-FFF2-40B4-BE49-F238E27FC236}">
-                <a16:creationId xmlns:a16="http://schemas.microsoft.com/office/drawing/2014/main" id="{D449A893-E2F6-496C-A384-3A449F174F7E}"/>
-              </a:ext>
-            </a:extLst>
-          </p:cNvPr>
+            <a:endParaRPr lang="en-US" dirty="0"/>
+          </a:p>
+        </p:txBody>
+      </p:sp>
+      <p:sp>
+        <p:nvSpPr>
+          <p:cNvPr id="3" name="Content Placeholder 2"/>
           <p:cNvSpPr>
             <a:spLocks noGrp="1"/>
           </p:cNvSpPr>
@@ -840,18 +2151,13 @@
               <a:rPr lang="en-US"/>
               <a:t>Fifth level</a:t>
             </a:r>
-          </a:p>
-        </p:txBody>
-      </p:sp>
-      <p:sp>
-        <p:nvSpPr>
-          <p:cNvPr id="4" name="Date Placeholder 3" hidden="1">
-            <a:extLst>
-              <a:ext uri="{FF2B5EF4-FFF2-40B4-BE49-F238E27FC236}">
-                <a16:creationId xmlns:a16="http://schemas.microsoft.com/office/drawing/2014/main" id="{8057CBE4-22BB-4499-A73B-52C5F43C5DC5}"/>
-              </a:ext>
-            </a:extLst>
-          </p:cNvPr>
+            <a:endParaRPr lang="en-US" dirty="0"/>
+          </a:p>
+        </p:txBody>
+      </p:sp>
+      <p:sp>
+        <p:nvSpPr>
+          <p:cNvPr id="4" name="Date Placeholder 3" hidden="1"/>
           <p:cNvSpPr>
             <a:spLocks noGrp="1"/>
           </p:cNvSpPr>
@@ -868,18 +2174,13 @@
               <a:rPr lang="en-US"/>
               <a:t> </a:t>
             </a:r>
-          </a:p>
-        </p:txBody>
-      </p:sp>
-      <p:sp>
-        <p:nvSpPr>
-          <p:cNvPr id="5" name="Footer Placeholder 4">
-            <a:extLst>
-              <a:ext uri="{FF2B5EF4-FFF2-40B4-BE49-F238E27FC236}">
-                <a16:creationId xmlns:a16="http://schemas.microsoft.com/office/drawing/2014/main" id="{F33497BD-B19C-4F49-BD01-38A6BBAB0F16}"/>
-              </a:ext>
-            </a:extLst>
-          </p:cNvPr>
+            <a:endParaRPr lang="en-US" dirty="0"/>
+          </a:p>
+        </p:txBody>
+      </p:sp>
+      <p:sp>
+        <p:nvSpPr>
+          <p:cNvPr id="5" name="Footer Placeholder 4"/>
           <p:cNvSpPr>
             <a:spLocks noGrp="1"/>
           </p:cNvSpPr>
@@ -892,19 +2193,13 @@
           <a:bodyPr/>
           <a:lstStyle/>
           <a:p>
-            <a:endParaRPr lang="en-US"/>
-          </a:p>
-        </p:txBody>
-      </p:sp>
-      <p:sp>
-        <p:nvSpPr>
-          <p:cNvPr id="6" name="Slide Number Placeholder 5" hidden="1">
-            <a:extLst>
-              <a:ext uri="{FF2B5EF4-FFF2-40B4-BE49-F238E27FC236}">
-                <a16:creationId xmlns:a16="http://schemas.microsoft.com/office/drawing/2014/main" id="{E636A544-6808-43D1-AD22-0F036D4766F1}"/>
-              </a:ext>
-            </a:extLst>
-          </p:cNvPr>
+            <a:endParaRPr lang="en-US" dirty="0"/>
+          </a:p>
+        </p:txBody>
+      </p:sp>
+      <p:sp>
+        <p:nvSpPr>
+          <p:cNvPr id="6" name="Slide Number Placeholder 5" hidden="1"/>
           <p:cNvSpPr>
             <a:spLocks noGrp="1"/>
           </p:cNvSpPr>
@@ -921,13 +2216,14 @@
               <a:rPr lang="en-US"/>
               <a:t> </a:t>
             </a:r>
+            <a:endParaRPr lang="en-US" dirty="0"/>
           </a:p>
         </p:txBody>
       </p:sp>
     </p:spTree>
     <p:extLst>
       <p:ext uri="{BB962C8B-B14F-4D97-AF65-F5344CB8AC3E}">
-        <p14:creationId xmlns:p14="http://schemas.microsoft.com/office/powerpoint/2010/main" val="3394244548"/>
+        <p14:creationId xmlns:p14="http://schemas.microsoft.com/office/powerpoint/2010/main" val="4151930579"/>
       </p:ext>
     </p:extLst>
   </p:cSld>
@@ -956,13 +2252,7 @@
       </p:grpSpPr>
       <p:sp>
         <p:nvSpPr>
-          <p:cNvPr id="2" name="Title 1">
-            <a:extLst>
-              <a:ext uri="{FF2B5EF4-FFF2-40B4-BE49-F238E27FC236}">
-                <a16:creationId xmlns:a16="http://schemas.microsoft.com/office/drawing/2014/main" id="{68975899-00B3-49D3-9B80-CF8BE4C89AC9}"/>
-              </a:ext>
-            </a:extLst>
-          </p:cNvPr>
+          <p:cNvPr id="2" name="Title 1"/>
           <p:cNvSpPr>
             <a:spLocks noGrp="1"/>
           </p:cNvSpPr>
@@ -972,15 +2262,20 @@
         </p:nvSpPr>
         <p:spPr>
           <a:xfrm>
-            <a:off x="831850" y="1709738"/>
-            <a:ext cx="10515600" cy="2852737"/>
+            <a:off x="1106424" y="1173575"/>
+            <a:ext cx="9966960" cy="2926080"/>
           </a:xfrm>
         </p:spPr>
         <p:txBody>
-          <a:bodyPr anchor="b"/>
+          <a:bodyPr anchor="b">
+            <a:noAutofit/>
+          </a:bodyPr>
           <a:lstStyle>
-            <a:lvl1pPr>
-              <a:defRPr sz="6000"/>
+            <a:lvl1pPr algn="ctr">
+              <a:lnSpc>
+                <a:spcPct val="85000"/>
+              </a:lnSpc>
+              <a:defRPr sz="7200" b="0" cap="all" baseline="0"/>
             </a:lvl1pPr>
           </a:lstStyle>
           <a:p>
@@ -988,18 +2283,13 @@
               <a:rPr lang="en-US"/>
               <a:t>Click to edit Master title style</a:t>
             </a:r>
-          </a:p>
-        </p:txBody>
-      </p:sp>
-      <p:sp>
-        <p:nvSpPr>
-          <p:cNvPr id="3" name="Text Placeholder 2">
-            <a:extLst>
-              <a:ext uri="{FF2B5EF4-FFF2-40B4-BE49-F238E27FC236}">
-                <a16:creationId xmlns:a16="http://schemas.microsoft.com/office/drawing/2014/main" id="{3F546CDE-608E-48A6-9102-E93DEBE4DE0F}"/>
-              </a:ext>
-            </a:extLst>
-          </p:cNvPr>
+            <a:endParaRPr lang="en-US" dirty="0"/>
+          </a:p>
+        </p:txBody>
+      </p:sp>
+      <p:sp>
+        <p:nvSpPr>
+          <p:cNvPr id="3" name="Text Placeholder 2"/>
           <p:cNvSpPr>
             <a:spLocks noGrp="1"/>
           </p:cNvSpPr>
@@ -1009,26 +2299,26 @@
         </p:nvSpPr>
         <p:spPr>
           <a:xfrm>
-            <a:off x="831850" y="4589463"/>
-            <a:ext cx="10515600" cy="1500187"/>
+            <a:off x="1709928" y="4154520"/>
+            <a:ext cx="8769096" cy="1363806"/>
           </a:xfrm>
         </p:spPr>
         <p:txBody>
-          <a:bodyPr/>
+          <a:bodyPr anchor="t">
+            <a:normAutofit/>
+          </a:bodyPr>
           <a:lstStyle>
-            <a:lvl1pPr marL="0" indent="0">
+            <a:lvl1pPr marL="0" indent="0" algn="ctr">
               <a:buNone/>
-              <a:defRPr sz="2400">
+              <a:defRPr sz="2200">
                 <a:solidFill>
-                  <a:schemeClr val="tx1">
-                    <a:tint val="75000"/>
-                  </a:schemeClr>
+                  <a:schemeClr val="tx1"/>
                 </a:solidFill>
               </a:defRPr>
             </a:lvl1pPr>
             <a:lvl2pPr marL="457200" indent="0">
               <a:buNone/>
-              <a:defRPr sz="2000">
+              <a:defRPr sz="1800">
                 <a:solidFill>
                   <a:schemeClr val="tx1">
                     <a:tint val="75000"/>
@@ -1038,7 +2328,7 @@
             </a:lvl2pPr>
             <a:lvl3pPr marL="914400" indent="0">
               <a:buNone/>
-              <a:defRPr sz="1800">
+              <a:defRPr sz="1600">
                 <a:solidFill>
                   <a:schemeClr val="tx1">
                     <a:tint val="75000"/>
@@ -1048,7 +2338,7 @@
             </a:lvl3pPr>
             <a:lvl4pPr marL="1371600" indent="0">
               <a:buNone/>
-              <a:defRPr sz="1600">
+              <a:defRPr sz="1400">
                 <a:solidFill>
                   <a:schemeClr val="tx1">
                     <a:tint val="75000"/>
@@ -1058,7 +2348,7 @@
             </a:lvl4pPr>
             <a:lvl5pPr marL="1828800" indent="0">
               <a:buNone/>
-              <a:defRPr sz="1600">
+              <a:defRPr sz="1400">
                 <a:solidFill>
                   <a:schemeClr val="tx1">
                     <a:tint val="75000"/>
@@ -1068,7 +2358,7 @@
             </a:lvl5pPr>
             <a:lvl6pPr marL="2286000" indent="0">
               <a:buNone/>
-              <a:defRPr sz="1600">
+              <a:defRPr sz="1400">
                 <a:solidFill>
                   <a:schemeClr val="tx1">
                     <a:tint val="75000"/>
@@ -1078,7 +2368,7 @@
             </a:lvl6pPr>
             <a:lvl7pPr marL="2743200" indent="0">
               <a:buNone/>
-              <a:defRPr sz="1600">
+              <a:defRPr sz="1400">
                 <a:solidFill>
                   <a:schemeClr val="tx1">
                     <a:tint val="75000"/>
@@ -1088,7 +2378,7 @@
             </a:lvl7pPr>
             <a:lvl8pPr marL="3200400" indent="0">
               <a:buNone/>
-              <a:defRPr sz="1600">
+              <a:defRPr sz="1400">
                 <a:solidFill>
                   <a:schemeClr val="tx1">
                     <a:tint val="75000"/>
@@ -1098,7 +2388,7 @@
             </a:lvl8pPr>
             <a:lvl9pPr marL="3657600" indent="0">
               <a:buNone/>
-              <a:defRPr sz="1600">
+              <a:defRPr sz="1400">
                 <a:solidFill>
                   <a:schemeClr val="tx1">
                     <a:tint val="75000"/>
@@ -1118,13 +2408,7 @@
       </p:sp>
       <p:sp>
         <p:nvSpPr>
-          <p:cNvPr id="4" name="Date Placeholder 3" hidden="1">
-            <a:extLst>
-              <a:ext uri="{FF2B5EF4-FFF2-40B4-BE49-F238E27FC236}">
-                <a16:creationId xmlns:a16="http://schemas.microsoft.com/office/drawing/2014/main" id="{667E2592-4137-49FE-9839-DE42BFD87E2F}"/>
-              </a:ext>
-            </a:extLst>
-          </p:cNvPr>
+          <p:cNvPr id="4" name="Date Placeholder 3" hidden="1"/>
           <p:cNvSpPr>
             <a:spLocks noGrp="1"/>
           </p:cNvSpPr>
@@ -1141,18 +2425,13 @@
               <a:rPr lang="en-US"/>
               <a:t> </a:t>
             </a:r>
-          </a:p>
-        </p:txBody>
-      </p:sp>
-      <p:sp>
-        <p:nvSpPr>
-          <p:cNvPr id="5" name="Footer Placeholder 4">
-            <a:extLst>
-              <a:ext uri="{FF2B5EF4-FFF2-40B4-BE49-F238E27FC236}">
-                <a16:creationId xmlns:a16="http://schemas.microsoft.com/office/drawing/2014/main" id="{C4FE0914-7754-40C9-BF4A-C1FCFA5724B7}"/>
-              </a:ext>
-            </a:extLst>
-          </p:cNvPr>
+            <a:endParaRPr lang="en-US" dirty="0"/>
+          </a:p>
+        </p:txBody>
+      </p:sp>
+      <p:sp>
+        <p:nvSpPr>
+          <p:cNvPr id="5" name="Footer Placeholder 4"/>
           <p:cNvSpPr>
             <a:spLocks noGrp="1"/>
           </p:cNvSpPr>
@@ -1165,19 +2444,13 @@
           <a:bodyPr/>
           <a:lstStyle/>
           <a:p>
-            <a:endParaRPr lang="en-US"/>
-          </a:p>
-        </p:txBody>
-      </p:sp>
-      <p:sp>
-        <p:nvSpPr>
-          <p:cNvPr id="6" name="Slide Number Placeholder 5" hidden="1">
-            <a:extLst>
-              <a:ext uri="{FF2B5EF4-FFF2-40B4-BE49-F238E27FC236}">
-                <a16:creationId xmlns:a16="http://schemas.microsoft.com/office/drawing/2014/main" id="{93EB49B1-B96B-4DC0-8B2A-863D53AB464B}"/>
-              </a:ext>
-            </a:extLst>
-          </p:cNvPr>
+            <a:endParaRPr lang="en-US" dirty="0"/>
+          </a:p>
+        </p:txBody>
+      </p:sp>
+      <p:sp>
+        <p:nvSpPr>
+          <p:cNvPr id="6" name="Slide Number Placeholder 5" hidden="1"/>
           <p:cNvSpPr>
             <a:spLocks noGrp="1"/>
           </p:cNvSpPr>
@@ -1194,13 +2467,49 @@
               <a:rPr lang="en-US"/>
               <a:t> </a:t>
             </a:r>
-          </a:p>
-        </p:txBody>
-      </p:sp>
+            <a:endParaRPr lang="en-US" dirty="0"/>
+          </a:p>
+        </p:txBody>
+      </p:sp>
+      <p:cxnSp>
+        <p:nvCxnSpPr>
+          <p:cNvPr id="7" name="Straight Connector 6"/>
+          <p:cNvCxnSpPr/>
+          <p:nvPr/>
+        </p:nvCxnSpPr>
+        <p:spPr>
+          <a:xfrm>
+            <a:off x="1981200" y="4020408"/>
+            <a:ext cx="8229601" cy="0"/>
+          </a:xfrm>
+          <a:prstGeom prst="line">
+            <a:avLst/>
+          </a:prstGeom>
+          <a:ln>
+            <a:solidFill>
+              <a:schemeClr val="tx1"/>
+            </a:solidFill>
+          </a:ln>
+        </p:spPr>
+        <p:style>
+          <a:lnRef idx="1">
+            <a:schemeClr val="accent1"/>
+          </a:lnRef>
+          <a:fillRef idx="0">
+            <a:schemeClr val="accent1"/>
+          </a:fillRef>
+          <a:effectRef idx="0">
+            <a:schemeClr val="accent1"/>
+          </a:effectRef>
+          <a:fontRef idx="minor">
+            <a:schemeClr val="tx1"/>
+          </a:fontRef>
+        </p:style>
+      </p:cxnSp>
     </p:spTree>
     <p:extLst>
       <p:ext uri="{BB962C8B-B14F-4D97-AF65-F5344CB8AC3E}">
-        <p14:creationId xmlns:p14="http://schemas.microsoft.com/office/powerpoint/2010/main" val="4250657414"/>
+        <p14:creationId xmlns:p14="http://schemas.microsoft.com/office/powerpoint/2010/main" val="847070863"/>
       </p:ext>
     </p:extLst>
   </p:cSld>
@@ -1229,13 +2538,7 @@
       </p:grpSpPr>
       <p:sp>
         <p:nvSpPr>
-          <p:cNvPr id="2" name="Title 1">
-            <a:extLst>
-              <a:ext uri="{FF2B5EF4-FFF2-40B4-BE49-F238E27FC236}">
-                <a16:creationId xmlns:a16="http://schemas.microsoft.com/office/drawing/2014/main" id="{137C3820-DD34-4DD9-A9A6-3C54896F794A}"/>
-              </a:ext>
-            </a:extLst>
-          </p:cNvPr>
+          <p:cNvPr id="8" name="Title 7"/>
           <p:cNvSpPr>
             <a:spLocks noGrp="1"/>
           </p:cNvSpPr>
@@ -1252,18 +2555,13 @@
               <a:rPr lang="en-US"/>
               <a:t>Click to edit Master title style</a:t>
             </a:r>
-          </a:p>
-        </p:txBody>
-      </p:sp>
-      <p:sp>
-        <p:nvSpPr>
-          <p:cNvPr id="3" name="Content Placeholder 2">
-            <a:extLst>
-              <a:ext uri="{FF2B5EF4-FFF2-40B4-BE49-F238E27FC236}">
-                <a16:creationId xmlns:a16="http://schemas.microsoft.com/office/drawing/2014/main" id="{AF9E959A-CA36-4EB7-8C0C-A1EC87434518}"/>
-              </a:ext>
-            </a:extLst>
-          </p:cNvPr>
+            <a:endParaRPr lang="en-US" dirty="0"/>
+          </a:p>
+        </p:txBody>
+      </p:sp>
+      <p:sp>
+        <p:nvSpPr>
+          <p:cNvPr id="3" name="Content Placeholder 2"/>
           <p:cNvSpPr>
             <a:spLocks noGrp="1"/>
           </p:cNvSpPr>
@@ -1273,13 +2571,41 @@
         </p:nvSpPr>
         <p:spPr>
           <a:xfrm>
-            <a:off x="838200" y="1825625"/>
-            <a:ext cx="5181600" cy="4351338"/>
+            <a:off x="1143000" y="2057399"/>
+            <a:ext cx="4754880" cy="4023360"/>
           </a:xfrm>
         </p:spPr>
         <p:txBody>
           <a:bodyPr/>
-          <a:lstStyle/>
+          <a:lstStyle>
+            <a:lvl1pPr>
+              <a:defRPr sz="2200"/>
+            </a:lvl1pPr>
+            <a:lvl2pPr>
+              <a:defRPr sz="2000"/>
+            </a:lvl2pPr>
+            <a:lvl3pPr>
+              <a:defRPr sz="1800"/>
+            </a:lvl3pPr>
+            <a:lvl4pPr>
+              <a:defRPr sz="1600"/>
+            </a:lvl4pPr>
+            <a:lvl5pPr>
+              <a:defRPr sz="1600"/>
+            </a:lvl5pPr>
+            <a:lvl6pPr>
+              <a:defRPr sz="1600"/>
+            </a:lvl6pPr>
+            <a:lvl7pPr>
+              <a:defRPr sz="1600"/>
+            </a:lvl7pPr>
+            <a:lvl8pPr>
+              <a:defRPr sz="1600"/>
+            </a:lvl8pPr>
+            <a:lvl9pPr>
+              <a:defRPr sz="1600"/>
+            </a:lvl9pPr>
+          </a:lstStyle>
           <a:p>
             <a:pPr lvl="0"/>
             <a:r>
@@ -1314,18 +2640,13 @@
               <a:rPr lang="en-US"/>
               <a:t>Fifth level</a:t>
             </a:r>
-          </a:p>
-        </p:txBody>
-      </p:sp>
-      <p:sp>
-        <p:nvSpPr>
-          <p:cNvPr id="4" name="Content Placeholder 3">
-            <a:extLst>
-              <a:ext uri="{FF2B5EF4-FFF2-40B4-BE49-F238E27FC236}">
-                <a16:creationId xmlns:a16="http://schemas.microsoft.com/office/drawing/2014/main" id="{25AAF176-7731-4D78-B8DE-517F68BDB227}"/>
-              </a:ext>
-            </a:extLst>
-          </p:cNvPr>
+            <a:endParaRPr lang="en-US" dirty="0"/>
+          </a:p>
+        </p:txBody>
+      </p:sp>
+      <p:sp>
+        <p:nvSpPr>
+          <p:cNvPr id="4" name="Content Placeholder 3"/>
           <p:cNvSpPr>
             <a:spLocks noGrp="1"/>
           </p:cNvSpPr>
@@ -1335,13 +2656,41 @@
         </p:nvSpPr>
         <p:spPr>
           <a:xfrm>
-            <a:off x="6172200" y="1825625"/>
-            <a:ext cx="5181600" cy="4351338"/>
+            <a:off x="6267612" y="2057400"/>
+            <a:ext cx="4754880" cy="4023360"/>
           </a:xfrm>
         </p:spPr>
         <p:txBody>
           <a:bodyPr/>
-          <a:lstStyle/>
+          <a:lstStyle>
+            <a:lvl1pPr>
+              <a:defRPr sz="2200"/>
+            </a:lvl1pPr>
+            <a:lvl2pPr>
+              <a:defRPr sz="2000"/>
+            </a:lvl2pPr>
+            <a:lvl3pPr>
+              <a:defRPr sz="1800"/>
+            </a:lvl3pPr>
+            <a:lvl4pPr>
+              <a:defRPr sz="1600"/>
+            </a:lvl4pPr>
+            <a:lvl5pPr>
+              <a:defRPr sz="1600"/>
+            </a:lvl5pPr>
+            <a:lvl6pPr>
+              <a:defRPr sz="1600"/>
+            </a:lvl6pPr>
+            <a:lvl7pPr>
+              <a:defRPr sz="1600"/>
+            </a:lvl7pPr>
+            <a:lvl8pPr>
+              <a:defRPr sz="1600"/>
+            </a:lvl8pPr>
+            <a:lvl9pPr>
+              <a:defRPr sz="1600"/>
+            </a:lvl9pPr>
+          </a:lstStyle>
           <a:p>
             <a:pPr lvl="0"/>
             <a:r>
@@ -1376,18 +2725,13 @@
               <a:rPr lang="en-US"/>
               <a:t>Fifth level</a:t>
             </a:r>
-          </a:p>
-        </p:txBody>
-      </p:sp>
-      <p:sp>
-        <p:nvSpPr>
-          <p:cNvPr id="5" name="Date Placeholder 4" hidden="1">
-            <a:extLst>
-              <a:ext uri="{FF2B5EF4-FFF2-40B4-BE49-F238E27FC236}">
-                <a16:creationId xmlns:a16="http://schemas.microsoft.com/office/drawing/2014/main" id="{77EED321-026A-4058-9F2D-0B4024614585}"/>
-              </a:ext>
-            </a:extLst>
-          </p:cNvPr>
+            <a:endParaRPr lang="en-US" dirty="0"/>
+          </a:p>
+        </p:txBody>
+      </p:sp>
+      <p:sp>
+        <p:nvSpPr>
+          <p:cNvPr id="5" name="Date Placeholder 4" hidden="1"/>
           <p:cNvSpPr>
             <a:spLocks noGrp="1"/>
           </p:cNvSpPr>
@@ -1404,18 +2748,13 @@
               <a:rPr lang="en-US"/>
               <a:t> </a:t>
             </a:r>
-          </a:p>
-        </p:txBody>
-      </p:sp>
-      <p:sp>
-        <p:nvSpPr>
-          <p:cNvPr id="6" name="Footer Placeholder 5">
-            <a:extLst>
-              <a:ext uri="{FF2B5EF4-FFF2-40B4-BE49-F238E27FC236}">
-                <a16:creationId xmlns:a16="http://schemas.microsoft.com/office/drawing/2014/main" id="{08F5EE82-1E43-4846-B212-858F3C1B8B7C}"/>
-              </a:ext>
-            </a:extLst>
-          </p:cNvPr>
+            <a:endParaRPr lang="en-US" dirty="0"/>
+          </a:p>
+        </p:txBody>
+      </p:sp>
+      <p:sp>
+        <p:nvSpPr>
+          <p:cNvPr id="6" name="Footer Placeholder 5"/>
           <p:cNvSpPr>
             <a:spLocks noGrp="1"/>
           </p:cNvSpPr>
@@ -1428,19 +2767,13 @@
           <a:bodyPr/>
           <a:lstStyle/>
           <a:p>
-            <a:endParaRPr lang="en-US"/>
-          </a:p>
-        </p:txBody>
-      </p:sp>
-      <p:sp>
-        <p:nvSpPr>
-          <p:cNvPr id="7" name="Slide Number Placeholder 6" hidden="1">
-            <a:extLst>
-              <a:ext uri="{FF2B5EF4-FFF2-40B4-BE49-F238E27FC236}">
-                <a16:creationId xmlns:a16="http://schemas.microsoft.com/office/drawing/2014/main" id="{245887EA-E32C-4A41-8C07-72FA2E614F52}"/>
-              </a:ext>
-            </a:extLst>
-          </p:cNvPr>
+            <a:endParaRPr lang="en-US" dirty="0"/>
+          </a:p>
+        </p:txBody>
+      </p:sp>
+      <p:sp>
+        <p:nvSpPr>
+          <p:cNvPr id="7" name="Slide Number Placeholder 6" hidden="1"/>
           <p:cNvSpPr>
             <a:spLocks noGrp="1"/>
           </p:cNvSpPr>
@@ -1457,13 +2790,14 @@
               <a:rPr lang="en-US"/>
               <a:t> </a:t>
             </a:r>
+            <a:endParaRPr lang="en-US" dirty="0"/>
           </a:p>
         </p:txBody>
       </p:sp>
     </p:spTree>
     <p:extLst>
       <p:ext uri="{BB962C8B-B14F-4D97-AF65-F5344CB8AC3E}">
-        <p14:creationId xmlns:p14="http://schemas.microsoft.com/office/powerpoint/2010/main" val="420251982"/>
+        <p14:creationId xmlns:p14="http://schemas.microsoft.com/office/powerpoint/2010/main" val="4051656291"/>
       </p:ext>
     </p:extLst>
   </p:cSld>
@@ -1492,63 +2826,50 @@
       </p:grpSpPr>
       <p:sp>
         <p:nvSpPr>
-          <p:cNvPr id="2" name="Title 1">
-            <a:extLst>
-              <a:ext uri="{FF2B5EF4-FFF2-40B4-BE49-F238E27FC236}">
-                <a16:creationId xmlns:a16="http://schemas.microsoft.com/office/drawing/2014/main" id="{CB646872-03AF-4300-91A1-86D19B92BAF1}"/>
-              </a:ext>
-            </a:extLst>
-          </p:cNvPr>
+          <p:cNvPr id="10" name="Title 9"/>
           <p:cNvSpPr>
             <a:spLocks noGrp="1"/>
           </p:cNvSpPr>
           <p:nvPr>
             <p:ph type="title"/>
+          </p:nvPr>
+        </p:nvSpPr>
+        <p:spPr/>
+        <p:txBody>
+          <a:bodyPr/>
+          <a:lstStyle/>
+          <a:p>
+            <a:r>
+              <a:rPr lang="en-US"/>
+              <a:t>Click to edit Master title style</a:t>
+            </a:r>
+            <a:endParaRPr lang="en-US" dirty="0"/>
+          </a:p>
+        </p:txBody>
+      </p:sp>
+      <p:sp>
+        <p:nvSpPr>
+          <p:cNvPr id="3" name="Text Placeholder 2"/>
+          <p:cNvSpPr>
+            <a:spLocks noGrp="1"/>
+          </p:cNvSpPr>
+          <p:nvPr>
+            <p:ph type="body" idx="1"/>
           </p:nvPr>
         </p:nvSpPr>
         <p:spPr>
           <a:xfrm>
-            <a:off x="839788" y="365125"/>
-            <a:ext cx="10515600" cy="1325563"/>
+            <a:off x="1143000" y="2001511"/>
+            <a:ext cx="4754880" cy="777240"/>
           </a:xfrm>
         </p:spPr>
         <p:txBody>
-          <a:bodyPr/>
-          <a:lstStyle/>
-          <a:p>
-            <a:r>
-              <a:rPr lang="en-US"/>
-              <a:t>Click to edit Master title style</a:t>
-            </a:r>
-          </a:p>
-        </p:txBody>
-      </p:sp>
-      <p:sp>
-        <p:nvSpPr>
-          <p:cNvPr id="3" name="Text Placeholder 2">
-            <a:extLst>
-              <a:ext uri="{FF2B5EF4-FFF2-40B4-BE49-F238E27FC236}">
-                <a16:creationId xmlns:a16="http://schemas.microsoft.com/office/drawing/2014/main" id="{EF4765EA-356A-4956-B01A-35221AE239E8}"/>
-              </a:ext>
-            </a:extLst>
-          </p:cNvPr>
-          <p:cNvSpPr>
-            <a:spLocks noGrp="1"/>
-          </p:cNvSpPr>
-          <p:nvPr>
-            <p:ph type="body" idx="1"/>
-          </p:nvPr>
-        </p:nvSpPr>
-        <p:spPr>
-          <a:xfrm>
-            <a:off x="839788" y="1681163"/>
-            <a:ext cx="5157787" cy="823912"/>
-          </a:xfrm>
-        </p:spPr>
-        <p:txBody>
-          <a:bodyPr anchor="b"/>
+          <a:bodyPr anchor="ctr"/>
           <a:lstStyle>
             <a:lvl1pPr marL="0" indent="0">
+              <a:spcBef>
+                <a:spcPts val="0"/>
+              </a:spcBef>
               <a:buNone/>
               <a:defRPr sz="2400" b="1"/>
             </a:lvl1pPr>
@@ -1596,13 +2917,7 @@
       </p:sp>
       <p:sp>
         <p:nvSpPr>
-          <p:cNvPr id="4" name="Content Placeholder 3">
-            <a:extLst>
-              <a:ext uri="{FF2B5EF4-FFF2-40B4-BE49-F238E27FC236}">
-                <a16:creationId xmlns:a16="http://schemas.microsoft.com/office/drawing/2014/main" id="{220D1DDF-F806-42E9-9C06-A5AF3DB09B7D}"/>
-              </a:ext>
-            </a:extLst>
-          </p:cNvPr>
+          <p:cNvPr id="4" name="Content Placeholder 3"/>
           <p:cNvSpPr>
             <a:spLocks noGrp="1"/>
           </p:cNvSpPr>
@@ -1612,13 +2927,41 @@
         </p:nvSpPr>
         <p:spPr>
           <a:xfrm>
-            <a:off x="839788" y="2505075"/>
-            <a:ext cx="5157787" cy="3684588"/>
+            <a:off x="1143000" y="2721483"/>
+            <a:ext cx="4754880" cy="3383280"/>
           </a:xfrm>
         </p:spPr>
         <p:txBody>
           <a:bodyPr/>
-          <a:lstStyle/>
+          <a:lstStyle>
+            <a:lvl1pPr>
+              <a:defRPr sz="2200"/>
+            </a:lvl1pPr>
+            <a:lvl2pPr>
+              <a:defRPr sz="2000"/>
+            </a:lvl2pPr>
+            <a:lvl3pPr>
+              <a:defRPr sz="1800"/>
+            </a:lvl3pPr>
+            <a:lvl4pPr>
+              <a:defRPr sz="1600"/>
+            </a:lvl4pPr>
+            <a:lvl5pPr>
+              <a:defRPr sz="1600"/>
+            </a:lvl5pPr>
+            <a:lvl6pPr>
+              <a:defRPr sz="1600"/>
+            </a:lvl6pPr>
+            <a:lvl7pPr>
+              <a:defRPr sz="1600"/>
+            </a:lvl7pPr>
+            <a:lvl8pPr>
+              <a:defRPr sz="1600"/>
+            </a:lvl8pPr>
+            <a:lvl9pPr>
+              <a:defRPr sz="1600"/>
+            </a:lvl9pPr>
+          </a:lstStyle>
           <a:p>
             <a:pPr lvl="0"/>
             <a:r>
@@ -1653,18 +2996,13 @@
               <a:rPr lang="en-US"/>
               <a:t>Fifth level</a:t>
             </a:r>
-          </a:p>
-        </p:txBody>
-      </p:sp>
-      <p:sp>
-        <p:nvSpPr>
-          <p:cNvPr id="5" name="Text Placeholder 4">
-            <a:extLst>
-              <a:ext uri="{FF2B5EF4-FFF2-40B4-BE49-F238E27FC236}">
-                <a16:creationId xmlns:a16="http://schemas.microsoft.com/office/drawing/2014/main" id="{40D39BAA-08FB-48D8-BCA1-FFDFA978F130}"/>
-              </a:ext>
-            </a:extLst>
-          </p:cNvPr>
+            <a:endParaRPr lang="en-US" dirty="0"/>
+          </a:p>
+        </p:txBody>
+      </p:sp>
+      <p:sp>
+        <p:nvSpPr>
+          <p:cNvPr id="5" name="Text Placeholder 4"/>
           <p:cNvSpPr>
             <a:spLocks noGrp="1"/>
           </p:cNvSpPr>
@@ -1674,14 +3012,17 @@
         </p:nvSpPr>
         <p:spPr>
           <a:xfrm>
-            <a:off x="6172200" y="1681163"/>
-            <a:ext cx="5183188" cy="823912"/>
+            <a:off x="6269173" y="1999032"/>
+            <a:ext cx="4754880" cy="777240"/>
           </a:xfrm>
         </p:spPr>
         <p:txBody>
-          <a:bodyPr anchor="b"/>
+          <a:bodyPr anchor="ctr"/>
           <a:lstStyle>
             <a:lvl1pPr marL="0" indent="0">
+              <a:spcBef>
+                <a:spcPts val="0"/>
+              </a:spcBef>
               <a:buNone/>
               <a:defRPr sz="2400" b="1"/>
             </a:lvl1pPr>
@@ -1729,13 +3070,7 @@
       </p:sp>
       <p:sp>
         <p:nvSpPr>
-          <p:cNvPr id="6" name="Content Placeholder 5">
-            <a:extLst>
-              <a:ext uri="{FF2B5EF4-FFF2-40B4-BE49-F238E27FC236}">
-                <a16:creationId xmlns:a16="http://schemas.microsoft.com/office/drawing/2014/main" id="{C639F5E1-274D-422F-B18D-034B6D97027A}"/>
-              </a:ext>
-            </a:extLst>
-          </p:cNvPr>
+          <p:cNvPr id="6" name="Content Placeholder 5"/>
           <p:cNvSpPr>
             <a:spLocks noGrp="1"/>
           </p:cNvSpPr>
@@ -1745,13 +3080,41 @@
         </p:nvSpPr>
         <p:spPr>
           <a:xfrm>
-            <a:off x="6172200" y="2505075"/>
-            <a:ext cx="5183188" cy="3684588"/>
+            <a:off x="6269173" y="2719322"/>
+            <a:ext cx="4754880" cy="3383280"/>
           </a:xfrm>
         </p:spPr>
         <p:txBody>
           <a:bodyPr/>
-          <a:lstStyle/>
+          <a:lstStyle>
+            <a:lvl1pPr>
+              <a:defRPr sz="2200"/>
+            </a:lvl1pPr>
+            <a:lvl2pPr>
+              <a:defRPr sz="2000"/>
+            </a:lvl2pPr>
+            <a:lvl3pPr>
+              <a:defRPr sz="1800"/>
+            </a:lvl3pPr>
+            <a:lvl4pPr>
+              <a:defRPr sz="1600"/>
+            </a:lvl4pPr>
+            <a:lvl5pPr>
+              <a:defRPr sz="1600"/>
+            </a:lvl5pPr>
+            <a:lvl6pPr>
+              <a:defRPr sz="1600"/>
+            </a:lvl6pPr>
+            <a:lvl7pPr>
+              <a:defRPr sz="1600"/>
+            </a:lvl7pPr>
+            <a:lvl8pPr>
+              <a:defRPr sz="1600"/>
+            </a:lvl8pPr>
+            <a:lvl9pPr>
+              <a:defRPr sz="1600"/>
+            </a:lvl9pPr>
+          </a:lstStyle>
           <a:p>
             <a:pPr lvl="0"/>
             <a:r>
@@ -1786,18 +3149,13 @@
               <a:rPr lang="en-US"/>
               <a:t>Fifth level</a:t>
             </a:r>
-          </a:p>
-        </p:txBody>
-      </p:sp>
-      <p:sp>
-        <p:nvSpPr>
-          <p:cNvPr id="7" name="Date Placeholder 6" hidden="1">
-            <a:extLst>
-              <a:ext uri="{FF2B5EF4-FFF2-40B4-BE49-F238E27FC236}">
-                <a16:creationId xmlns:a16="http://schemas.microsoft.com/office/drawing/2014/main" id="{5C4390AD-371A-4F12-8466-0338F4430F46}"/>
-              </a:ext>
-            </a:extLst>
-          </p:cNvPr>
+            <a:endParaRPr lang="en-US" dirty="0"/>
+          </a:p>
+        </p:txBody>
+      </p:sp>
+      <p:sp>
+        <p:nvSpPr>
+          <p:cNvPr id="7" name="Date Placeholder 6" hidden="1"/>
           <p:cNvSpPr>
             <a:spLocks noGrp="1"/>
           </p:cNvSpPr>
@@ -1814,18 +3172,13 @@
               <a:rPr lang="en-US"/>
               <a:t> </a:t>
             </a:r>
-          </a:p>
-        </p:txBody>
-      </p:sp>
-      <p:sp>
-        <p:nvSpPr>
-          <p:cNvPr id="8" name="Footer Placeholder 7">
-            <a:extLst>
-              <a:ext uri="{FF2B5EF4-FFF2-40B4-BE49-F238E27FC236}">
-                <a16:creationId xmlns:a16="http://schemas.microsoft.com/office/drawing/2014/main" id="{5B6C1DBB-BBE1-4F3E-8C5C-62E65868EA60}"/>
-              </a:ext>
-            </a:extLst>
-          </p:cNvPr>
+            <a:endParaRPr lang="en-US" dirty="0"/>
+          </a:p>
+        </p:txBody>
+      </p:sp>
+      <p:sp>
+        <p:nvSpPr>
+          <p:cNvPr id="8" name="Footer Placeholder 7"/>
           <p:cNvSpPr>
             <a:spLocks noGrp="1"/>
           </p:cNvSpPr>
@@ -1838,19 +3191,13 @@
           <a:bodyPr/>
           <a:lstStyle/>
           <a:p>
-            <a:endParaRPr lang="en-US"/>
-          </a:p>
-        </p:txBody>
-      </p:sp>
-      <p:sp>
-        <p:nvSpPr>
-          <p:cNvPr id="9" name="Slide Number Placeholder 8" hidden="1">
-            <a:extLst>
-              <a:ext uri="{FF2B5EF4-FFF2-40B4-BE49-F238E27FC236}">
-                <a16:creationId xmlns:a16="http://schemas.microsoft.com/office/drawing/2014/main" id="{334A4CA7-B435-427F-94CD-14BE3B25E3BF}"/>
-              </a:ext>
-            </a:extLst>
-          </p:cNvPr>
+            <a:endParaRPr lang="en-US" dirty="0"/>
+          </a:p>
+        </p:txBody>
+      </p:sp>
+      <p:sp>
+        <p:nvSpPr>
+          <p:cNvPr id="9" name="Slide Number Placeholder 8" hidden="1"/>
           <p:cNvSpPr>
             <a:spLocks noGrp="1"/>
           </p:cNvSpPr>
@@ -1867,13 +3214,14 @@
               <a:rPr lang="en-US"/>
               <a:t> </a:t>
             </a:r>
+            <a:endParaRPr lang="en-US" dirty="0"/>
           </a:p>
         </p:txBody>
       </p:sp>
     </p:spTree>
     <p:extLst>
       <p:ext uri="{BB962C8B-B14F-4D97-AF65-F5344CB8AC3E}">
-        <p14:creationId xmlns:p14="http://schemas.microsoft.com/office/powerpoint/2010/main" val="791821618"/>
+        <p14:creationId xmlns:p14="http://schemas.microsoft.com/office/powerpoint/2010/main" val="3918815167"/>
       </p:ext>
     </p:extLst>
   </p:cSld>
@@ -1902,13 +3250,7 @@
       </p:grpSpPr>
       <p:sp>
         <p:nvSpPr>
-          <p:cNvPr id="2" name="Title 1">
-            <a:extLst>
-              <a:ext uri="{FF2B5EF4-FFF2-40B4-BE49-F238E27FC236}">
-                <a16:creationId xmlns:a16="http://schemas.microsoft.com/office/drawing/2014/main" id="{CBB0B53A-91FA-41DE-9E8B-6EA4203D19E0}"/>
-              </a:ext>
-            </a:extLst>
-          </p:cNvPr>
+          <p:cNvPr id="2" name="Title 1"/>
           <p:cNvSpPr>
             <a:spLocks noGrp="1"/>
           </p:cNvSpPr>
@@ -1925,18 +3267,13 @@
               <a:rPr lang="en-US"/>
               <a:t>Click to edit Master title style</a:t>
             </a:r>
-          </a:p>
-        </p:txBody>
-      </p:sp>
-      <p:sp>
-        <p:nvSpPr>
-          <p:cNvPr id="3" name="Date Placeholder 2" hidden="1">
-            <a:extLst>
-              <a:ext uri="{FF2B5EF4-FFF2-40B4-BE49-F238E27FC236}">
-                <a16:creationId xmlns:a16="http://schemas.microsoft.com/office/drawing/2014/main" id="{5D765457-60AD-421A-ACA6-1C3E350577A5}"/>
-              </a:ext>
-            </a:extLst>
-          </p:cNvPr>
+            <a:endParaRPr lang="en-US" dirty="0"/>
+          </a:p>
+        </p:txBody>
+      </p:sp>
+      <p:sp>
+        <p:nvSpPr>
+          <p:cNvPr id="3" name="Date Placeholder 2" hidden="1"/>
           <p:cNvSpPr>
             <a:spLocks noGrp="1"/>
           </p:cNvSpPr>
@@ -1953,18 +3290,13 @@
               <a:rPr lang="en-US"/>
               <a:t> </a:t>
             </a:r>
-          </a:p>
-        </p:txBody>
-      </p:sp>
-      <p:sp>
-        <p:nvSpPr>
-          <p:cNvPr id="4" name="Footer Placeholder 3">
-            <a:extLst>
-              <a:ext uri="{FF2B5EF4-FFF2-40B4-BE49-F238E27FC236}">
-                <a16:creationId xmlns:a16="http://schemas.microsoft.com/office/drawing/2014/main" id="{AE54FDE2-A661-4D29-962D-2BBDEE454AD7}"/>
-              </a:ext>
-            </a:extLst>
-          </p:cNvPr>
+            <a:endParaRPr lang="en-US" dirty="0"/>
+          </a:p>
+        </p:txBody>
+      </p:sp>
+      <p:sp>
+        <p:nvSpPr>
+          <p:cNvPr id="4" name="Footer Placeholder 3"/>
           <p:cNvSpPr>
             <a:spLocks noGrp="1"/>
           </p:cNvSpPr>
@@ -1977,19 +3309,13 @@
           <a:bodyPr/>
           <a:lstStyle/>
           <a:p>
-            <a:endParaRPr lang="en-US"/>
-          </a:p>
-        </p:txBody>
-      </p:sp>
-      <p:sp>
-        <p:nvSpPr>
-          <p:cNvPr id="5" name="Slide Number Placeholder 4" hidden="1">
-            <a:extLst>
-              <a:ext uri="{FF2B5EF4-FFF2-40B4-BE49-F238E27FC236}">
-                <a16:creationId xmlns:a16="http://schemas.microsoft.com/office/drawing/2014/main" id="{68BAAF2A-6E52-4B11-AB7D-7BA33EE2F57C}"/>
-              </a:ext>
-            </a:extLst>
-          </p:cNvPr>
+            <a:endParaRPr lang="en-US" dirty="0"/>
+          </a:p>
+        </p:txBody>
+      </p:sp>
+      <p:sp>
+        <p:nvSpPr>
+          <p:cNvPr id="5" name="Slide Number Placeholder 4" hidden="1"/>
           <p:cNvSpPr>
             <a:spLocks noGrp="1"/>
           </p:cNvSpPr>
@@ -2006,13 +3332,14 @@
               <a:rPr lang="en-US"/>
               <a:t> </a:t>
             </a:r>
+            <a:endParaRPr lang="en-US" dirty="0"/>
           </a:p>
         </p:txBody>
       </p:sp>
     </p:spTree>
     <p:extLst>
       <p:ext uri="{BB962C8B-B14F-4D97-AF65-F5344CB8AC3E}">
-        <p14:creationId xmlns:p14="http://schemas.microsoft.com/office/powerpoint/2010/main" val="773554150"/>
+        <p14:creationId xmlns:p14="http://schemas.microsoft.com/office/powerpoint/2010/main" val="504502033"/>
       </p:ext>
     </p:extLst>
   </p:cSld>
@@ -2041,13 +3368,7 @@
       </p:grpSpPr>
       <p:sp>
         <p:nvSpPr>
-          <p:cNvPr id="2" name="Date Placeholder 1" hidden="1">
-            <a:extLst>
-              <a:ext uri="{FF2B5EF4-FFF2-40B4-BE49-F238E27FC236}">
-                <a16:creationId xmlns:a16="http://schemas.microsoft.com/office/drawing/2014/main" id="{A0537EEB-2D68-4770-A25E-349A4C7F7890}"/>
-              </a:ext>
-            </a:extLst>
-          </p:cNvPr>
+          <p:cNvPr id="2" name="Date Placeholder 1" hidden="1"/>
           <p:cNvSpPr>
             <a:spLocks noGrp="1"/>
           </p:cNvSpPr>
@@ -2064,18 +3385,13 @@
               <a:rPr lang="en-US"/>
               <a:t> </a:t>
             </a:r>
-          </a:p>
-        </p:txBody>
-      </p:sp>
-      <p:sp>
-        <p:nvSpPr>
-          <p:cNvPr id="3" name="Footer Placeholder 2">
-            <a:extLst>
-              <a:ext uri="{FF2B5EF4-FFF2-40B4-BE49-F238E27FC236}">
-                <a16:creationId xmlns:a16="http://schemas.microsoft.com/office/drawing/2014/main" id="{4280A878-E32A-4AFB-A0BF-97C556D517F1}"/>
-              </a:ext>
-            </a:extLst>
-          </p:cNvPr>
+            <a:endParaRPr lang="en-US" dirty="0"/>
+          </a:p>
+        </p:txBody>
+      </p:sp>
+      <p:sp>
+        <p:nvSpPr>
+          <p:cNvPr id="3" name="Footer Placeholder 2"/>
           <p:cNvSpPr>
             <a:spLocks noGrp="1"/>
           </p:cNvSpPr>
@@ -2088,19 +3404,13 @@
           <a:bodyPr/>
           <a:lstStyle/>
           <a:p>
-            <a:endParaRPr lang="en-US"/>
-          </a:p>
-        </p:txBody>
-      </p:sp>
-      <p:sp>
-        <p:nvSpPr>
-          <p:cNvPr id="4" name="Slide Number Placeholder 3" hidden="1">
-            <a:extLst>
-              <a:ext uri="{FF2B5EF4-FFF2-40B4-BE49-F238E27FC236}">
-                <a16:creationId xmlns:a16="http://schemas.microsoft.com/office/drawing/2014/main" id="{78AF173B-99B8-4400-A976-72BB6BBFCC76}"/>
-              </a:ext>
-            </a:extLst>
-          </p:cNvPr>
+            <a:endParaRPr lang="en-US" dirty="0"/>
+          </a:p>
+        </p:txBody>
+      </p:sp>
+      <p:sp>
+        <p:nvSpPr>
+          <p:cNvPr id="4" name="Slide Number Placeholder 3" hidden="1"/>
           <p:cNvSpPr>
             <a:spLocks noGrp="1"/>
           </p:cNvSpPr>
@@ -2117,13 +3427,14 @@
               <a:rPr lang="en-US"/>
               <a:t> </a:t>
             </a:r>
+            <a:endParaRPr lang="en-US" dirty="0"/>
           </a:p>
         </p:txBody>
       </p:sp>
     </p:spTree>
     <p:extLst>
       <p:ext uri="{BB962C8B-B14F-4D97-AF65-F5344CB8AC3E}">
-        <p14:creationId xmlns:p14="http://schemas.microsoft.com/office/powerpoint/2010/main" val="3101819110"/>
+        <p14:creationId xmlns:p14="http://schemas.microsoft.com/office/powerpoint/2010/main" val="2067198442"/>
       </p:ext>
     </p:extLst>
   </p:cSld>
@@ -2152,13 +3463,7 @@
       </p:grpSpPr>
       <p:sp>
         <p:nvSpPr>
-          <p:cNvPr id="2" name="Title 1">
-            <a:extLst>
-              <a:ext uri="{FF2B5EF4-FFF2-40B4-BE49-F238E27FC236}">
-                <a16:creationId xmlns:a16="http://schemas.microsoft.com/office/drawing/2014/main" id="{3A82DFD0-9EFE-46B9-9450-D29031EE6020}"/>
-              </a:ext>
-            </a:extLst>
-          </p:cNvPr>
+          <p:cNvPr id="2" name="Title 1"/>
           <p:cNvSpPr>
             <a:spLocks noGrp="1"/>
           </p:cNvSpPr>
@@ -2168,15 +3473,20 @@
         </p:nvSpPr>
         <p:spPr>
           <a:xfrm>
-            <a:off x="839788" y="457200"/>
-            <a:ext cx="3932237" cy="1600200"/>
+            <a:off x="1143000" y="1097280"/>
+            <a:ext cx="3931920" cy="1737360"/>
           </a:xfrm>
         </p:spPr>
         <p:txBody>
-          <a:bodyPr anchor="b"/>
+          <a:bodyPr anchor="b">
+            <a:noAutofit/>
+          </a:bodyPr>
           <a:lstStyle>
             <a:lvl1pPr>
-              <a:defRPr sz="3200"/>
+              <a:lnSpc>
+                <a:spcPct val="90000"/>
+              </a:lnSpc>
+              <a:defRPr sz="4000" b="0"/>
             </a:lvl1pPr>
           </a:lstStyle>
           <a:p>
@@ -2184,18 +3494,13 @@
               <a:rPr lang="en-US"/>
               <a:t>Click to edit Master title style</a:t>
             </a:r>
-          </a:p>
-        </p:txBody>
-      </p:sp>
-      <p:sp>
-        <p:nvSpPr>
-          <p:cNvPr id="3" name="Content Placeholder 2">
-            <a:extLst>
-              <a:ext uri="{FF2B5EF4-FFF2-40B4-BE49-F238E27FC236}">
-                <a16:creationId xmlns:a16="http://schemas.microsoft.com/office/drawing/2014/main" id="{53334C09-0751-48A8-A45A-499F39619DFD}"/>
-              </a:ext>
-            </a:extLst>
-          </p:cNvPr>
+            <a:endParaRPr lang="en-US" dirty="0"/>
+          </a:p>
+        </p:txBody>
+      </p:sp>
+      <p:sp>
+        <p:nvSpPr>
+          <p:cNvPr id="3" name="Content Placeholder 2"/>
           <p:cNvSpPr>
             <a:spLocks noGrp="1"/>
           </p:cNvSpPr>
@@ -2205,8 +3510,8 @@
         </p:nvSpPr>
         <p:spPr>
           <a:xfrm>
-            <a:off x="5183188" y="987425"/>
-            <a:ext cx="6172200" cy="4873625"/>
+            <a:off x="5852159" y="1097280"/>
+            <a:ext cx="5212080" cy="4663440"/>
           </a:xfrm>
         </p:spPr>
         <p:txBody>
@@ -2274,18 +3579,13 @@
               <a:rPr lang="en-US"/>
               <a:t>Fifth level</a:t>
             </a:r>
-          </a:p>
-        </p:txBody>
-      </p:sp>
-      <p:sp>
-        <p:nvSpPr>
-          <p:cNvPr id="4" name="Text Placeholder 3">
-            <a:extLst>
-              <a:ext uri="{FF2B5EF4-FFF2-40B4-BE49-F238E27FC236}">
-                <a16:creationId xmlns:a16="http://schemas.microsoft.com/office/drawing/2014/main" id="{B52EFCF1-78CA-4D2F-9F87-D612ECB01C9B}"/>
-              </a:ext>
-            </a:extLst>
-          </p:cNvPr>
+            <a:endParaRPr lang="en-US" dirty="0"/>
+          </a:p>
+        </p:txBody>
+      </p:sp>
+      <p:sp>
+        <p:nvSpPr>
+          <p:cNvPr id="4" name="Text Placeholder 3"/>
           <p:cNvSpPr>
             <a:spLocks noGrp="1"/>
           </p:cNvSpPr>
@@ -2295,48 +3595,56 @@
         </p:nvSpPr>
         <p:spPr>
           <a:xfrm>
-            <a:off x="839788" y="2057400"/>
-            <a:ext cx="3932237" cy="3811588"/>
+            <a:off x="1143000" y="2834640"/>
+            <a:ext cx="3931920" cy="3017520"/>
           </a:xfrm>
         </p:spPr>
         <p:txBody>
-          <a:bodyPr/>
+          <a:bodyPr>
+            <a:normAutofit/>
+          </a:bodyPr>
           <a:lstStyle>
             <a:lvl1pPr marL="0" indent="0">
+              <a:lnSpc>
+                <a:spcPct val="100000"/>
+              </a:lnSpc>
+              <a:spcBef>
+                <a:spcPts val="1000"/>
+              </a:spcBef>
               <a:buNone/>
-              <a:defRPr sz="1600"/>
+              <a:defRPr sz="1700"/>
             </a:lvl1pPr>
             <a:lvl2pPr marL="457200" indent="0">
               <a:buNone/>
-              <a:defRPr sz="1400"/>
+              <a:defRPr sz="1200"/>
             </a:lvl2pPr>
             <a:lvl3pPr marL="914400" indent="0">
               <a:buNone/>
-              <a:defRPr sz="1200"/>
+              <a:defRPr sz="1000"/>
             </a:lvl3pPr>
             <a:lvl4pPr marL="1371600" indent="0">
               <a:buNone/>
-              <a:defRPr sz="1000"/>
+              <a:defRPr sz="900"/>
             </a:lvl4pPr>
             <a:lvl5pPr marL="1828800" indent="0">
               <a:buNone/>
-              <a:defRPr sz="1000"/>
+              <a:defRPr sz="900"/>
             </a:lvl5pPr>
             <a:lvl6pPr marL="2286000" indent="0">
               <a:buNone/>
-              <a:defRPr sz="1000"/>
+              <a:defRPr sz="900"/>
             </a:lvl6pPr>
             <a:lvl7pPr marL="2743200" indent="0">
               <a:buNone/>
-              <a:defRPr sz="1000"/>
+              <a:defRPr sz="900"/>
             </a:lvl7pPr>
             <a:lvl8pPr marL="3200400" indent="0">
               <a:buNone/>
-              <a:defRPr sz="1000"/>
+              <a:defRPr sz="900"/>
             </a:lvl8pPr>
             <a:lvl9pPr marL="3657600" indent="0">
               <a:buNone/>
-              <a:defRPr sz="1000"/>
+              <a:defRPr sz="900"/>
             </a:lvl9pPr>
           </a:lstStyle>
           <a:p>
@@ -2350,13 +3658,7 @@
       </p:sp>
       <p:sp>
         <p:nvSpPr>
-          <p:cNvPr id="5" name="Date Placeholder 4" hidden="1">
-            <a:extLst>
-              <a:ext uri="{FF2B5EF4-FFF2-40B4-BE49-F238E27FC236}">
-                <a16:creationId xmlns:a16="http://schemas.microsoft.com/office/drawing/2014/main" id="{5A057710-3E3D-4EB8-B08A-8888A52771F3}"/>
-              </a:ext>
-            </a:extLst>
-          </p:cNvPr>
+          <p:cNvPr id="5" name="Date Placeholder 4" hidden="1"/>
           <p:cNvSpPr>
             <a:spLocks noGrp="1"/>
           </p:cNvSpPr>
@@ -2373,18 +3675,13 @@
               <a:rPr lang="en-US"/>
               <a:t> </a:t>
             </a:r>
-          </a:p>
-        </p:txBody>
-      </p:sp>
-      <p:sp>
-        <p:nvSpPr>
-          <p:cNvPr id="6" name="Footer Placeholder 5">
-            <a:extLst>
-              <a:ext uri="{FF2B5EF4-FFF2-40B4-BE49-F238E27FC236}">
-                <a16:creationId xmlns:a16="http://schemas.microsoft.com/office/drawing/2014/main" id="{D4FB534B-2EFF-437D-83D6-3E312DDF63FB}"/>
-              </a:ext>
-            </a:extLst>
-          </p:cNvPr>
+            <a:endParaRPr lang="en-US" dirty="0"/>
+          </a:p>
+        </p:txBody>
+      </p:sp>
+      <p:sp>
+        <p:nvSpPr>
+          <p:cNvPr id="6" name="Footer Placeholder 5"/>
           <p:cNvSpPr>
             <a:spLocks noGrp="1"/>
           </p:cNvSpPr>
@@ -2397,19 +3694,13 @@
           <a:bodyPr/>
           <a:lstStyle/>
           <a:p>
-            <a:endParaRPr lang="en-US"/>
-          </a:p>
-        </p:txBody>
-      </p:sp>
-      <p:sp>
-        <p:nvSpPr>
-          <p:cNvPr id="7" name="Slide Number Placeholder 6" hidden="1">
-            <a:extLst>
-              <a:ext uri="{FF2B5EF4-FFF2-40B4-BE49-F238E27FC236}">
-                <a16:creationId xmlns:a16="http://schemas.microsoft.com/office/drawing/2014/main" id="{FFA1554B-D210-4C32-ACF2-92DC5ECE20F9}"/>
-              </a:ext>
-            </a:extLst>
-          </p:cNvPr>
+            <a:endParaRPr lang="en-US" dirty="0"/>
+          </a:p>
+        </p:txBody>
+      </p:sp>
+      <p:sp>
+        <p:nvSpPr>
+          <p:cNvPr id="7" name="Slide Number Placeholder 6" hidden="1"/>
           <p:cNvSpPr>
             <a:spLocks noGrp="1"/>
           </p:cNvSpPr>
@@ -2426,13 +3717,14 @@
               <a:rPr lang="en-US"/>
               <a:t> </a:t>
             </a:r>
+            <a:endParaRPr lang="en-US" dirty="0"/>
           </a:p>
         </p:txBody>
       </p:sp>
     </p:spTree>
     <p:extLst>
       <p:ext uri="{BB962C8B-B14F-4D97-AF65-F5344CB8AC3E}">
-        <p14:creationId xmlns:p14="http://schemas.microsoft.com/office/powerpoint/2010/main" val="2911301089"/>
+        <p14:creationId xmlns:p14="http://schemas.microsoft.com/office/powerpoint/2010/main" val="977037221"/>
       </p:ext>
     </p:extLst>
   </p:cSld>
@@ -2461,13 +3753,7 @@
       </p:grpSpPr>
       <p:sp>
         <p:nvSpPr>
-          <p:cNvPr id="2" name="Title 1">
-            <a:extLst>
-              <a:ext uri="{FF2B5EF4-FFF2-40B4-BE49-F238E27FC236}">
-                <a16:creationId xmlns:a16="http://schemas.microsoft.com/office/drawing/2014/main" id="{22104AC8-B9F7-4B0B-A263-8BC642EA8634}"/>
-              </a:ext>
-            </a:extLst>
-          </p:cNvPr>
+          <p:cNvPr id="2" name="Title 1"/>
           <p:cNvSpPr>
             <a:spLocks noGrp="1"/>
           </p:cNvSpPr>
@@ -2477,15 +3763,20 @@
         </p:nvSpPr>
         <p:spPr>
           <a:xfrm>
-            <a:off x="839788" y="457200"/>
-            <a:ext cx="3932237" cy="1600200"/>
+            <a:off x="1143000" y="1097280"/>
+            <a:ext cx="3931920" cy="1737360"/>
           </a:xfrm>
         </p:spPr>
         <p:txBody>
-          <a:bodyPr anchor="b"/>
+          <a:bodyPr anchor="b">
+            <a:noAutofit/>
+          </a:bodyPr>
           <a:lstStyle>
             <a:lvl1pPr>
-              <a:defRPr sz="3200"/>
+              <a:lnSpc>
+                <a:spcPct val="90000"/>
+              </a:lnSpc>
+              <a:defRPr sz="4000" b="0"/>
             </a:lvl1pPr>
           </a:lstStyle>
           <a:p>
@@ -2493,20 +3784,15 @@
               <a:rPr lang="en-US"/>
               <a:t>Click to edit Master title style</a:t>
             </a:r>
-          </a:p>
-        </p:txBody>
-      </p:sp>
-      <p:sp>
-        <p:nvSpPr>
-          <p:cNvPr id="3" name="Picture Placeholder 2">
-            <a:extLst>
-              <a:ext uri="{FF2B5EF4-FFF2-40B4-BE49-F238E27FC236}">
-                <a16:creationId xmlns:a16="http://schemas.microsoft.com/office/drawing/2014/main" id="{8D15FCC3-EBF2-401D-B1BD-CE2F1C12650F}"/>
-              </a:ext>
-            </a:extLst>
-          </p:cNvPr>
-          <p:cNvSpPr>
-            <a:spLocks noGrp="1"/>
+            <a:endParaRPr lang="en-US" dirty="0"/>
+          </a:p>
+        </p:txBody>
+      </p:sp>
+      <p:sp>
+        <p:nvSpPr>
+          <p:cNvPr id="3" name="Picture Placeholder 2"/>
+          <p:cNvSpPr>
+            <a:spLocks noGrp="1" noChangeAspect="1"/>
           </p:cNvSpPr>
           <p:nvPr>
             <p:ph type="pic" idx="1"/>
@@ -2514,16 +3800,18 @@
         </p:nvSpPr>
         <p:spPr>
           <a:xfrm>
-            <a:off x="5183188" y="987425"/>
-            <a:ext cx="6172200" cy="4873625"/>
+            <a:off x="5413248" y="1069847"/>
+            <a:ext cx="6099048" cy="4800600"/>
           </a:xfrm>
         </p:spPr>
         <p:txBody>
-          <a:bodyPr/>
+          <a:bodyPr lIns="274320" tIns="182880" anchor="t">
+            <a:normAutofit/>
+          </a:bodyPr>
           <a:lstStyle>
             <a:lvl1pPr marL="0" indent="0">
               <a:buNone/>
-              <a:defRPr sz="3200"/>
+              <a:defRPr sz="2800"/>
             </a:lvl1pPr>
             <a:lvl2pPr marL="457200" indent="0">
               <a:buNone/>
@@ -2559,19 +3847,16 @@
             </a:lvl9pPr>
           </a:lstStyle>
           <a:p>
-            <a:endParaRPr lang="en-US"/>
-          </a:p>
-        </p:txBody>
-      </p:sp>
-      <p:sp>
-        <p:nvSpPr>
-          <p:cNvPr id="4" name="Text Placeholder 3">
-            <a:extLst>
-              <a:ext uri="{FF2B5EF4-FFF2-40B4-BE49-F238E27FC236}">
-                <a16:creationId xmlns:a16="http://schemas.microsoft.com/office/drawing/2014/main" id="{7D4377AA-9142-42DE-8139-F6C63F881F7D}"/>
-              </a:ext>
-            </a:extLst>
-          </p:cNvPr>
+            <a:r>
+              <a:rPr lang="en-US" dirty="0"/>
+              <a:t>Click icon to add picture</a:t>
+            </a:r>
+          </a:p>
+        </p:txBody>
+      </p:sp>
+      <p:sp>
+        <p:nvSpPr>
+          <p:cNvPr id="4" name="Text Placeholder 3"/>
           <p:cNvSpPr>
             <a:spLocks noGrp="1"/>
           </p:cNvSpPr>
@@ -2581,48 +3866,56 @@
         </p:nvSpPr>
         <p:spPr>
           <a:xfrm>
-            <a:off x="839788" y="2057400"/>
-            <a:ext cx="3932237" cy="3811588"/>
+            <a:off x="1143000" y="2834640"/>
+            <a:ext cx="3931920" cy="2880360"/>
           </a:xfrm>
         </p:spPr>
         <p:txBody>
-          <a:bodyPr/>
+          <a:bodyPr>
+            <a:normAutofit/>
+          </a:bodyPr>
           <a:lstStyle>
             <a:lvl1pPr marL="0" indent="0">
+              <a:lnSpc>
+                <a:spcPct val="100000"/>
+              </a:lnSpc>
+              <a:spcBef>
+                <a:spcPts val="1000"/>
+              </a:spcBef>
               <a:buNone/>
-              <a:defRPr sz="1600"/>
+              <a:defRPr sz="1700"/>
             </a:lvl1pPr>
             <a:lvl2pPr marL="457200" indent="0">
               <a:buNone/>
-              <a:defRPr sz="1400"/>
+              <a:defRPr sz="1200"/>
             </a:lvl2pPr>
             <a:lvl3pPr marL="914400" indent="0">
               <a:buNone/>
-              <a:defRPr sz="1200"/>
+              <a:defRPr sz="1000"/>
             </a:lvl3pPr>
             <a:lvl4pPr marL="1371600" indent="0">
               <a:buNone/>
-              <a:defRPr sz="1000"/>
+              <a:defRPr sz="900"/>
             </a:lvl4pPr>
             <a:lvl5pPr marL="1828800" indent="0">
               <a:buNone/>
-              <a:defRPr sz="1000"/>
+              <a:defRPr sz="900"/>
             </a:lvl5pPr>
             <a:lvl6pPr marL="2286000" indent="0">
               <a:buNone/>
-              <a:defRPr sz="1000"/>
+              <a:defRPr sz="900"/>
             </a:lvl6pPr>
             <a:lvl7pPr marL="2743200" indent="0">
               <a:buNone/>
-              <a:defRPr sz="1000"/>
+              <a:defRPr sz="900"/>
             </a:lvl7pPr>
             <a:lvl8pPr marL="3200400" indent="0">
               <a:buNone/>
-              <a:defRPr sz="1000"/>
+              <a:defRPr sz="900"/>
             </a:lvl8pPr>
             <a:lvl9pPr marL="3657600" indent="0">
               <a:buNone/>
-              <a:defRPr sz="1000"/>
+              <a:defRPr sz="900"/>
             </a:lvl9pPr>
           </a:lstStyle>
           <a:p>
@@ -2636,13 +3929,7 @@
       </p:sp>
       <p:sp>
         <p:nvSpPr>
-          <p:cNvPr id="5" name="Date Placeholder 4" hidden="1">
-            <a:extLst>
-              <a:ext uri="{FF2B5EF4-FFF2-40B4-BE49-F238E27FC236}">
-                <a16:creationId xmlns:a16="http://schemas.microsoft.com/office/drawing/2014/main" id="{A92699A1-8D6C-4A53-A696-371E972FDF76}"/>
-              </a:ext>
-            </a:extLst>
-          </p:cNvPr>
+          <p:cNvPr id="5" name="Date Placeholder 4" hidden="1"/>
           <p:cNvSpPr>
             <a:spLocks noGrp="1"/>
           </p:cNvSpPr>
@@ -2659,18 +3946,13 @@
               <a:rPr lang="en-US"/>
               <a:t> </a:t>
             </a:r>
-          </a:p>
-        </p:txBody>
-      </p:sp>
-      <p:sp>
-        <p:nvSpPr>
-          <p:cNvPr id="6" name="Footer Placeholder 5">
-            <a:extLst>
-              <a:ext uri="{FF2B5EF4-FFF2-40B4-BE49-F238E27FC236}">
-                <a16:creationId xmlns:a16="http://schemas.microsoft.com/office/drawing/2014/main" id="{92FFC09F-F658-4E4A-95FE-796CF2AC784E}"/>
-              </a:ext>
-            </a:extLst>
-          </p:cNvPr>
+            <a:endParaRPr lang="en-US" dirty="0"/>
+          </a:p>
+        </p:txBody>
+      </p:sp>
+      <p:sp>
+        <p:nvSpPr>
+          <p:cNvPr id="6" name="Footer Placeholder 5"/>
           <p:cNvSpPr>
             <a:spLocks noGrp="1"/>
           </p:cNvSpPr>
@@ -2683,19 +3965,13 @@
           <a:bodyPr/>
           <a:lstStyle/>
           <a:p>
-            <a:endParaRPr lang="en-US"/>
-          </a:p>
-        </p:txBody>
-      </p:sp>
-      <p:sp>
-        <p:nvSpPr>
-          <p:cNvPr id="7" name="Slide Number Placeholder 6" hidden="1">
-            <a:extLst>
-              <a:ext uri="{FF2B5EF4-FFF2-40B4-BE49-F238E27FC236}">
-                <a16:creationId xmlns:a16="http://schemas.microsoft.com/office/drawing/2014/main" id="{A01F5B78-E21E-426B-95D6-5F443E553E69}"/>
-              </a:ext>
-            </a:extLst>
-          </p:cNvPr>
+            <a:endParaRPr lang="en-US" dirty="0"/>
+          </a:p>
+        </p:txBody>
+      </p:sp>
+      <p:sp>
+        <p:nvSpPr>
+          <p:cNvPr id="7" name="Slide Number Placeholder 6" hidden="1"/>
           <p:cNvSpPr>
             <a:spLocks noGrp="1"/>
           </p:cNvSpPr>
@@ -2712,13 +3988,14 @@
               <a:rPr lang="en-US"/>
               <a:t> </a:t>
             </a:r>
+            <a:endParaRPr lang="en-US" dirty="0"/>
           </a:p>
         </p:txBody>
       </p:sp>
     </p:spTree>
     <p:extLst>
       <p:ext uri="{BB962C8B-B14F-4D97-AF65-F5344CB8AC3E}">
-        <p14:creationId xmlns:p14="http://schemas.microsoft.com/office/powerpoint/2010/main" val="1569948667"/>
+        <p14:creationId xmlns:p14="http://schemas.microsoft.com/office/powerpoint/2010/main" val="1585992784"/>
       </p:ext>
     </p:extLst>
   </p:cSld>
@@ -2752,24 +4029,67 @@
       </p:grpSpPr>
       <p:sp>
         <p:nvSpPr>
-          <p:cNvPr id="2" name="Title Placeholder 1">
-            <a:extLst>
-              <a:ext uri="{FF2B5EF4-FFF2-40B4-BE49-F238E27FC236}">
-                <a16:creationId xmlns:a16="http://schemas.microsoft.com/office/drawing/2014/main" id="{94CDFE1A-D4B0-4044-8A4D-D69DFC1D09CF}"/>
-              </a:ext>
-            </a:extLst>
-          </p:cNvPr>
-          <p:cNvSpPr>
-            <a:spLocks noGrp="1"/>
-          </p:cNvSpPr>
-          <p:nvPr>
-            <p:ph type="title"/>
-          </p:nvPr>
+          <p:cNvPr id="7" name="Rectangle 6"/>
+          <p:cNvSpPr>
+            <a:spLocks noChangeAspect="1"/>
+          </p:cNvSpPr>
+          <p:nvPr/>
         </p:nvSpPr>
         <p:spPr>
           <a:xfrm>
-            <a:off x="838200" y="365125"/>
-            <a:ext cx="10515600" cy="1325563"/>
+            <a:off x="231140" y="243840"/>
+            <a:ext cx="11724640" cy="6377939"/>
+          </a:xfrm>
+          <a:prstGeom prst="rect">
+            <a:avLst/>
+          </a:prstGeom>
+          <a:solidFill>
+            <a:schemeClr val="bg1"/>
+          </a:solidFill>
+          <a:ln w="12700">
+            <a:solidFill>
+              <a:schemeClr val="tx1"/>
+            </a:solidFill>
+          </a:ln>
+        </p:spPr>
+        <p:style>
+          <a:lnRef idx="2">
+            <a:schemeClr val="accent1">
+              <a:shade val="50000"/>
+            </a:schemeClr>
+          </a:lnRef>
+          <a:fillRef idx="1">
+            <a:schemeClr val="accent1"/>
+          </a:fillRef>
+          <a:effectRef idx="0">
+            <a:schemeClr val="accent1"/>
+          </a:effectRef>
+          <a:fontRef idx="minor">
+            <a:schemeClr val="lt1"/>
+          </a:fontRef>
+        </p:style>
+        <p:txBody>
+          <a:bodyPr/>
+          <a:lstStyle/>
+          <a:p>
+            <a:endParaRPr lang="en-US" dirty="0"/>
+          </a:p>
+        </p:txBody>
+      </p:sp>
+      <p:sp>
+        <p:nvSpPr>
+          <p:cNvPr id="2" name="Title Placeholder 1"/>
+          <p:cNvSpPr>
+            <a:spLocks noGrp="1"/>
+          </p:cNvSpPr>
+          <p:nvPr>
+            <p:ph type="title"/>
+          </p:nvPr>
+        </p:nvSpPr>
+        <p:spPr>
+          <a:xfrm>
+            <a:off x="1143000" y="609600"/>
+            <a:ext cx="9875520" cy="1356360"/>
           </a:xfrm>
           <a:prstGeom prst="rect">
             <a:avLst/>
@@ -2785,18 +4105,13 @@
               <a:rPr lang="en-US"/>
               <a:t>Click to edit Master title style</a:t>
             </a:r>
-          </a:p>
-        </p:txBody>
-      </p:sp>
-      <p:sp>
-        <p:nvSpPr>
-          <p:cNvPr id="3" name="Text Placeholder 2">
-            <a:extLst>
-              <a:ext uri="{FF2B5EF4-FFF2-40B4-BE49-F238E27FC236}">
-                <a16:creationId xmlns:a16="http://schemas.microsoft.com/office/drawing/2014/main" id="{5C7D7B8F-2B60-44C1-A5B5-92CB6F6BD166}"/>
-              </a:ext>
-            </a:extLst>
-          </p:cNvPr>
+            <a:endParaRPr lang="en-US" dirty="0"/>
+          </a:p>
+        </p:txBody>
+      </p:sp>
+      <p:sp>
+        <p:nvSpPr>
+          <p:cNvPr id="3" name="Text Placeholder 2"/>
           <p:cNvSpPr>
             <a:spLocks noGrp="1"/>
           </p:cNvSpPr>
@@ -2806,8 +4121,8 @@
         </p:nvSpPr>
         <p:spPr>
           <a:xfrm>
-            <a:off x="838200" y="1825625"/>
-            <a:ext cx="10515600" cy="4351338"/>
+            <a:off x="1143000" y="2057400"/>
+            <a:ext cx="9872871" cy="4038600"/>
           </a:xfrm>
           <a:prstGeom prst="rect">
             <a:avLst/>
@@ -2852,18 +4167,13 @@
               <a:rPr lang="en-US"/>
               <a:t>Fifth level</a:t>
             </a:r>
-          </a:p>
-        </p:txBody>
-      </p:sp>
-      <p:sp>
-        <p:nvSpPr>
-          <p:cNvPr id="4" name="Date Placeholder 3" hidden="1">
-            <a:extLst>
-              <a:ext uri="{FF2B5EF4-FFF2-40B4-BE49-F238E27FC236}">
-                <a16:creationId xmlns:a16="http://schemas.microsoft.com/office/drawing/2014/main" id="{7B9B4AD1-34C7-4112-9CC6-DAE4FF263C7E}"/>
-              </a:ext>
-            </a:extLst>
-          </p:cNvPr>
+            <a:endParaRPr lang="en-US" dirty="0"/>
+          </a:p>
+        </p:txBody>
+      </p:sp>
+      <p:sp>
+        <p:nvSpPr>
+          <p:cNvPr id="4" name="Date Placeholder 3" hidden="1"/>
           <p:cNvSpPr>
             <a:spLocks noGrp="1"/>
           </p:cNvSpPr>
@@ -2873,8 +4183,8 @@
         </p:nvSpPr>
         <p:spPr>
           <a:xfrm>
-            <a:off x="838200" y="6356350"/>
-            <a:ext cx="2743200" cy="365125"/>
+            <a:off x="1142996" y="6223828"/>
+            <a:ext cx="2329074" cy="365125"/>
           </a:xfrm>
           <a:prstGeom prst="rect">
             <a:avLst/>
@@ -2886,9 +4196,7 @@
             <a:lvl1pPr algn="l">
               <a:defRPr sz="1200">
                 <a:solidFill>
-                  <a:schemeClr val="tx1">
-                    <a:tint val="75000"/>
-                  </a:schemeClr>
+                  <a:schemeClr val="tx1"/>
                 </a:solidFill>
               </a:defRPr>
             </a:lvl1pPr>
@@ -2898,18 +4206,13 @@
               <a:rPr lang="en-US"/>
               <a:t> </a:t>
             </a:r>
-          </a:p>
-        </p:txBody>
-      </p:sp>
-      <p:sp>
-        <p:nvSpPr>
-          <p:cNvPr id="5" name="Footer Placeholder 4">
-            <a:extLst>
-              <a:ext uri="{FF2B5EF4-FFF2-40B4-BE49-F238E27FC236}">
-                <a16:creationId xmlns:a16="http://schemas.microsoft.com/office/drawing/2014/main" id="{BDDC6096-CB5B-483F-A948-5D3028B1B307}"/>
-              </a:ext>
-            </a:extLst>
-          </p:cNvPr>
+            <a:endParaRPr lang="en-US" dirty="0"/>
+          </a:p>
+        </p:txBody>
+      </p:sp>
+      <p:sp>
+        <p:nvSpPr>
+          <p:cNvPr id="5" name="Footer Placeholder 4"/>
           <p:cNvSpPr>
             <a:spLocks noGrp="1"/>
           </p:cNvSpPr>
@@ -2919,8 +4222,8 @@
         </p:nvSpPr>
         <p:spPr>
           <a:xfrm>
-            <a:off x="4038600" y="6356350"/>
-            <a:ext cx="4114800" cy="365125"/>
+            <a:off x="3949148" y="6223828"/>
+            <a:ext cx="4717774" cy="365125"/>
           </a:xfrm>
           <a:prstGeom prst="rect">
             <a:avLst/>
@@ -2932,27 +4235,19 @@
             <a:lvl1pPr algn="ctr">
               <a:defRPr sz="1200">
                 <a:solidFill>
-                  <a:schemeClr val="tx1">
-                    <a:tint val="75000"/>
-                  </a:schemeClr>
+                  <a:schemeClr val="tx1"/>
                 </a:solidFill>
               </a:defRPr>
             </a:lvl1pPr>
           </a:lstStyle>
           <a:p>
-            <a:endParaRPr lang="en-US"/>
-          </a:p>
-        </p:txBody>
-      </p:sp>
-      <p:sp>
-        <p:nvSpPr>
-          <p:cNvPr id="6" name="Slide Number Placeholder 5" hidden="1">
-            <a:extLst>
-              <a:ext uri="{FF2B5EF4-FFF2-40B4-BE49-F238E27FC236}">
-                <a16:creationId xmlns:a16="http://schemas.microsoft.com/office/drawing/2014/main" id="{6EDCF620-5B22-46FA-8F7A-3FA1218DEADD}"/>
-              </a:ext>
-            </a:extLst>
-          </p:cNvPr>
+            <a:endParaRPr lang="en-US" dirty="0"/>
+          </a:p>
+        </p:txBody>
+      </p:sp>
+      <p:sp>
+        <p:nvSpPr>
+          <p:cNvPr id="6" name="Slide Number Placeholder 5" hidden="1"/>
           <p:cNvSpPr>
             <a:spLocks noGrp="1"/>
           </p:cNvSpPr>
@@ -2962,8 +4257,8 @@
         </p:nvSpPr>
         <p:spPr>
           <a:xfrm>
-            <a:off x="8610600" y="6356350"/>
-            <a:ext cx="2743200" cy="365125"/>
+            <a:off x="9329530" y="6223828"/>
+            <a:ext cx="1706217" cy="365125"/>
           </a:xfrm>
           <a:prstGeom prst="rect">
             <a:avLst/>
@@ -2975,9 +4270,7 @@
             <a:lvl1pPr algn="r">
               <a:defRPr sz="1200">
                 <a:solidFill>
-                  <a:schemeClr val="tx1">
-                    <a:tint val="75000"/>
-                  </a:schemeClr>
+                  <a:schemeClr val="tx1"/>
                 </a:solidFill>
               </a:defRPr>
             </a:lvl1pPr>
@@ -2987,29 +4280,30 @@
               <a:rPr lang="en-US"/>
               <a:t> </a:t>
             </a:r>
+            <a:endParaRPr lang="en-US" dirty="0"/>
           </a:p>
         </p:txBody>
       </p:sp>
     </p:spTree>
     <p:extLst>
       <p:ext uri="{BB962C8B-B14F-4D97-AF65-F5344CB8AC3E}">
-        <p14:creationId xmlns:p14="http://schemas.microsoft.com/office/powerpoint/2010/main" val="898024691"/>
+        <p14:creationId xmlns:p14="http://schemas.microsoft.com/office/powerpoint/2010/main" val="2136988661"/>
       </p:ext>
     </p:extLst>
   </p:cSld>
   <p:clrMap bg1="lt1" tx1="dk1" bg2="lt2" tx2="dk2" accent1="accent1" accent2="accent2" accent3="accent3" accent4="accent4" accent5="accent5" accent6="accent6" hlink="hlink" folHlink="folHlink"/>
   <p:sldLayoutIdLst>
-    <p:sldLayoutId id="2147483649" r:id="rId1"/>
-    <p:sldLayoutId id="2147483650" r:id="rId2"/>
-    <p:sldLayoutId id="2147483651" r:id="rId3"/>
-    <p:sldLayoutId id="2147483652" r:id="rId4"/>
-    <p:sldLayoutId id="2147483653" r:id="rId5"/>
-    <p:sldLayoutId id="2147483654" r:id="rId6"/>
-    <p:sldLayoutId id="2147483655" r:id="rId7"/>
-    <p:sldLayoutId id="2147483656" r:id="rId8"/>
-    <p:sldLayoutId id="2147483657" r:id="rId9"/>
-    <p:sldLayoutId id="2147483658" r:id="rId10"/>
-    <p:sldLayoutId id="2147483659" r:id="rId11"/>
+    <p:sldLayoutId id="2147483721" r:id="rId1"/>
+    <p:sldLayoutId id="2147483722" r:id="rId2"/>
+    <p:sldLayoutId id="2147483723" r:id="rId3"/>
+    <p:sldLayoutId id="2147483724" r:id="rId4"/>
+    <p:sldLayoutId id="2147483725" r:id="rId5"/>
+    <p:sldLayoutId id="2147483726" r:id="rId6"/>
+    <p:sldLayoutId id="2147483727" r:id="rId7"/>
+    <p:sldLayoutId id="2147483728" r:id="rId8"/>
+    <p:sldLayoutId id="2147483729" r:id="rId9"/>
+    <p:sldLayoutId id="2147483730" r:id="rId10"/>
+    <p:sldLayoutId id="2147483731" r:id="rId11"/>
   </p:sldLayoutIdLst>
   <p:txStyles>
     <p:titleStyle>
@@ -3032,16 +4326,20 @@
       </a:lvl1pPr>
     </p:titleStyle>
     <p:bodyStyle>
-      <a:lvl1pPr marL="228600" indent="-228600" algn="l" defTabSz="914400" rtl="0" eaLnBrk="1" latinLnBrk="0" hangingPunct="1">
+      <a:lvl1pPr marL="228600" indent="-182880" algn="l" defTabSz="914400" rtl="0" eaLnBrk="1" latinLnBrk="0" hangingPunct="1">
         <a:lnSpc>
           <a:spcPct val="90000"/>
         </a:lnSpc>
         <a:spcBef>
-          <a:spcPts val="1000"/>
+          <a:spcPts val="1400"/>
         </a:spcBef>
-        <a:buFont typeface="Arial" panose="020B0604020202020204" pitchFamily="34" charset="0"/>
+        <a:buClr>
+          <a:schemeClr val="tx1"/>
+        </a:buClr>
+        <a:buSzPct val="80000"/>
+        <a:buFont typeface="Corbel" pitchFamily="34" charset="0"/>
         <a:buChar char="•"/>
-        <a:defRPr sz="2800" kern="1200">
+        <a:defRPr sz="2200" kern="1200">
           <a:solidFill>
             <a:schemeClr val="tx1"/>
           </a:solidFill>
@@ -3050,32 +4348,21 @@
           <a:cs typeface="+mn-cs"/>
         </a:defRPr>
       </a:lvl1pPr>
-      <a:lvl2pPr marL="685800" indent="-228600" algn="l" defTabSz="914400" rtl="0" eaLnBrk="1" latinLnBrk="0" hangingPunct="1">
+      <a:lvl2pPr marL="457200" indent="-182880" algn="l" defTabSz="914400" rtl="0" eaLnBrk="1" latinLnBrk="0" hangingPunct="1">
         <a:lnSpc>
           <a:spcPct val="90000"/>
         </a:lnSpc>
         <a:spcBef>
-          <a:spcPts val="500"/>
+          <a:spcPts val="200"/>
         </a:spcBef>
-        <a:buFont typeface="Arial" panose="020B0604020202020204" pitchFamily="34" charset="0"/>
-        <a:buChar char="•"/>
-        <a:defRPr sz="2400" kern="1200">
-          <a:solidFill>
-            <a:schemeClr val="tx1"/>
-          </a:solidFill>
-          <a:latin typeface="+mn-lt"/>
-          <a:ea typeface="+mn-ea"/>
-          <a:cs typeface="+mn-cs"/>
-        </a:defRPr>
-      </a:lvl2pPr>
-      <a:lvl3pPr marL="1143000" indent="-228600" algn="l" defTabSz="914400" rtl="0" eaLnBrk="1" latinLnBrk="0" hangingPunct="1">
-        <a:lnSpc>
-          <a:spcPct val="90000"/>
-        </a:lnSpc>
-        <a:spcBef>
-          <a:spcPts val="500"/>
-        </a:spcBef>
-        <a:buFont typeface="Arial" panose="020B0604020202020204" pitchFamily="34" charset="0"/>
+        <a:spcAft>
+          <a:spcPts val="400"/>
+        </a:spcAft>
+        <a:buClr>
+          <a:schemeClr val="tx1"/>
+        </a:buClr>
+        <a:buSzPct val="80000"/>
+        <a:buFont typeface="Corbel" pitchFamily="34" charset="0"/>
         <a:buChar char="•"/>
         <a:defRPr sz="2000" kern="1200">
           <a:solidFill>
@@ -3085,15 +4372,22 @@
           <a:ea typeface="+mn-ea"/>
           <a:cs typeface="+mn-cs"/>
         </a:defRPr>
-      </a:lvl3pPr>
-      <a:lvl4pPr marL="1600200" indent="-228600" algn="l" defTabSz="914400" rtl="0" eaLnBrk="1" latinLnBrk="0" hangingPunct="1">
+      </a:lvl2pPr>
+      <a:lvl3pPr marL="731520" indent="-182880" algn="l" defTabSz="914400" rtl="0" eaLnBrk="1" latinLnBrk="0" hangingPunct="1">
         <a:lnSpc>
           <a:spcPct val="90000"/>
         </a:lnSpc>
         <a:spcBef>
-          <a:spcPts val="500"/>
+          <a:spcPts val="200"/>
         </a:spcBef>
-        <a:buFont typeface="Arial" panose="020B0604020202020204" pitchFamily="34" charset="0"/>
+        <a:spcAft>
+          <a:spcPts val="400"/>
+        </a:spcAft>
+        <a:buClr>
+          <a:schemeClr val="tx1"/>
+        </a:buClr>
+        <a:buSzPct val="80000"/>
+        <a:buFont typeface="Corbel" pitchFamily="34" charset="0"/>
         <a:buChar char="•"/>
         <a:defRPr sz="1800" kern="1200">
           <a:solidFill>
@@ -3103,17 +4397,49 @@
           <a:ea typeface="+mn-ea"/>
           <a:cs typeface="+mn-cs"/>
         </a:defRPr>
-      </a:lvl4pPr>
-      <a:lvl5pPr marL="2057400" indent="-228600" algn="l" defTabSz="914400" rtl="0" eaLnBrk="1" latinLnBrk="0" hangingPunct="1">
+      </a:lvl3pPr>
+      <a:lvl4pPr marL="1005840" indent="-182880" algn="l" defTabSz="914400" rtl="0" eaLnBrk="1" latinLnBrk="0" hangingPunct="1">
         <a:lnSpc>
           <a:spcPct val="90000"/>
         </a:lnSpc>
         <a:spcBef>
-          <a:spcPts val="500"/>
+          <a:spcPts val="200"/>
         </a:spcBef>
-        <a:buFont typeface="Arial" panose="020B0604020202020204" pitchFamily="34" charset="0"/>
+        <a:spcAft>
+          <a:spcPts val="400"/>
+        </a:spcAft>
+        <a:buClr>
+          <a:schemeClr val="tx1"/>
+        </a:buClr>
+        <a:buSzPct val="80000"/>
+        <a:buFont typeface="Corbel" pitchFamily="34" charset="0"/>
         <a:buChar char="•"/>
-        <a:defRPr sz="1800" kern="1200">
+        <a:defRPr sz="1600" kern="1200">
+          <a:solidFill>
+            <a:schemeClr val="tx1"/>
+          </a:solidFill>
+          <a:latin typeface="+mn-lt"/>
+          <a:ea typeface="+mn-ea"/>
+          <a:cs typeface="+mn-cs"/>
+        </a:defRPr>
+      </a:lvl4pPr>
+      <a:lvl5pPr marL="1280160" indent="-182880" algn="l" defTabSz="914400" rtl="0" eaLnBrk="1" latinLnBrk="0" hangingPunct="1">
+        <a:lnSpc>
+          <a:spcPct val="90000"/>
+        </a:lnSpc>
+        <a:spcBef>
+          <a:spcPts val="200"/>
+        </a:spcBef>
+        <a:spcAft>
+          <a:spcPts val="400"/>
+        </a:spcAft>
+        <a:buClr>
+          <a:schemeClr val="tx1"/>
+        </a:buClr>
+        <a:buSzPct val="80000"/>
+        <a:buFont typeface="Corbel" pitchFamily="34" charset="0"/>
+        <a:buChar char="•"/>
+        <a:defRPr sz="1600" kern="1200">
           <a:solidFill>
             <a:schemeClr val="tx1"/>
           </a:solidFill>
@@ -3122,16 +4448,23 @@
           <a:cs typeface="+mn-cs"/>
         </a:defRPr>
       </a:lvl5pPr>
-      <a:lvl6pPr marL="2514600" indent="-228600" algn="l" defTabSz="914400" rtl="0" eaLnBrk="1" latinLnBrk="0" hangingPunct="1">
+      <a:lvl6pPr marL="1600000" indent="-228600" algn="l" defTabSz="914400" rtl="0" eaLnBrk="1" latinLnBrk="0" hangingPunct="1">
         <a:lnSpc>
           <a:spcPct val="90000"/>
         </a:lnSpc>
         <a:spcBef>
-          <a:spcPts val="500"/>
+          <a:spcPts val="200"/>
         </a:spcBef>
-        <a:buFont typeface="Arial" panose="020B0604020202020204" pitchFamily="34" charset="0"/>
+        <a:spcAft>
+          <a:spcPts val="400"/>
+        </a:spcAft>
+        <a:buClr>
+          <a:schemeClr val="tx1"/>
+        </a:buClr>
+        <a:buSzPct val="80000"/>
+        <a:buFont typeface="Corbel" pitchFamily="34" charset="0"/>
         <a:buChar char="•"/>
-        <a:defRPr sz="1800" kern="1200">
+        <a:defRPr sz="1600" kern="1200">
           <a:solidFill>
             <a:schemeClr val="tx1"/>
           </a:solidFill>
@@ -3140,16 +4473,23 @@
           <a:cs typeface="+mn-cs"/>
         </a:defRPr>
       </a:lvl6pPr>
-      <a:lvl7pPr marL="2971800" indent="-228600" algn="l" defTabSz="914400" rtl="0" eaLnBrk="1" latinLnBrk="0" hangingPunct="1">
+      <a:lvl7pPr marL="1900000" indent="-228600" algn="l" defTabSz="914400" rtl="0" eaLnBrk="1" latinLnBrk="0" hangingPunct="1">
         <a:lnSpc>
           <a:spcPct val="90000"/>
         </a:lnSpc>
         <a:spcBef>
-          <a:spcPts val="500"/>
+          <a:spcPts val="200"/>
         </a:spcBef>
-        <a:buFont typeface="Arial" panose="020B0604020202020204" pitchFamily="34" charset="0"/>
+        <a:spcAft>
+          <a:spcPts val="400"/>
+        </a:spcAft>
+        <a:buClr>
+          <a:schemeClr val="tx1"/>
+        </a:buClr>
+        <a:buSzPct val="80000"/>
+        <a:buFont typeface="Corbel" pitchFamily="34" charset="0"/>
         <a:buChar char="•"/>
-        <a:defRPr sz="1800" kern="1200">
+        <a:defRPr sz="1600" kern="1200">
           <a:solidFill>
             <a:schemeClr val="tx1"/>
           </a:solidFill>
@@ -3158,16 +4498,23 @@
           <a:cs typeface="+mn-cs"/>
         </a:defRPr>
       </a:lvl7pPr>
-      <a:lvl8pPr marL="3429000" indent="-228600" algn="l" defTabSz="914400" rtl="0" eaLnBrk="1" latinLnBrk="0" hangingPunct="1">
+      <a:lvl8pPr marL="2200000" indent="-228600" algn="l" defTabSz="914400" rtl="0" eaLnBrk="1" latinLnBrk="0" hangingPunct="1">
         <a:lnSpc>
           <a:spcPct val="90000"/>
         </a:lnSpc>
         <a:spcBef>
-          <a:spcPts val="500"/>
+          <a:spcPts val="200"/>
         </a:spcBef>
-        <a:buFont typeface="Arial" panose="020B0604020202020204" pitchFamily="34" charset="0"/>
+        <a:spcAft>
+          <a:spcPts val="400"/>
+        </a:spcAft>
+        <a:buClr>
+          <a:schemeClr val="tx1"/>
+        </a:buClr>
+        <a:buSzPct val="80000"/>
+        <a:buFont typeface="Corbel" pitchFamily="34" charset="0"/>
         <a:buChar char="•"/>
-        <a:defRPr sz="1800" kern="1200">
+        <a:defRPr sz="1600" kern="1200">
           <a:solidFill>
             <a:schemeClr val="tx1"/>
           </a:solidFill>
@@ -3176,16 +4523,23 @@
           <a:cs typeface="+mn-cs"/>
         </a:defRPr>
       </a:lvl8pPr>
-      <a:lvl9pPr marL="3886200" indent="-228600" algn="l" defTabSz="914400" rtl="0" eaLnBrk="1" latinLnBrk="0" hangingPunct="1">
+      <a:lvl9pPr marL="2500000" indent="-228600" algn="l" defTabSz="914400" rtl="0" eaLnBrk="1" latinLnBrk="0" hangingPunct="1">
         <a:lnSpc>
           <a:spcPct val="90000"/>
         </a:lnSpc>
         <a:spcBef>
-          <a:spcPts val="500"/>
+          <a:spcPts val="200"/>
         </a:spcBef>
-        <a:buFont typeface="Arial" panose="020B0604020202020204" pitchFamily="34" charset="0"/>
+        <a:spcAft>
+          <a:spcPts val="400"/>
+        </a:spcAft>
+        <a:buClr>
+          <a:schemeClr val="tx1"/>
+        </a:buClr>
+        <a:buSzPct val="80000"/>
+        <a:buFont typeface="Corbel" pitchFamily="34" charset="0"/>
         <a:buChar char="•"/>
-        <a:defRPr sz="1800" kern="1200">
+        <a:defRPr sz="1600" kern="1200">
           <a:solidFill>
             <a:schemeClr val="tx1"/>
           </a:solidFill>
@@ -3410,10 +4764,216 @@
           <a:chExt cx="0" cy="0"/>
         </a:xfrm>
       </p:grpSpPr>
+      <p:sp>
+        <p:nvSpPr>
+          <p:cNvPr id="2" name="Title 1">
+            <a:extLst>
+              <a:ext uri="{FF2B5EF4-FFF2-40B4-BE49-F238E27FC236}">
+                <a16:creationId xmlns:a16="http://schemas.microsoft.com/office/drawing/2014/main" id="{FB4CD6DC-A00E-4398-8029-395F4C7AF53D}"/>
+              </a:ext>
+            </a:extLst>
+          </p:cNvPr>
+          <p:cNvSpPr>
+            <a:spLocks noGrp="1"/>
+          </p:cNvSpPr>
+          <p:nvPr>
+            <p:ph type="title"/>
+          </p:nvPr>
+        </p:nvSpPr>
+        <p:spPr/>
+        <p:txBody>
+          <a:bodyPr/>
+          <a:lstStyle/>
+          <a:p>
+            <a:r>
+              <a:rPr lang="en-US" dirty="0"/>
+              <a:t>Method </a:t>
+            </a:r>
+            <a:r>
+              <a:rPr lang="en-150" dirty="0"/>
+              <a:t>4 - </a:t>
+            </a:r>
+            <a:r>
+              <a:rPr lang="en-US" dirty="0"/>
+              <a:t>T</a:t>
+            </a:r>
+            <a:r>
+              <a:rPr lang="en-150" dirty="0"/>
+              <a:t>r</a:t>
+            </a:r>
+            <a:r>
+              <a:rPr lang="en-US" dirty="0"/>
+              <a:t>a</a:t>
+            </a:r>
+            <a:r>
+              <a:rPr lang="en-150" dirty="0"/>
+              <a:t>n</a:t>
+            </a:r>
+            <a:r>
+              <a:rPr lang="en-US" dirty="0"/>
+              <a:t>s</a:t>
+            </a:r>
+            <a:r>
+              <a:rPr lang="en-150" dirty="0"/>
+              <a:t>f</a:t>
+            </a:r>
+            <a:r>
+              <a:rPr lang="en-US" dirty="0"/>
+              <a:t>o</a:t>
+            </a:r>
+            <a:r>
+              <a:rPr lang="en-150" dirty="0" err="1"/>
+              <a:t>rmers</a:t>
+            </a:r>
+            <a:endParaRPr lang="en-US" dirty="0"/>
+          </a:p>
+        </p:txBody>
+      </p:sp>
+      <p:sp>
+        <p:nvSpPr>
+          <p:cNvPr id="3" name="Content Placeholder 2">
+            <a:extLst>
+              <a:ext uri="{FF2B5EF4-FFF2-40B4-BE49-F238E27FC236}">
+                <a16:creationId xmlns:a16="http://schemas.microsoft.com/office/drawing/2014/main" id="{C26A4D4B-3627-4FD9-B3F0-7A6A1EA41D88}"/>
+              </a:ext>
+            </a:extLst>
+          </p:cNvPr>
+          <p:cNvSpPr>
+            <a:spLocks noGrp="1"/>
+          </p:cNvSpPr>
+          <p:nvPr>
+            <p:ph idx="1"/>
+          </p:nvPr>
+        </p:nvSpPr>
+        <p:spPr/>
+        <p:txBody>
+          <a:bodyPr/>
+          <a:lstStyle/>
+          <a:p>
+            <a:endParaRPr lang="en-US" dirty="0"/>
+          </a:p>
+        </p:txBody>
+      </p:sp>
     </p:spTree>
     <p:extLst>
       <p:ext uri="{BB962C8B-B14F-4D97-AF65-F5344CB8AC3E}">
-        <p14:creationId xmlns:p14="http://schemas.microsoft.com/office/powerpoint/2010/main" val="3982113407"/>
+        <p14:creationId xmlns:p14="http://schemas.microsoft.com/office/powerpoint/2010/main" val="979069537"/>
+      </p:ext>
+    </p:extLst>
+  </p:cSld>
+  <p:clrMapOvr>
+    <a:masterClrMapping/>
+  </p:clrMapOvr>
+</p:sld>
+</file>
+
+<file path=ppt/slides/slide11.xml><?xml version="1.0" encoding="utf-8"?>
+<p:sld xmlns:a="http://schemas.openxmlformats.org/drawingml/2006/main" xmlns:r="http://schemas.openxmlformats.org/officeDocument/2006/relationships" xmlns:p="http://schemas.openxmlformats.org/presentationml/2006/main">
+  <p:cSld>
+    <p:spTree>
+      <p:nvGrpSpPr>
+        <p:cNvPr id="1" name=""/>
+        <p:cNvGrpSpPr/>
+        <p:nvPr/>
+      </p:nvGrpSpPr>
+      <p:grpSpPr>
+        <a:xfrm>
+          <a:off x="0" y="0"/>
+          <a:ext cx="0" cy="0"/>
+          <a:chOff x="0" y="0"/>
+          <a:chExt cx="0" cy="0"/>
+        </a:xfrm>
+      </p:grpSpPr>
+      <p:sp>
+        <p:nvSpPr>
+          <p:cNvPr id="2" name="Title 1">
+            <a:extLst>
+              <a:ext uri="{FF2B5EF4-FFF2-40B4-BE49-F238E27FC236}">
+                <a16:creationId xmlns:a16="http://schemas.microsoft.com/office/drawing/2014/main" id="{1857B63B-EF03-49E3-86DD-015CC3CAB9BD}"/>
+              </a:ext>
+            </a:extLst>
+          </p:cNvPr>
+          <p:cNvSpPr>
+            <a:spLocks noGrp="1"/>
+          </p:cNvSpPr>
+          <p:nvPr>
+            <p:ph type="title"/>
+          </p:nvPr>
+        </p:nvSpPr>
+        <p:spPr/>
+        <p:txBody>
+          <a:bodyPr/>
+          <a:lstStyle/>
+          <a:p>
+            <a:r>
+              <a:rPr lang="en-US" dirty="0"/>
+              <a:t>Conclusions</a:t>
+            </a:r>
+          </a:p>
+        </p:txBody>
+      </p:sp>
+      <p:sp>
+        <p:nvSpPr>
+          <p:cNvPr id="3" name="Content Placeholder 2">
+            <a:extLst>
+              <a:ext uri="{FF2B5EF4-FFF2-40B4-BE49-F238E27FC236}">
+                <a16:creationId xmlns:a16="http://schemas.microsoft.com/office/drawing/2014/main" id="{677B73F2-AF05-44E3-9661-5D3E40E81355}"/>
+              </a:ext>
+            </a:extLst>
+          </p:cNvPr>
+          <p:cNvSpPr>
+            <a:spLocks noGrp="1"/>
+          </p:cNvSpPr>
+          <p:nvPr>
+            <p:ph idx="1"/>
+          </p:nvPr>
+        </p:nvSpPr>
+        <p:spPr/>
+        <p:txBody>
+          <a:bodyPr/>
+          <a:lstStyle/>
+          <a:p>
+            <a:r>
+              <a:rPr lang="en-US" dirty="0"/>
+              <a:t>What we learnt:</a:t>
+            </a:r>
+          </a:p>
+          <a:p>
+            <a:pPr lvl="1"/>
+            <a:r>
+              <a:rPr lang="en-US" dirty="0"/>
+              <a:t>Understanding the data is key – domain expertise.</a:t>
+            </a:r>
+          </a:p>
+          <a:p>
+            <a:pPr lvl="1"/>
+            <a:endParaRPr lang="en-US" dirty="0"/>
+          </a:p>
+          <a:p>
+            <a:endParaRPr lang="en-US" dirty="0"/>
+          </a:p>
+          <a:p>
+            <a:r>
+              <a:rPr lang="en-US" dirty="0"/>
+              <a:t>What could be done afterwards:</a:t>
+            </a:r>
+          </a:p>
+          <a:p>
+            <a:pPr lvl="1"/>
+            <a:r>
+              <a:rPr lang="en-US" dirty="0"/>
+              <a:t>Properly align the sequences to compare apples with apples. </a:t>
+            </a:r>
+          </a:p>
+          <a:p>
+            <a:endParaRPr lang="en-US" dirty="0"/>
+          </a:p>
+        </p:txBody>
+      </p:sp>
+    </p:spTree>
+    <p:extLst>
+      <p:ext uri="{BB962C8B-B14F-4D97-AF65-F5344CB8AC3E}">
+        <p14:creationId xmlns:p14="http://schemas.microsoft.com/office/powerpoint/2010/main" val="1560717873"/>
       </p:ext>
     </p:extLst>
   </p:cSld>
@@ -3445,7 +5005,7 @@
           <p:cNvPr id="2" name="Title 1">
             <a:extLst>
               <a:ext uri="{FF2B5EF4-FFF2-40B4-BE49-F238E27FC236}">
-                <a16:creationId xmlns:a16="http://schemas.microsoft.com/office/drawing/2014/main" id="{C3D9D426-6C38-4EDE-8865-2197420492D8}"/>
+                <a16:creationId xmlns:a16="http://schemas.microsoft.com/office/drawing/2014/main" id="{04282A68-6F53-4C02-B143-29F90AD04D10}"/>
               </a:ext>
             </a:extLst>
           </p:cNvPr>
@@ -3462,12 +5022,9 @@
           <a:lstStyle/>
           <a:p>
             <a:r>
-              <a:rPr lang="en-US" dirty="0">
-                <a:hlinkClick r:id="rId2"/>
-              </a:rPr>
-              <a:t>The Challenge </a:t>
-            </a:r>
-            <a:endParaRPr lang="en-US" dirty="0"/>
+              <a:rPr lang="en-US" dirty="0"/>
+              <a:t>The Challenge (I)</a:t>
+            </a:r>
           </a:p>
         </p:txBody>
       </p:sp>
@@ -3476,7 +5033,7 @@
           <p:cNvPr id="3" name="Content Placeholder 2">
             <a:extLst>
               <a:ext uri="{FF2B5EF4-FFF2-40B4-BE49-F238E27FC236}">
-                <a16:creationId xmlns:a16="http://schemas.microsoft.com/office/drawing/2014/main" id="{020BA059-7DB9-4A72-A259-7A3ABD51A296}"/>
+                <a16:creationId xmlns:a16="http://schemas.microsoft.com/office/drawing/2014/main" id="{31331E16-BE64-4805-8C91-C7FADE9B2743}"/>
               </a:ext>
             </a:extLst>
           </p:cNvPr>
@@ -3490,68 +5047,365 @@
         <p:spPr/>
         <p:txBody>
           <a:bodyPr>
-            <a:normAutofit fontScale="92500" lnSpcReduction="10000"/>
+            <a:normAutofit fontScale="92500"/>
           </a:bodyPr>
           <a:lstStyle/>
           <a:p>
-            <a:r>
-              <a:rPr lang="en-US" dirty="0"/>
-              <a:t>This contest focuses on using the nucleotide sequence of the Reverse Transcriptase (RT) and Protease (PR) to predict the patient's short-term progression.</a:t>
+            <a:pPr marL="45720" indent="0" algn="ctr">
+              <a:buNone/>
+            </a:pPr>
+            <a:r>
+              <a:rPr lang="en-US" sz="2800" b="1" dirty="0"/>
+              <a:t>Predict HIV Progression</a:t>
+            </a:r>
+          </a:p>
+          <a:p>
+            <a:r>
+              <a:rPr lang="en-150" dirty="0"/>
+              <a:t>“</a:t>
+            </a:r>
+            <a:r>
+              <a:rPr lang="en-US" dirty="0"/>
+              <a:t>This contest requires competitors to </a:t>
+            </a:r>
+            <a:r>
+              <a:rPr lang="en-US" b="1" dirty="0"/>
+              <a:t>predict the likelihood that an HIV patient's infection will become less severe</a:t>
+            </a:r>
+            <a:r>
+              <a:rPr lang="en-US" dirty="0"/>
+              <a:t>, given a small dataset and limited clinical information.</a:t>
+            </a:r>
+            <a:r>
+              <a:rPr lang="en-150" dirty="0"/>
+              <a:t>”</a:t>
+            </a:r>
+          </a:p>
+          <a:p>
+            <a:r>
+              <a:rPr lang="en-US" dirty="0"/>
+              <a:t>Classification</a:t>
+            </a:r>
+            <a:r>
+              <a:rPr lang="en-150" dirty="0"/>
+              <a:t> </a:t>
+            </a:r>
+            <a:r>
+              <a:rPr lang="en-US" dirty="0"/>
+              <a:t>t</a:t>
+            </a:r>
+            <a:r>
+              <a:rPr lang="en-150" dirty="0"/>
+              <a:t>a</a:t>
+            </a:r>
+            <a:r>
+              <a:rPr lang="en-US" dirty="0"/>
+              <a:t>s</a:t>
+            </a:r>
+            <a:r>
+              <a:rPr lang="en-150" dirty="0"/>
+              <a:t>k</a:t>
+            </a:r>
+          </a:p>
+          <a:p>
+            <a:r>
+              <a:rPr lang="en-150" dirty="0"/>
+              <a:t>The dataset:</a:t>
             </a:r>
           </a:p>
           <a:p>
             <a:pPr lvl="1"/>
             <a:r>
-              <a:rPr lang="en-US" dirty="0"/>
-              <a:t>nucleotide sequence is the blueprint of the protein</a:t>
+              <a:rPr lang="en-150" dirty="0"/>
+              <a:t>Subsets:</a:t>
+            </a:r>
+          </a:p>
+          <a:p>
+            <a:pPr lvl="2"/>
+            <a:r>
+              <a:rPr lang="en-150" dirty="0"/>
+              <a:t>1000 patients in the training set</a:t>
+            </a:r>
+          </a:p>
+          <a:p>
+            <a:pPr lvl="2"/>
+            <a:r>
+              <a:rPr lang="en-150" dirty="0"/>
+              <a:t>692 </a:t>
+            </a:r>
+            <a:r>
+              <a:rPr lang="en-US" dirty="0"/>
+              <a:t>p</a:t>
+            </a:r>
+            <a:r>
+              <a:rPr lang="en-150" dirty="0"/>
+              <a:t>a</a:t>
+            </a:r>
+            <a:r>
+              <a:rPr lang="en-US" dirty="0"/>
+              <a:t>t</a:t>
+            </a:r>
+            <a:r>
+              <a:rPr lang="en-150" dirty="0" err="1"/>
+              <a:t>i</a:t>
+            </a:r>
+            <a:r>
+              <a:rPr lang="en-US" dirty="0"/>
+              <a:t>e</a:t>
+            </a:r>
+            <a:r>
+              <a:rPr lang="en-150" dirty="0"/>
+              <a:t>n</a:t>
+            </a:r>
+            <a:r>
+              <a:rPr lang="en-US" dirty="0"/>
+              <a:t>t</a:t>
+            </a:r>
+            <a:r>
+              <a:rPr lang="en-150" dirty="0"/>
+              <a:t>s </a:t>
+            </a:r>
+            <a:r>
+              <a:rPr lang="en-US" dirty="0"/>
+              <a:t>i</a:t>
+            </a:r>
+            <a:r>
+              <a:rPr lang="en-150" dirty="0"/>
+              <a:t>n </a:t>
+            </a:r>
+            <a:r>
+              <a:rPr lang="en-US" dirty="0"/>
+              <a:t>t</a:t>
+            </a:r>
+            <a:r>
+              <a:rPr lang="en-150" dirty="0"/>
+              <a:t>he test set</a:t>
             </a:r>
           </a:p>
           <a:p>
             <a:pPr lvl="1"/>
             <a:r>
-              <a:rPr lang="en-US" dirty="0"/>
-              <a:t>RT enzyme is responsible for copying the HIV-1 genome within the cell. As the HIV-1 genome is translated it is in one long string of amino acids</a:t>
-            </a:r>
-          </a:p>
-          <a:p>
-            <a:pPr lvl="1"/>
-            <a:r>
-              <a:rPr lang="en-US" dirty="0"/>
-              <a:t>PR protein cuts this string into the numerous functional units - required by the HIV life-cycle.</a:t>
-            </a:r>
-          </a:p>
-          <a:p>
-            <a:r>
-              <a:rPr lang="en-US" dirty="0"/>
-              <a:t>two common clinical indicators used to determine the "general health“</a:t>
-            </a:r>
-          </a:p>
-          <a:p>
-            <a:pPr lvl="1"/>
-            <a:r>
-              <a:rPr lang="en-US" dirty="0"/>
-              <a:t>CD4+ cell counts (estimate of the number of white-blood-cells in 1 mL of blood)</a:t>
-            </a:r>
-          </a:p>
-          <a:p>
-            <a:pPr lvl="1"/>
-            <a:r>
-              <a:rPr lang="en-US" dirty="0"/>
-              <a:t>Viral Load (the number of viral particles in that same mL)</a:t>
-            </a:r>
-          </a:p>
-          <a:p>
-            <a:r>
-              <a:rPr lang="en-US" dirty="0"/>
-              <a:t> A responder status of 1 indicates that a patient has improved</a:t>
-            </a:r>
-          </a:p>
-        </p:txBody>
-      </p:sp>
+              <a:rPr lang="en-150" dirty="0"/>
+              <a:t>Data types:</a:t>
+            </a:r>
+          </a:p>
+          <a:p>
+            <a:pPr lvl="2"/>
+            <a:r>
+              <a:rPr lang="en-US" dirty="0"/>
+              <a:t>N</a:t>
+            </a:r>
+            <a:r>
+              <a:rPr lang="en-150" dirty="0" err="1"/>
+              <a:t>umeric</a:t>
+            </a:r>
+            <a:r>
+              <a:rPr lang="en-150" dirty="0"/>
+              <a:t> values – </a:t>
+            </a:r>
+            <a:r>
+              <a:rPr lang="en-US" dirty="0"/>
+              <a:t>b</a:t>
+            </a:r>
+            <a:r>
+              <a:rPr lang="en-150" dirty="0"/>
+              <a:t>l</a:t>
+            </a:r>
+            <a:r>
+              <a:rPr lang="en-US" dirty="0"/>
+              <a:t>o</a:t>
+            </a:r>
+            <a:r>
+              <a:rPr lang="en-150" dirty="0"/>
+              <a:t>o</a:t>
+            </a:r>
+            <a:r>
+              <a:rPr lang="en-US" dirty="0"/>
+              <a:t>d</a:t>
+            </a:r>
+            <a:r>
+              <a:rPr lang="en-150" dirty="0"/>
+              <a:t> </a:t>
+            </a:r>
+            <a:r>
+              <a:rPr lang="en-US" dirty="0"/>
+              <a:t>c</a:t>
+            </a:r>
+            <a:r>
+              <a:rPr lang="en-150" dirty="0"/>
+              <a:t>o</a:t>
+            </a:r>
+            <a:r>
+              <a:rPr lang="en-US" dirty="0"/>
+              <a:t>u</a:t>
+            </a:r>
+            <a:r>
+              <a:rPr lang="en-150" dirty="0"/>
+              <a:t>n</a:t>
+            </a:r>
+            <a:r>
+              <a:rPr lang="en-US" dirty="0"/>
+              <a:t>t</a:t>
+            </a:r>
+            <a:r>
+              <a:rPr lang="en-150" dirty="0"/>
+              <a:t>s</a:t>
+            </a:r>
+          </a:p>
+          <a:p>
+            <a:pPr lvl="2"/>
+            <a:r>
+              <a:rPr lang="en-150" dirty="0"/>
+              <a:t>S</a:t>
+            </a:r>
+            <a:r>
+              <a:rPr lang="en-US" dirty="0"/>
+              <a:t>t</a:t>
+            </a:r>
+            <a:r>
+              <a:rPr lang="en-150" dirty="0"/>
+              <a:t>r</a:t>
+            </a:r>
+            <a:r>
+              <a:rPr lang="en-US" dirty="0"/>
+              <a:t>i</a:t>
+            </a:r>
+            <a:r>
+              <a:rPr lang="en-150" dirty="0"/>
+              <a:t>n</a:t>
+            </a:r>
+            <a:r>
+              <a:rPr lang="en-US" dirty="0"/>
+              <a:t>g</a:t>
+            </a:r>
+            <a:r>
+              <a:rPr lang="en-150" dirty="0"/>
+              <a:t> </a:t>
+            </a:r>
+            <a:r>
+              <a:rPr lang="en-US" dirty="0"/>
+              <a:t>v</a:t>
+            </a:r>
+            <a:r>
+              <a:rPr lang="en-150" dirty="0"/>
+              <a:t>a</a:t>
+            </a:r>
+            <a:r>
+              <a:rPr lang="en-US" dirty="0"/>
+              <a:t>l</a:t>
+            </a:r>
+            <a:r>
+              <a:rPr lang="en-150" dirty="0"/>
+              <a:t>u</a:t>
+            </a:r>
+            <a:r>
+              <a:rPr lang="en-US" dirty="0"/>
+              <a:t>e</a:t>
+            </a:r>
+            <a:r>
+              <a:rPr lang="en-150" dirty="0"/>
+              <a:t>s – </a:t>
+            </a:r>
+            <a:r>
+              <a:rPr lang="en-US" dirty="0"/>
+              <a:t>g</a:t>
+            </a:r>
+            <a:r>
+              <a:rPr lang="en-150" dirty="0"/>
+              <a:t>e</a:t>
+            </a:r>
+            <a:r>
+              <a:rPr lang="en-US" dirty="0"/>
+              <a:t>n</a:t>
+            </a:r>
+            <a:r>
+              <a:rPr lang="en-150" dirty="0"/>
+              <a:t>etic sequence (</a:t>
+            </a:r>
+            <a:r>
+              <a:rPr lang="en-US" dirty="0"/>
+              <a:t>n</a:t>
+            </a:r>
+            <a:r>
+              <a:rPr lang="en-150" dirty="0"/>
+              <a:t>u</a:t>
+            </a:r>
+            <a:r>
+              <a:rPr lang="en-US" dirty="0"/>
+              <a:t>c</a:t>
+            </a:r>
+            <a:r>
+              <a:rPr lang="en-150" dirty="0"/>
+              <a:t>l</a:t>
+            </a:r>
+            <a:r>
+              <a:rPr lang="en-US" dirty="0"/>
+              <a:t>e</a:t>
+            </a:r>
+            <a:r>
+              <a:rPr lang="en-150" dirty="0"/>
+              <a:t>o</a:t>
+            </a:r>
+            <a:r>
+              <a:rPr lang="en-US" dirty="0"/>
+              <a:t>t</a:t>
+            </a:r>
+            <a:r>
+              <a:rPr lang="en-150" dirty="0" err="1"/>
+              <a:t>i</a:t>
+            </a:r>
+            <a:r>
+              <a:rPr lang="en-US" dirty="0"/>
+              <a:t>d</a:t>
+            </a:r>
+            <a:r>
+              <a:rPr lang="en-150" dirty="0"/>
+              <a:t>s)</a:t>
+            </a:r>
+            <a:endParaRPr lang="en-US" dirty="0"/>
+          </a:p>
+        </p:txBody>
+      </p:sp>
+      <p:pic>
+        <p:nvPicPr>
+          <p:cNvPr id="5" name="Picture 4">
+            <a:extLst>
+              <a:ext uri="{FF2B5EF4-FFF2-40B4-BE49-F238E27FC236}">
+                <a16:creationId xmlns:a16="http://schemas.microsoft.com/office/drawing/2014/main" id="{95E227C0-2434-4720-945C-073242C9CFAE}"/>
+              </a:ext>
+            </a:extLst>
+          </p:cNvPr>
+          <p:cNvPicPr>
+            <a:picLocks noChangeAspect="1"/>
+          </p:cNvPicPr>
+          <p:nvPr/>
+        </p:nvPicPr>
+        <p:blipFill>
+          <a:blip r:embed="rId3">
+            <a:extLst>
+              <a:ext uri="{28A0092B-C50C-407E-A947-70E740481C1C}">
+                <a14:useLocalDpi xmlns:a14="http://schemas.microsoft.com/office/drawing/2010/main" val="0"/>
+              </a:ext>
+            </a:extLst>
+          </a:blip>
+          <a:stretch>
+            <a:fillRect/>
+          </a:stretch>
+        </p:blipFill>
+        <p:spPr>
+          <a:xfrm>
+            <a:off x="8329127" y="268411"/>
+            <a:ext cx="3624423" cy="2038738"/>
+          </a:xfrm>
+          <a:prstGeom prst="rect">
+            <a:avLst/>
+          </a:prstGeom>
+        </p:spPr>
+      </p:pic>
     </p:spTree>
     <p:extLst>
       <p:ext uri="{BB962C8B-B14F-4D97-AF65-F5344CB8AC3E}">
-        <p14:creationId xmlns:p14="http://schemas.microsoft.com/office/powerpoint/2010/main" val="2040904003"/>
+        <p14:creationId xmlns:p14="http://schemas.microsoft.com/office/powerpoint/2010/main" val="2301923177"/>
       </p:ext>
     </p:extLst>
   </p:cSld>
@@ -3583,7 +5437,7 @@
           <p:cNvPr id="2" name="Title 1">
             <a:extLst>
               <a:ext uri="{FF2B5EF4-FFF2-40B4-BE49-F238E27FC236}">
-                <a16:creationId xmlns:a16="http://schemas.microsoft.com/office/drawing/2014/main" id="{08EFFF19-1DCF-43AD-9E83-41CB3947562A}"/>
+                <a16:creationId xmlns:a16="http://schemas.microsoft.com/office/drawing/2014/main" id="{C3D9D426-6C38-4EDE-8865-2197420492D8}"/>
               </a:ext>
             </a:extLst>
           </p:cNvPr>
@@ -3601,7 +5455,23 @@
           <a:p>
             <a:r>
               <a:rPr lang="en-US" dirty="0"/>
-              <a:t>Common Preprocessing</a:t>
+              <a:t>The Challenge</a:t>
+            </a:r>
+            <a:r>
+              <a:rPr lang="en-150" dirty="0"/>
+              <a:t> (</a:t>
+            </a:r>
+            <a:r>
+              <a:rPr lang="en-US" dirty="0"/>
+              <a:t>I</a:t>
+            </a:r>
+            <a:r>
+              <a:rPr lang="en-150" dirty="0"/>
+              <a:t>I)</a:t>
+            </a:r>
+            <a:r>
+              <a:rPr lang="en-US" dirty="0"/>
+              <a:t> </a:t>
             </a:r>
           </a:p>
         </p:txBody>
@@ -3611,7 +5481,7 @@
           <p:cNvPr id="3" name="Content Placeholder 2">
             <a:extLst>
               <a:ext uri="{FF2B5EF4-FFF2-40B4-BE49-F238E27FC236}">
-                <a16:creationId xmlns:a16="http://schemas.microsoft.com/office/drawing/2014/main" id="{84311FE2-AF0B-408D-A819-D82CB413D70F}"/>
+                <a16:creationId xmlns:a16="http://schemas.microsoft.com/office/drawing/2014/main" id="{020BA059-7DB9-4A72-A259-7A3ABD51A296}"/>
               </a:ext>
             </a:extLst>
           </p:cNvPr>
@@ -3624,17 +5494,200 @@
         </p:nvSpPr>
         <p:spPr/>
         <p:txBody>
-          <a:bodyPr/>
-          <a:lstStyle/>
-          <a:p>
-            <a:endParaRPr lang="en-US" dirty="0"/>
+          <a:bodyPr>
+            <a:normAutofit/>
+          </a:bodyPr>
+          <a:lstStyle/>
+          <a:p>
+            <a:r>
+              <a:rPr lang="en-US" dirty="0"/>
+              <a:t>This contest focuses on using the </a:t>
+            </a:r>
+            <a:r>
+              <a:rPr lang="en-US" b="1" dirty="0"/>
+              <a:t>nucleotide sequence of the Reverse Transcriptase (RT) and Protease (PR)</a:t>
+            </a:r>
+            <a:r>
+              <a:rPr lang="en-US" dirty="0"/>
+              <a:t> to predict the patient's short-term progression.</a:t>
+            </a:r>
+          </a:p>
+          <a:p>
+            <a:pPr lvl="1"/>
+            <a:r>
+              <a:rPr lang="en-US" dirty="0"/>
+              <a:t>Nucleotide sequence is the blueprint </a:t>
+            </a:r>
+            <a:r>
+              <a:rPr lang="en-150" dirty="0"/>
+              <a:t>f</a:t>
+            </a:r>
+            <a:r>
+              <a:rPr lang="en-US" dirty="0"/>
+              <a:t>o</a:t>
+            </a:r>
+            <a:r>
+              <a:rPr lang="en-150" dirty="0"/>
+              <a:t>r </a:t>
+            </a:r>
+            <a:r>
+              <a:rPr lang="en-US" b="1" dirty="0"/>
+              <a:t>b</a:t>
+            </a:r>
+            <a:r>
+              <a:rPr lang="en-150" b="1" dirty="0"/>
+              <a:t>u</a:t>
+            </a:r>
+            <a:r>
+              <a:rPr lang="en-US" b="1" dirty="0"/>
+              <a:t>i</a:t>
+            </a:r>
+            <a:r>
+              <a:rPr lang="en-150" b="1" dirty="0"/>
+              <a:t>l</a:t>
+            </a:r>
+            <a:r>
+              <a:rPr lang="en-US" b="1" dirty="0"/>
+              <a:t>d</a:t>
+            </a:r>
+            <a:r>
+              <a:rPr lang="en-150" b="1" dirty="0" err="1"/>
+              <a:t>i</a:t>
+            </a:r>
+            <a:r>
+              <a:rPr lang="en-US" b="1" dirty="0"/>
+              <a:t>n</a:t>
+            </a:r>
+            <a:r>
+              <a:rPr lang="en-150" b="1" dirty="0"/>
+              <a:t>g proteins</a:t>
+            </a:r>
+            <a:endParaRPr lang="de-DE" b="1" dirty="0"/>
+          </a:p>
+          <a:p>
+            <a:pPr lvl="1"/>
+            <a:r>
+              <a:rPr lang="en-US" dirty="0"/>
+              <a:t>RT enzyme is responsible for </a:t>
+            </a:r>
+            <a:r>
+              <a:rPr lang="en-US" b="1" dirty="0"/>
+              <a:t>copying the HIV genome </a:t>
+            </a:r>
+            <a:r>
+              <a:rPr lang="en-US" dirty="0"/>
+              <a:t>within the cell</a:t>
+            </a:r>
+          </a:p>
+          <a:p>
+            <a:pPr lvl="1"/>
+            <a:r>
+              <a:rPr lang="en-US" dirty="0"/>
+              <a:t>PR protein cuts this string into the numerous </a:t>
+            </a:r>
+            <a:r>
+              <a:rPr lang="en-US" b="1" dirty="0"/>
+              <a:t>functional units </a:t>
+            </a:r>
+            <a:r>
+              <a:rPr lang="en-US" dirty="0"/>
+              <a:t>- required by the HIV life-cycle.</a:t>
+            </a:r>
+          </a:p>
+          <a:p>
+            <a:r>
+              <a:rPr lang="en-150" dirty="0"/>
+              <a:t>T</a:t>
+            </a:r>
+            <a:r>
+              <a:rPr lang="en-US" dirty="0"/>
+              <a:t>wo common </a:t>
+            </a:r>
+            <a:r>
+              <a:rPr lang="en-US" b="1" dirty="0"/>
+              <a:t>clinical indicators </a:t>
+            </a:r>
+            <a:r>
+              <a:rPr lang="en-US" dirty="0"/>
+              <a:t>used to determine the "general health“</a:t>
+            </a:r>
+          </a:p>
+          <a:p>
+            <a:pPr lvl="1"/>
+            <a:r>
+              <a:rPr lang="en-US" b="1" dirty="0"/>
+              <a:t>CD4+ </a:t>
+            </a:r>
+            <a:r>
+              <a:rPr lang="en-150" b="1" dirty="0"/>
+              <a:t>T </a:t>
+            </a:r>
+            <a:r>
+              <a:rPr lang="en-US" b="1" dirty="0"/>
+              <a:t>cell count</a:t>
+            </a:r>
+            <a:r>
+              <a:rPr lang="en-150" b="1" dirty="0"/>
+              <a:t> </a:t>
+            </a:r>
+            <a:r>
+              <a:rPr lang="en-150" dirty="0"/>
+              <a:t>- n</a:t>
+            </a:r>
+            <a:r>
+              <a:rPr lang="en-US" dirty="0"/>
+              <a:t>umber of t</a:t>
+            </a:r>
+            <a:r>
+              <a:rPr lang="en-150" dirty="0"/>
+              <a:t>h</a:t>
+            </a:r>
+            <a:r>
+              <a:rPr lang="en-US" dirty="0"/>
+              <a:t>i</a:t>
+            </a:r>
+            <a:r>
+              <a:rPr lang="en-150" dirty="0"/>
+              <a:t>s </a:t>
+            </a:r>
+            <a:r>
+              <a:rPr lang="en-US" dirty="0"/>
+              <a:t>white-blood-cells</a:t>
+            </a:r>
+          </a:p>
+          <a:p>
+            <a:pPr lvl="1"/>
+            <a:r>
+              <a:rPr lang="en-US" b="1" dirty="0"/>
+              <a:t>Viral </a:t>
+            </a:r>
+            <a:r>
+              <a:rPr lang="en-150" b="1" dirty="0"/>
+              <a:t>l</a:t>
+            </a:r>
+            <a:r>
+              <a:rPr lang="en-US" b="1" dirty="0"/>
+              <a:t>oad </a:t>
+            </a:r>
+            <a:r>
+              <a:rPr lang="en-150" b="1" dirty="0"/>
+              <a:t> </a:t>
+            </a:r>
+            <a:r>
+              <a:rPr lang="en-150" dirty="0"/>
+              <a:t>- </a:t>
+            </a:r>
+            <a:r>
+              <a:rPr lang="en-US" dirty="0"/>
+              <a:t>the number of viral particles in the blood</a:t>
+            </a:r>
           </a:p>
         </p:txBody>
       </p:sp>
     </p:spTree>
     <p:extLst>
       <p:ext uri="{BB962C8B-B14F-4D97-AF65-F5344CB8AC3E}">
-        <p14:creationId xmlns:p14="http://schemas.microsoft.com/office/powerpoint/2010/main" val="3564196095"/>
+        <p14:creationId xmlns:p14="http://schemas.microsoft.com/office/powerpoint/2010/main" val="2040904003"/>
       </p:ext>
     </p:extLst>
   </p:cSld>
@@ -3666,7 +5719,7 @@
           <p:cNvPr id="2" name="Title 1">
             <a:extLst>
               <a:ext uri="{FF2B5EF4-FFF2-40B4-BE49-F238E27FC236}">
-                <a16:creationId xmlns:a16="http://schemas.microsoft.com/office/drawing/2014/main" id="{06AD4AC1-017E-4725-809F-17F31685F073}"/>
+                <a16:creationId xmlns:a16="http://schemas.microsoft.com/office/drawing/2014/main" id="{99CBFEA3-E585-4305-8EB9-043117AA1F7C}"/>
               </a:ext>
             </a:extLst>
           </p:cNvPr>
@@ -3684,7 +5737,7 @@
           <a:p>
             <a:r>
               <a:rPr lang="en-US" dirty="0"/>
-              <a:t>Method 1</a:t>
+              <a:t>Dataset Description</a:t>
             </a:r>
           </a:p>
         </p:txBody>
@@ -3694,7 +5747,7 @@
           <p:cNvPr id="3" name="Content Placeholder 2">
             <a:extLst>
               <a:ext uri="{FF2B5EF4-FFF2-40B4-BE49-F238E27FC236}">
-                <a16:creationId xmlns:a16="http://schemas.microsoft.com/office/drawing/2014/main" id="{D88B5992-6DA9-4B8D-8597-A134EC4A0C44}"/>
+                <a16:creationId xmlns:a16="http://schemas.microsoft.com/office/drawing/2014/main" id="{4D87C7EB-1683-47AF-90FE-C2F9BFE8BFE1}"/>
               </a:ext>
             </a:extLst>
           </p:cNvPr>
@@ -3707,17 +5760,386 @@
         </p:nvSpPr>
         <p:spPr/>
         <p:txBody>
-          <a:bodyPr/>
-          <a:lstStyle/>
-          <a:p>
-            <a:endParaRPr lang="en-US"/>
+          <a:bodyPr>
+            <a:normAutofit lnSpcReduction="10000"/>
+          </a:bodyPr>
+          <a:lstStyle/>
+          <a:p>
+            <a:pPr marL="0" indent="0" fontAlgn="base">
+              <a:buNone/>
+            </a:pPr>
+            <a:r>
+              <a:rPr lang="en-US" dirty="0"/>
+              <a:t>These sequences are from patients who had only recently contracted HIV-1 and had not been treated before. The Dataset is organized</a:t>
+            </a:r>
+            <a:r>
+              <a:rPr lang="en-150" dirty="0"/>
+              <a:t> </a:t>
+            </a:r>
+            <a:r>
+              <a:rPr lang="en-US" dirty="0"/>
+              <a:t>as follows:</a:t>
+            </a:r>
+          </a:p>
+          <a:p>
+            <a:pPr marL="502920" indent="-457200" fontAlgn="base">
+              <a:buFont typeface="+mj-lt"/>
+              <a:buAutoNum type="arabicPeriod"/>
+            </a:pPr>
+            <a:r>
+              <a:rPr lang="en-150" b="1" dirty="0"/>
+              <a:t>P</a:t>
+            </a:r>
+            <a:r>
+              <a:rPr lang="en-US" b="1" dirty="0"/>
+              <a:t>atient ID</a:t>
+            </a:r>
+            <a:r>
+              <a:rPr lang="en-150" b="1" dirty="0"/>
+              <a:t> </a:t>
+            </a:r>
+            <a:r>
+              <a:rPr lang="en-150" dirty="0"/>
+              <a:t>– </a:t>
+            </a:r>
+            <a:r>
+              <a:rPr lang="en-US" dirty="0"/>
+              <a:t>n</a:t>
+            </a:r>
+            <a:r>
+              <a:rPr lang="en-150" dirty="0"/>
+              <a:t>u</a:t>
+            </a:r>
+            <a:r>
+              <a:rPr lang="en-US" dirty="0"/>
+              <a:t>m</a:t>
+            </a:r>
+            <a:r>
+              <a:rPr lang="en-150" dirty="0"/>
+              <a:t>e</a:t>
+            </a:r>
+            <a:r>
+              <a:rPr lang="en-US" dirty="0"/>
+              <a:t>r</a:t>
+            </a:r>
+            <a:r>
+              <a:rPr lang="en-150" dirty="0" err="1"/>
+              <a:t>i</a:t>
+            </a:r>
+            <a:r>
+              <a:rPr lang="en-US" dirty="0"/>
+              <a:t>c</a:t>
+            </a:r>
+            <a:r>
+              <a:rPr lang="en-150" dirty="0"/>
+              <a:t> </a:t>
+            </a:r>
+            <a:r>
+              <a:rPr lang="en-US" dirty="0"/>
+              <a:t>v</a:t>
+            </a:r>
+            <a:r>
+              <a:rPr lang="en-150" dirty="0"/>
+              <a:t>a</a:t>
+            </a:r>
+            <a:r>
+              <a:rPr lang="en-US" dirty="0"/>
+              <a:t>l</a:t>
+            </a:r>
+            <a:r>
+              <a:rPr lang="en-150" dirty="0"/>
+              <a:t>u</a:t>
+            </a:r>
+            <a:r>
+              <a:rPr lang="en-US" dirty="0"/>
+              <a:t>e</a:t>
+            </a:r>
+          </a:p>
+          <a:p>
+            <a:pPr marL="502920" indent="-457200" fontAlgn="base">
+              <a:buFont typeface="+mj-lt"/>
+              <a:buAutoNum type="arabicPeriod"/>
+            </a:pPr>
+            <a:r>
+              <a:rPr lang="en-150" b="1" dirty="0"/>
+              <a:t>R</a:t>
+            </a:r>
+            <a:r>
+              <a:rPr lang="en-US" b="1" dirty="0"/>
+              <a:t>esponder status </a:t>
+            </a:r>
+            <a:r>
+              <a:rPr lang="en-150" dirty="0"/>
+              <a:t>– </a:t>
+            </a:r>
+            <a:r>
+              <a:rPr lang="en-US" dirty="0"/>
+              <a:t>"1" for patients who improved and "0" otherwise</a:t>
+            </a:r>
+          </a:p>
+          <a:p>
+            <a:pPr marL="502920" indent="-457200" fontAlgn="base">
+              <a:buFont typeface="+mj-lt"/>
+              <a:buAutoNum type="arabicPeriod"/>
+            </a:pPr>
+            <a:r>
+              <a:rPr lang="en-US" b="1" dirty="0"/>
+              <a:t>Protease nucleotide sequence</a:t>
+            </a:r>
+            <a:r>
+              <a:rPr lang="en-150" dirty="0"/>
+              <a:t>: </a:t>
+            </a:r>
+            <a:endParaRPr lang="de-DE" dirty="0"/>
+          </a:p>
+          <a:p>
+            <a:pPr lvl="2" fontAlgn="base"/>
+            <a:r>
+              <a:rPr lang="en-US" dirty="0"/>
+              <a:t>s</a:t>
+            </a:r>
+            <a:r>
+              <a:rPr lang="en-150" dirty="0"/>
+              <a:t>t</a:t>
+            </a:r>
+            <a:r>
+              <a:rPr lang="en-US" dirty="0"/>
+              <a:t>r</a:t>
+            </a:r>
+            <a:r>
+              <a:rPr lang="en-150" dirty="0" err="1"/>
+              <a:t>i</a:t>
+            </a:r>
+            <a:r>
+              <a:rPr lang="en-US" dirty="0"/>
+              <a:t>n</a:t>
+            </a:r>
+            <a:r>
+              <a:rPr lang="en-150" dirty="0"/>
+              <a:t>g </a:t>
+            </a:r>
+            <a:r>
+              <a:rPr lang="en-US" dirty="0"/>
+              <a:t>o</a:t>
+            </a:r>
+            <a:r>
+              <a:rPr lang="en-150" dirty="0"/>
+              <a:t>f “</a:t>
+            </a:r>
+            <a:r>
+              <a:rPr lang="en-US" dirty="0"/>
+              <a:t>ABCDGHKMNRSTVWY</a:t>
+            </a:r>
+            <a:r>
+              <a:rPr lang="en-150" dirty="0"/>
+              <a:t>” </a:t>
+            </a:r>
+            <a:r>
+              <a:rPr lang="en-US" dirty="0"/>
+              <a:t>v</a:t>
+            </a:r>
+            <a:r>
+              <a:rPr lang="en-150" dirty="0"/>
+              <a:t>a</a:t>
+            </a:r>
+            <a:r>
+              <a:rPr lang="en-US" dirty="0"/>
+              <a:t>l</a:t>
+            </a:r>
+            <a:r>
+              <a:rPr lang="en-150" dirty="0"/>
+              <a:t>u</a:t>
+            </a:r>
+            <a:r>
+              <a:rPr lang="en-US" dirty="0"/>
+              <a:t>e</a:t>
+            </a:r>
+            <a:r>
+              <a:rPr lang="en-150" dirty="0"/>
+              <a:t>s (216-297)</a:t>
+            </a:r>
+          </a:p>
+          <a:p>
+            <a:pPr marL="502920" indent="-457200" fontAlgn="base">
+              <a:buFont typeface="+mj-lt"/>
+              <a:buAutoNum type="arabicPeriod"/>
+            </a:pPr>
+            <a:r>
+              <a:rPr lang="en-US" b="1" dirty="0"/>
+              <a:t>Reverse Transc</a:t>
+            </a:r>
+            <a:r>
+              <a:rPr lang="en-150" b="1" dirty="0"/>
+              <a:t>r</a:t>
+            </a:r>
+            <a:r>
+              <a:rPr lang="en-US" b="1" dirty="0"/>
+              <a:t>iptase nucleotide sequence</a:t>
+            </a:r>
+            <a:r>
+              <a:rPr lang="en-150" dirty="0"/>
+              <a:t>:</a:t>
+            </a:r>
+            <a:r>
+              <a:rPr lang="en-US" dirty="0"/>
+              <a:t> </a:t>
+            </a:r>
+          </a:p>
+          <a:p>
+            <a:pPr lvl="2" fontAlgn="base"/>
+            <a:r>
+              <a:rPr lang="en-US" dirty="0"/>
+              <a:t>s</a:t>
+            </a:r>
+            <a:r>
+              <a:rPr lang="en-150" dirty="0"/>
+              <a:t>t</a:t>
+            </a:r>
+            <a:r>
+              <a:rPr lang="en-US" dirty="0"/>
+              <a:t>r</a:t>
+            </a:r>
+            <a:r>
+              <a:rPr lang="en-150" dirty="0" err="1"/>
+              <a:t>i</a:t>
+            </a:r>
+            <a:r>
+              <a:rPr lang="en-US" dirty="0"/>
+              <a:t>n</a:t>
+            </a:r>
+            <a:r>
+              <a:rPr lang="en-150" dirty="0"/>
+              <a:t>g </a:t>
+            </a:r>
+            <a:r>
+              <a:rPr lang="en-US" dirty="0"/>
+              <a:t>o</a:t>
+            </a:r>
+            <a:r>
+              <a:rPr lang="en-150" dirty="0"/>
+              <a:t>f “</a:t>
+            </a:r>
+            <a:r>
+              <a:rPr lang="en-US" dirty="0"/>
+              <a:t>ABCDGHKMNRSTVWY</a:t>
+            </a:r>
+            <a:r>
+              <a:rPr lang="en-150" dirty="0"/>
+              <a:t>” </a:t>
+            </a:r>
+            <a:r>
+              <a:rPr lang="en-US" dirty="0"/>
+              <a:t>v</a:t>
+            </a:r>
+            <a:r>
+              <a:rPr lang="en-150" dirty="0"/>
+              <a:t>a</a:t>
+            </a:r>
+            <a:r>
+              <a:rPr lang="en-US" dirty="0"/>
+              <a:t>l</a:t>
+            </a:r>
+            <a:r>
+              <a:rPr lang="en-150" dirty="0"/>
+              <a:t>u</a:t>
+            </a:r>
+            <a:r>
+              <a:rPr lang="en-US" dirty="0"/>
+              <a:t>e</a:t>
+            </a:r>
+            <a:r>
+              <a:rPr lang="en-150" dirty="0"/>
+              <a:t>s (579-1482)</a:t>
+            </a:r>
+            <a:endParaRPr lang="en-US" dirty="0"/>
+          </a:p>
+          <a:p>
+            <a:pPr marL="502920" indent="-457200" fontAlgn="base">
+              <a:buFont typeface="+mj-lt"/>
+              <a:buAutoNum type="arabicPeriod"/>
+            </a:pPr>
+            <a:r>
+              <a:rPr lang="en-US" b="1" dirty="0"/>
+              <a:t>Viral load </a:t>
+            </a:r>
+            <a:r>
+              <a:rPr lang="en-150" dirty="0"/>
+              <a:t>– </a:t>
+            </a:r>
+            <a:r>
+              <a:rPr lang="en-US" dirty="0"/>
+              <a:t>at the beginning of therapy</a:t>
+            </a:r>
+            <a:r>
+              <a:rPr lang="en-150" dirty="0"/>
+              <a:t> </a:t>
+            </a:r>
+            <a:r>
+              <a:rPr lang="en-US" dirty="0"/>
+              <a:t>(log-10 units)</a:t>
+            </a:r>
+            <a:endParaRPr lang="en-150" dirty="0"/>
+          </a:p>
+          <a:p>
+            <a:pPr marL="502920" indent="-457200" fontAlgn="base">
+              <a:buFont typeface="+mj-lt"/>
+              <a:buAutoNum type="arabicPeriod"/>
+            </a:pPr>
+            <a:r>
+              <a:rPr lang="en-US" b="1" dirty="0"/>
+              <a:t>CD4</a:t>
+            </a:r>
+            <a:r>
+              <a:rPr lang="en-150" b="1" dirty="0"/>
+              <a:t>+ </a:t>
+            </a:r>
+            <a:r>
+              <a:rPr lang="en-US" b="1" dirty="0"/>
+              <a:t>T</a:t>
+            </a:r>
+            <a:r>
+              <a:rPr lang="en-150" b="1" dirty="0"/>
+              <a:t> </a:t>
+            </a:r>
+            <a:r>
+              <a:rPr lang="en-US" b="1" dirty="0"/>
+              <a:t>c</a:t>
+            </a:r>
+            <a:r>
+              <a:rPr lang="en-150" b="1" dirty="0"/>
+              <a:t>e</a:t>
+            </a:r>
+            <a:r>
+              <a:rPr lang="en-US" b="1" dirty="0"/>
+              <a:t>l</a:t>
+            </a:r>
+            <a:r>
+              <a:rPr lang="en-150" b="1" dirty="0"/>
+              <a:t>l</a:t>
+            </a:r>
+            <a:r>
+              <a:rPr lang="en-US" b="1" dirty="0"/>
+              <a:t> count</a:t>
+            </a:r>
+            <a:r>
+              <a:rPr lang="en-150" b="1" dirty="0"/>
+              <a:t> </a:t>
+            </a:r>
+            <a:r>
+              <a:rPr lang="en-150" dirty="0"/>
+              <a:t>–</a:t>
+            </a:r>
+            <a:r>
+              <a:rPr lang="en-US" dirty="0"/>
+              <a:t> at the beginning of therapy</a:t>
+            </a:r>
           </a:p>
         </p:txBody>
       </p:sp>
     </p:spTree>
     <p:extLst>
       <p:ext uri="{BB962C8B-B14F-4D97-AF65-F5344CB8AC3E}">
-        <p14:creationId xmlns:p14="http://schemas.microsoft.com/office/powerpoint/2010/main" val="2342131783"/>
+        <p14:creationId xmlns:p14="http://schemas.microsoft.com/office/powerpoint/2010/main" val="960333177"/>
       </p:ext>
     </p:extLst>
   </p:cSld>
@@ -3744,63 +6166,42 @@
           <a:chExt cx="0" cy="0"/>
         </a:xfrm>
       </p:grpSpPr>
-      <p:sp>
-        <p:nvSpPr>
-          <p:cNvPr id="2" name="Title 1">
+      <p:pic>
+        <p:nvPicPr>
+          <p:cNvPr id="4" name="Content Placeholder 3">
             <a:extLst>
               <a:ext uri="{FF2B5EF4-FFF2-40B4-BE49-F238E27FC236}">
-                <a16:creationId xmlns:a16="http://schemas.microsoft.com/office/drawing/2014/main" id="{FB4CD6DC-A00E-4398-8029-395F4C7AF53D}"/>
+                <a16:creationId xmlns:a16="http://schemas.microsoft.com/office/drawing/2014/main" id="{796ADA41-3C45-4D71-B408-17EC8E6ECADE}"/>
               </a:ext>
             </a:extLst>
           </p:cNvPr>
-          <p:cNvSpPr>
-            <a:spLocks noGrp="1"/>
-          </p:cNvSpPr>
-          <p:nvPr>
-            <p:ph type="title"/>
-          </p:nvPr>
-        </p:nvSpPr>
-        <p:spPr/>
-        <p:txBody>
-          <a:bodyPr/>
-          <a:lstStyle/>
-          <a:p>
-            <a:r>
-              <a:rPr lang="en-US" dirty="0"/>
-              <a:t>Method 2</a:t>
-            </a:r>
-          </a:p>
-        </p:txBody>
-      </p:sp>
-      <p:sp>
-        <p:nvSpPr>
-          <p:cNvPr id="3" name="Content Placeholder 2">
-            <a:extLst>
-              <a:ext uri="{FF2B5EF4-FFF2-40B4-BE49-F238E27FC236}">
-                <a16:creationId xmlns:a16="http://schemas.microsoft.com/office/drawing/2014/main" id="{C26A4D4B-3627-4FD9-B3F0-7A6A1EA41D88}"/>
-              </a:ext>
-            </a:extLst>
-          </p:cNvPr>
-          <p:cNvSpPr>
-            <a:spLocks noGrp="1"/>
-          </p:cNvSpPr>
+          <p:cNvPicPr>
+            <a:picLocks noGrp="1" noChangeAspect="1"/>
+          </p:cNvPicPr>
           <p:nvPr>
             <p:ph idx="1"/>
           </p:nvPr>
-        </p:nvSpPr>
-        <p:spPr/>
-        <p:txBody>
-          <a:bodyPr/>
-          <a:lstStyle/>
-          <a:p>
-            <a:endParaRPr lang="en-US"/>
-          </a:p>
-        </p:txBody>
-      </p:sp>
+        </p:nvPicPr>
+        <p:blipFill>
+          <a:blip r:embed="rId3"/>
+          <a:stretch>
+            <a:fillRect/>
+          </a:stretch>
+        </p:blipFill>
+        <p:spPr>
+          <a:xfrm>
+            <a:off x="1600524" y="365259"/>
+            <a:ext cx="8990952" cy="6127483"/>
+          </a:xfrm>
+          <a:prstGeom prst="rect">
+            <a:avLst/>
+          </a:prstGeom>
+        </p:spPr>
+      </p:pic>
     </p:spTree>
     <p:extLst>
       <p:ext uri="{BB962C8B-B14F-4D97-AF65-F5344CB8AC3E}">
-        <p14:creationId xmlns:p14="http://schemas.microsoft.com/office/powerpoint/2010/main" val="2672486303"/>
+        <p14:creationId xmlns:p14="http://schemas.microsoft.com/office/powerpoint/2010/main" val="2015631221"/>
       </p:ext>
     </p:extLst>
   </p:cSld>
@@ -3832,7 +6233,7 @@
           <p:cNvPr id="2" name="Title 1">
             <a:extLst>
               <a:ext uri="{FF2B5EF4-FFF2-40B4-BE49-F238E27FC236}">
-                <a16:creationId xmlns:a16="http://schemas.microsoft.com/office/drawing/2014/main" id="{1857B63B-EF03-49E3-86DD-015CC3CAB9BD}"/>
+                <a16:creationId xmlns:a16="http://schemas.microsoft.com/office/drawing/2014/main" id="{08EFFF19-1DCF-43AD-9E83-41CB3947562A}"/>
               </a:ext>
             </a:extLst>
           </p:cNvPr>
@@ -3850,7 +6251,7 @@
           <a:p>
             <a:r>
               <a:rPr lang="en-US" dirty="0"/>
-              <a:t>Learning</a:t>
+              <a:t>Data Preprocessing</a:t>
             </a:r>
           </a:p>
         </p:txBody>
@@ -3860,7 +6261,7 @@
           <p:cNvPr id="3" name="Content Placeholder 2">
             <a:extLst>
               <a:ext uri="{FF2B5EF4-FFF2-40B4-BE49-F238E27FC236}">
-                <a16:creationId xmlns:a16="http://schemas.microsoft.com/office/drawing/2014/main" id="{677B73F2-AF05-44E3-9661-5D3E40E81355}"/>
+                <a16:creationId xmlns:a16="http://schemas.microsoft.com/office/drawing/2014/main" id="{84311FE2-AF0B-408D-A819-D82CB413D70F}"/>
               </a:ext>
             </a:extLst>
           </p:cNvPr>
@@ -3876,14 +6277,89 @@
           <a:bodyPr/>
           <a:lstStyle/>
           <a:p>
-            <a:endParaRPr lang="en-US"/>
+            <a:pPr marL="45720" indent="0">
+              <a:buNone/>
+            </a:pPr>
+            <a:r>
+              <a:rPr lang="en-US" dirty="0"/>
+              <a:t>The key of this challenge is to </a:t>
+            </a:r>
+            <a:r>
+              <a:rPr lang="en-US" b="1" dirty="0"/>
+              <a:t>identify the mutations in the sequences </a:t>
+            </a:r>
+            <a:r>
+              <a:rPr lang="en-US" dirty="0"/>
+              <a:t>that are related to the prognostics of the patient</a:t>
+            </a:r>
+          </a:p>
+          <a:p>
+            <a:pPr marL="45720" indent="0">
+              <a:buNone/>
+            </a:pPr>
+            <a:endParaRPr lang="en-US" b="1" dirty="0"/>
+          </a:p>
+          <a:p>
+            <a:r>
+              <a:rPr lang="en-US" b="1" dirty="0"/>
+              <a:t>Strategy</a:t>
+            </a:r>
+            <a:r>
+              <a:rPr lang="en-US" dirty="0"/>
+              <a:t>:</a:t>
+            </a:r>
+          </a:p>
+          <a:p>
+            <a:pPr lvl="1"/>
+            <a:r>
+              <a:rPr lang="en-US" dirty="0"/>
+              <a:t>Work together in the data analysis</a:t>
+            </a:r>
+          </a:p>
+          <a:p>
+            <a:pPr lvl="1"/>
+            <a:r>
+              <a:rPr lang="en-US" dirty="0"/>
+              <a:t>Try different algorithms working independently</a:t>
+            </a:r>
+          </a:p>
+          <a:p>
+            <a:r>
+              <a:rPr lang="en-US" b="1" dirty="0"/>
+              <a:t>Data issues: </a:t>
+            </a:r>
+            <a:r>
+              <a:rPr lang="en-US" i="1" dirty="0"/>
+              <a:t>How to handle the sequences?</a:t>
+            </a:r>
+          </a:p>
+          <a:p>
+            <a:pPr lvl="1"/>
+            <a:r>
+              <a:rPr lang="en-US" dirty="0"/>
+              <a:t>Convert strings to numbers</a:t>
+            </a:r>
+          </a:p>
+          <a:p>
+            <a:pPr lvl="1"/>
+            <a:r>
+              <a:rPr lang="en-US" dirty="0"/>
+              <a:t>Aggrupation – nucleotides combine in groups of 3</a:t>
+            </a:r>
+          </a:p>
+          <a:p>
+            <a:pPr lvl="1"/>
+            <a:r>
+              <a:rPr lang="en-US" dirty="0"/>
+              <a:t>Common patters and sequence alignments</a:t>
+            </a:r>
           </a:p>
         </p:txBody>
       </p:sp>
     </p:spTree>
     <p:extLst>
       <p:ext uri="{BB962C8B-B14F-4D97-AF65-F5344CB8AC3E}">
-        <p14:creationId xmlns:p14="http://schemas.microsoft.com/office/powerpoint/2010/main" val="1560717873"/>
+        <p14:creationId xmlns:p14="http://schemas.microsoft.com/office/powerpoint/2010/main" val="3564196095"/>
       </p:ext>
     </p:extLst>
   </p:cSld>
@@ -3910,10 +6386,88 @@
           <a:chExt cx="0" cy="0"/>
         </a:xfrm>
       </p:grpSpPr>
+      <p:sp>
+        <p:nvSpPr>
+          <p:cNvPr id="2" name="Title 1">
+            <a:extLst>
+              <a:ext uri="{FF2B5EF4-FFF2-40B4-BE49-F238E27FC236}">
+                <a16:creationId xmlns:a16="http://schemas.microsoft.com/office/drawing/2014/main" id="{06AD4AC1-017E-4725-809F-17F31685F073}"/>
+              </a:ext>
+            </a:extLst>
+          </p:cNvPr>
+          <p:cNvSpPr>
+            <a:spLocks noGrp="1"/>
+          </p:cNvSpPr>
+          <p:nvPr>
+            <p:ph type="title"/>
+          </p:nvPr>
+        </p:nvSpPr>
+        <p:spPr/>
+        <p:txBody>
+          <a:bodyPr/>
+          <a:lstStyle/>
+          <a:p>
+            <a:r>
+              <a:rPr lang="en-US" dirty="0"/>
+              <a:t>Method 1 – Decision Trees</a:t>
+            </a:r>
+          </a:p>
+        </p:txBody>
+      </p:sp>
+      <p:sp>
+        <p:nvSpPr>
+          <p:cNvPr id="4" name="Content Placeholder 3">
+            <a:extLst>
+              <a:ext uri="{FF2B5EF4-FFF2-40B4-BE49-F238E27FC236}">
+                <a16:creationId xmlns:a16="http://schemas.microsoft.com/office/drawing/2014/main" id="{2FCF1BFA-FE18-4541-9126-C6C0C788BE77}"/>
+              </a:ext>
+            </a:extLst>
+          </p:cNvPr>
+          <p:cNvSpPr>
+            <a:spLocks noGrp="1"/>
+          </p:cNvSpPr>
+          <p:nvPr>
+            <p:ph sz="half" idx="1"/>
+          </p:nvPr>
+        </p:nvSpPr>
+        <p:spPr/>
+        <p:txBody>
+          <a:bodyPr/>
+          <a:lstStyle/>
+          <a:p>
+            <a:endParaRPr lang="en-US"/>
+          </a:p>
+        </p:txBody>
+      </p:sp>
+      <p:sp>
+        <p:nvSpPr>
+          <p:cNvPr id="5" name="Content Placeholder 4">
+            <a:extLst>
+              <a:ext uri="{FF2B5EF4-FFF2-40B4-BE49-F238E27FC236}">
+                <a16:creationId xmlns:a16="http://schemas.microsoft.com/office/drawing/2014/main" id="{F49DAD2B-4ADC-47BA-9ED4-218B5A8E2B92}"/>
+              </a:ext>
+            </a:extLst>
+          </p:cNvPr>
+          <p:cNvSpPr>
+            <a:spLocks noGrp="1"/>
+          </p:cNvSpPr>
+          <p:nvPr>
+            <p:ph sz="half" idx="2"/>
+          </p:nvPr>
+        </p:nvSpPr>
+        <p:spPr/>
+        <p:txBody>
+          <a:bodyPr/>
+          <a:lstStyle/>
+          <a:p>
+            <a:endParaRPr lang="en-US"/>
+          </a:p>
+        </p:txBody>
+      </p:sp>
     </p:spTree>
     <p:extLst>
       <p:ext uri="{BB962C8B-B14F-4D97-AF65-F5344CB8AC3E}">
-        <p14:creationId xmlns:p14="http://schemas.microsoft.com/office/powerpoint/2010/main" val="3765573997"/>
+        <p14:creationId xmlns:p14="http://schemas.microsoft.com/office/powerpoint/2010/main" val="2342131783"/>
       </p:ext>
     </p:extLst>
   </p:cSld>
@@ -3945,7 +6499,7 @@
           <p:cNvPr id="2" name="Title 1">
             <a:extLst>
               <a:ext uri="{FF2B5EF4-FFF2-40B4-BE49-F238E27FC236}">
-                <a16:creationId xmlns:a16="http://schemas.microsoft.com/office/drawing/2014/main" id="{BAFEF5C8-00CB-4AB5-8B37-71AED74B1A2B}"/>
+                <a16:creationId xmlns:a16="http://schemas.microsoft.com/office/drawing/2014/main" id="{FB4CD6DC-A00E-4398-8029-395F4C7AF53D}"/>
               </a:ext>
             </a:extLst>
           </p:cNvPr>
@@ -3963,7 +6517,7 @@
           <a:p>
             <a:r>
               <a:rPr lang="en-US" dirty="0"/>
-              <a:t>Background</a:t>
+              <a:t>Method 2</a:t>
             </a:r>
           </a:p>
         </p:txBody>
@@ -3973,7 +6527,7 @@
           <p:cNvPr id="3" name="Content Placeholder 2">
             <a:extLst>
               <a:ext uri="{FF2B5EF4-FFF2-40B4-BE49-F238E27FC236}">
-                <a16:creationId xmlns:a16="http://schemas.microsoft.com/office/drawing/2014/main" id="{E754ED51-BDEA-44FB-8949-CFBE130D2B0B}"/>
+                <a16:creationId xmlns:a16="http://schemas.microsoft.com/office/drawing/2014/main" id="{C26A4D4B-3627-4FD9-B3F0-7A6A1EA41D88}"/>
               </a:ext>
             </a:extLst>
           </p:cNvPr>
@@ -3986,42 +6540,17 @@
         </p:nvSpPr>
         <p:spPr/>
         <p:txBody>
-          <a:bodyPr>
-            <a:normAutofit fontScale="77500" lnSpcReduction="20000"/>
-          </a:bodyPr>
-          <a:lstStyle/>
-          <a:p>
-            <a:pPr fontAlgn="base"/>
-            <a:r>
-              <a:rPr lang="en-US" dirty="0"/>
-              <a:t>This contest focuses on using the nucleotide sequence of the Reverse Transcriptase (RT) and Protease (PR) to predict the patient's short-term progression. For the non-Biologist: the nucleotide sequence is the blueprint of the protein, which is the workhorse of the cell.  The RT enzyme is responsible for copying the HIV-1 genome within the cell. As the HIV-1 genome is translated it is in one long string of amino acids; the PR protein cuts this string into the numerous functional units - required by the HIV life-cycle. These are the proteins that are targeted by most HIV-1 drugs since they are mostly unique to the HIV-1 life-cycle.  </a:t>
-            </a:r>
-            <a:br>
-              <a:rPr lang="en-US" dirty="0"/>
-            </a:br>
-            <a:endParaRPr lang="en-US" dirty="0"/>
-          </a:p>
-          <a:p>
-            <a:pPr fontAlgn="base"/>
-            <a:r>
-              <a:rPr lang="en-US" dirty="0"/>
-              <a:t>Along with the HIV-1 viral sequences I have provided the two common clinical indicators used to determine the "general health" of an HIV-1 infected individual: Viral Load and CD4+ cell counts.  The CD4+ cell count is an estimate of the number of white-blood-cells in 1 mL of blood while the viral load is the number of viral particles in that same </a:t>
-            </a:r>
-            <a:r>
-              <a:rPr lang="en-US" dirty="0" err="1"/>
-              <a:t>mL.</a:t>
-            </a:r>
-            <a:r>
-              <a:rPr lang="en-US" dirty="0"/>
-              <a:t>  In this dataset the viral load is represented in a log-10 scale.  The higher the number the more "active" the immune system. Paradoxically higher CD4 counts imply both a healthier individual but also a higher amount of viral reproduction (the virus primarily replicates in CD4 cells).</a:t>
-            </a:r>
+          <a:bodyPr/>
+          <a:lstStyle/>
+          <a:p>
+            <a:endParaRPr lang="en-US" dirty="0"/>
           </a:p>
         </p:txBody>
       </p:sp>
     </p:spTree>
     <p:extLst>
       <p:ext uri="{BB962C8B-B14F-4D97-AF65-F5344CB8AC3E}">
-        <p14:creationId xmlns:p14="http://schemas.microsoft.com/office/powerpoint/2010/main" val="2510242828"/>
+        <p14:creationId xmlns:p14="http://schemas.microsoft.com/office/powerpoint/2010/main" val="2672486303"/>
       </p:ext>
     </p:extLst>
   </p:cSld>
@@ -4053,7 +6582,7 @@
           <p:cNvPr id="2" name="Title 1">
             <a:extLst>
               <a:ext uri="{FF2B5EF4-FFF2-40B4-BE49-F238E27FC236}">
-                <a16:creationId xmlns:a16="http://schemas.microsoft.com/office/drawing/2014/main" id="{99CBFEA3-E585-4305-8EB9-043117AA1F7C}"/>
+                <a16:creationId xmlns:a16="http://schemas.microsoft.com/office/drawing/2014/main" id="{FB4CD6DC-A00E-4398-8029-395F4C7AF53D}"/>
               </a:ext>
             </a:extLst>
           </p:cNvPr>
@@ -4071,8 +6600,37 @@
           <a:p>
             <a:r>
               <a:rPr lang="en-US" dirty="0"/>
-              <a:t>Dataset Description</a:t>
-            </a:r>
+              <a:t>Method </a:t>
+            </a:r>
+            <a:r>
+              <a:rPr lang="en-150" dirty="0"/>
+              <a:t>3 – </a:t>
+            </a:r>
+            <a:r>
+              <a:rPr lang="en-US" dirty="0"/>
+              <a:t>N</a:t>
+            </a:r>
+            <a:r>
+              <a:rPr lang="en-150" dirty="0"/>
+              <a:t>e</a:t>
+            </a:r>
+            <a:r>
+              <a:rPr lang="en-US" dirty="0"/>
+              <a:t>u</a:t>
+            </a:r>
+            <a:r>
+              <a:rPr lang="en-150" dirty="0"/>
+              <a:t>r</a:t>
+            </a:r>
+            <a:r>
+              <a:rPr lang="en-US" dirty="0"/>
+              <a:t>a</a:t>
+            </a:r>
+            <a:r>
+              <a:rPr lang="en-150" dirty="0"/>
+              <a:t>l networks</a:t>
+            </a:r>
+            <a:endParaRPr lang="en-US" dirty="0"/>
           </a:p>
         </p:txBody>
       </p:sp>
@@ -4081,7 +6639,7 @@
           <p:cNvPr id="3" name="Content Placeholder 2">
             <a:extLst>
               <a:ext uri="{FF2B5EF4-FFF2-40B4-BE49-F238E27FC236}">
-                <a16:creationId xmlns:a16="http://schemas.microsoft.com/office/drawing/2014/main" id="{4D87C7EB-1683-47AF-90FE-C2F9BFE8BFE1}"/>
+                <a16:creationId xmlns:a16="http://schemas.microsoft.com/office/drawing/2014/main" id="{C26A4D4B-3627-4FD9-B3F0-7A6A1EA41D88}"/>
               </a:ext>
             </a:extLst>
           </p:cNvPr>
@@ -4089,101 +6647,111 @@
             <a:spLocks noGrp="1"/>
           </p:cNvSpPr>
           <p:nvPr>
-            <p:ph idx="1"/>
-          </p:nvPr>
-        </p:nvSpPr>
-        <p:spPr/>
-        <p:txBody>
-          <a:bodyPr>
-            <a:normAutofit fontScale="85000" lnSpcReduction="20000"/>
-          </a:bodyPr>
-          <a:lstStyle/>
-          <a:p>
-            <a:pPr marL="0" indent="0" fontAlgn="base">
-              <a:buNone/>
-            </a:pPr>
-            <a:r>
-              <a:rPr lang="en-US" dirty="0"/>
-              <a:t>These sequences are from patients who had only recently contracted HIV-1 and had not been treated before. The Dataset is organized as follows:</a:t>
-            </a:r>
-          </a:p>
-          <a:p>
-            <a:pPr marL="0" indent="0" fontAlgn="base">
-              <a:buNone/>
-            </a:pPr>
-            <a:endParaRPr lang="en-US" dirty="0"/>
-          </a:p>
-          <a:p>
-            <a:pPr fontAlgn="base"/>
-            <a:r>
-              <a:rPr lang="en-US" dirty="0"/>
-              <a:t>Col-1: patient ID</a:t>
-            </a:r>
-          </a:p>
-          <a:p>
-            <a:pPr fontAlgn="base"/>
-            <a:r>
-              <a:rPr lang="en-US" dirty="0"/>
-              <a:t>Col-2: responder status ("1" for patients who improved and "0" otherwise)</a:t>
-            </a:r>
-          </a:p>
-          <a:p>
-            <a:pPr fontAlgn="base"/>
-            <a:r>
-              <a:rPr lang="en-US" dirty="0"/>
-              <a:t>Col-3: Protease nucleotide sequence (if available)</a:t>
-            </a:r>
-          </a:p>
-          <a:p>
-            <a:pPr fontAlgn="base"/>
-            <a:r>
-              <a:rPr lang="en-US" dirty="0"/>
-              <a:t>Col-4: Reverse </a:t>
-            </a:r>
-            <a:r>
-              <a:rPr lang="en-US" dirty="0" err="1"/>
-              <a:t>Transciptase</a:t>
-            </a:r>
-            <a:r>
-              <a:rPr lang="en-US" dirty="0"/>
-              <a:t> nucleotide sequence (if available)</a:t>
-            </a:r>
-          </a:p>
-          <a:p>
-            <a:pPr fontAlgn="base"/>
-            <a:r>
-              <a:rPr lang="en-US" dirty="0"/>
-              <a:t>Col-5: viral load at the beginning of therapy (log-10 units)</a:t>
-            </a:r>
-          </a:p>
-          <a:p>
-            <a:pPr fontAlgn="base"/>
-            <a:r>
-              <a:rPr lang="en-US" dirty="0"/>
-              <a:t>Col-6: CD4 count at the beginning of therapy</a:t>
-            </a:r>
-          </a:p>
-          <a:p>
-            <a:pPr marL="0" indent="0" fontAlgn="base">
-              <a:buNone/>
-            </a:pPr>
-            <a:endParaRPr lang="en-US" dirty="0"/>
-          </a:p>
-          <a:p>
-            <a:pPr marL="0" indent="0" fontAlgn="base">
-              <a:buNone/>
-            </a:pPr>
-            <a:r>
-              <a:rPr lang="en-US" dirty="0"/>
-              <a:t>The Responder status indicates whether the patient improved after 16 weeks of therapy.  Improvement is defined as a 100-fold decrease in the HIV-1 viral load.</a:t>
-            </a:r>
-          </a:p>
-        </p:txBody>
-      </p:sp>
+            <p:ph sz="half" idx="1"/>
+          </p:nvPr>
+        </p:nvSpPr>
+        <p:spPr/>
+        <p:txBody>
+          <a:bodyPr/>
+          <a:lstStyle/>
+          <a:p>
+            <a:r>
+              <a:rPr lang="en-US" dirty="0"/>
+              <a:t>Data input:</a:t>
+            </a:r>
+          </a:p>
+          <a:p>
+            <a:pPr lvl="1"/>
+            <a:r>
+              <a:rPr lang="en-US" dirty="0"/>
+              <a:t>Each sequence separately, both sequences, all inputs</a:t>
+            </a:r>
+          </a:p>
+          <a:p>
+            <a:r>
+              <a:rPr lang="en-US" dirty="0"/>
+              <a:t>Networks:</a:t>
+            </a:r>
+          </a:p>
+          <a:p>
+            <a:pPr lvl="1"/>
+            <a:r>
+              <a:rPr lang="en-US" dirty="0"/>
+              <a:t>Dense layers</a:t>
+            </a:r>
+          </a:p>
+          <a:p>
+            <a:pPr lvl="1"/>
+            <a:r>
+              <a:rPr lang="en-US" dirty="0"/>
+              <a:t>Recurrent NN (LSTM) + dense layers</a:t>
+            </a:r>
+          </a:p>
+          <a:p>
+            <a:r>
+              <a:rPr lang="en-US" dirty="0"/>
+              <a:t>Techniques:</a:t>
+            </a:r>
+          </a:p>
+          <a:p>
+            <a:pPr lvl="1"/>
+            <a:r>
+              <a:rPr lang="en-US" dirty="0"/>
+              <a:t>Dropout – focus on important data</a:t>
+            </a:r>
+          </a:p>
+          <a:p>
+            <a:pPr lvl="1"/>
+            <a:r>
+              <a:rPr lang="en-US" dirty="0"/>
+              <a:t>Class weights – imbalanced dataset</a:t>
+            </a:r>
+          </a:p>
+          <a:p>
+            <a:pPr lvl="1"/>
+            <a:endParaRPr lang="en-US" dirty="0"/>
+          </a:p>
+        </p:txBody>
+      </p:sp>
+      <p:pic>
+        <p:nvPicPr>
+          <p:cNvPr id="6" name="Content Placeholder 5">
+            <a:extLst>
+              <a:ext uri="{FF2B5EF4-FFF2-40B4-BE49-F238E27FC236}">
+                <a16:creationId xmlns:a16="http://schemas.microsoft.com/office/drawing/2014/main" id="{F421447A-342F-41EC-B074-EB5A78A6AD78}"/>
+              </a:ext>
+            </a:extLst>
+          </p:cNvPr>
+          <p:cNvPicPr>
+            <a:picLocks noGrp="1" noChangeAspect="1"/>
+          </p:cNvPicPr>
+          <p:nvPr>
+            <p:ph sz="half" idx="2"/>
+          </p:nvPr>
+        </p:nvPicPr>
+        <p:blipFill>
+          <a:blip r:embed="rId3">
+            <a:extLst>
+              <a:ext uri="{28A0092B-C50C-407E-A947-70E740481C1C}">
+                <a14:useLocalDpi xmlns:a14="http://schemas.microsoft.com/office/drawing/2010/main" val="0"/>
+              </a:ext>
+            </a:extLst>
+          </a:blip>
+          <a:stretch>
+            <a:fillRect/>
+          </a:stretch>
+        </p:blipFill>
+        <p:spPr>
+          <a:xfrm>
+            <a:off x="6267450" y="2276669"/>
+            <a:ext cx="5588312" cy="3118867"/>
+          </a:xfrm>
+        </p:spPr>
+      </p:pic>
     </p:spTree>
     <p:extLst>
       <p:ext uri="{BB962C8B-B14F-4D97-AF65-F5344CB8AC3E}">
-        <p14:creationId xmlns:p14="http://schemas.microsoft.com/office/powerpoint/2010/main" val="960333177"/>
+        <p14:creationId xmlns:p14="http://schemas.microsoft.com/office/powerpoint/2010/main" val="3553233618"/>
       </p:ext>
     </p:extLst>
   </p:cSld>
@@ -4194,6 +6762,243 @@
 </file>
 
 <file path=ppt/theme/theme1.xml><?xml version="1.0" encoding="utf-8"?>
+<a:theme xmlns:a="http://schemas.openxmlformats.org/drawingml/2006/main" name="Basis">
+  <a:themeElements>
+    <a:clrScheme name="Basis">
+      <a:dk1>
+        <a:srgbClr val="000000"/>
+      </a:dk1>
+      <a:lt1>
+        <a:srgbClr val="FFFFFF"/>
+      </a:lt1>
+      <a:dk2>
+        <a:srgbClr val="565349"/>
+      </a:dk2>
+      <a:lt2>
+        <a:srgbClr val="DDDDDD"/>
+      </a:lt2>
+      <a:accent1>
+        <a:srgbClr val="A6B727"/>
+      </a:accent1>
+      <a:accent2>
+        <a:srgbClr val="DF5327"/>
+      </a:accent2>
+      <a:accent3>
+        <a:srgbClr val="FE9E00"/>
+      </a:accent3>
+      <a:accent4>
+        <a:srgbClr val="418AB3"/>
+      </a:accent4>
+      <a:accent5>
+        <a:srgbClr val="D7D447"/>
+      </a:accent5>
+      <a:accent6>
+        <a:srgbClr val="818183"/>
+      </a:accent6>
+      <a:hlink>
+        <a:srgbClr val="F59E00"/>
+      </a:hlink>
+      <a:folHlink>
+        <a:srgbClr val="B2B2B2"/>
+      </a:folHlink>
+    </a:clrScheme>
+    <a:fontScheme name="Basis">
+      <a:majorFont>
+        <a:latin typeface="Corbel" panose="020B0503020204020204"/>
+        <a:ea typeface=""/>
+        <a:cs typeface=""/>
+        <a:font script="Jpan" typeface="ＭＳ ゴシック"/>
+        <a:font script="Hang" typeface="맑은 고딕"/>
+        <a:font script="Hans" typeface="宋体"/>
+        <a:font script="Hant" typeface="新細明體"/>
+        <a:font script="Arab" typeface="Tahoma"/>
+        <a:font script="Hebr" typeface="Gisha"/>
+        <a:font script="Thai" typeface="DilleniaUPC"/>
+        <a:font script="Ethi" typeface="Nyala"/>
+        <a:font script="Beng" typeface="Vrinda"/>
+        <a:font script="Gujr" typeface="Shruti"/>
+        <a:font script="Khmr" typeface="DaunPenh"/>
+        <a:font script="Knda" typeface="Tunga"/>
+        <a:font script="Guru" typeface="Raavi"/>
+        <a:font script="Cans" typeface="Euphemia"/>
+        <a:font script="Cher" typeface="Plantagenet Cherokee"/>
+        <a:font script="Yiii" typeface="Microsoft Yi Baiti"/>
+        <a:font script="Tibt" typeface="Microsoft Himalaya"/>
+        <a:font script="Thaa" typeface="MV Boli"/>
+        <a:font script="Deva" typeface="Mangal"/>
+        <a:font script="Telu" typeface="Gautami"/>
+        <a:font script="Taml" typeface="Latha"/>
+        <a:font script="Syrc" typeface="Estrangelo Edessa"/>
+        <a:font script="Orya" typeface="Kalinga"/>
+        <a:font script="Mlym" typeface="Kartika"/>
+        <a:font script="Laoo" typeface="DokChampa"/>
+        <a:font script="Sinh" typeface="Iskoola Pota"/>
+        <a:font script="Mong" typeface="Mongolian Baiti"/>
+        <a:font script="Viet" typeface="Tahoma"/>
+        <a:font script="Uigh" typeface="Microsoft Uighur"/>
+        <a:font script="Geor" typeface="Sylfaen"/>
+      </a:majorFont>
+      <a:minorFont>
+        <a:latin typeface="Corbel" panose="020B0503020204020204"/>
+        <a:ea typeface=""/>
+        <a:cs typeface=""/>
+        <a:font script="Jpan" typeface="ＭＳ ゴシック"/>
+        <a:font script="Hang" typeface="맑은 고딕"/>
+        <a:font script="Hans" typeface="宋体"/>
+        <a:font script="Hant" typeface="新細明體"/>
+        <a:font script="Arab" typeface="Tahoma"/>
+        <a:font script="Hebr" typeface="Gisha"/>
+        <a:font script="Thai" typeface="DilleniaUPC"/>
+        <a:font script="Ethi" typeface="Nyala"/>
+        <a:font script="Beng" typeface="Vrinda"/>
+        <a:font script="Gujr" typeface="Shruti"/>
+        <a:font script="Khmr" typeface="DaunPenh"/>
+        <a:font script="Knda" typeface="Tunga"/>
+        <a:font script="Guru" typeface="Raavi"/>
+        <a:font script="Cans" typeface="Euphemia"/>
+        <a:font script="Cher" typeface="Plantagenet Cherokee"/>
+        <a:font script="Yiii" typeface="Microsoft Yi Baiti"/>
+        <a:font script="Tibt" typeface="Microsoft Himalaya"/>
+        <a:font script="Thaa" typeface="MV Boli"/>
+        <a:font script="Deva" typeface="Mangal"/>
+        <a:font script="Telu" typeface="Gautami"/>
+        <a:font script="Taml" typeface="Latha"/>
+        <a:font script="Syrc" typeface="Estrangelo Edessa"/>
+        <a:font script="Orya" typeface="Kalinga"/>
+        <a:font script="Mlym" typeface="Kartika"/>
+        <a:font script="Laoo" typeface="DokChampa"/>
+        <a:font script="Sinh" typeface="Iskoola Pota"/>
+        <a:font script="Mong" typeface="Mongolian Baiti"/>
+        <a:font script="Viet" typeface="Verdana"/>
+        <a:font script="Uigh" typeface="Microsoft Uighur"/>
+        <a:font script="Geor" typeface="Sylfaen"/>
+      </a:minorFont>
+    </a:fontScheme>
+    <a:fmtScheme name="Basis">
+      <a:fillStyleLst>
+        <a:solidFill>
+          <a:schemeClr val="phClr"/>
+        </a:solidFill>
+        <a:solidFill>
+          <a:schemeClr val="phClr">
+            <a:tint val="55000"/>
+            <a:satMod val="130000"/>
+          </a:schemeClr>
+        </a:solidFill>
+        <a:gradFill rotWithShape="1">
+          <a:gsLst>
+            <a:gs pos="0">
+              <a:schemeClr val="phClr"/>
+            </a:gs>
+            <a:gs pos="90000">
+              <a:schemeClr val="phClr">
+                <a:shade val="100000"/>
+                <a:satMod val="105000"/>
+              </a:schemeClr>
+            </a:gs>
+            <a:gs pos="100000">
+              <a:schemeClr val="phClr">
+                <a:shade val="80000"/>
+                <a:satMod val="120000"/>
+              </a:schemeClr>
+            </a:gs>
+          </a:gsLst>
+          <a:path path="circle">
+            <a:fillToRect l="100000" t="100000" r="100000" b="100000"/>
+          </a:path>
+        </a:gradFill>
+      </a:fillStyleLst>
+      <a:lnStyleLst>
+        <a:ln w="10000" cap="flat" cmpd="sng" algn="ctr">
+          <a:solidFill>
+            <a:schemeClr val="phClr"/>
+          </a:solidFill>
+          <a:prstDash val="solid"/>
+        </a:ln>
+        <a:ln w="19050" cap="flat" cmpd="sng" algn="ctr">
+          <a:solidFill>
+            <a:schemeClr val="phClr"/>
+          </a:solidFill>
+          <a:prstDash val="solid"/>
+        </a:ln>
+        <a:ln w="53975" cap="flat" cmpd="dbl" algn="ctr">
+          <a:solidFill>
+            <a:schemeClr val="phClr"/>
+          </a:solidFill>
+          <a:prstDash val="solid"/>
+        </a:ln>
+      </a:lnStyleLst>
+      <a:effectStyleLst>
+        <a:effectStyle>
+          <a:effectLst/>
+        </a:effectStyle>
+        <a:effectStyle>
+          <a:effectLst>
+            <a:outerShdw blurRad="38100" dist="25400" dir="5400000" rotWithShape="0">
+              <a:srgbClr val="000000">
+                <a:alpha val="45000"/>
+              </a:srgbClr>
+            </a:outerShdw>
+          </a:effectLst>
+        </a:effectStyle>
+        <a:effectStyle>
+          <a:effectLst>
+            <a:outerShdw blurRad="38100" dist="25400" dir="5400000" rotWithShape="0">
+              <a:srgbClr val="000000">
+                <a:alpha val="45000"/>
+              </a:srgbClr>
+            </a:outerShdw>
+          </a:effectLst>
+          <a:scene3d>
+            <a:camera prst="orthographicFront">
+              <a:rot lat="0" lon="0" rev="0"/>
+            </a:camera>
+            <a:lightRig rig="brightRoom" dir="t"/>
+          </a:scene3d>
+          <a:sp3d extrusionH="12700" contourW="25400" prstMaterial="flat">
+            <a:bevelT w="63500" h="152400" prst="angle"/>
+            <a:contourClr>
+              <a:schemeClr val="phClr">
+                <a:shade val="27000"/>
+                <a:satMod val="120000"/>
+              </a:schemeClr>
+            </a:contourClr>
+          </a:sp3d>
+        </a:effectStyle>
+      </a:effectStyleLst>
+      <a:bgFillStyleLst>
+        <a:solidFill>
+          <a:schemeClr val="phClr"/>
+        </a:solidFill>
+        <a:solidFill>
+          <a:schemeClr val="phClr">
+            <a:tint val="95000"/>
+            <a:shade val="95000"/>
+            <a:satMod val="140000"/>
+          </a:schemeClr>
+        </a:solidFill>
+        <a:solidFill>
+          <a:schemeClr val="phClr">
+            <a:tint val="90000"/>
+            <a:shade val="85000"/>
+            <a:satMod val="160000"/>
+            <a:lumMod val="110000"/>
+          </a:schemeClr>
+        </a:solidFill>
+      </a:bgFillStyleLst>
+    </a:fmtScheme>
+  </a:themeElements>
+  <a:objectDefaults/>
+  <a:extraClrSchemeLst/>
+  <a:extLst>
+    <a:ext uri="{05A4C25C-085E-4340-85A3-A5531E510DB2}">
+      <thm15:themeFamily xmlns:thm15="http://schemas.microsoft.com/office/thememl/2012/main" name="Basis" id="{5665723A-49BA-4B57-8411-A56F8F207965}" vid="{ACC63D00-1EE0-4159-BF5A-6FF02000B710}"/>
+    </a:ext>
+  </a:extLst>
+</a:theme>
+</file>
+
+<file path=ppt/theme/theme2.xml><?xml version="1.0" encoding="utf-8"?>
 <a:theme xmlns:a="http://schemas.openxmlformats.org/drawingml/2006/main" name="Office Theme">
   <a:themeElements>
     <a:clrScheme name="Office">

--- a/hivprogression/peer-seminar.pptx
+++ b/hivprogression/peer-seminar.pptx
@@ -6414,56 +6414,233 @@
           </a:p>
         </p:txBody>
       </p:sp>
-      <p:sp>
-        <p:nvSpPr>
-          <p:cNvPr id="4" name="Content Placeholder 3">
+      <p:pic>
+        <p:nvPicPr>
+          <p:cNvPr id="6" name="Content Placeholder 5">
             <a:extLst>
               <a:ext uri="{FF2B5EF4-FFF2-40B4-BE49-F238E27FC236}">
-                <a16:creationId xmlns:a16="http://schemas.microsoft.com/office/drawing/2014/main" id="{2FCF1BFA-FE18-4541-9126-C6C0C788BE77}"/>
+                <a16:creationId xmlns:a16="http://schemas.microsoft.com/office/drawing/2014/main" id="{A6FCE498-128F-42EA-8C30-CE645F54F4D2}"/>
               </a:ext>
             </a:extLst>
           </p:cNvPr>
-          <p:cNvSpPr>
-            <a:spLocks noGrp="1"/>
-          </p:cNvSpPr>
+          <p:cNvPicPr>
+            <a:picLocks noGrp="1" noChangeAspect="1"/>
+          </p:cNvPicPr>
           <p:nvPr>
             <p:ph sz="half" idx="1"/>
           </p:nvPr>
-        </p:nvSpPr>
-        <p:spPr/>
-        <p:txBody>
-          <a:bodyPr/>
-          <a:lstStyle/>
-          <a:p>
-            <a:endParaRPr lang="en-US"/>
-          </a:p>
-        </p:txBody>
-      </p:sp>
-      <p:sp>
-        <p:nvSpPr>
-          <p:cNvPr id="5" name="Content Placeholder 4">
+        </p:nvPicPr>
+        <p:blipFill rotWithShape="1">
+          <a:blip r:embed="rId3"/>
+          <a:srcRect b="30495"/>
+          <a:stretch/>
+        </p:blipFill>
+        <p:spPr>
+          <a:xfrm>
+            <a:off x="6194843" y="1965960"/>
+            <a:ext cx="4686954" cy="2456502"/>
+          </a:xfrm>
+          <a:prstGeom prst="rect">
+            <a:avLst/>
+          </a:prstGeom>
+        </p:spPr>
+      </p:pic>
+      <p:pic>
+        <p:nvPicPr>
+          <p:cNvPr id="3" name="Content Placeholder 2">
             <a:extLst>
               <a:ext uri="{FF2B5EF4-FFF2-40B4-BE49-F238E27FC236}">
-                <a16:creationId xmlns:a16="http://schemas.microsoft.com/office/drawing/2014/main" id="{F49DAD2B-4ADC-47BA-9ED4-218B5A8E2B92}"/>
+                <a16:creationId xmlns:a16="http://schemas.microsoft.com/office/drawing/2014/main" id="{5318C8D8-AE0D-49AD-B44B-8052ADB87595}"/>
               </a:ext>
             </a:extLst>
           </p:cNvPr>
-          <p:cNvSpPr>
-            <a:spLocks noGrp="1"/>
-          </p:cNvSpPr>
+          <p:cNvPicPr>
+            <a:picLocks noGrp="1" noChangeAspect="1"/>
+          </p:cNvPicPr>
           <p:nvPr>
             <p:ph sz="half" idx="2"/>
           </p:nvPr>
-        </p:nvSpPr>
-        <p:spPr/>
-        <p:txBody>
-          <a:bodyPr/>
-          <a:lstStyle/>
-          <a:p>
-            <a:endParaRPr lang="en-US"/>
-          </a:p>
-        </p:txBody>
-      </p:sp>
+        </p:nvPicPr>
+        <p:blipFill rotWithShape="1">
+          <a:blip r:embed="rId4"/>
+          <a:srcRect l="4564"/>
+          <a:stretch/>
+        </p:blipFill>
+        <p:spPr>
+          <a:xfrm>
+            <a:off x="1143000" y="4674770"/>
+            <a:ext cx="9738797" cy="1573630"/>
+          </a:xfrm>
+          <a:prstGeom prst="rect">
+            <a:avLst/>
+          </a:prstGeom>
+        </p:spPr>
+      </p:pic>
+      <p:sp>
+        <p:nvSpPr>
+          <p:cNvPr id="7" name="TextBox 6">
+            <a:extLst>
+              <a:ext uri="{FF2B5EF4-FFF2-40B4-BE49-F238E27FC236}">
+                <a16:creationId xmlns:a16="http://schemas.microsoft.com/office/drawing/2014/main" id="{13E98F50-B41E-42B2-A36D-0AF897FF7368}"/>
+              </a:ext>
+            </a:extLst>
+          </p:cNvPr>
+          <p:cNvSpPr txBox="1"/>
+          <p:nvPr/>
+        </p:nvSpPr>
+        <p:spPr>
+          <a:xfrm>
+            <a:off x="1173480" y="1965960"/>
+            <a:ext cx="4686954" cy="2031325"/>
+          </a:xfrm>
+          <a:prstGeom prst="rect">
+            <a:avLst/>
+          </a:prstGeom>
+          <a:noFill/>
+        </p:spPr>
+        <p:txBody>
+          <a:bodyPr wrap="square" rtlCol="0">
+            <a:spAutoFit/>
+          </a:bodyPr>
+          <a:lstStyle/>
+          <a:p>
+            <a:r>
+              <a:rPr lang="en-US" dirty="0"/>
+              <a:t>Accuracy of best model:</a:t>
+            </a:r>
+          </a:p>
+          <a:p>
+            <a:pPr marL="285750" indent="-285750">
+              <a:buFont typeface="Arial" panose="020B0604020202020204" pitchFamily="34" charset="0"/>
+              <a:buChar char="•"/>
+            </a:pPr>
+            <a:r>
+              <a:rPr lang="en-US" dirty="0"/>
+              <a:t>Train: 85%</a:t>
+            </a:r>
+          </a:p>
+          <a:p>
+            <a:pPr marL="285750" indent="-285750">
+              <a:buFont typeface="Arial" panose="020B0604020202020204" pitchFamily="34" charset="0"/>
+              <a:buChar char="•"/>
+            </a:pPr>
+            <a:r>
+              <a:rPr lang="en-US" dirty="0"/>
+              <a:t>Test: 57%</a:t>
+            </a:r>
+          </a:p>
+          <a:p>
+            <a:pPr marL="285750" indent="-285750">
+              <a:buFont typeface="Arial" panose="020B0604020202020204" pitchFamily="34" charset="0"/>
+              <a:buChar char="•"/>
+            </a:pPr>
+            <a:endParaRPr lang="en-US" dirty="0"/>
+          </a:p>
+          <a:p>
+            <a:r>
+              <a:rPr lang="en-US" dirty="0"/>
+              <a:t>Most important features </a:t>
+            </a:r>
+            <a:endParaRPr lang="en-US" dirty="0">
+              <a:sym typeface="Wingdings" panose="05000000000000000000" pitchFamily="2" charset="2"/>
+            </a:endParaRPr>
+          </a:p>
+          <a:p>
+            <a:endParaRPr lang="en-US" dirty="0">
+              <a:sym typeface="Wingdings" panose="05000000000000000000" pitchFamily="2" charset="2"/>
+            </a:endParaRPr>
+          </a:p>
+          <a:p>
+            <a:r>
+              <a:rPr lang="en-US" dirty="0">
+                <a:sym typeface="Wingdings" panose="05000000000000000000" pitchFamily="2" charset="2"/>
+              </a:rPr>
+              <a:t>Data structure used</a:t>
+            </a:r>
+            <a:endParaRPr lang="en-US" dirty="0"/>
+          </a:p>
+        </p:txBody>
+      </p:sp>
+      <p:cxnSp>
+        <p:nvCxnSpPr>
+          <p:cNvPr id="9" name="Straight Arrow Connector 8">
+            <a:extLst>
+              <a:ext uri="{FF2B5EF4-FFF2-40B4-BE49-F238E27FC236}">
+                <a16:creationId xmlns:a16="http://schemas.microsoft.com/office/drawing/2014/main" id="{F6CF1187-2780-442E-9AD3-5BD274EEFEB9}"/>
+              </a:ext>
+            </a:extLst>
+          </p:cNvPr>
+          <p:cNvCxnSpPr>
+            <a:cxnSpLocks/>
+          </p:cNvCxnSpPr>
+          <p:nvPr/>
+        </p:nvCxnSpPr>
+        <p:spPr>
+          <a:xfrm>
+            <a:off x="2170757" y="3997285"/>
+            <a:ext cx="0" cy="458218"/>
+          </a:xfrm>
+          <a:prstGeom prst="straightConnector1">
+            <a:avLst/>
+          </a:prstGeom>
+          <a:ln>
+            <a:tailEnd type="triangle"/>
+          </a:ln>
+        </p:spPr>
+        <p:style>
+          <a:lnRef idx="1">
+            <a:schemeClr val="dk1"/>
+          </a:lnRef>
+          <a:fillRef idx="0">
+            <a:schemeClr val="dk1"/>
+          </a:fillRef>
+          <a:effectRef idx="0">
+            <a:schemeClr val="dk1"/>
+          </a:effectRef>
+          <a:fontRef idx="minor">
+            <a:schemeClr val="tx1"/>
+          </a:fontRef>
+        </p:style>
+      </p:cxnSp>
+      <p:cxnSp>
+        <p:nvCxnSpPr>
+          <p:cNvPr id="11" name="Straight Arrow Connector 10">
+            <a:extLst>
+              <a:ext uri="{FF2B5EF4-FFF2-40B4-BE49-F238E27FC236}">
+                <a16:creationId xmlns:a16="http://schemas.microsoft.com/office/drawing/2014/main" id="{24C19E1D-9EAA-495D-9014-6DDE4CB3AEF8}"/>
+              </a:ext>
+            </a:extLst>
+          </p:cNvPr>
+          <p:cNvCxnSpPr/>
+          <p:nvPr/>
+        </p:nvCxnSpPr>
+        <p:spPr>
+          <a:xfrm>
+            <a:off x="3877733" y="3270411"/>
+            <a:ext cx="1583267" cy="0"/>
+          </a:xfrm>
+          <a:prstGeom prst="straightConnector1">
+            <a:avLst/>
+          </a:prstGeom>
+          <a:ln>
+            <a:tailEnd type="triangle"/>
+          </a:ln>
+        </p:spPr>
+        <p:style>
+          <a:lnRef idx="1">
+            <a:schemeClr val="dk1"/>
+          </a:lnRef>
+          <a:fillRef idx="0">
+            <a:schemeClr val="dk1"/>
+          </a:fillRef>
+          <a:effectRef idx="0">
+            <a:schemeClr val="dk1"/>
+          </a:effectRef>
+          <a:fontRef idx="minor">
+            <a:schemeClr val="tx1"/>
+          </a:fontRef>
+        </p:style>
+      </p:cxnSp>
     </p:spTree>
     <p:extLst>
       <p:ext uri="{BB962C8B-B14F-4D97-AF65-F5344CB8AC3E}">

--- a/hivprogression/peer-seminar.pptx
+++ b/hivprogression/peer-seminar.pptx
@@ -4970,6 +4970,36 @@
           </a:p>
         </p:txBody>
       </p:sp>
+      <p:pic>
+        <p:nvPicPr>
+          <p:cNvPr id="4" name="Picture 3">
+            <a:extLst>
+              <a:ext uri="{FF2B5EF4-FFF2-40B4-BE49-F238E27FC236}">
+                <a16:creationId xmlns:a16="http://schemas.microsoft.com/office/drawing/2014/main" id="{B825E5F4-1DAF-46DF-9DA6-FBE20B620E4B}"/>
+              </a:ext>
+            </a:extLst>
+          </p:cNvPr>
+          <p:cNvPicPr>
+            <a:picLocks noChangeAspect="1"/>
+          </p:cNvPicPr>
+          <p:nvPr/>
+        </p:nvPicPr>
+        <p:blipFill>
+          <a:blip r:embed="rId3"/>
+          <a:stretch>
+            <a:fillRect/>
+          </a:stretch>
+        </p:blipFill>
+        <p:spPr>
+          <a:xfrm>
+            <a:off x="1143000" y="4569940"/>
+            <a:ext cx="10240211" cy="1107050"/>
+          </a:xfrm>
+          <a:prstGeom prst="rect">
+            <a:avLst/>
+          </a:prstGeom>
+        </p:spPr>
+      </p:pic>
     </p:spTree>
     <p:extLst>
       <p:ext uri="{BB962C8B-B14F-4D97-AF65-F5344CB8AC3E}">

--- a/hivprogression/peer-seminar.pptx
+++ b/hivprogression/peer-seminar.pptx
@@ -5,7 +5,7 @@
     <p:sldMasterId id="2147483720" r:id="rId1"/>
   </p:sldMasterIdLst>
   <p:notesMasterIdLst>
-    <p:notesMasterId r:id="rId13"/>
+    <p:notesMasterId r:id="rId15"/>
   </p:notesMasterIdLst>
   <p:sldIdLst>
     <p:sldId id="256" r:id="rId2"/>
@@ -18,7 +18,9 @@
     <p:sldId id="263" r:id="rId9"/>
     <p:sldId id="267" r:id="rId10"/>
     <p:sldId id="268" r:id="rId11"/>
-    <p:sldId id="265" r:id="rId12"/>
+    <p:sldId id="271" r:id="rId12"/>
+    <p:sldId id="270" r:id="rId13"/>
+    <p:sldId id="265" r:id="rId14"/>
   </p:sldIdLst>
   <p:sldSz cx="12192000" cy="6858000"/>
   <p:notesSz cx="6858000" cy="9144000"/>
@@ -707,7 +709,7 @@
           <a:p>
             <a:fld id="{9B90837C-2A10-4AC8-889C-F94049739914}" type="slidenum">
               <a:rPr lang="en-US" smtClean="0"/>
-              <a:t>11</a:t>
+              <a:t>13</a:t>
             </a:fld>
             <a:endParaRPr lang="en-US" dirty="0"/>
           </a:p>
@@ -4791,7 +4793,11 @@
             </a:r>
             <a:r>
               <a:rPr lang="en-150" dirty="0"/>
-              <a:t>4 - </a:t>
+              <a:t>4</a:t>
+            </a:r>
+            <a:r>
+              <a:rPr lang="de-DE" dirty="0"/>
+              <a:t> – </a:t>
             </a:r>
             <a:r>
               <a:rPr lang="en-US" dirty="0"/>
@@ -4868,6 +4874,392 @@
 </file>
 
 <file path=ppt/slides/slide11.xml><?xml version="1.0" encoding="utf-8"?>
+<p:sld xmlns:a="http://schemas.openxmlformats.org/drawingml/2006/main" xmlns:r="http://schemas.openxmlformats.org/officeDocument/2006/relationships" xmlns:p="http://schemas.openxmlformats.org/presentationml/2006/main">
+  <p:cSld>
+    <p:spTree>
+      <p:nvGrpSpPr>
+        <p:cNvPr id="1" name=""/>
+        <p:cNvGrpSpPr/>
+        <p:nvPr/>
+      </p:nvGrpSpPr>
+      <p:grpSpPr>
+        <a:xfrm>
+          <a:off x="0" y="0"/>
+          <a:ext cx="0" cy="0"/>
+          <a:chOff x="0" y="0"/>
+          <a:chExt cx="0" cy="0"/>
+        </a:xfrm>
+      </p:grpSpPr>
+      <p:sp>
+        <p:nvSpPr>
+          <p:cNvPr id="2" name="Title 1">
+            <a:extLst>
+              <a:ext uri="{FF2B5EF4-FFF2-40B4-BE49-F238E27FC236}">
+                <a16:creationId xmlns:a16="http://schemas.microsoft.com/office/drawing/2014/main" id="{D269AE4E-0AEC-4FA0-A431-8E786CE3E6CC}"/>
+              </a:ext>
+            </a:extLst>
+          </p:cNvPr>
+          <p:cNvSpPr>
+            <a:spLocks noGrp="1"/>
+          </p:cNvSpPr>
+          <p:nvPr>
+            <p:ph type="title"/>
+          </p:nvPr>
+        </p:nvSpPr>
+        <p:spPr/>
+        <p:txBody>
+          <a:bodyPr/>
+          <a:lstStyle/>
+          <a:p>
+            <a:r>
+              <a:rPr lang="en-US" dirty="0"/>
+              <a:t>Method 4 – Transformers II</a:t>
+            </a:r>
+          </a:p>
+        </p:txBody>
+      </p:sp>
+      <p:sp>
+        <p:nvSpPr>
+          <p:cNvPr id="3" name="Content Placeholder 2">
+            <a:extLst>
+              <a:ext uri="{FF2B5EF4-FFF2-40B4-BE49-F238E27FC236}">
+                <a16:creationId xmlns:a16="http://schemas.microsoft.com/office/drawing/2014/main" id="{CBE73BFA-9B89-4915-9601-2DA348D89735}"/>
+              </a:ext>
+            </a:extLst>
+          </p:cNvPr>
+          <p:cNvSpPr>
+            <a:spLocks noGrp="1"/>
+          </p:cNvSpPr>
+          <p:nvPr>
+            <p:ph idx="1"/>
+          </p:nvPr>
+        </p:nvSpPr>
+        <p:spPr/>
+        <p:txBody>
+          <a:bodyPr/>
+          <a:lstStyle/>
+          <a:p>
+            <a:endParaRPr lang="en-US"/>
+          </a:p>
+        </p:txBody>
+      </p:sp>
+    </p:spTree>
+    <p:extLst>
+      <p:ext uri="{BB962C8B-B14F-4D97-AF65-F5344CB8AC3E}">
+        <p14:creationId xmlns:p14="http://schemas.microsoft.com/office/powerpoint/2010/main" val="1239939738"/>
+      </p:ext>
+    </p:extLst>
+  </p:cSld>
+  <p:clrMapOvr>
+    <a:masterClrMapping/>
+  </p:clrMapOvr>
+</p:sld>
+</file>
+
+<file path=ppt/slides/slide12.xml><?xml version="1.0" encoding="utf-8"?>
+<p:sld xmlns:a="http://schemas.openxmlformats.org/drawingml/2006/main" xmlns:r="http://schemas.openxmlformats.org/officeDocument/2006/relationships" xmlns:p="http://schemas.openxmlformats.org/presentationml/2006/main">
+  <p:cSld>
+    <p:spTree>
+      <p:nvGrpSpPr>
+        <p:cNvPr id="1" name=""/>
+        <p:cNvGrpSpPr/>
+        <p:nvPr/>
+      </p:nvGrpSpPr>
+      <p:grpSpPr>
+        <a:xfrm>
+          <a:off x="0" y="0"/>
+          <a:ext cx="0" cy="0"/>
+          <a:chOff x="0" y="0"/>
+          <a:chExt cx="0" cy="0"/>
+        </a:xfrm>
+      </p:grpSpPr>
+      <p:sp>
+        <p:nvSpPr>
+          <p:cNvPr id="2" name="Title 1">
+            <a:extLst>
+              <a:ext uri="{FF2B5EF4-FFF2-40B4-BE49-F238E27FC236}">
+                <a16:creationId xmlns:a16="http://schemas.microsoft.com/office/drawing/2014/main" id="{8E303251-1B37-4CCC-97F9-8B00A6A29EA0}"/>
+              </a:ext>
+            </a:extLst>
+          </p:cNvPr>
+          <p:cNvSpPr>
+            <a:spLocks noGrp="1"/>
+          </p:cNvSpPr>
+          <p:nvPr>
+            <p:ph type="title"/>
+          </p:nvPr>
+        </p:nvSpPr>
+        <p:spPr/>
+        <p:txBody>
+          <a:bodyPr/>
+          <a:lstStyle/>
+          <a:p>
+            <a:r>
+              <a:rPr lang="en-US" dirty="0"/>
+              <a:t>Results &amp; Metrics</a:t>
+            </a:r>
+          </a:p>
+        </p:txBody>
+      </p:sp>
+      <p:graphicFrame>
+        <p:nvGraphicFramePr>
+          <p:cNvPr id="4" name="07 Plain - Ocean">
+            <a:extLst>
+              <a:ext uri="{FF2B5EF4-FFF2-40B4-BE49-F238E27FC236}">
+                <a16:creationId xmlns:a16="http://schemas.microsoft.com/office/drawing/2014/main" id="{30009468-47C1-4539-926E-ED8B64CE1F1D}"/>
+              </a:ext>
+            </a:extLst>
+          </p:cNvPr>
+          <p:cNvGraphicFramePr>
+            <a:graphicFrameLocks noGrp="1"/>
+          </p:cNvGraphicFramePr>
+          <p:nvPr>
+            <p:ph idx="1"/>
+            <p:custDataLst>
+              <p:tags r:id="rId1"/>
+            </p:custDataLst>
+            <p:extLst>
+              <p:ext uri="{D42A27DB-BD31-4B8C-83A1-F6EECF244321}">
+                <p14:modId xmlns:p14="http://schemas.microsoft.com/office/powerpoint/2010/main" val="2057882429"/>
+              </p:ext>
+            </p:extLst>
+          </p:nvPr>
+        </p:nvGraphicFramePr>
+        <p:xfrm>
+          <a:off x="1143000" y="2057400"/>
+          <a:ext cx="9779000" cy="2194560"/>
+        </p:xfrm>
+        <a:graphic>
+          <a:graphicData uri="http://schemas.openxmlformats.org/drawingml/2006/table">
+            <a:tbl>
+              <a:tblPr firstRow="1">
+                <a:tableStyleId>{93296810-A885-4BE3-A3E7-6D5BEEA58F35}</a:tableStyleId>
+              </a:tblPr>
+              <a:tblGrid>
+                <a:gridCol w="4996854">
+                  <a:extLst>
+                    <a:ext uri="{9D8B030D-6E8A-4147-A177-3AD203B41FA5}">
+                      <a16:colId xmlns:a16="http://schemas.microsoft.com/office/drawing/2014/main" val="3856644792"/>
+                    </a:ext>
+                  </a:extLst>
+                </a:gridCol>
+                <a:gridCol w="4782146">
+                  <a:extLst>
+                    <a:ext uri="{9D8B030D-6E8A-4147-A177-3AD203B41FA5}">
+                      <a16:colId xmlns:a16="http://schemas.microsoft.com/office/drawing/2014/main" val="744820826"/>
+                    </a:ext>
+                  </a:extLst>
+                </a:gridCol>
+              </a:tblGrid>
+              <a:tr h="339090">
+                <a:tc>
+                  <a:txBody>
+                    <a:bodyPr/>
+                    <a:lstStyle/>
+                    <a:p>
+                      <a:r>
+                        <a:rPr lang="en-US" dirty="0"/>
+                        <a:t>Method</a:t>
+                      </a:r>
+                    </a:p>
+                  </a:txBody>
+                  <a:tcPr/>
+                </a:tc>
+                <a:tc>
+                  <a:txBody>
+                    <a:bodyPr/>
+                    <a:lstStyle/>
+                    <a:p>
+                      <a:r>
+                        <a:rPr lang="en-US" dirty="0"/>
+                        <a:t>Test Accuracy</a:t>
+                      </a:r>
+                    </a:p>
+                  </a:txBody>
+                  <a:tcPr/>
+                </a:tc>
+                <a:extLst>
+                  <a:ext uri="{0D108BD9-81ED-4DB2-BD59-A6C34878D82A}">
+                    <a16:rowId xmlns:a16="http://schemas.microsoft.com/office/drawing/2014/main" val="3233474513"/>
+                  </a:ext>
+                </a:extLst>
+              </a:tr>
+              <a:tr h="339090">
+                <a:tc>
+                  <a:txBody>
+                    <a:bodyPr/>
+                    <a:lstStyle/>
+                    <a:p>
+                      <a:r>
+                        <a:rPr lang="en-US" dirty="0"/>
+                        <a:t>1 - Decision Trees: </a:t>
+                      </a:r>
+                      <a:r>
+                        <a:rPr lang="en-US" dirty="0" err="1"/>
+                        <a:t>CatBoost</a:t>
+                      </a:r>
+                      <a:endParaRPr lang="en-US" dirty="0"/>
+                    </a:p>
+                  </a:txBody>
+                  <a:tcPr/>
+                </a:tc>
+                <a:tc>
+                  <a:txBody>
+                    <a:bodyPr/>
+                    <a:lstStyle/>
+                    <a:p>
+                      <a:r>
+                        <a:rPr lang="en-US" dirty="0"/>
+                        <a:t>57%</a:t>
+                      </a:r>
+                    </a:p>
+                  </a:txBody>
+                  <a:tcPr/>
+                </a:tc>
+                <a:extLst>
+                  <a:ext uri="{0D108BD9-81ED-4DB2-BD59-A6C34878D82A}">
+                    <a16:rowId xmlns:a16="http://schemas.microsoft.com/office/drawing/2014/main" val="4087743117"/>
+                  </a:ext>
+                </a:extLst>
+              </a:tr>
+              <a:tr h="339090">
+                <a:tc>
+                  <a:txBody>
+                    <a:bodyPr/>
+                    <a:lstStyle/>
+                    <a:p>
+                      <a:r>
+                        <a:rPr lang="en-US" dirty="0"/>
+                        <a:t>2 - </a:t>
+                      </a:r>
+                    </a:p>
+                  </a:txBody>
+                  <a:tcPr/>
+                </a:tc>
+                <a:tc>
+                  <a:txBody>
+                    <a:bodyPr/>
+                    <a:lstStyle/>
+                    <a:p>
+                      <a:endParaRPr lang="en-US" dirty="0"/>
+                    </a:p>
+                  </a:txBody>
+                  <a:tcPr/>
+                </a:tc>
+                <a:extLst>
+                  <a:ext uri="{0D108BD9-81ED-4DB2-BD59-A6C34878D82A}">
+                    <a16:rowId xmlns:a16="http://schemas.microsoft.com/office/drawing/2014/main" val="457912053"/>
+                  </a:ext>
+                </a:extLst>
+              </a:tr>
+              <a:tr h="339090">
+                <a:tc>
+                  <a:txBody>
+                    <a:bodyPr/>
+                    <a:lstStyle/>
+                    <a:p>
+                      <a:r>
+                        <a:rPr lang="en-US" dirty="0"/>
+                        <a:t>3a - Neural Networks (single-input)</a:t>
+                      </a:r>
+                    </a:p>
+                  </a:txBody>
+                  <a:tcPr/>
+                </a:tc>
+                <a:tc>
+                  <a:txBody>
+                    <a:bodyPr/>
+                    <a:lstStyle/>
+                    <a:p>
+                      <a:endParaRPr lang="en-US" dirty="0"/>
+                    </a:p>
+                  </a:txBody>
+                  <a:tcPr/>
+                </a:tc>
+                <a:extLst>
+                  <a:ext uri="{0D108BD9-81ED-4DB2-BD59-A6C34878D82A}">
+                    <a16:rowId xmlns:a16="http://schemas.microsoft.com/office/drawing/2014/main" val="3409824617"/>
+                  </a:ext>
+                </a:extLst>
+              </a:tr>
+              <a:tr h="339090">
+                <a:tc>
+                  <a:txBody>
+                    <a:bodyPr/>
+                    <a:lstStyle/>
+                    <a:p>
+                      <a:r>
+                        <a:rPr lang="en-US" dirty="0"/>
+                        <a:t>3b - Neural Networks (multi-input)</a:t>
+                      </a:r>
+                    </a:p>
+                  </a:txBody>
+                  <a:tcPr/>
+                </a:tc>
+                <a:tc>
+                  <a:txBody>
+                    <a:bodyPr/>
+                    <a:lstStyle/>
+                    <a:p>
+                      <a:endParaRPr lang="en-US" dirty="0"/>
+                    </a:p>
+                  </a:txBody>
+                  <a:tcPr/>
+                </a:tc>
+                <a:extLst>
+                  <a:ext uri="{0D108BD9-81ED-4DB2-BD59-A6C34878D82A}">
+                    <a16:rowId xmlns:a16="http://schemas.microsoft.com/office/drawing/2014/main" val="3907380416"/>
+                  </a:ext>
+                </a:extLst>
+              </a:tr>
+              <a:tr h="339090">
+                <a:tc>
+                  <a:txBody>
+                    <a:bodyPr/>
+                    <a:lstStyle/>
+                    <a:p>
+                      <a:r>
+                        <a:rPr lang="en-US" dirty="0"/>
+                        <a:t>4 - Transformers</a:t>
+                      </a:r>
+                    </a:p>
+                  </a:txBody>
+                  <a:tcPr/>
+                </a:tc>
+                <a:tc>
+                  <a:txBody>
+                    <a:bodyPr/>
+                    <a:lstStyle/>
+                    <a:p>
+                      <a:endParaRPr lang="en-US" dirty="0"/>
+                    </a:p>
+                  </a:txBody>
+                  <a:tcPr/>
+                </a:tc>
+                <a:extLst>
+                  <a:ext uri="{0D108BD9-81ED-4DB2-BD59-A6C34878D82A}">
+                    <a16:rowId xmlns:a16="http://schemas.microsoft.com/office/drawing/2014/main" val="1289569158"/>
+                  </a:ext>
+                </a:extLst>
+              </a:tr>
+            </a:tbl>
+          </a:graphicData>
+        </a:graphic>
+      </p:graphicFrame>
+    </p:spTree>
+    <p:extLst>
+      <p:ext uri="{BB962C8B-B14F-4D97-AF65-F5344CB8AC3E}">
+        <p14:creationId xmlns:p14="http://schemas.microsoft.com/office/powerpoint/2010/main" val="323304105"/>
+      </p:ext>
+    </p:extLst>
+  </p:cSld>
+  <p:clrMapOvr>
+    <a:masterClrMapping/>
+  </p:clrMapOvr>
+</p:sld>
+</file>
+
+<file path=ppt/slides/slide13.xml><?xml version="1.0" encoding="utf-8"?>
 <p:sld xmlns:a="http://schemas.openxmlformats.org/drawingml/2006/main" xmlns:r="http://schemas.openxmlformats.org/officeDocument/2006/relationships" xmlns:p="http://schemas.openxmlformats.org/presentationml/2006/main">
   <p:cSld>
     <p:spTree>
@@ -6966,6 +7358,19 @@
     <a:masterClrMapping/>
   </p:clrMapOvr>
 </p:sld>
+</file>
+
+<file path=ppt/tags/tag1.xml><?xml version="1.0" encoding="utf-8"?>
+<p:tagLst xmlns:a="http://schemas.openxmlformats.org/drawingml/2006/main" xmlns:r="http://schemas.openxmlformats.org/officeDocument/2006/relationships" xmlns:p="http://schemas.openxmlformats.org/presentationml/2006/main">
+  <p:tag name="MIO_GUID" val="08d70fdb-3d28-490a-af6c-95dc34f5f8cc"/>
+  <p:tag name="MIO_EKGUID" val="fa3adba4-b07a-4f40-9155-cf5c67b92b59"/>
+  <p:tag name="MIO_UPDATE" val="True"/>
+  <p:tag name="MIO_VERSION" val="18.03.2021 07:21:12"/>
+  <p:tag name="MIO_DBID" val="FDE84254-54DB-49E3-9A0E-CDE72035D530"/>
+  <p:tag name="MIO_LASTDOWNLOADED" val="12.05.2022 15:06:21.916"/>
+  <p:tag name="MIO_OBJECTNAME" val="07 Plain - Ocean"/>
+  <p:tag name="MIO_LASTEDITORNAME" val="Verena Kohl"/>
+</p:tagLst>
 </file>
 
 <file path=ppt/theme/theme1.xml><?xml version="1.0" encoding="utf-8"?>

--- a/hivprogression/peer-seminar.pptx
+++ b/hivprogression/peer-seminar.pptx
@@ -209,7 +209,7 @@
           <a:p>
             <a:fld id="{FF15E092-1992-4943-935E-43102BD0667C}" type="datetimeFigureOut">
               <a:rPr lang="en-US" smtClean="0"/>
-              <a:t>5/12/2022</a:t>
+              <a:t>5/12/22</a:t>
             </a:fld>
             <a:endParaRPr lang="en-US" dirty="0"/>
           </a:p>
@@ -4782,7 +4782,12 @@
             <p:ph type="title"/>
           </p:nvPr>
         </p:nvSpPr>
-        <p:spPr/>
+        <p:spPr>
+          <a:xfrm>
+            <a:off x="722871" y="313862"/>
+            <a:ext cx="9875520" cy="1356360"/>
+          </a:xfrm>
+        </p:spPr>
         <p:txBody>
           <a:bodyPr/>
           <a:lstStyle/>
@@ -4828,35 +4833,236 @@
               <a:t>o</a:t>
             </a:r>
             <a:r>
-              <a:rPr lang="en-150" dirty="0" err="1"/>
+              <a:rPr lang="en-150"/>
               <a:t>rmers</a:t>
             </a:r>
-            <a:endParaRPr lang="en-US" dirty="0"/>
-          </a:p>
-        </p:txBody>
-      </p:sp>
-      <p:sp>
-        <p:nvSpPr>
-          <p:cNvPr id="3" name="Content Placeholder 2">
+            <a:r>
+              <a:rPr lang="de-AT" dirty="0"/>
+              <a:t> NN</a:t>
+            </a:r>
+            <a:endParaRPr lang="en-US" dirty="0"/>
+          </a:p>
+        </p:txBody>
+      </p:sp>
+      <p:pic>
+        <p:nvPicPr>
+          <p:cNvPr id="5" name="Content Placeholder 4" descr="Diagram&#10;&#10;Description automatically generated with medium confidence">
             <a:extLst>
               <a:ext uri="{FF2B5EF4-FFF2-40B4-BE49-F238E27FC236}">
-                <a16:creationId xmlns:a16="http://schemas.microsoft.com/office/drawing/2014/main" id="{C26A4D4B-3627-4FD9-B3F0-7A6A1EA41D88}"/>
+                <a16:creationId xmlns:a16="http://schemas.microsoft.com/office/drawing/2014/main" id="{FF9D9E82-DD7D-4E92-8915-D42D207B81C0}"/>
               </a:ext>
             </a:extLst>
           </p:cNvPr>
-          <p:cNvSpPr>
-            <a:spLocks noGrp="1"/>
-          </p:cNvSpPr>
+          <p:cNvPicPr>
+            <a:picLocks noGrp="1" noChangeAspect="1"/>
+          </p:cNvPicPr>
           <p:nvPr>
             <p:ph idx="1"/>
           </p:nvPr>
-        </p:nvSpPr>
-        <p:spPr/>
-        <p:txBody>
-          <a:bodyPr/>
-          <a:lstStyle/>
-          <a:p>
-            <a:endParaRPr lang="en-US" dirty="0"/>
+        </p:nvPicPr>
+        <p:blipFill>
+          <a:blip r:embed="rId3">
+            <a:extLst>
+              <a:ext uri="{28A0092B-C50C-407E-A947-70E740481C1C}">
+                <a14:useLocalDpi xmlns:a14="http://schemas.microsoft.com/office/drawing/2010/main" val="0"/>
+              </a:ext>
+            </a:extLst>
+          </a:blip>
+          <a:stretch>
+            <a:fillRect/>
+          </a:stretch>
+        </p:blipFill>
+        <p:spPr>
+          <a:xfrm>
+            <a:off x="3632886" y="2033569"/>
+            <a:ext cx="8213125" cy="1703546"/>
+          </a:xfrm>
+        </p:spPr>
+      </p:pic>
+      <p:sp>
+        <p:nvSpPr>
+          <p:cNvPr id="6" name="TextBox 5">
+            <a:extLst>
+              <a:ext uri="{FF2B5EF4-FFF2-40B4-BE49-F238E27FC236}">
+                <a16:creationId xmlns:a16="http://schemas.microsoft.com/office/drawing/2014/main" id="{EF83405F-B4B4-AA53-7AA9-8AEAB5B060E7}"/>
+              </a:ext>
+            </a:extLst>
+          </p:cNvPr>
+          <p:cNvSpPr txBox="1"/>
+          <p:nvPr/>
+        </p:nvSpPr>
+        <p:spPr>
+          <a:xfrm>
+            <a:off x="345989" y="2068443"/>
+            <a:ext cx="3608173" cy="1631216"/>
+          </a:xfrm>
+          <a:prstGeom prst="rect">
+            <a:avLst/>
+          </a:prstGeom>
+          <a:noFill/>
+        </p:spPr>
+        <p:txBody>
+          <a:bodyPr wrap="square" rtlCol="0">
+            <a:spAutoFit/>
+          </a:bodyPr>
+          <a:lstStyle/>
+          <a:p>
+            <a:r>
+              <a:rPr lang="en-AT" sz="2000" dirty="0"/>
+              <a:t>Nucleotide </a:t>
+            </a:r>
+            <a:r>
+              <a:rPr lang="en-GB" sz="2000" dirty="0"/>
+              <a:t>sequence self-supervised pre-training</a:t>
+            </a:r>
+          </a:p>
+          <a:p>
+            <a:endParaRPr lang="en-GB" sz="2000" dirty="0"/>
+          </a:p>
+          <a:p>
+            <a:r>
+              <a:rPr lang="en-AT" sz="2000" dirty="0"/>
+              <a:t>Teach the model to understand nucleotide sequences</a:t>
+            </a:r>
+          </a:p>
+        </p:txBody>
+      </p:sp>
+      <p:sp>
+        <p:nvSpPr>
+          <p:cNvPr id="7" name="TextBox 6">
+            <a:extLst>
+              <a:ext uri="{FF2B5EF4-FFF2-40B4-BE49-F238E27FC236}">
+                <a16:creationId xmlns:a16="http://schemas.microsoft.com/office/drawing/2014/main" id="{EB171A2F-4ECC-BA89-1B5E-C00057757907}"/>
+              </a:ext>
+            </a:extLst>
+          </p:cNvPr>
+          <p:cNvSpPr txBox="1"/>
+          <p:nvPr/>
+        </p:nvSpPr>
+        <p:spPr>
+          <a:xfrm>
+            <a:off x="345989" y="4247149"/>
+            <a:ext cx="10484709" cy="707886"/>
+          </a:xfrm>
+          <a:prstGeom prst="rect">
+            <a:avLst/>
+          </a:prstGeom>
+          <a:noFill/>
+        </p:spPr>
+        <p:txBody>
+          <a:bodyPr wrap="square" rtlCol="0">
+            <a:spAutoFit/>
+          </a:bodyPr>
+          <a:lstStyle/>
+          <a:p>
+            <a:r>
+              <a:rPr lang="de-AT" sz="2000" dirty="0" err="1"/>
+              <a:t>Two</a:t>
+            </a:r>
+            <a:r>
+              <a:rPr lang="de-AT" sz="2000" dirty="0"/>
+              <a:t> </a:t>
+            </a:r>
+            <a:r>
+              <a:rPr lang="de-AT" sz="2000" dirty="0" err="1"/>
+              <a:t>independent</a:t>
+            </a:r>
+            <a:r>
+              <a:rPr lang="de-AT" sz="2000" dirty="0"/>
+              <a:t> </a:t>
+            </a:r>
+            <a:r>
+              <a:rPr lang="de-AT" sz="2000" dirty="0" err="1"/>
+              <a:t>transformer</a:t>
+            </a:r>
+            <a:r>
+              <a:rPr lang="de-AT" sz="2000" dirty="0"/>
+              <a:t> </a:t>
+            </a:r>
+            <a:r>
+              <a:rPr lang="de-AT" sz="2000" dirty="0" err="1"/>
+              <a:t>based</a:t>
+            </a:r>
+            <a:r>
+              <a:rPr lang="de-AT" sz="2000" dirty="0"/>
+              <a:t> </a:t>
+            </a:r>
+            <a:r>
+              <a:rPr lang="de-AT" sz="2000" dirty="0" err="1"/>
+              <a:t>language</a:t>
+            </a:r>
+            <a:r>
+              <a:rPr lang="de-AT" sz="2000" dirty="0"/>
+              <a:t> </a:t>
+            </a:r>
+            <a:r>
+              <a:rPr lang="de-AT" sz="2000"/>
+              <a:t>models, </a:t>
+            </a:r>
+            <a:r>
+              <a:rPr lang="de-AT" sz="2000" dirty="0" err="1"/>
+              <a:t>one</a:t>
+            </a:r>
+            <a:r>
+              <a:rPr lang="de-AT" sz="2000" dirty="0"/>
+              <a:t> </a:t>
+            </a:r>
+            <a:r>
+              <a:rPr lang="de-AT" sz="2000" dirty="0" err="1"/>
+              <a:t>for</a:t>
+            </a:r>
+            <a:r>
+              <a:rPr lang="de-AT" sz="2000" dirty="0"/>
+              <a:t> </a:t>
+            </a:r>
+            <a:r>
+              <a:rPr lang="en-GB" sz="2000" dirty="0"/>
+              <a:t>protease, another for the reverse </a:t>
+            </a:r>
+            <a:r>
+              <a:rPr lang="en-GB" sz="2000" dirty="0" err="1"/>
+              <a:t>transciptase</a:t>
+            </a:r>
+            <a:r>
+              <a:rPr lang="en-GB" sz="2000" dirty="0"/>
+              <a:t> sequence</a:t>
+            </a:r>
+            <a:endParaRPr lang="en-AT" sz="2000" dirty="0"/>
+          </a:p>
+        </p:txBody>
+      </p:sp>
+      <p:sp>
+        <p:nvSpPr>
+          <p:cNvPr id="9" name="TextBox 8">
+            <a:extLst>
+              <a:ext uri="{FF2B5EF4-FFF2-40B4-BE49-F238E27FC236}">
+                <a16:creationId xmlns:a16="http://schemas.microsoft.com/office/drawing/2014/main" id="{A603E677-ACE7-2E89-1CB9-E4A46D782C9F}"/>
+              </a:ext>
+            </a:extLst>
+          </p:cNvPr>
+          <p:cNvSpPr txBox="1"/>
+          <p:nvPr/>
+        </p:nvSpPr>
+        <p:spPr>
+          <a:xfrm>
+            <a:off x="345989" y="5157293"/>
+            <a:ext cx="10206681" cy="400110"/>
+          </a:xfrm>
+          <a:prstGeom prst="rect">
+            <a:avLst/>
+          </a:prstGeom>
+          <a:noFill/>
+        </p:spPr>
+        <p:txBody>
+          <a:bodyPr wrap="square" rtlCol="0">
+            <a:spAutoFit/>
+          </a:bodyPr>
+          <a:lstStyle/>
+          <a:p>
+            <a:r>
+              <a:rPr lang="en-AT" sz="2000" dirty="0"/>
+              <a:t>Both model provide a scalar representing the sequence to a 2-hidden layer MLP</a:t>
+            </a:r>
           </a:p>
         </p:txBody>
       </p:sp>
@@ -4913,7 +5119,7 @@
           <a:p>
             <a:r>
               <a:rPr lang="en-US" dirty="0"/>
-              <a:t>Method 4 – Transformers II</a:t>
+              <a:t>Method 4 – Transformers NN II</a:t>
             </a:r>
           </a:p>
         </p:txBody>
@@ -4939,7 +5145,51 @@
           <a:bodyPr/>
           <a:lstStyle/>
           <a:p>
-            <a:endParaRPr lang="en-US"/>
+            <a:r>
+              <a:rPr lang="en-US" dirty="0"/>
+              <a:t>Base model overfit super-hard</a:t>
+            </a:r>
+          </a:p>
+          <a:p>
+            <a:r>
+              <a:rPr lang="en-US" dirty="0"/>
+              <a:t>Techniques to mitigate this:</a:t>
+            </a:r>
+          </a:p>
+          <a:p>
+            <a:pPr lvl="1"/>
+            <a:r>
+              <a:rPr lang="en-US" dirty="0"/>
+              <a:t>Label smoothing: 0.1</a:t>
+            </a:r>
+          </a:p>
+          <a:p>
+            <a:pPr lvl="1"/>
+            <a:r>
+              <a:rPr lang="en-US" dirty="0"/>
+              <a:t>Weighted loss function (x4 for positive)</a:t>
+            </a:r>
+          </a:p>
+          <a:p>
+            <a:pPr lvl="1"/>
+            <a:r>
+              <a:rPr lang="en-US" dirty="0"/>
+              <a:t>Strong dropout: 0.5</a:t>
+            </a:r>
+          </a:p>
+          <a:p>
+            <a:pPr lvl="1"/>
+            <a:r>
+              <a:rPr lang="en-US" dirty="0"/>
+              <a:t>Weight decay: 3e-3</a:t>
+            </a:r>
+          </a:p>
+          <a:p>
+            <a:pPr lvl="1"/>
+            <a:r>
+              <a:rPr lang="en-US" dirty="0"/>
+              <a:t>Cosine learning rate annealing</a:t>
+            </a:r>
           </a:p>
         </p:txBody>
       </p:sp>
@@ -5020,7 +5270,7 @@
             </p:custDataLst>
             <p:extLst>
               <p:ext uri="{D42A27DB-BD31-4B8C-83A1-F6EECF244321}">
-                <p14:modId xmlns:p14="http://schemas.microsoft.com/office/powerpoint/2010/main" val="2057882429"/>
+                <p14:modId xmlns:p14="http://schemas.microsoft.com/office/powerpoint/2010/main" val="3313427097"/>
               </p:ext>
             </p:extLst>
           </p:nvPr>
@@ -5231,7 +5481,10 @@
                     <a:bodyPr/>
                     <a:lstStyle/>
                     <a:p>
-                      <a:endParaRPr lang="en-US" dirty="0"/>
+                      <a:r>
+                        <a:rPr lang="en-US" dirty="0"/>
+                        <a:t>63%</a:t>
+                      </a:r>
                     </a:p>
                   </a:txBody>
                   <a:tcPr/>

--- a/hivprogression/peer-seminar.pptx
+++ b/hivprogression/peer-seminar.pptx
@@ -5,7 +5,7 @@
     <p:sldMasterId id="2147483720" r:id="rId1"/>
   </p:sldMasterIdLst>
   <p:notesMasterIdLst>
-    <p:notesMasterId r:id="rId15"/>
+    <p:notesMasterId r:id="rId13"/>
   </p:notesMasterIdLst>
   <p:sldIdLst>
     <p:sldId id="256" r:id="rId2"/>
@@ -18,12 +18,13 @@
     <p:sldId id="263" r:id="rId9"/>
     <p:sldId id="267" r:id="rId10"/>
     <p:sldId id="268" r:id="rId11"/>
-    <p:sldId id="271" r:id="rId12"/>
-    <p:sldId id="270" r:id="rId13"/>
-    <p:sldId id="265" r:id="rId14"/>
+    <p:sldId id="265" r:id="rId12"/>
   </p:sldIdLst>
   <p:sldSz cx="12192000" cy="6858000"/>
   <p:notesSz cx="6858000" cy="9144000"/>
+  <p:custDataLst>
+    <p:tags r:id="rId14"/>
+  </p:custDataLst>
   <p:defaultTextStyle>
     <a:defPPr>
       <a:defRPr lang="en-US"/>
@@ -209,7 +210,7 @@
           <a:p>
             <a:fld id="{FF15E092-1992-4943-935E-43102BD0667C}" type="datetimeFigureOut">
               <a:rPr lang="en-US" smtClean="0"/>
-              <a:t>5/12/22</a:t>
+              <a:t>5/12/2022</a:t>
             </a:fld>
             <a:endParaRPr lang="en-US" dirty="0"/>
           </a:p>
@@ -709,7 +710,7 @@
           <a:p>
             <a:fld id="{9B90837C-2A10-4AC8-889C-F94049739914}" type="slidenum">
               <a:rPr lang="en-US" smtClean="0"/>
-              <a:t>13</a:t>
+              <a:t>11</a:t>
             </a:fld>
             <a:endParaRPr lang="en-US" dirty="0"/>
           </a:p>
@@ -4782,12 +4783,7 @@
             <p:ph type="title"/>
           </p:nvPr>
         </p:nvSpPr>
-        <p:spPr>
-          <a:xfrm>
-            <a:off x="722871" y="313862"/>
-            <a:ext cx="9875520" cy="1356360"/>
-          </a:xfrm>
-        </p:spPr>
+        <p:spPr/>
         <p:txBody>
           <a:bodyPr/>
           <a:lstStyle/>
@@ -4798,11 +4794,7 @@
             </a:r>
             <a:r>
               <a:rPr lang="en-150" dirty="0"/>
-              <a:t>4</a:t>
-            </a:r>
-            <a:r>
-              <a:rPr lang="de-DE" dirty="0"/>
-              <a:t> – </a:t>
+              <a:t>4 - </a:t>
             </a:r>
             <a:r>
               <a:rPr lang="en-US" dirty="0"/>
@@ -4833,236 +4825,35 @@
               <a:t>o</a:t>
             </a:r>
             <a:r>
-              <a:rPr lang="en-150"/>
+              <a:rPr lang="en-150" dirty="0" err="1"/>
               <a:t>rmers</a:t>
             </a:r>
-            <a:r>
-              <a:rPr lang="de-AT" dirty="0"/>
-              <a:t> NN</a:t>
-            </a:r>
-            <a:endParaRPr lang="en-US" dirty="0"/>
-          </a:p>
-        </p:txBody>
-      </p:sp>
-      <p:pic>
-        <p:nvPicPr>
-          <p:cNvPr id="5" name="Content Placeholder 4" descr="Diagram&#10;&#10;Description automatically generated with medium confidence">
+            <a:endParaRPr lang="en-US" dirty="0"/>
+          </a:p>
+        </p:txBody>
+      </p:sp>
+      <p:sp>
+        <p:nvSpPr>
+          <p:cNvPr id="3" name="Content Placeholder 2">
             <a:extLst>
               <a:ext uri="{FF2B5EF4-FFF2-40B4-BE49-F238E27FC236}">
-                <a16:creationId xmlns:a16="http://schemas.microsoft.com/office/drawing/2014/main" id="{FF9D9E82-DD7D-4E92-8915-D42D207B81C0}"/>
+                <a16:creationId xmlns:a16="http://schemas.microsoft.com/office/drawing/2014/main" id="{C26A4D4B-3627-4FD9-B3F0-7A6A1EA41D88}"/>
               </a:ext>
             </a:extLst>
           </p:cNvPr>
-          <p:cNvPicPr>
-            <a:picLocks noGrp="1" noChangeAspect="1"/>
-          </p:cNvPicPr>
+          <p:cNvSpPr>
+            <a:spLocks noGrp="1"/>
+          </p:cNvSpPr>
           <p:nvPr>
             <p:ph idx="1"/>
           </p:nvPr>
-        </p:nvPicPr>
-        <p:blipFill>
-          <a:blip r:embed="rId3">
-            <a:extLst>
-              <a:ext uri="{28A0092B-C50C-407E-A947-70E740481C1C}">
-                <a14:useLocalDpi xmlns:a14="http://schemas.microsoft.com/office/drawing/2010/main" val="0"/>
-              </a:ext>
-            </a:extLst>
-          </a:blip>
-          <a:stretch>
-            <a:fillRect/>
-          </a:stretch>
-        </p:blipFill>
-        <p:spPr>
-          <a:xfrm>
-            <a:off x="3632886" y="2033569"/>
-            <a:ext cx="8213125" cy="1703546"/>
-          </a:xfrm>
-        </p:spPr>
-      </p:pic>
-      <p:sp>
-        <p:nvSpPr>
-          <p:cNvPr id="6" name="TextBox 5">
-            <a:extLst>
-              <a:ext uri="{FF2B5EF4-FFF2-40B4-BE49-F238E27FC236}">
-                <a16:creationId xmlns:a16="http://schemas.microsoft.com/office/drawing/2014/main" id="{EF83405F-B4B4-AA53-7AA9-8AEAB5B060E7}"/>
-              </a:ext>
-            </a:extLst>
-          </p:cNvPr>
-          <p:cNvSpPr txBox="1"/>
-          <p:nvPr/>
-        </p:nvSpPr>
-        <p:spPr>
-          <a:xfrm>
-            <a:off x="345989" y="2068443"/>
-            <a:ext cx="3608173" cy="1631216"/>
-          </a:xfrm>
-          <a:prstGeom prst="rect">
-            <a:avLst/>
-          </a:prstGeom>
-          <a:noFill/>
-        </p:spPr>
-        <p:txBody>
-          <a:bodyPr wrap="square" rtlCol="0">
-            <a:spAutoFit/>
-          </a:bodyPr>
-          <a:lstStyle/>
-          <a:p>
-            <a:r>
-              <a:rPr lang="en-AT" sz="2000" dirty="0"/>
-              <a:t>Nucleotide </a:t>
-            </a:r>
-            <a:r>
-              <a:rPr lang="en-GB" sz="2000" dirty="0"/>
-              <a:t>sequence self-supervised pre-training</a:t>
-            </a:r>
-          </a:p>
-          <a:p>
-            <a:endParaRPr lang="en-GB" sz="2000" dirty="0"/>
-          </a:p>
-          <a:p>
-            <a:r>
-              <a:rPr lang="en-AT" sz="2000" dirty="0"/>
-              <a:t>Teach the model to understand nucleotide sequences</a:t>
-            </a:r>
-          </a:p>
-        </p:txBody>
-      </p:sp>
-      <p:sp>
-        <p:nvSpPr>
-          <p:cNvPr id="7" name="TextBox 6">
-            <a:extLst>
-              <a:ext uri="{FF2B5EF4-FFF2-40B4-BE49-F238E27FC236}">
-                <a16:creationId xmlns:a16="http://schemas.microsoft.com/office/drawing/2014/main" id="{EB171A2F-4ECC-BA89-1B5E-C00057757907}"/>
-              </a:ext>
-            </a:extLst>
-          </p:cNvPr>
-          <p:cNvSpPr txBox="1"/>
-          <p:nvPr/>
-        </p:nvSpPr>
-        <p:spPr>
-          <a:xfrm>
-            <a:off x="345989" y="4247149"/>
-            <a:ext cx="10484709" cy="707886"/>
-          </a:xfrm>
-          <a:prstGeom prst="rect">
-            <a:avLst/>
-          </a:prstGeom>
-          <a:noFill/>
-        </p:spPr>
-        <p:txBody>
-          <a:bodyPr wrap="square" rtlCol="0">
-            <a:spAutoFit/>
-          </a:bodyPr>
-          <a:lstStyle/>
-          <a:p>
-            <a:r>
-              <a:rPr lang="de-AT" sz="2000" dirty="0" err="1"/>
-              <a:t>Two</a:t>
-            </a:r>
-            <a:r>
-              <a:rPr lang="de-AT" sz="2000" dirty="0"/>
-              <a:t> </a:t>
-            </a:r>
-            <a:r>
-              <a:rPr lang="de-AT" sz="2000" dirty="0" err="1"/>
-              <a:t>independent</a:t>
-            </a:r>
-            <a:r>
-              <a:rPr lang="de-AT" sz="2000" dirty="0"/>
-              <a:t> </a:t>
-            </a:r>
-            <a:r>
-              <a:rPr lang="de-AT" sz="2000" dirty="0" err="1"/>
-              <a:t>transformer</a:t>
-            </a:r>
-            <a:r>
-              <a:rPr lang="de-AT" sz="2000" dirty="0"/>
-              <a:t> </a:t>
-            </a:r>
-            <a:r>
-              <a:rPr lang="de-AT" sz="2000" dirty="0" err="1"/>
-              <a:t>based</a:t>
-            </a:r>
-            <a:r>
-              <a:rPr lang="de-AT" sz="2000" dirty="0"/>
-              <a:t> </a:t>
-            </a:r>
-            <a:r>
-              <a:rPr lang="de-AT" sz="2000" dirty="0" err="1"/>
-              <a:t>language</a:t>
-            </a:r>
-            <a:r>
-              <a:rPr lang="de-AT" sz="2000" dirty="0"/>
-              <a:t> </a:t>
-            </a:r>
-            <a:r>
-              <a:rPr lang="de-AT" sz="2000"/>
-              <a:t>models, </a:t>
-            </a:r>
-            <a:r>
-              <a:rPr lang="de-AT" sz="2000" dirty="0" err="1"/>
-              <a:t>one</a:t>
-            </a:r>
-            <a:r>
-              <a:rPr lang="de-AT" sz="2000" dirty="0"/>
-              <a:t> </a:t>
-            </a:r>
-            <a:r>
-              <a:rPr lang="de-AT" sz="2000" dirty="0" err="1"/>
-              <a:t>for</a:t>
-            </a:r>
-            <a:r>
-              <a:rPr lang="de-AT" sz="2000" dirty="0"/>
-              <a:t> </a:t>
-            </a:r>
-            <a:r>
-              <a:rPr lang="en-GB" sz="2000" dirty="0"/>
-              <a:t>protease, another for the reverse </a:t>
-            </a:r>
-            <a:r>
-              <a:rPr lang="en-GB" sz="2000" dirty="0" err="1"/>
-              <a:t>transciptase</a:t>
-            </a:r>
-            <a:r>
-              <a:rPr lang="en-GB" sz="2000" dirty="0"/>
-              <a:t> sequence</a:t>
-            </a:r>
-            <a:endParaRPr lang="en-AT" sz="2000" dirty="0"/>
-          </a:p>
-        </p:txBody>
-      </p:sp>
-      <p:sp>
-        <p:nvSpPr>
-          <p:cNvPr id="9" name="TextBox 8">
-            <a:extLst>
-              <a:ext uri="{FF2B5EF4-FFF2-40B4-BE49-F238E27FC236}">
-                <a16:creationId xmlns:a16="http://schemas.microsoft.com/office/drawing/2014/main" id="{A603E677-ACE7-2E89-1CB9-E4A46D782C9F}"/>
-              </a:ext>
-            </a:extLst>
-          </p:cNvPr>
-          <p:cNvSpPr txBox="1"/>
-          <p:nvPr/>
-        </p:nvSpPr>
-        <p:spPr>
-          <a:xfrm>
-            <a:off x="345989" y="5157293"/>
-            <a:ext cx="10206681" cy="400110"/>
-          </a:xfrm>
-          <a:prstGeom prst="rect">
-            <a:avLst/>
-          </a:prstGeom>
-          <a:noFill/>
-        </p:spPr>
-        <p:txBody>
-          <a:bodyPr wrap="square" rtlCol="0">
-            <a:spAutoFit/>
-          </a:bodyPr>
-          <a:lstStyle/>
-          <a:p>
-            <a:r>
-              <a:rPr lang="en-AT" sz="2000" dirty="0"/>
-              <a:t>Both model provide a scalar representing the sequence to a 2-hidden layer MLP</a:t>
-            </a:r>
+        </p:nvSpPr>
+        <p:spPr/>
+        <p:txBody>
+          <a:bodyPr/>
+          <a:lstStyle/>
+          <a:p>
+            <a:endParaRPr lang="en-US" dirty="0"/>
           </a:p>
         </p:txBody>
       </p:sp>
@@ -5080,439 +4871,6 @@
 </file>
 
 <file path=ppt/slides/slide11.xml><?xml version="1.0" encoding="utf-8"?>
-<p:sld xmlns:a="http://schemas.openxmlformats.org/drawingml/2006/main" xmlns:r="http://schemas.openxmlformats.org/officeDocument/2006/relationships" xmlns:p="http://schemas.openxmlformats.org/presentationml/2006/main">
-  <p:cSld>
-    <p:spTree>
-      <p:nvGrpSpPr>
-        <p:cNvPr id="1" name=""/>
-        <p:cNvGrpSpPr/>
-        <p:nvPr/>
-      </p:nvGrpSpPr>
-      <p:grpSpPr>
-        <a:xfrm>
-          <a:off x="0" y="0"/>
-          <a:ext cx="0" cy="0"/>
-          <a:chOff x="0" y="0"/>
-          <a:chExt cx="0" cy="0"/>
-        </a:xfrm>
-      </p:grpSpPr>
-      <p:sp>
-        <p:nvSpPr>
-          <p:cNvPr id="2" name="Title 1">
-            <a:extLst>
-              <a:ext uri="{FF2B5EF4-FFF2-40B4-BE49-F238E27FC236}">
-                <a16:creationId xmlns:a16="http://schemas.microsoft.com/office/drawing/2014/main" id="{D269AE4E-0AEC-4FA0-A431-8E786CE3E6CC}"/>
-              </a:ext>
-            </a:extLst>
-          </p:cNvPr>
-          <p:cNvSpPr>
-            <a:spLocks noGrp="1"/>
-          </p:cNvSpPr>
-          <p:nvPr>
-            <p:ph type="title"/>
-          </p:nvPr>
-        </p:nvSpPr>
-        <p:spPr/>
-        <p:txBody>
-          <a:bodyPr/>
-          <a:lstStyle/>
-          <a:p>
-            <a:r>
-              <a:rPr lang="en-US" dirty="0"/>
-              <a:t>Method 4 – Transformers NN II</a:t>
-            </a:r>
-          </a:p>
-        </p:txBody>
-      </p:sp>
-      <p:sp>
-        <p:nvSpPr>
-          <p:cNvPr id="3" name="Content Placeholder 2">
-            <a:extLst>
-              <a:ext uri="{FF2B5EF4-FFF2-40B4-BE49-F238E27FC236}">
-                <a16:creationId xmlns:a16="http://schemas.microsoft.com/office/drawing/2014/main" id="{CBE73BFA-9B89-4915-9601-2DA348D89735}"/>
-              </a:ext>
-            </a:extLst>
-          </p:cNvPr>
-          <p:cNvSpPr>
-            <a:spLocks noGrp="1"/>
-          </p:cNvSpPr>
-          <p:nvPr>
-            <p:ph idx="1"/>
-          </p:nvPr>
-        </p:nvSpPr>
-        <p:spPr/>
-        <p:txBody>
-          <a:bodyPr/>
-          <a:lstStyle/>
-          <a:p>
-            <a:r>
-              <a:rPr lang="en-US" dirty="0"/>
-              <a:t>Base model overfit super-hard</a:t>
-            </a:r>
-          </a:p>
-          <a:p>
-            <a:r>
-              <a:rPr lang="en-US" dirty="0"/>
-              <a:t>Techniques to mitigate this:</a:t>
-            </a:r>
-          </a:p>
-          <a:p>
-            <a:pPr lvl="1"/>
-            <a:r>
-              <a:rPr lang="en-US" dirty="0"/>
-              <a:t>Label smoothing: 0.1</a:t>
-            </a:r>
-          </a:p>
-          <a:p>
-            <a:pPr lvl="1"/>
-            <a:r>
-              <a:rPr lang="en-US" dirty="0"/>
-              <a:t>Weighted loss function (x4 for positive)</a:t>
-            </a:r>
-          </a:p>
-          <a:p>
-            <a:pPr lvl="1"/>
-            <a:r>
-              <a:rPr lang="en-US" dirty="0"/>
-              <a:t>Strong dropout: 0.5</a:t>
-            </a:r>
-          </a:p>
-          <a:p>
-            <a:pPr lvl="1"/>
-            <a:r>
-              <a:rPr lang="en-US" dirty="0"/>
-              <a:t>Weight decay: 3e-3</a:t>
-            </a:r>
-          </a:p>
-          <a:p>
-            <a:pPr lvl="1"/>
-            <a:r>
-              <a:rPr lang="en-US" dirty="0"/>
-              <a:t>Cosine learning rate annealing</a:t>
-            </a:r>
-          </a:p>
-        </p:txBody>
-      </p:sp>
-    </p:spTree>
-    <p:extLst>
-      <p:ext uri="{BB962C8B-B14F-4D97-AF65-F5344CB8AC3E}">
-        <p14:creationId xmlns:p14="http://schemas.microsoft.com/office/powerpoint/2010/main" val="1239939738"/>
-      </p:ext>
-    </p:extLst>
-  </p:cSld>
-  <p:clrMapOvr>
-    <a:masterClrMapping/>
-  </p:clrMapOvr>
-</p:sld>
-</file>
-
-<file path=ppt/slides/slide12.xml><?xml version="1.0" encoding="utf-8"?>
-<p:sld xmlns:a="http://schemas.openxmlformats.org/drawingml/2006/main" xmlns:r="http://schemas.openxmlformats.org/officeDocument/2006/relationships" xmlns:p="http://schemas.openxmlformats.org/presentationml/2006/main">
-  <p:cSld>
-    <p:spTree>
-      <p:nvGrpSpPr>
-        <p:cNvPr id="1" name=""/>
-        <p:cNvGrpSpPr/>
-        <p:nvPr/>
-      </p:nvGrpSpPr>
-      <p:grpSpPr>
-        <a:xfrm>
-          <a:off x="0" y="0"/>
-          <a:ext cx="0" cy="0"/>
-          <a:chOff x="0" y="0"/>
-          <a:chExt cx="0" cy="0"/>
-        </a:xfrm>
-      </p:grpSpPr>
-      <p:sp>
-        <p:nvSpPr>
-          <p:cNvPr id="2" name="Title 1">
-            <a:extLst>
-              <a:ext uri="{FF2B5EF4-FFF2-40B4-BE49-F238E27FC236}">
-                <a16:creationId xmlns:a16="http://schemas.microsoft.com/office/drawing/2014/main" id="{8E303251-1B37-4CCC-97F9-8B00A6A29EA0}"/>
-              </a:ext>
-            </a:extLst>
-          </p:cNvPr>
-          <p:cNvSpPr>
-            <a:spLocks noGrp="1"/>
-          </p:cNvSpPr>
-          <p:nvPr>
-            <p:ph type="title"/>
-          </p:nvPr>
-        </p:nvSpPr>
-        <p:spPr/>
-        <p:txBody>
-          <a:bodyPr/>
-          <a:lstStyle/>
-          <a:p>
-            <a:r>
-              <a:rPr lang="en-US" dirty="0"/>
-              <a:t>Results &amp; Metrics</a:t>
-            </a:r>
-          </a:p>
-        </p:txBody>
-      </p:sp>
-      <p:graphicFrame>
-        <p:nvGraphicFramePr>
-          <p:cNvPr id="4" name="07 Plain - Ocean">
-            <a:extLst>
-              <a:ext uri="{FF2B5EF4-FFF2-40B4-BE49-F238E27FC236}">
-                <a16:creationId xmlns:a16="http://schemas.microsoft.com/office/drawing/2014/main" id="{30009468-47C1-4539-926E-ED8B64CE1F1D}"/>
-              </a:ext>
-            </a:extLst>
-          </p:cNvPr>
-          <p:cNvGraphicFramePr>
-            <a:graphicFrameLocks noGrp="1"/>
-          </p:cNvGraphicFramePr>
-          <p:nvPr>
-            <p:ph idx="1"/>
-            <p:custDataLst>
-              <p:tags r:id="rId1"/>
-            </p:custDataLst>
-            <p:extLst>
-              <p:ext uri="{D42A27DB-BD31-4B8C-83A1-F6EECF244321}">
-                <p14:modId xmlns:p14="http://schemas.microsoft.com/office/powerpoint/2010/main" val="3313427097"/>
-              </p:ext>
-            </p:extLst>
-          </p:nvPr>
-        </p:nvGraphicFramePr>
-        <p:xfrm>
-          <a:off x="1143000" y="2057400"/>
-          <a:ext cx="9779000" cy="2194560"/>
-        </p:xfrm>
-        <a:graphic>
-          <a:graphicData uri="http://schemas.openxmlformats.org/drawingml/2006/table">
-            <a:tbl>
-              <a:tblPr firstRow="1">
-                <a:tableStyleId>{93296810-A885-4BE3-A3E7-6D5BEEA58F35}</a:tableStyleId>
-              </a:tblPr>
-              <a:tblGrid>
-                <a:gridCol w="4996854">
-                  <a:extLst>
-                    <a:ext uri="{9D8B030D-6E8A-4147-A177-3AD203B41FA5}">
-                      <a16:colId xmlns:a16="http://schemas.microsoft.com/office/drawing/2014/main" val="3856644792"/>
-                    </a:ext>
-                  </a:extLst>
-                </a:gridCol>
-                <a:gridCol w="4782146">
-                  <a:extLst>
-                    <a:ext uri="{9D8B030D-6E8A-4147-A177-3AD203B41FA5}">
-                      <a16:colId xmlns:a16="http://schemas.microsoft.com/office/drawing/2014/main" val="744820826"/>
-                    </a:ext>
-                  </a:extLst>
-                </a:gridCol>
-              </a:tblGrid>
-              <a:tr h="339090">
-                <a:tc>
-                  <a:txBody>
-                    <a:bodyPr/>
-                    <a:lstStyle/>
-                    <a:p>
-                      <a:r>
-                        <a:rPr lang="en-US" dirty="0"/>
-                        <a:t>Method</a:t>
-                      </a:r>
-                    </a:p>
-                  </a:txBody>
-                  <a:tcPr/>
-                </a:tc>
-                <a:tc>
-                  <a:txBody>
-                    <a:bodyPr/>
-                    <a:lstStyle/>
-                    <a:p>
-                      <a:r>
-                        <a:rPr lang="en-US" dirty="0"/>
-                        <a:t>Test Accuracy</a:t>
-                      </a:r>
-                    </a:p>
-                  </a:txBody>
-                  <a:tcPr/>
-                </a:tc>
-                <a:extLst>
-                  <a:ext uri="{0D108BD9-81ED-4DB2-BD59-A6C34878D82A}">
-                    <a16:rowId xmlns:a16="http://schemas.microsoft.com/office/drawing/2014/main" val="3233474513"/>
-                  </a:ext>
-                </a:extLst>
-              </a:tr>
-              <a:tr h="339090">
-                <a:tc>
-                  <a:txBody>
-                    <a:bodyPr/>
-                    <a:lstStyle/>
-                    <a:p>
-                      <a:r>
-                        <a:rPr lang="en-US" dirty="0"/>
-                        <a:t>1 - Decision Trees: </a:t>
-                      </a:r>
-                      <a:r>
-                        <a:rPr lang="en-US" dirty="0" err="1"/>
-                        <a:t>CatBoost</a:t>
-                      </a:r>
-                      <a:endParaRPr lang="en-US" dirty="0"/>
-                    </a:p>
-                  </a:txBody>
-                  <a:tcPr/>
-                </a:tc>
-                <a:tc>
-                  <a:txBody>
-                    <a:bodyPr/>
-                    <a:lstStyle/>
-                    <a:p>
-                      <a:r>
-                        <a:rPr lang="en-US" dirty="0"/>
-                        <a:t>57%</a:t>
-                      </a:r>
-                    </a:p>
-                  </a:txBody>
-                  <a:tcPr/>
-                </a:tc>
-                <a:extLst>
-                  <a:ext uri="{0D108BD9-81ED-4DB2-BD59-A6C34878D82A}">
-                    <a16:rowId xmlns:a16="http://schemas.microsoft.com/office/drawing/2014/main" val="4087743117"/>
-                  </a:ext>
-                </a:extLst>
-              </a:tr>
-              <a:tr h="339090">
-                <a:tc>
-                  <a:txBody>
-                    <a:bodyPr/>
-                    <a:lstStyle/>
-                    <a:p>
-                      <a:r>
-                        <a:rPr lang="en-US" dirty="0"/>
-                        <a:t>2 - </a:t>
-                      </a:r>
-                    </a:p>
-                  </a:txBody>
-                  <a:tcPr/>
-                </a:tc>
-                <a:tc>
-                  <a:txBody>
-                    <a:bodyPr/>
-                    <a:lstStyle/>
-                    <a:p>
-                      <a:endParaRPr lang="en-US" dirty="0"/>
-                    </a:p>
-                  </a:txBody>
-                  <a:tcPr/>
-                </a:tc>
-                <a:extLst>
-                  <a:ext uri="{0D108BD9-81ED-4DB2-BD59-A6C34878D82A}">
-                    <a16:rowId xmlns:a16="http://schemas.microsoft.com/office/drawing/2014/main" val="457912053"/>
-                  </a:ext>
-                </a:extLst>
-              </a:tr>
-              <a:tr h="339090">
-                <a:tc>
-                  <a:txBody>
-                    <a:bodyPr/>
-                    <a:lstStyle/>
-                    <a:p>
-                      <a:r>
-                        <a:rPr lang="en-US" dirty="0"/>
-                        <a:t>3a - Neural Networks (single-input)</a:t>
-                      </a:r>
-                    </a:p>
-                  </a:txBody>
-                  <a:tcPr/>
-                </a:tc>
-                <a:tc>
-                  <a:txBody>
-                    <a:bodyPr/>
-                    <a:lstStyle/>
-                    <a:p>
-                      <a:endParaRPr lang="en-US" dirty="0"/>
-                    </a:p>
-                  </a:txBody>
-                  <a:tcPr/>
-                </a:tc>
-                <a:extLst>
-                  <a:ext uri="{0D108BD9-81ED-4DB2-BD59-A6C34878D82A}">
-                    <a16:rowId xmlns:a16="http://schemas.microsoft.com/office/drawing/2014/main" val="3409824617"/>
-                  </a:ext>
-                </a:extLst>
-              </a:tr>
-              <a:tr h="339090">
-                <a:tc>
-                  <a:txBody>
-                    <a:bodyPr/>
-                    <a:lstStyle/>
-                    <a:p>
-                      <a:r>
-                        <a:rPr lang="en-US" dirty="0"/>
-                        <a:t>3b - Neural Networks (multi-input)</a:t>
-                      </a:r>
-                    </a:p>
-                  </a:txBody>
-                  <a:tcPr/>
-                </a:tc>
-                <a:tc>
-                  <a:txBody>
-                    <a:bodyPr/>
-                    <a:lstStyle/>
-                    <a:p>
-                      <a:endParaRPr lang="en-US" dirty="0"/>
-                    </a:p>
-                  </a:txBody>
-                  <a:tcPr/>
-                </a:tc>
-                <a:extLst>
-                  <a:ext uri="{0D108BD9-81ED-4DB2-BD59-A6C34878D82A}">
-                    <a16:rowId xmlns:a16="http://schemas.microsoft.com/office/drawing/2014/main" val="3907380416"/>
-                  </a:ext>
-                </a:extLst>
-              </a:tr>
-              <a:tr h="339090">
-                <a:tc>
-                  <a:txBody>
-                    <a:bodyPr/>
-                    <a:lstStyle/>
-                    <a:p>
-                      <a:r>
-                        <a:rPr lang="en-US" dirty="0"/>
-                        <a:t>4 - Transformers</a:t>
-                      </a:r>
-                    </a:p>
-                  </a:txBody>
-                  <a:tcPr/>
-                </a:tc>
-                <a:tc>
-                  <a:txBody>
-                    <a:bodyPr/>
-                    <a:lstStyle/>
-                    <a:p>
-                      <a:r>
-                        <a:rPr lang="en-US" dirty="0"/>
-                        <a:t>63%</a:t>
-                      </a:r>
-                    </a:p>
-                  </a:txBody>
-                  <a:tcPr/>
-                </a:tc>
-                <a:extLst>
-                  <a:ext uri="{0D108BD9-81ED-4DB2-BD59-A6C34878D82A}">
-                    <a16:rowId xmlns:a16="http://schemas.microsoft.com/office/drawing/2014/main" val="1289569158"/>
-                  </a:ext>
-                </a:extLst>
-              </a:tr>
-            </a:tbl>
-          </a:graphicData>
-        </a:graphic>
-      </p:graphicFrame>
-    </p:spTree>
-    <p:extLst>
-      <p:ext uri="{BB962C8B-B14F-4D97-AF65-F5344CB8AC3E}">
-        <p14:creationId xmlns:p14="http://schemas.microsoft.com/office/powerpoint/2010/main" val="323304105"/>
-      </p:ext>
-    </p:extLst>
-  </p:cSld>
-  <p:clrMapOvr>
-    <a:masterClrMapping/>
-  </p:clrMapOvr>
-</p:sld>
-</file>
-
-<file path=ppt/slides/slide13.xml><?xml version="1.0" encoding="utf-8"?>
 <p:sld xmlns:a="http://schemas.openxmlformats.org/drawingml/2006/main" xmlns:r="http://schemas.openxmlformats.org/officeDocument/2006/relationships" xmlns:p="http://schemas.openxmlformats.org/presentationml/2006/main">
   <p:cSld>
     <p:spTree>
@@ -5759,7 +5117,7 @@
           <a:p>
             <a:r>
               <a:rPr lang="en-US" dirty="0"/>
-              <a:t>Classification</a:t>
+              <a:t>Binary classification</a:t>
             </a:r>
             <a:r>
               <a:rPr lang="en-150" dirty="0"/>
@@ -7019,7 +6377,7 @@
             <a:pPr lvl="1"/>
             <a:r>
               <a:rPr lang="en-US" dirty="0"/>
-              <a:t>Aggrupation – nucleotides combine in groups of 3</a:t>
+              <a:t>Grouping – nucleotides combine in groups of 3</a:t>
             </a:r>
           </a:p>
           <a:p>
@@ -7369,7 +6727,7 @@
           <a:p>
             <a:r>
               <a:rPr lang="en-US" dirty="0"/>
-              <a:t>Method 2</a:t>
+              <a:t>Method 2 – Naïve Bayes</a:t>
             </a:r>
           </a:p>
         </p:txBody>
@@ -7395,10 +6753,99 @@
           <a:bodyPr/>
           <a:lstStyle/>
           <a:p>
-            <a:endParaRPr lang="en-US" dirty="0"/>
-          </a:p>
-        </p:txBody>
-      </p:sp>
+            <a:r>
+              <a:rPr lang="en-US" dirty="0"/>
+              <a:t>Only sequences are used as features</a:t>
+            </a:r>
+          </a:p>
+          <a:p>
+            <a:r>
+              <a:rPr lang="en-US" dirty="0" err="1"/>
+              <a:t>Tf.idf</a:t>
+            </a:r>
+            <a:r>
+              <a:rPr lang="en-US" dirty="0"/>
+              <a:t> matrix of triples</a:t>
+            </a:r>
+          </a:p>
+          <a:p>
+            <a:r>
+              <a:rPr lang="en-US" dirty="0"/>
+              <a:t>Naïve </a:t>
+            </a:r>
+            <a:r>
+              <a:rPr lang="en-US" dirty="0" err="1"/>
+              <a:t>bayes</a:t>
+            </a:r>
+            <a:r>
+              <a:rPr lang="en-US" dirty="0"/>
+              <a:t> classifiers</a:t>
+            </a:r>
+          </a:p>
+          <a:p>
+            <a:endParaRPr lang="en-US" dirty="0"/>
+          </a:p>
+          <a:p>
+            <a:r>
+              <a:rPr lang="en-US" dirty="0"/>
+              <a:t>Test size 43%</a:t>
+            </a:r>
+          </a:p>
+          <a:p>
+            <a:r>
+              <a:rPr lang="en-US" dirty="0"/>
+              <a:t>Accuracy around 60%</a:t>
+            </a:r>
+          </a:p>
+          <a:p>
+            <a:r>
+              <a:rPr lang="en-US" dirty="0"/>
+              <a:t>Triplets in test set has </a:t>
+            </a:r>
+            <a:r>
+              <a:rPr lang="en-US"/>
+              <a:t>new values</a:t>
+            </a:r>
+            <a:endParaRPr lang="en-US" dirty="0"/>
+          </a:p>
+        </p:txBody>
+      </p:sp>
+      <p:pic>
+        <p:nvPicPr>
+          <p:cNvPr id="5" name="Picture 4">
+            <a:extLst>
+              <a:ext uri="{FF2B5EF4-FFF2-40B4-BE49-F238E27FC236}">
+                <a16:creationId xmlns:a16="http://schemas.microsoft.com/office/drawing/2014/main" id="{81DE636C-6E47-49E2-A3C8-1F509C832CBF}"/>
+              </a:ext>
+            </a:extLst>
+          </p:cNvPr>
+          <p:cNvPicPr>
+            <a:picLocks noChangeAspect="1"/>
+          </p:cNvPicPr>
+          <p:nvPr/>
+        </p:nvPicPr>
+        <p:blipFill>
+          <a:blip r:embed="rId3">
+            <a:extLst>
+              <a:ext uri="{28A0092B-C50C-407E-A947-70E740481C1C}">
+                <a14:useLocalDpi xmlns:a14="http://schemas.microsoft.com/office/drawing/2010/main" val="0"/>
+              </a:ext>
+            </a:extLst>
+          </a:blip>
+          <a:stretch>
+            <a:fillRect/>
+          </a:stretch>
+        </p:blipFill>
+        <p:spPr>
+          <a:xfrm>
+            <a:off x="6096000" y="2057400"/>
+            <a:ext cx="5299499" cy="1913709"/>
+          </a:xfrm>
+          <a:prstGeom prst="rect">
+            <a:avLst/>
+          </a:prstGeom>
+        </p:spPr>
+      </p:pic>
     </p:spTree>
     <p:extLst>
       <p:ext uri="{BB962C8B-B14F-4D97-AF65-F5344CB8AC3E}">
@@ -7615,14 +7062,7 @@
 
 <file path=ppt/tags/tag1.xml><?xml version="1.0" encoding="utf-8"?>
 <p:tagLst xmlns:a="http://schemas.openxmlformats.org/drawingml/2006/main" xmlns:r="http://schemas.openxmlformats.org/officeDocument/2006/relationships" xmlns:p="http://schemas.openxmlformats.org/presentationml/2006/main">
-  <p:tag name="MIO_GUID" val="08d70fdb-3d28-490a-af6c-95dc34f5f8cc"/>
-  <p:tag name="MIO_EKGUID" val="fa3adba4-b07a-4f40-9155-cf5c67b92b59"/>
-  <p:tag name="MIO_UPDATE" val="True"/>
-  <p:tag name="MIO_VERSION" val="18.03.2021 07:21:12"/>
-  <p:tag name="MIO_DBID" val="FDE84254-54DB-49E3-9A0E-CDE72035D530"/>
-  <p:tag name="MIO_LASTDOWNLOADED" val="12.05.2022 15:06:21.916"/>
-  <p:tag name="MIO_OBJECTNAME" val="07 Plain - Ocean"/>
-  <p:tag name="MIO_LASTEDITORNAME" val="Verena Kohl"/>
+  <p:tag name="INFINEON_CATEGORY" val="{&quot;CategoryList&quot;:[],&quot;CategoryDictionary&quot;:{}}"/>
 </p:tagLst>
 </file>
 

--- a/hivprogression/peer-seminar.pptx
+++ b/hivprogression/peer-seminar.pptx
@@ -5,7 +5,7 @@
     <p:sldMasterId id="2147483720" r:id="rId1"/>
   </p:sldMasterIdLst>
   <p:notesMasterIdLst>
-    <p:notesMasterId r:id="rId13"/>
+    <p:notesMasterId r:id="rId15"/>
   </p:notesMasterIdLst>
   <p:sldIdLst>
     <p:sldId id="256" r:id="rId2"/>
@@ -18,12 +18,14 @@
     <p:sldId id="263" r:id="rId9"/>
     <p:sldId id="267" r:id="rId10"/>
     <p:sldId id="268" r:id="rId11"/>
-    <p:sldId id="265" r:id="rId12"/>
+    <p:sldId id="271" r:id="rId12"/>
+    <p:sldId id="270" r:id="rId13"/>
+    <p:sldId id="265" r:id="rId14"/>
   </p:sldIdLst>
   <p:sldSz cx="12192000" cy="6858000"/>
   <p:notesSz cx="6858000" cy="9144000"/>
   <p:custDataLst>
-    <p:tags r:id="rId14"/>
+    <p:tags r:id="rId16"/>
   </p:custDataLst>
   <p:defaultTextStyle>
     <a:defPPr>
@@ -210,7 +212,7 @@
           <a:p>
             <a:fld id="{FF15E092-1992-4943-935E-43102BD0667C}" type="datetimeFigureOut">
               <a:rPr lang="en-US" smtClean="0"/>
-              <a:t>5/12/2022</a:t>
+              <a:t>5/12/22</a:t>
             </a:fld>
             <a:endParaRPr lang="en-US" dirty="0"/>
           </a:p>
@@ -710,7 +712,7 @@
           <a:p>
             <a:fld id="{9B90837C-2A10-4AC8-889C-F94049739914}" type="slidenum">
               <a:rPr lang="en-US" smtClean="0"/>
-              <a:t>11</a:t>
+              <a:t>13</a:t>
             </a:fld>
             <a:endParaRPr lang="en-US" dirty="0"/>
           </a:p>
@@ -4783,7 +4785,12 @@
             <p:ph type="title"/>
           </p:nvPr>
         </p:nvSpPr>
-        <p:spPr/>
+        <p:spPr>
+          <a:xfrm>
+            <a:off x="722871" y="313862"/>
+            <a:ext cx="9875520" cy="1356360"/>
+          </a:xfrm>
+        </p:spPr>
         <p:txBody>
           <a:bodyPr/>
           <a:lstStyle/>
@@ -4794,7 +4801,11 @@
             </a:r>
             <a:r>
               <a:rPr lang="en-150" dirty="0"/>
-              <a:t>4 - </a:t>
+              <a:t>4</a:t>
+            </a:r>
+            <a:r>
+              <a:rPr lang="de-DE" dirty="0"/>
+              <a:t> – </a:t>
             </a:r>
             <a:r>
               <a:rPr lang="en-US" dirty="0"/>
@@ -4825,35 +4836,236 @@
               <a:t>o</a:t>
             </a:r>
             <a:r>
-              <a:rPr lang="en-150" dirty="0" err="1"/>
+              <a:rPr lang="en-150"/>
               <a:t>rmers</a:t>
             </a:r>
-            <a:endParaRPr lang="en-US" dirty="0"/>
-          </a:p>
-        </p:txBody>
-      </p:sp>
-      <p:sp>
-        <p:nvSpPr>
-          <p:cNvPr id="3" name="Content Placeholder 2">
+            <a:r>
+              <a:rPr lang="de-AT" dirty="0"/>
+              <a:t> NN</a:t>
+            </a:r>
+            <a:endParaRPr lang="en-US" dirty="0"/>
+          </a:p>
+        </p:txBody>
+      </p:sp>
+      <p:pic>
+        <p:nvPicPr>
+          <p:cNvPr id="5" name="Content Placeholder 4" descr="Diagram&#10;&#10;Description automatically generated with medium confidence">
             <a:extLst>
               <a:ext uri="{FF2B5EF4-FFF2-40B4-BE49-F238E27FC236}">
-                <a16:creationId xmlns:a16="http://schemas.microsoft.com/office/drawing/2014/main" id="{C26A4D4B-3627-4FD9-B3F0-7A6A1EA41D88}"/>
+                <a16:creationId xmlns:a16="http://schemas.microsoft.com/office/drawing/2014/main" id="{FF9D9E82-DD7D-4E92-8915-D42D207B81C0}"/>
               </a:ext>
             </a:extLst>
           </p:cNvPr>
-          <p:cNvSpPr>
-            <a:spLocks noGrp="1"/>
-          </p:cNvSpPr>
+          <p:cNvPicPr>
+            <a:picLocks noGrp="1" noChangeAspect="1"/>
+          </p:cNvPicPr>
           <p:nvPr>
             <p:ph idx="1"/>
           </p:nvPr>
-        </p:nvSpPr>
-        <p:spPr/>
-        <p:txBody>
-          <a:bodyPr/>
-          <a:lstStyle/>
-          <a:p>
-            <a:endParaRPr lang="en-US" dirty="0"/>
+        </p:nvPicPr>
+        <p:blipFill>
+          <a:blip r:embed="rId3">
+            <a:extLst>
+              <a:ext uri="{28A0092B-C50C-407E-A947-70E740481C1C}">
+                <a14:useLocalDpi xmlns:a14="http://schemas.microsoft.com/office/drawing/2010/main" val="0"/>
+              </a:ext>
+            </a:extLst>
+          </a:blip>
+          <a:stretch>
+            <a:fillRect/>
+          </a:stretch>
+        </p:blipFill>
+        <p:spPr>
+          <a:xfrm>
+            <a:off x="3632886" y="2033569"/>
+            <a:ext cx="8213125" cy="1703546"/>
+          </a:xfrm>
+        </p:spPr>
+      </p:pic>
+      <p:sp>
+        <p:nvSpPr>
+          <p:cNvPr id="6" name="TextBox 5">
+            <a:extLst>
+              <a:ext uri="{FF2B5EF4-FFF2-40B4-BE49-F238E27FC236}">
+                <a16:creationId xmlns:a16="http://schemas.microsoft.com/office/drawing/2014/main" id="{EF83405F-B4B4-AA53-7AA9-8AEAB5B060E7}"/>
+              </a:ext>
+            </a:extLst>
+          </p:cNvPr>
+          <p:cNvSpPr txBox="1"/>
+          <p:nvPr/>
+        </p:nvSpPr>
+        <p:spPr>
+          <a:xfrm>
+            <a:off x="345989" y="2068443"/>
+            <a:ext cx="3608173" cy="1631216"/>
+          </a:xfrm>
+          <a:prstGeom prst="rect">
+            <a:avLst/>
+          </a:prstGeom>
+          <a:noFill/>
+        </p:spPr>
+        <p:txBody>
+          <a:bodyPr wrap="square" rtlCol="0">
+            <a:spAutoFit/>
+          </a:bodyPr>
+          <a:lstStyle/>
+          <a:p>
+            <a:r>
+              <a:rPr lang="en-AT" sz="2000" dirty="0"/>
+              <a:t>Nucleotide </a:t>
+            </a:r>
+            <a:r>
+              <a:rPr lang="en-GB" sz="2000" dirty="0"/>
+              <a:t>sequence self-supervised pre-training</a:t>
+            </a:r>
+          </a:p>
+          <a:p>
+            <a:endParaRPr lang="en-GB" sz="2000" dirty="0"/>
+          </a:p>
+          <a:p>
+            <a:r>
+              <a:rPr lang="en-AT" sz="2000" dirty="0"/>
+              <a:t>Teach the model to understand nucleotide sequences</a:t>
+            </a:r>
+          </a:p>
+        </p:txBody>
+      </p:sp>
+      <p:sp>
+        <p:nvSpPr>
+          <p:cNvPr id="7" name="TextBox 6">
+            <a:extLst>
+              <a:ext uri="{FF2B5EF4-FFF2-40B4-BE49-F238E27FC236}">
+                <a16:creationId xmlns:a16="http://schemas.microsoft.com/office/drawing/2014/main" id="{EB171A2F-4ECC-BA89-1B5E-C00057757907}"/>
+              </a:ext>
+            </a:extLst>
+          </p:cNvPr>
+          <p:cNvSpPr txBox="1"/>
+          <p:nvPr/>
+        </p:nvSpPr>
+        <p:spPr>
+          <a:xfrm>
+            <a:off x="345989" y="4247149"/>
+            <a:ext cx="10484709" cy="707886"/>
+          </a:xfrm>
+          <a:prstGeom prst="rect">
+            <a:avLst/>
+          </a:prstGeom>
+          <a:noFill/>
+        </p:spPr>
+        <p:txBody>
+          <a:bodyPr wrap="square" rtlCol="0">
+            <a:spAutoFit/>
+          </a:bodyPr>
+          <a:lstStyle/>
+          <a:p>
+            <a:r>
+              <a:rPr lang="de-AT" sz="2000" dirty="0" err="1"/>
+              <a:t>Two</a:t>
+            </a:r>
+            <a:r>
+              <a:rPr lang="de-AT" sz="2000" dirty="0"/>
+              <a:t> </a:t>
+            </a:r>
+            <a:r>
+              <a:rPr lang="de-AT" sz="2000" dirty="0" err="1"/>
+              <a:t>independent</a:t>
+            </a:r>
+            <a:r>
+              <a:rPr lang="de-AT" sz="2000" dirty="0"/>
+              <a:t> </a:t>
+            </a:r>
+            <a:r>
+              <a:rPr lang="de-AT" sz="2000" dirty="0" err="1"/>
+              <a:t>transformer</a:t>
+            </a:r>
+            <a:r>
+              <a:rPr lang="de-AT" sz="2000" dirty="0"/>
+              <a:t> </a:t>
+            </a:r>
+            <a:r>
+              <a:rPr lang="de-AT" sz="2000" dirty="0" err="1"/>
+              <a:t>based</a:t>
+            </a:r>
+            <a:r>
+              <a:rPr lang="de-AT" sz="2000" dirty="0"/>
+              <a:t> </a:t>
+            </a:r>
+            <a:r>
+              <a:rPr lang="de-AT" sz="2000" dirty="0" err="1"/>
+              <a:t>language</a:t>
+            </a:r>
+            <a:r>
+              <a:rPr lang="de-AT" sz="2000" dirty="0"/>
+              <a:t> </a:t>
+            </a:r>
+            <a:r>
+              <a:rPr lang="de-AT" sz="2000"/>
+              <a:t>models, </a:t>
+            </a:r>
+            <a:r>
+              <a:rPr lang="de-AT" sz="2000" dirty="0" err="1"/>
+              <a:t>one</a:t>
+            </a:r>
+            <a:r>
+              <a:rPr lang="de-AT" sz="2000" dirty="0"/>
+              <a:t> </a:t>
+            </a:r>
+            <a:r>
+              <a:rPr lang="de-AT" sz="2000" dirty="0" err="1"/>
+              <a:t>for</a:t>
+            </a:r>
+            <a:r>
+              <a:rPr lang="de-AT" sz="2000" dirty="0"/>
+              <a:t> </a:t>
+            </a:r>
+            <a:r>
+              <a:rPr lang="en-GB" sz="2000" dirty="0"/>
+              <a:t>protease, another for the reverse </a:t>
+            </a:r>
+            <a:r>
+              <a:rPr lang="en-GB" sz="2000" dirty="0" err="1"/>
+              <a:t>transciptase</a:t>
+            </a:r>
+            <a:r>
+              <a:rPr lang="en-GB" sz="2000" dirty="0"/>
+              <a:t> sequence</a:t>
+            </a:r>
+            <a:endParaRPr lang="en-AT" sz="2000" dirty="0"/>
+          </a:p>
+        </p:txBody>
+      </p:sp>
+      <p:sp>
+        <p:nvSpPr>
+          <p:cNvPr id="9" name="TextBox 8">
+            <a:extLst>
+              <a:ext uri="{FF2B5EF4-FFF2-40B4-BE49-F238E27FC236}">
+                <a16:creationId xmlns:a16="http://schemas.microsoft.com/office/drawing/2014/main" id="{A603E677-ACE7-2E89-1CB9-E4A46D782C9F}"/>
+              </a:ext>
+            </a:extLst>
+          </p:cNvPr>
+          <p:cNvSpPr txBox="1"/>
+          <p:nvPr/>
+        </p:nvSpPr>
+        <p:spPr>
+          <a:xfrm>
+            <a:off x="345989" y="5157293"/>
+            <a:ext cx="10206681" cy="400110"/>
+          </a:xfrm>
+          <a:prstGeom prst="rect">
+            <a:avLst/>
+          </a:prstGeom>
+          <a:noFill/>
+        </p:spPr>
+        <p:txBody>
+          <a:bodyPr wrap="square" rtlCol="0">
+            <a:spAutoFit/>
+          </a:bodyPr>
+          <a:lstStyle/>
+          <a:p>
+            <a:r>
+              <a:rPr lang="en-AT" sz="2000" dirty="0"/>
+              <a:t>Both model provide a scalar representing the sequence to a 2-hidden layer MLP</a:t>
+            </a:r>
           </a:p>
         </p:txBody>
       </p:sp>
@@ -4871,6 +5083,439 @@
 </file>
 
 <file path=ppt/slides/slide11.xml><?xml version="1.0" encoding="utf-8"?>
+<p:sld xmlns:a="http://schemas.openxmlformats.org/drawingml/2006/main" xmlns:r="http://schemas.openxmlformats.org/officeDocument/2006/relationships" xmlns:p="http://schemas.openxmlformats.org/presentationml/2006/main">
+  <p:cSld>
+    <p:spTree>
+      <p:nvGrpSpPr>
+        <p:cNvPr id="1" name=""/>
+        <p:cNvGrpSpPr/>
+        <p:nvPr/>
+      </p:nvGrpSpPr>
+      <p:grpSpPr>
+        <a:xfrm>
+          <a:off x="0" y="0"/>
+          <a:ext cx="0" cy="0"/>
+          <a:chOff x="0" y="0"/>
+          <a:chExt cx="0" cy="0"/>
+        </a:xfrm>
+      </p:grpSpPr>
+      <p:sp>
+        <p:nvSpPr>
+          <p:cNvPr id="2" name="Title 1">
+            <a:extLst>
+              <a:ext uri="{FF2B5EF4-FFF2-40B4-BE49-F238E27FC236}">
+                <a16:creationId xmlns:a16="http://schemas.microsoft.com/office/drawing/2014/main" id="{D269AE4E-0AEC-4FA0-A431-8E786CE3E6CC}"/>
+              </a:ext>
+            </a:extLst>
+          </p:cNvPr>
+          <p:cNvSpPr>
+            <a:spLocks noGrp="1"/>
+          </p:cNvSpPr>
+          <p:nvPr>
+            <p:ph type="title"/>
+          </p:nvPr>
+        </p:nvSpPr>
+        <p:spPr/>
+        <p:txBody>
+          <a:bodyPr/>
+          <a:lstStyle/>
+          <a:p>
+            <a:r>
+              <a:rPr lang="en-US" dirty="0"/>
+              <a:t>Method 4 – Transformers NN II</a:t>
+            </a:r>
+          </a:p>
+        </p:txBody>
+      </p:sp>
+      <p:sp>
+        <p:nvSpPr>
+          <p:cNvPr id="3" name="Content Placeholder 2">
+            <a:extLst>
+              <a:ext uri="{FF2B5EF4-FFF2-40B4-BE49-F238E27FC236}">
+                <a16:creationId xmlns:a16="http://schemas.microsoft.com/office/drawing/2014/main" id="{CBE73BFA-9B89-4915-9601-2DA348D89735}"/>
+              </a:ext>
+            </a:extLst>
+          </p:cNvPr>
+          <p:cNvSpPr>
+            <a:spLocks noGrp="1"/>
+          </p:cNvSpPr>
+          <p:nvPr>
+            <p:ph idx="1"/>
+          </p:nvPr>
+        </p:nvSpPr>
+        <p:spPr/>
+        <p:txBody>
+          <a:bodyPr/>
+          <a:lstStyle/>
+          <a:p>
+            <a:r>
+              <a:rPr lang="en-US" dirty="0"/>
+              <a:t>Base model overfit super-hard</a:t>
+            </a:r>
+          </a:p>
+          <a:p>
+            <a:r>
+              <a:rPr lang="en-US" dirty="0"/>
+              <a:t>Techniques to mitigate this:</a:t>
+            </a:r>
+          </a:p>
+          <a:p>
+            <a:pPr lvl="1"/>
+            <a:r>
+              <a:rPr lang="en-US" dirty="0"/>
+              <a:t>Label smoothing: 0.1</a:t>
+            </a:r>
+          </a:p>
+          <a:p>
+            <a:pPr lvl="1"/>
+            <a:r>
+              <a:rPr lang="en-US" dirty="0"/>
+              <a:t>Weighted loss function (x4 for positive)</a:t>
+            </a:r>
+          </a:p>
+          <a:p>
+            <a:pPr lvl="1"/>
+            <a:r>
+              <a:rPr lang="en-US" dirty="0"/>
+              <a:t>Strong dropout: 0.5</a:t>
+            </a:r>
+          </a:p>
+          <a:p>
+            <a:pPr lvl="1"/>
+            <a:r>
+              <a:rPr lang="en-US" dirty="0"/>
+              <a:t>Weight decay: 3e-3</a:t>
+            </a:r>
+          </a:p>
+          <a:p>
+            <a:pPr lvl="1"/>
+            <a:r>
+              <a:rPr lang="en-US" dirty="0"/>
+              <a:t>Cosine learning rate annealing</a:t>
+            </a:r>
+          </a:p>
+        </p:txBody>
+      </p:sp>
+    </p:spTree>
+    <p:extLst>
+      <p:ext uri="{BB962C8B-B14F-4D97-AF65-F5344CB8AC3E}">
+        <p14:creationId xmlns:p14="http://schemas.microsoft.com/office/powerpoint/2010/main" val="1239939738"/>
+      </p:ext>
+    </p:extLst>
+  </p:cSld>
+  <p:clrMapOvr>
+    <a:masterClrMapping/>
+  </p:clrMapOvr>
+</p:sld>
+</file>
+
+<file path=ppt/slides/slide12.xml><?xml version="1.0" encoding="utf-8"?>
+<p:sld xmlns:a="http://schemas.openxmlformats.org/drawingml/2006/main" xmlns:r="http://schemas.openxmlformats.org/officeDocument/2006/relationships" xmlns:p="http://schemas.openxmlformats.org/presentationml/2006/main">
+  <p:cSld>
+    <p:spTree>
+      <p:nvGrpSpPr>
+        <p:cNvPr id="1" name=""/>
+        <p:cNvGrpSpPr/>
+        <p:nvPr/>
+      </p:nvGrpSpPr>
+      <p:grpSpPr>
+        <a:xfrm>
+          <a:off x="0" y="0"/>
+          <a:ext cx="0" cy="0"/>
+          <a:chOff x="0" y="0"/>
+          <a:chExt cx="0" cy="0"/>
+        </a:xfrm>
+      </p:grpSpPr>
+      <p:sp>
+        <p:nvSpPr>
+          <p:cNvPr id="2" name="Title 1">
+            <a:extLst>
+              <a:ext uri="{FF2B5EF4-FFF2-40B4-BE49-F238E27FC236}">
+                <a16:creationId xmlns:a16="http://schemas.microsoft.com/office/drawing/2014/main" id="{8E303251-1B37-4CCC-97F9-8B00A6A29EA0}"/>
+              </a:ext>
+            </a:extLst>
+          </p:cNvPr>
+          <p:cNvSpPr>
+            <a:spLocks noGrp="1"/>
+          </p:cNvSpPr>
+          <p:nvPr>
+            <p:ph type="title"/>
+          </p:nvPr>
+        </p:nvSpPr>
+        <p:spPr/>
+        <p:txBody>
+          <a:bodyPr/>
+          <a:lstStyle/>
+          <a:p>
+            <a:r>
+              <a:rPr lang="en-US" dirty="0"/>
+              <a:t>Results &amp; Metrics</a:t>
+            </a:r>
+          </a:p>
+        </p:txBody>
+      </p:sp>
+      <p:graphicFrame>
+        <p:nvGraphicFramePr>
+          <p:cNvPr id="4" name="07 Plain - Ocean">
+            <a:extLst>
+              <a:ext uri="{FF2B5EF4-FFF2-40B4-BE49-F238E27FC236}">
+                <a16:creationId xmlns:a16="http://schemas.microsoft.com/office/drawing/2014/main" id="{30009468-47C1-4539-926E-ED8B64CE1F1D}"/>
+              </a:ext>
+            </a:extLst>
+          </p:cNvPr>
+          <p:cNvGraphicFramePr>
+            <a:graphicFrameLocks noGrp="1"/>
+          </p:cNvGraphicFramePr>
+          <p:nvPr>
+            <p:ph idx="1"/>
+            <p:custDataLst>
+              <p:tags r:id="rId1"/>
+            </p:custDataLst>
+            <p:extLst>
+              <p:ext uri="{D42A27DB-BD31-4B8C-83A1-F6EECF244321}">
+                <p14:modId xmlns:p14="http://schemas.microsoft.com/office/powerpoint/2010/main" val="3800121206"/>
+              </p:ext>
+            </p:extLst>
+          </p:nvPr>
+        </p:nvGraphicFramePr>
+        <p:xfrm>
+          <a:off x="1143000" y="2057400"/>
+          <a:ext cx="9779000" cy="2194560"/>
+        </p:xfrm>
+        <a:graphic>
+          <a:graphicData uri="http://schemas.openxmlformats.org/drawingml/2006/table">
+            <a:tbl>
+              <a:tblPr firstRow="1">
+                <a:tableStyleId>{93296810-A885-4BE3-A3E7-6D5BEEA58F35}</a:tableStyleId>
+              </a:tblPr>
+              <a:tblGrid>
+                <a:gridCol w="4996854">
+                  <a:extLst>
+                    <a:ext uri="{9D8B030D-6E8A-4147-A177-3AD203B41FA5}">
+                      <a16:colId xmlns:a16="http://schemas.microsoft.com/office/drawing/2014/main" val="3856644792"/>
+                    </a:ext>
+                  </a:extLst>
+                </a:gridCol>
+                <a:gridCol w="4782146">
+                  <a:extLst>
+                    <a:ext uri="{9D8B030D-6E8A-4147-A177-3AD203B41FA5}">
+                      <a16:colId xmlns:a16="http://schemas.microsoft.com/office/drawing/2014/main" val="744820826"/>
+                    </a:ext>
+                  </a:extLst>
+                </a:gridCol>
+              </a:tblGrid>
+              <a:tr h="339090">
+                <a:tc>
+                  <a:txBody>
+                    <a:bodyPr/>
+                    <a:lstStyle/>
+                    <a:p>
+                      <a:r>
+                        <a:rPr lang="en-US" dirty="0"/>
+                        <a:t>Method</a:t>
+                      </a:r>
+                    </a:p>
+                  </a:txBody>
+                  <a:tcPr/>
+                </a:tc>
+                <a:tc>
+                  <a:txBody>
+                    <a:bodyPr/>
+                    <a:lstStyle/>
+                    <a:p>
+                      <a:r>
+                        <a:rPr lang="en-US" dirty="0"/>
+                        <a:t>Test Accuracy</a:t>
+                      </a:r>
+                    </a:p>
+                  </a:txBody>
+                  <a:tcPr/>
+                </a:tc>
+                <a:extLst>
+                  <a:ext uri="{0D108BD9-81ED-4DB2-BD59-A6C34878D82A}">
+                    <a16:rowId xmlns:a16="http://schemas.microsoft.com/office/drawing/2014/main" val="3233474513"/>
+                  </a:ext>
+                </a:extLst>
+              </a:tr>
+              <a:tr h="339090">
+                <a:tc>
+                  <a:txBody>
+                    <a:bodyPr/>
+                    <a:lstStyle/>
+                    <a:p>
+                      <a:r>
+                        <a:rPr lang="en-US" dirty="0"/>
+                        <a:t>1 - Decision Trees: </a:t>
+                      </a:r>
+                      <a:r>
+                        <a:rPr lang="en-US" dirty="0" err="1"/>
+                        <a:t>CatBoost</a:t>
+                      </a:r>
+                      <a:endParaRPr lang="en-US" dirty="0"/>
+                    </a:p>
+                  </a:txBody>
+                  <a:tcPr/>
+                </a:tc>
+                <a:tc>
+                  <a:txBody>
+                    <a:bodyPr/>
+                    <a:lstStyle/>
+                    <a:p>
+                      <a:r>
+                        <a:rPr lang="en-US" dirty="0"/>
+                        <a:t>57%</a:t>
+                      </a:r>
+                    </a:p>
+                  </a:txBody>
+                  <a:tcPr/>
+                </a:tc>
+                <a:extLst>
+                  <a:ext uri="{0D108BD9-81ED-4DB2-BD59-A6C34878D82A}">
+                    <a16:rowId xmlns:a16="http://schemas.microsoft.com/office/drawing/2014/main" val="4087743117"/>
+                  </a:ext>
+                </a:extLst>
+              </a:tr>
+              <a:tr h="339090">
+                <a:tc>
+                  <a:txBody>
+                    <a:bodyPr/>
+                    <a:lstStyle/>
+                    <a:p>
+                      <a:r>
+                        <a:rPr lang="en-US" dirty="0"/>
+                        <a:t>2 – Naïve Bayes</a:t>
+                      </a:r>
+                    </a:p>
+                  </a:txBody>
+                  <a:tcPr/>
+                </a:tc>
+                <a:tc>
+                  <a:txBody>
+                    <a:bodyPr/>
+                    <a:lstStyle/>
+                    <a:p>
+                      <a:endParaRPr lang="en-US" dirty="0"/>
+                    </a:p>
+                  </a:txBody>
+                  <a:tcPr/>
+                </a:tc>
+                <a:extLst>
+                  <a:ext uri="{0D108BD9-81ED-4DB2-BD59-A6C34878D82A}">
+                    <a16:rowId xmlns:a16="http://schemas.microsoft.com/office/drawing/2014/main" val="457912053"/>
+                  </a:ext>
+                </a:extLst>
+              </a:tr>
+              <a:tr h="339090">
+                <a:tc>
+                  <a:txBody>
+                    <a:bodyPr/>
+                    <a:lstStyle/>
+                    <a:p>
+                      <a:r>
+                        <a:rPr lang="en-US" dirty="0"/>
+                        <a:t>3a - Neural Networks (single-input)</a:t>
+                      </a:r>
+                    </a:p>
+                  </a:txBody>
+                  <a:tcPr/>
+                </a:tc>
+                <a:tc>
+                  <a:txBody>
+                    <a:bodyPr/>
+                    <a:lstStyle/>
+                    <a:p>
+                      <a:endParaRPr lang="en-US" dirty="0"/>
+                    </a:p>
+                  </a:txBody>
+                  <a:tcPr/>
+                </a:tc>
+                <a:extLst>
+                  <a:ext uri="{0D108BD9-81ED-4DB2-BD59-A6C34878D82A}">
+                    <a16:rowId xmlns:a16="http://schemas.microsoft.com/office/drawing/2014/main" val="3409824617"/>
+                  </a:ext>
+                </a:extLst>
+              </a:tr>
+              <a:tr h="339090">
+                <a:tc>
+                  <a:txBody>
+                    <a:bodyPr/>
+                    <a:lstStyle/>
+                    <a:p>
+                      <a:r>
+                        <a:rPr lang="en-US" dirty="0"/>
+                        <a:t>3b - Neural Networks (multi-input)</a:t>
+                      </a:r>
+                    </a:p>
+                  </a:txBody>
+                  <a:tcPr/>
+                </a:tc>
+                <a:tc>
+                  <a:txBody>
+                    <a:bodyPr/>
+                    <a:lstStyle/>
+                    <a:p>
+                      <a:endParaRPr lang="en-US" dirty="0"/>
+                    </a:p>
+                  </a:txBody>
+                  <a:tcPr/>
+                </a:tc>
+                <a:extLst>
+                  <a:ext uri="{0D108BD9-81ED-4DB2-BD59-A6C34878D82A}">
+                    <a16:rowId xmlns:a16="http://schemas.microsoft.com/office/drawing/2014/main" val="3907380416"/>
+                  </a:ext>
+                </a:extLst>
+              </a:tr>
+              <a:tr h="339090">
+                <a:tc>
+                  <a:txBody>
+                    <a:bodyPr/>
+                    <a:lstStyle/>
+                    <a:p>
+                      <a:r>
+                        <a:rPr lang="en-US" dirty="0"/>
+                        <a:t>4 - Transformers</a:t>
+                      </a:r>
+                    </a:p>
+                  </a:txBody>
+                  <a:tcPr/>
+                </a:tc>
+                <a:tc>
+                  <a:txBody>
+                    <a:bodyPr/>
+                    <a:lstStyle/>
+                    <a:p>
+                      <a:r>
+                        <a:rPr lang="en-US" dirty="0"/>
+                        <a:t>63%</a:t>
+                      </a:r>
+                    </a:p>
+                  </a:txBody>
+                  <a:tcPr/>
+                </a:tc>
+                <a:extLst>
+                  <a:ext uri="{0D108BD9-81ED-4DB2-BD59-A6C34878D82A}">
+                    <a16:rowId xmlns:a16="http://schemas.microsoft.com/office/drawing/2014/main" val="1289569158"/>
+                  </a:ext>
+                </a:extLst>
+              </a:tr>
+            </a:tbl>
+          </a:graphicData>
+        </a:graphic>
+      </p:graphicFrame>
+    </p:spTree>
+    <p:extLst>
+      <p:ext uri="{BB962C8B-B14F-4D97-AF65-F5344CB8AC3E}">
+        <p14:creationId xmlns:p14="http://schemas.microsoft.com/office/powerpoint/2010/main" val="323304105"/>
+      </p:ext>
+    </p:extLst>
+  </p:cSld>
+  <p:clrMapOvr>
+    <a:masterClrMapping/>
+  </p:clrMapOvr>
+</p:sld>
+</file>
+
+<file path=ppt/slides/slide13.xml><?xml version="1.0" encoding="utf-8"?>
 <p:sld xmlns:a="http://schemas.openxmlformats.org/drawingml/2006/main" xmlns:r="http://schemas.openxmlformats.org/officeDocument/2006/relationships" xmlns:p="http://schemas.openxmlformats.org/presentationml/2006/main">
   <p:cSld>
     <p:spTree>
@@ -7063,6 +7708,19 @@
 <file path=ppt/tags/tag1.xml><?xml version="1.0" encoding="utf-8"?>
 <p:tagLst xmlns:a="http://schemas.openxmlformats.org/drawingml/2006/main" xmlns:r="http://schemas.openxmlformats.org/officeDocument/2006/relationships" xmlns:p="http://schemas.openxmlformats.org/presentationml/2006/main">
   <p:tag name="INFINEON_CATEGORY" val="{&quot;CategoryList&quot;:[],&quot;CategoryDictionary&quot;:{}}"/>
+</p:tagLst>
+</file>
+
+<file path=ppt/tags/tag2.xml><?xml version="1.0" encoding="utf-8"?>
+<p:tagLst xmlns:a="http://schemas.openxmlformats.org/drawingml/2006/main" xmlns:r="http://schemas.openxmlformats.org/officeDocument/2006/relationships" xmlns:p="http://schemas.openxmlformats.org/presentationml/2006/main">
+  <p:tag name="MIO_GUID" val="08d70fdb-3d28-490a-af6c-95dc34f5f8cc"/>
+  <p:tag name="MIO_EKGUID" val="fa3adba4-b07a-4f40-9155-cf5c67b92b59"/>
+  <p:tag name="MIO_UPDATE" val="True"/>
+  <p:tag name="MIO_VERSION" val="18.03.2021 07:21:12"/>
+  <p:tag name="MIO_DBID" val="FDE84254-54DB-49E3-9A0E-CDE72035D530"/>
+  <p:tag name="MIO_LASTDOWNLOADED" val="12.05.2022 15:06:21.916"/>
+  <p:tag name="MIO_OBJECTNAME" val="07 Plain - Ocean"/>
+  <p:tag name="MIO_LASTEDITORNAME" val="Verena Kohl"/>
 </p:tagLst>
 </file>
 

--- a/hivprogression/peer-seminar.pptx
+++ b/hivprogression/peer-seminar.pptx
@@ -212,7 +212,7 @@
           <a:p>
             <a:fld id="{FF15E092-1992-4943-935E-43102BD0667C}" type="datetimeFigureOut">
               <a:rPr lang="en-US" smtClean="0"/>
-              <a:t>5/12/22</a:t>
+              <a:t>5/13/2022</a:t>
             </a:fld>
             <a:endParaRPr lang="en-US" dirty="0"/>
           </a:p>
@@ -4785,54 +4785,49 @@
             <p:ph type="title"/>
           </p:nvPr>
         </p:nvSpPr>
-        <p:spPr>
-          <a:xfrm>
-            <a:off x="722871" y="313862"/>
-            <a:ext cx="9875520" cy="1356360"/>
-          </a:xfrm>
-        </p:spPr>
-        <p:txBody>
-          <a:bodyPr/>
-          <a:lstStyle/>
-          <a:p>
-            <a:r>
-              <a:rPr lang="en-US" dirty="0"/>
+        <p:spPr/>
+        <p:txBody>
+          <a:bodyPr/>
+          <a:lstStyle/>
+          <a:p>
+            <a:r>
+              <a:rPr lang="en-US"/>
               <a:t>Method </a:t>
             </a:r>
             <a:r>
-              <a:rPr lang="en-150" dirty="0"/>
+              <a:rPr lang="en-150"/>
               <a:t>4</a:t>
             </a:r>
             <a:r>
-              <a:rPr lang="de-DE" dirty="0"/>
+              <a:rPr lang="de-DE"/>
               <a:t> – </a:t>
             </a:r>
             <a:r>
-              <a:rPr lang="en-US" dirty="0"/>
+              <a:rPr lang="en-US"/>
               <a:t>T</a:t>
             </a:r>
             <a:r>
-              <a:rPr lang="en-150" dirty="0"/>
+              <a:rPr lang="en-150"/>
               <a:t>r</a:t>
             </a:r>
             <a:r>
-              <a:rPr lang="en-US" dirty="0"/>
+              <a:rPr lang="en-US"/>
               <a:t>a</a:t>
             </a:r>
             <a:r>
-              <a:rPr lang="en-150" dirty="0"/>
+              <a:rPr lang="en-150"/>
               <a:t>n</a:t>
             </a:r>
             <a:r>
-              <a:rPr lang="en-US" dirty="0"/>
+              <a:rPr lang="en-US"/>
               <a:t>s</a:t>
             </a:r>
             <a:r>
-              <a:rPr lang="en-150" dirty="0"/>
+              <a:rPr lang="en-150"/>
               <a:t>f</a:t>
             </a:r>
             <a:r>
-              <a:rPr lang="en-US" dirty="0"/>
+              <a:rPr lang="en-US"/>
               <a:t>o</a:t>
             </a:r>
             <a:r>
@@ -4840,8 +4835,8 @@
               <a:t>rmers</a:t>
             </a:r>
             <a:r>
-              <a:rPr lang="de-AT" dirty="0"/>
-              <a:t> NN</a:t>
+              <a:rPr lang="de-AT"/>
+              <a:t> NN (I)</a:t>
             </a:r>
             <a:endParaRPr lang="en-US" dirty="0"/>
           </a:p>
@@ -4877,8 +4872,8 @@
         </p:blipFill>
         <p:spPr>
           <a:xfrm>
-            <a:off x="3632886" y="2033569"/>
-            <a:ext cx="8213125" cy="1703546"/>
+            <a:off x="3806217" y="2170927"/>
+            <a:ext cx="7869801" cy="1631215"/>
           </a:xfrm>
         </p:spPr>
       </p:pic>
@@ -5122,7 +5117,7 @@
           <a:p>
             <a:r>
               <a:rPr lang="en-US" dirty="0"/>
-              <a:t>Method 4 – Transformers NN II</a:t>
+              <a:t>Method 4 – Transformers NN (II)</a:t>
             </a:r>
           </a:p>
         </p:txBody>
@@ -5595,7 +5590,10 @@
           </a:p>
           <a:p>
             <a:pPr lvl="1"/>
-            <a:endParaRPr lang="en-US" dirty="0"/>
+            <a:r>
+              <a:rPr lang="en-US" dirty="0"/>
+              <a:t>There is a strong bias offset in the training and test set. </a:t>
+            </a:r>
           </a:p>
           <a:p>
             <a:endParaRPr lang="en-US" dirty="0"/>
